--- a/Presentation_911_JiayuChen.pptx
+++ b/Presentation_911_JiayuChen.pptx
@@ -5,24 +5,26 @@
     <p:sldMasterId id="2147483648" r:id="rId1"/>
   </p:sldMasterIdLst>
   <p:notesMasterIdLst>
-    <p:notesMasterId r:id="rId17"/>
+    <p:notesMasterId r:id="rId19"/>
   </p:notesMasterIdLst>
   <p:sldIdLst>
     <p:sldId id="256" r:id="rId2"/>
     <p:sldId id="291" r:id="rId3"/>
     <p:sldId id="265" r:id="rId4"/>
     <p:sldId id="324" r:id="rId5"/>
-    <p:sldId id="327" r:id="rId6"/>
-    <p:sldId id="328" r:id="rId7"/>
-    <p:sldId id="325" r:id="rId8"/>
-    <p:sldId id="329" r:id="rId9"/>
-    <p:sldId id="330" r:id="rId10"/>
-    <p:sldId id="331" r:id="rId11"/>
-    <p:sldId id="326" r:id="rId12"/>
-    <p:sldId id="332" r:id="rId13"/>
-    <p:sldId id="268" r:id="rId14"/>
-    <p:sldId id="323" r:id="rId15"/>
-    <p:sldId id="263" r:id="rId16"/>
+    <p:sldId id="333" r:id="rId6"/>
+    <p:sldId id="327" r:id="rId7"/>
+    <p:sldId id="328" r:id="rId8"/>
+    <p:sldId id="325" r:id="rId9"/>
+    <p:sldId id="329" r:id="rId10"/>
+    <p:sldId id="334" r:id="rId11"/>
+    <p:sldId id="330" r:id="rId12"/>
+    <p:sldId id="331" r:id="rId13"/>
+    <p:sldId id="326" r:id="rId14"/>
+    <p:sldId id="336" r:id="rId15"/>
+    <p:sldId id="332" r:id="rId16"/>
+    <p:sldId id="323" r:id="rId17"/>
+    <p:sldId id="263" r:id="rId18"/>
   </p:sldIdLst>
   <p:sldSz cx="12192000" cy="6858000"/>
   <p:notesSz cx="6858000" cy="9144000"/>
@@ -223,7 +225,7 @@
           <a:p>
             <a:fld id="{F724740E-8F52-4821-8A8D-03DDEC038A3B}" type="datetimeFigureOut">
               <a:rPr lang="zh-CN" altLang="en-US" smtClean="0"/>
-              <a:t>2023-09-10</a:t>
+              <a:t>2023-09-11</a:t>
             </a:fld>
             <a:endParaRPr lang="zh-CN" altLang="en-US"/>
           </a:p>
@@ -670,15 +672,15 @@
             </a:r>
             <a:r>
               <a:rPr lang="en-US" altLang="zh-CN" dirty="0"/>
-              <a:t>W filter</a:t>
+              <a:t>Wiener filter</a:t>
             </a:r>
             <a:r>
               <a:rPr lang="zh-CN" altLang="en-US" dirty="0"/>
               <a:t>的效果，</a:t>
             </a:r>
             <a:r>
-              <a:rPr lang="en-US" altLang="zh-CN" dirty="0" err="1"/>
-              <a:t>wfilter</a:t>
+              <a:rPr lang="en-US" altLang="zh-CN" dirty="0"/>
+              <a:t>wiener filter </a:t>
             </a:r>
             <a:r>
               <a:rPr lang="zh-CN" altLang="en-US" dirty="0"/>
@@ -724,7 +726,7 @@
     </p:spTree>
     <p:extLst>
       <p:ext uri="{BB962C8B-B14F-4D97-AF65-F5344CB8AC3E}">
-        <p14:creationId xmlns:p14="http://schemas.microsoft.com/office/powerpoint/2010/main" val="2442243019"/>
+        <p14:creationId xmlns:p14="http://schemas.microsoft.com/office/powerpoint/2010/main" val="3930010153"/>
       </p:ext>
     </p:extLst>
   </p:cSld>
@@ -784,11 +786,35 @@
             </a:r>
             <a:r>
               <a:rPr lang="en-US" altLang="zh-CN" dirty="0"/>
-              <a:t>Nk2</a:t>
+              <a:t>Normal Noise</a:t>
             </a:r>
             <a:r>
               <a:rPr lang="zh-CN" altLang="en-US" dirty="0"/>
-              <a:t>的添加和直接添加之间的区别，时域和频域</a:t>
+              <a:t>的效果</a:t>
+            </a:r>
+            <a:r>
+              <a:rPr lang="en-US" altLang="zh-CN" dirty="0"/>
+              <a:t>, </a:t>
+            </a:r>
+            <a:r>
+              <a:rPr lang="zh-CN" altLang="en-US" dirty="0"/>
+              <a:t>这种情况下</a:t>
+            </a:r>
+            <a:r>
+              <a:rPr lang="en-US" altLang="zh-CN" dirty="0"/>
+              <a:t>SSA</a:t>
+            </a:r>
+            <a:r>
+              <a:rPr lang="zh-CN" altLang="en-US" dirty="0"/>
+              <a:t>并不起作用，因为</a:t>
+            </a:r>
+            <a:r>
+              <a:rPr lang="en-US" altLang="zh-CN" dirty="0"/>
+              <a:t>get</a:t>
+            </a:r>
+            <a:r>
+              <a:rPr lang="zh-CN" altLang="en-US" dirty="0"/>
+              <a:t>不到趋势</a:t>
             </a:r>
             <a:endParaRPr lang="en-US" altLang="zh-CN" dirty="0"/>
           </a:p>
@@ -802,16 +828,21 @@
             </a:r>
             <a:r>
               <a:rPr lang="en-US" altLang="zh-CN" dirty="0"/>
-              <a:t>S filter</a:t>
+              <a:t>W filter</a:t>
             </a:r>
             <a:r>
               <a:rPr lang="zh-CN" altLang="en-US" dirty="0"/>
-              <a:t>的效果，以及为什么可以代替</a:t>
+              <a:t>的效果，</a:t>
             </a:r>
             <a:r>
               <a:rPr lang="en-US" altLang="zh-CN" dirty="0"/>
-              <a:t>SSA</a:t>
-            </a:r>
+              <a:t>wiener filter</a:t>
+            </a:r>
+            <a:r>
+              <a:rPr lang="zh-CN" altLang="en-US" dirty="0"/>
+              <a:t>如何应用到了我们算法中去</a:t>
+            </a:r>
+            <a:endParaRPr lang="en-US" altLang="zh-CN" dirty="0"/>
           </a:p>
           <a:p>
             <a:endParaRPr lang="en-US" altLang="zh-CN" dirty="0"/>
@@ -821,9 +852,6 @@
               <a:rPr lang="zh-CN" altLang="en-US" dirty="0"/>
               <a:t>直接展示结果的表格</a:t>
             </a:r>
-            <a:endParaRPr lang="en-US" altLang="zh-CN" dirty="0"/>
-          </a:p>
-          <a:p>
             <a:endParaRPr lang="en-US" altLang="zh-CN" dirty="0"/>
           </a:p>
         </p:txBody>
@@ -854,7 +882,7 @@
     </p:spTree>
     <p:extLst>
       <p:ext uri="{BB962C8B-B14F-4D97-AF65-F5344CB8AC3E}">
-        <p14:creationId xmlns:p14="http://schemas.microsoft.com/office/powerpoint/2010/main" val="1742597435"/>
+        <p14:creationId xmlns:p14="http://schemas.microsoft.com/office/powerpoint/2010/main" val="2269488421"/>
       </p:ext>
     </p:extLst>
   </p:cSld>
@@ -914,11 +942,35 @@
             </a:r>
             <a:r>
               <a:rPr lang="en-US" altLang="zh-CN" dirty="0"/>
-              <a:t>Nk2</a:t>
+              <a:t>Normal Noise</a:t>
             </a:r>
             <a:r>
               <a:rPr lang="zh-CN" altLang="en-US" dirty="0"/>
-              <a:t>的添加和直接添加之间的区别，时域和频域</a:t>
+              <a:t>的效果</a:t>
+            </a:r>
+            <a:r>
+              <a:rPr lang="en-US" altLang="zh-CN" dirty="0"/>
+              <a:t>, </a:t>
+            </a:r>
+            <a:r>
+              <a:rPr lang="zh-CN" altLang="en-US" dirty="0"/>
+              <a:t>这种情况下</a:t>
+            </a:r>
+            <a:r>
+              <a:rPr lang="en-US" altLang="zh-CN" dirty="0"/>
+              <a:t>SSA</a:t>
+            </a:r>
+            <a:r>
+              <a:rPr lang="zh-CN" altLang="en-US" dirty="0"/>
+              <a:t>并不起作用，因为</a:t>
+            </a:r>
+            <a:r>
+              <a:rPr lang="en-US" altLang="zh-CN" dirty="0"/>
+              <a:t>get</a:t>
+            </a:r>
+            <a:r>
+              <a:rPr lang="zh-CN" altLang="en-US" dirty="0"/>
+              <a:t>不到趋势</a:t>
             </a:r>
             <a:endParaRPr lang="en-US" altLang="zh-CN" dirty="0"/>
           </a:p>
@@ -932,16 +984,21 @@
             </a:r>
             <a:r>
               <a:rPr lang="en-US" altLang="zh-CN" dirty="0"/>
-              <a:t>S filter</a:t>
+              <a:t>W filter</a:t>
             </a:r>
             <a:r>
               <a:rPr lang="zh-CN" altLang="en-US" dirty="0"/>
-              <a:t>的效果，以及为什么可以代替</a:t>
-            </a:r>
-            <a:r>
-              <a:rPr lang="en-US" altLang="zh-CN" dirty="0"/>
-              <a:t>SSA</a:t>
-            </a:r>
+              <a:t>的效果，</a:t>
+            </a:r>
+            <a:r>
+              <a:rPr lang="en-US" altLang="zh-CN" dirty="0" err="1"/>
+              <a:t>wfilter</a:t>
+            </a:r>
+            <a:r>
+              <a:rPr lang="zh-CN" altLang="en-US" dirty="0"/>
+              <a:t>如何应用到了我们算法中去</a:t>
+            </a:r>
+            <a:endParaRPr lang="en-US" altLang="zh-CN" dirty="0"/>
           </a:p>
           <a:p>
             <a:endParaRPr lang="en-US" altLang="zh-CN" dirty="0"/>
@@ -951,9 +1008,6 @@
               <a:rPr lang="zh-CN" altLang="en-US" dirty="0"/>
               <a:t>直接展示结果的表格</a:t>
             </a:r>
-            <a:endParaRPr lang="en-US" altLang="zh-CN" dirty="0"/>
-          </a:p>
-          <a:p>
             <a:endParaRPr lang="en-US" altLang="zh-CN" dirty="0"/>
           </a:p>
         </p:txBody>
@@ -984,7 +1038,7 @@
     </p:spTree>
     <p:extLst>
       <p:ext uri="{BB962C8B-B14F-4D97-AF65-F5344CB8AC3E}">
-        <p14:creationId xmlns:p14="http://schemas.microsoft.com/office/powerpoint/2010/main" val="3948487893"/>
+        <p14:creationId xmlns:p14="http://schemas.microsoft.com/office/powerpoint/2010/main" val="2442243019"/>
       </p:ext>
     </p:extLst>
   </p:cSld>
@@ -1038,6 +1092,52 @@
           <a:bodyPr/>
           <a:lstStyle/>
           <a:p>
+            <a:r>
+              <a:rPr lang="zh-CN" altLang="en-US" dirty="0"/>
+              <a:t>展示</a:t>
+            </a:r>
+            <a:r>
+              <a:rPr lang="en-US" altLang="zh-CN" dirty="0"/>
+              <a:t>Nk2</a:t>
+            </a:r>
+            <a:r>
+              <a:rPr lang="zh-CN" altLang="en-US" dirty="0"/>
+              <a:t>的添加和直接添加之间的区别，时域和频域</a:t>
+            </a:r>
+            <a:endParaRPr lang="en-US" altLang="zh-CN" dirty="0"/>
+          </a:p>
+          <a:p>
+            <a:endParaRPr lang="en-US" altLang="zh-CN" dirty="0"/>
+          </a:p>
+          <a:p>
+            <a:r>
+              <a:rPr lang="zh-CN" altLang="en-US" dirty="0"/>
+              <a:t>展示</a:t>
+            </a:r>
+            <a:r>
+              <a:rPr lang="en-US" altLang="zh-CN" dirty="0"/>
+              <a:t>S filter</a:t>
+            </a:r>
+            <a:r>
+              <a:rPr lang="zh-CN" altLang="en-US" dirty="0"/>
+              <a:t>的效果，以及为什么可以代替</a:t>
+            </a:r>
+            <a:r>
+              <a:rPr lang="en-US" altLang="zh-CN" dirty="0"/>
+              <a:t>SSA</a:t>
+            </a:r>
+          </a:p>
+          <a:p>
+            <a:endParaRPr lang="en-US" altLang="zh-CN" dirty="0"/>
+          </a:p>
+          <a:p>
+            <a:r>
+              <a:rPr lang="zh-CN" altLang="en-US" dirty="0"/>
+              <a:t>直接展示结果的表格</a:t>
+            </a:r>
+            <a:endParaRPr lang="en-US" altLang="zh-CN" dirty="0"/>
+          </a:p>
+          <a:p>
             <a:endParaRPr lang="en-US" altLang="zh-CN" dirty="0"/>
           </a:p>
         </p:txBody>
@@ -1068,7 +1168,7 @@
     </p:spTree>
     <p:extLst>
       <p:ext uri="{BB962C8B-B14F-4D97-AF65-F5344CB8AC3E}">
-        <p14:creationId xmlns:p14="http://schemas.microsoft.com/office/powerpoint/2010/main" val="2552014677"/>
+        <p14:creationId xmlns:p14="http://schemas.microsoft.com/office/powerpoint/2010/main" val="1742597435"/>
       </p:ext>
     </p:extLst>
   </p:cSld>
@@ -1122,6 +1222,52 @@
           <a:bodyPr/>
           <a:lstStyle/>
           <a:p>
+            <a:r>
+              <a:rPr lang="zh-CN" altLang="en-US" dirty="0"/>
+              <a:t>展示</a:t>
+            </a:r>
+            <a:r>
+              <a:rPr lang="en-US" altLang="zh-CN" dirty="0"/>
+              <a:t>Nk2</a:t>
+            </a:r>
+            <a:r>
+              <a:rPr lang="zh-CN" altLang="en-US" dirty="0"/>
+              <a:t>的添加和直接添加之间的区别，时域和频域</a:t>
+            </a:r>
+            <a:endParaRPr lang="en-US" altLang="zh-CN" dirty="0"/>
+          </a:p>
+          <a:p>
+            <a:endParaRPr lang="en-US" altLang="zh-CN" dirty="0"/>
+          </a:p>
+          <a:p>
+            <a:r>
+              <a:rPr lang="zh-CN" altLang="en-US" dirty="0"/>
+              <a:t>展示</a:t>
+            </a:r>
+            <a:r>
+              <a:rPr lang="en-US" altLang="zh-CN" dirty="0"/>
+              <a:t>S filter</a:t>
+            </a:r>
+            <a:r>
+              <a:rPr lang="zh-CN" altLang="en-US" dirty="0"/>
+              <a:t>的效果，以及为什么可以代替</a:t>
+            </a:r>
+            <a:r>
+              <a:rPr lang="en-US" altLang="zh-CN" dirty="0"/>
+              <a:t>SSA</a:t>
+            </a:r>
+          </a:p>
+          <a:p>
+            <a:endParaRPr lang="en-US" altLang="zh-CN" dirty="0"/>
+          </a:p>
+          <a:p>
+            <a:r>
+              <a:rPr lang="zh-CN" altLang="en-US" dirty="0"/>
+              <a:t>直接展示结果的表格</a:t>
+            </a:r>
+            <a:endParaRPr lang="en-US" altLang="zh-CN" dirty="0"/>
+          </a:p>
+          <a:p>
             <a:endParaRPr lang="en-US" altLang="zh-CN" dirty="0"/>
           </a:p>
         </p:txBody>
@@ -1152,7 +1298,7 @@
     </p:spTree>
     <p:extLst>
       <p:ext uri="{BB962C8B-B14F-4D97-AF65-F5344CB8AC3E}">
-        <p14:creationId xmlns:p14="http://schemas.microsoft.com/office/powerpoint/2010/main" val="2133028797"/>
+        <p14:creationId xmlns:p14="http://schemas.microsoft.com/office/powerpoint/2010/main" val="2015111354"/>
       </p:ext>
     </p:extLst>
   </p:cSld>
@@ -1206,7 +1352,53 @@
           <a:bodyPr/>
           <a:lstStyle/>
           <a:p>
-            <a:endParaRPr lang="zh-CN" altLang="en-US" dirty="0"/>
+            <a:r>
+              <a:rPr lang="zh-CN" altLang="en-US" dirty="0"/>
+              <a:t>展示</a:t>
+            </a:r>
+            <a:r>
+              <a:rPr lang="en-US" altLang="zh-CN" dirty="0"/>
+              <a:t>Nk2</a:t>
+            </a:r>
+            <a:r>
+              <a:rPr lang="zh-CN" altLang="en-US" dirty="0"/>
+              <a:t>的添加和直接添加之间的区别，时域和频域</a:t>
+            </a:r>
+            <a:endParaRPr lang="en-US" altLang="zh-CN" dirty="0"/>
+          </a:p>
+          <a:p>
+            <a:endParaRPr lang="en-US" altLang="zh-CN" dirty="0"/>
+          </a:p>
+          <a:p>
+            <a:r>
+              <a:rPr lang="zh-CN" altLang="en-US" dirty="0"/>
+              <a:t>展示</a:t>
+            </a:r>
+            <a:r>
+              <a:rPr lang="en-US" altLang="zh-CN" dirty="0"/>
+              <a:t>S filter</a:t>
+            </a:r>
+            <a:r>
+              <a:rPr lang="zh-CN" altLang="en-US" dirty="0"/>
+              <a:t>的效果，以及为什么可以代替</a:t>
+            </a:r>
+            <a:r>
+              <a:rPr lang="en-US" altLang="zh-CN" dirty="0"/>
+              <a:t>SSA</a:t>
+            </a:r>
+          </a:p>
+          <a:p>
+            <a:endParaRPr lang="en-US" altLang="zh-CN" dirty="0"/>
+          </a:p>
+          <a:p>
+            <a:r>
+              <a:rPr lang="zh-CN" altLang="en-US" dirty="0"/>
+              <a:t>直接展示结果的表格</a:t>
+            </a:r>
+            <a:endParaRPr lang="en-US" altLang="zh-CN" dirty="0"/>
+          </a:p>
+          <a:p>
+            <a:endParaRPr lang="en-US" altLang="zh-CN" dirty="0"/>
           </a:p>
         </p:txBody>
       </p:sp>
@@ -1228,6 +1420,174 @@
             <a:fld id="{E39FA662-60CA-45D5-8BB1-0A7D21FB8FF0}" type="slidenum">
               <a:rPr lang="zh-CN" altLang="en-US" smtClean="0"/>
               <a:t>15</a:t>
+            </a:fld>
+            <a:endParaRPr lang="zh-CN" altLang="en-US"/>
+          </a:p>
+        </p:txBody>
+      </p:sp>
+    </p:spTree>
+    <p:extLst>
+      <p:ext uri="{BB962C8B-B14F-4D97-AF65-F5344CB8AC3E}">
+        <p14:creationId xmlns:p14="http://schemas.microsoft.com/office/powerpoint/2010/main" val="3948487893"/>
+      </p:ext>
+    </p:extLst>
+  </p:cSld>
+  <p:clrMapOvr>
+    <a:masterClrMapping/>
+  </p:clrMapOvr>
+</p:notes>
+</file>
+
+<file path=ppt/notesSlides/notesSlide16.xml><?xml version="1.0" encoding="utf-8"?>
+<p:notes xmlns:a="http://schemas.openxmlformats.org/drawingml/2006/main" xmlns:r="http://schemas.openxmlformats.org/officeDocument/2006/relationships" xmlns:p="http://schemas.openxmlformats.org/presentationml/2006/main">
+  <p:cSld>
+    <p:spTree>
+      <p:nvGrpSpPr>
+        <p:cNvPr id="1" name=""/>
+        <p:cNvGrpSpPr/>
+        <p:nvPr/>
+      </p:nvGrpSpPr>
+      <p:grpSpPr>
+        <a:xfrm>
+          <a:off x="0" y="0"/>
+          <a:ext cx="0" cy="0"/>
+          <a:chOff x="0" y="0"/>
+          <a:chExt cx="0" cy="0"/>
+        </a:xfrm>
+      </p:grpSpPr>
+      <p:sp>
+        <p:nvSpPr>
+          <p:cNvPr id="2" name="幻灯片图像占位符 1"/>
+          <p:cNvSpPr>
+            <a:spLocks noGrp="1" noRot="1" noChangeAspect="1"/>
+          </p:cNvSpPr>
+          <p:nvPr>
+            <p:ph type="sldImg"/>
+          </p:nvPr>
+        </p:nvSpPr>
+        <p:spPr/>
+      </p:sp>
+      <p:sp>
+        <p:nvSpPr>
+          <p:cNvPr id="3" name="备注占位符 2"/>
+          <p:cNvSpPr>
+            <a:spLocks noGrp="1"/>
+          </p:cNvSpPr>
+          <p:nvPr>
+            <p:ph type="body" idx="1"/>
+          </p:nvPr>
+        </p:nvSpPr>
+        <p:spPr/>
+        <p:txBody>
+          <a:bodyPr/>
+          <a:lstStyle/>
+          <a:p>
+            <a:endParaRPr lang="en-US" altLang="zh-CN" dirty="0"/>
+          </a:p>
+        </p:txBody>
+      </p:sp>
+      <p:sp>
+        <p:nvSpPr>
+          <p:cNvPr id="4" name="灯片编号占位符 3"/>
+          <p:cNvSpPr>
+            <a:spLocks noGrp="1"/>
+          </p:cNvSpPr>
+          <p:nvPr>
+            <p:ph type="sldNum" sz="quarter" idx="5"/>
+          </p:nvPr>
+        </p:nvSpPr>
+        <p:spPr/>
+        <p:txBody>
+          <a:bodyPr/>
+          <a:lstStyle/>
+          <a:p>
+            <a:fld id="{E39FA662-60CA-45D5-8BB1-0A7D21FB8FF0}" type="slidenum">
+              <a:rPr lang="zh-CN" altLang="en-US" smtClean="0"/>
+              <a:t>16</a:t>
+            </a:fld>
+            <a:endParaRPr lang="zh-CN" altLang="en-US"/>
+          </a:p>
+        </p:txBody>
+      </p:sp>
+    </p:spTree>
+    <p:extLst>
+      <p:ext uri="{BB962C8B-B14F-4D97-AF65-F5344CB8AC3E}">
+        <p14:creationId xmlns:p14="http://schemas.microsoft.com/office/powerpoint/2010/main" val="2133028797"/>
+      </p:ext>
+    </p:extLst>
+  </p:cSld>
+  <p:clrMapOvr>
+    <a:masterClrMapping/>
+  </p:clrMapOvr>
+</p:notes>
+</file>
+
+<file path=ppt/notesSlides/notesSlide17.xml><?xml version="1.0" encoding="utf-8"?>
+<p:notes xmlns:a="http://schemas.openxmlformats.org/drawingml/2006/main" xmlns:r="http://schemas.openxmlformats.org/officeDocument/2006/relationships" xmlns:p="http://schemas.openxmlformats.org/presentationml/2006/main">
+  <p:cSld>
+    <p:spTree>
+      <p:nvGrpSpPr>
+        <p:cNvPr id="1" name=""/>
+        <p:cNvGrpSpPr/>
+        <p:nvPr/>
+      </p:nvGrpSpPr>
+      <p:grpSpPr>
+        <a:xfrm>
+          <a:off x="0" y="0"/>
+          <a:ext cx="0" cy="0"/>
+          <a:chOff x="0" y="0"/>
+          <a:chExt cx="0" cy="0"/>
+        </a:xfrm>
+      </p:grpSpPr>
+      <p:sp>
+        <p:nvSpPr>
+          <p:cNvPr id="2" name="幻灯片图像占位符 1"/>
+          <p:cNvSpPr>
+            <a:spLocks noGrp="1" noRot="1" noChangeAspect="1"/>
+          </p:cNvSpPr>
+          <p:nvPr>
+            <p:ph type="sldImg"/>
+          </p:nvPr>
+        </p:nvSpPr>
+        <p:spPr/>
+      </p:sp>
+      <p:sp>
+        <p:nvSpPr>
+          <p:cNvPr id="3" name="备注占位符 2"/>
+          <p:cNvSpPr>
+            <a:spLocks noGrp="1"/>
+          </p:cNvSpPr>
+          <p:nvPr>
+            <p:ph type="body" idx="1"/>
+          </p:nvPr>
+        </p:nvSpPr>
+        <p:spPr/>
+        <p:txBody>
+          <a:bodyPr/>
+          <a:lstStyle/>
+          <a:p>
+            <a:endParaRPr lang="zh-CN" altLang="en-US" dirty="0"/>
+          </a:p>
+        </p:txBody>
+      </p:sp>
+      <p:sp>
+        <p:nvSpPr>
+          <p:cNvPr id="4" name="灯片编号占位符 3"/>
+          <p:cNvSpPr>
+            <a:spLocks noGrp="1"/>
+          </p:cNvSpPr>
+          <p:nvPr>
+            <p:ph type="sldNum" sz="quarter" idx="5"/>
+          </p:nvPr>
+        </p:nvSpPr>
+        <p:spPr/>
+        <p:txBody>
+          <a:bodyPr/>
+          <a:lstStyle/>
+          <a:p>
+            <a:fld id="{E39FA662-60CA-45D5-8BB1-0A7D21FB8FF0}" type="slidenum">
+              <a:rPr lang="zh-CN" altLang="en-US" smtClean="0"/>
+              <a:t>17</a:t>
             </a:fld>
             <a:endParaRPr lang="zh-CN" altLang="en-US"/>
           </a:p>
@@ -1806,7 +2166,7 @@
     </p:spTree>
     <p:extLst>
       <p:ext uri="{BB962C8B-B14F-4D97-AF65-F5344CB8AC3E}">
-        <p14:creationId xmlns:p14="http://schemas.microsoft.com/office/powerpoint/2010/main" val="2807369890"/>
+        <p14:creationId xmlns:p14="http://schemas.microsoft.com/office/powerpoint/2010/main" val="2165392167"/>
       </p:ext>
     </p:extLst>
   </p:cSld>
@@ -1922,7 +2282,7 @@
     </p:spTree>
     <p:extLst>
       <p:ext uri="{BB962C8B-B14F-4D97-AF65-F5344CB8AC3E}">
-        <p14:creationId xmlns:p14="http://schemas.microsoft.com/office/powerpoint/2010/main" val="2433321848"/>
+        <p14:creationId xmlns:p14="http://schemas.microsoft.com/office/powerpoint/2010/main" val="2807369890"/>
       </p:ext>
     </p:extLst>
   </p:cSld>
@@ -1978,75 +2338,35 @@
           <a:p>
             <a:r>
               <a:rPr lang="zh-CN" altLang="en-US" dirty="0"/>
-              <a:t>展示</a:t>
-            </a:r>
-            <a:r>
-              <a:rPr lang="en-US" altLang="zh-CN" dirty="0"/>
-              <a:t>Normal Noise</a:t>
-            </a:r>
+              <a:t>展示频域的</a:t>
+            </a:r>
+            <a:endParaRPr lang="en-US" altLang="zh-CN" dirty="0"/>
+          </a:p>
+          <a:p>
+            <a:endParaRPr lang="en-US" altLang="zh-CN" dirty="0"/>
+          </a:p>
+          <a:p>
             <a:r>
               <a:rPr lang="zh-CN" altLang="en-US" dirty="0"/>
-              <a:t>的效果</a:t>
-            </a:r>
-            <a:r>
-              <a:rPr lang="en-US" altLang="zh-CN" dirty="0"/>
-              <a:t>, </a:t>
+              <a:t>展示单个信号使用</a:t>
+            </a:r>
+            <a:r>
+              <a:rPr lang="en-US" altLang="zh-CN" dirty="0" err="1"/>
+              <a:t>fft</a:t>
             </a:r>
             <a:r>
               <a:rPr lang="zh-CN" altLang="en-US" dirty="0"/>
-              <a:t>这种情况下</a:t>
-            </a:r>
-            <a:r>
-              <a:rPr lang="en-US" altLang="zh-CN" dirty="0"/>
-              <a:t>SSA</a:t>
-            </a:r>
+              <a:t>以后的效果</a:t>
+            </a:r>
+            <a:endParaRPr lang="en-US" altLang="zh-CN" dirty="0"/>
+          </a:p>
+          <a:p>
+            <a:endParaRPr lang="en-US" altLang="zh-CN" dirty="0"/>
+          </a:p>
+          <a:p>
             <a:r>
               <a:rPr lang="zh-CN" altLang="en-US" dirty="0"/>
-              <a:t>并不起作用，因为</a:t>
-            </a:r>
-            <a:r>
-              <a:rPr lang="en-US" altLang="zh-CN" dirty="0"/>
-              <a:t>get</a:t>
-            </a:r>
-            <a:r>
-              <a:rPr lang="zh-CN" altLang="en-US" dirty="0"/>
-              <a:t>不到趋势</a:t>
-            </a:r>
-            <a:endParaRPr lang="en-US" altLang="zh-CN" dirty="0"/>
-          </a:p>
-          <a:p>
-            <a:endParaRPr lang="en-US" altLang="zh-CN" dirty="0"/>
-          </a:p>
-          <a:p>
-            <a:r>
-              <a:rPr lang="zh-CN" altLang="en-US" dirty="0"/>
-              <a:t>展示</a:t>
-            </a:r>
-            <a:r>
-              <a:rPr lang="en-US" altLang="zh-CN" dirty="0"/>
-              <a:t>W filter</a:t>
-            </a:r>
-            <a:r>
-              <a:rPr lang="zh-CN" altLang="en-US" dirty="0"/>
-              <a:t>的效果，</a:t>
-            </a:r>
-            <a:r>
-              <a:rPr lang="en-US" altLang="zh-CN" dirty="0" err="1"/>
-              <a:t>wfilter</a:t>
-            </a:r>
-            <a:r>
-              <a:rPr lang="zh-CN" altLang="en-US" dirty="0"/>
-              <a:t>如何应用到了我们算法中去</a:t>
-            </a:r>
-            <a:endParaRPr lang="en-US" altLang="zh-CN" dirty="0"/>
-          </a:p>
-          <a:p>
-            <a:endParaRPr lang="en-US" altLang="zh-CN" dirty="0"/>
-          </a:p>
-          <a:p>
-            <a:r>
-              <a:rPr lang="zh-CN" altLang="en-US" dirty="0"/>
-              <a:t>直接展示结果的表格</a:t>
+              <a:t>展示数据集上测试的结果</a:t>
             </a:r>
             <a:endParaRPr lang="en-US" altLang="zh-CN" dirty="0"/>
           </a:p>
@@ -2078,7 +2398,7 @@
     </p:spTree>
     <p:extLst>
       <p:ext uri="{BB962C8B-B14F-4D97-AF65-F5344CB8AC3E}">
-        <p14:creationId xmlns:p14="http://schemas.microsoft.com/office/powerpoint/2010/main" val="868948548"/>
+        <p14:creationId xmlns:p14="http://schemas.microsoft.com/office/powerpoint/2010/main" val="2433321848"/>
       </p:ext>
     </p:extLst>
   </p:cSld>
@@ -2180,15 +2500,15 @@
             </a:r>
             <a:r>
               <a:rPr lang="en-US" altLang="zh-CN" dirty="0"/>
-              <a:t>Wiener filter</a:t>
+              <a:t>W filter</a:t>
             </a:r>
             <a:r>
               <a:rPr lang="zh-CN" altLang="en-US" dirty="0"/>
               <a:t>的效果，</a:t>
             </a:r>
             <a:r>
-              <a:rPr lang="en-US" altLang="zh-CN" dirty="0"/>
-              <a:t>wiener filter </a:t>
+              <a:rPr lang="en-US" altLang="zh-CN" dirty="0" err="1"/>
+              <a:t>wfilter</a:t>
             </a:r>
             <a:r>
               <a:rPr lang="zh-CN" altLang="en-US" dirty="0"/>
@@ -2234,7 +2554,7 @@
     </p:spTree>
     <p:extLst>
       <p:ext uri="{BB962C8B-B14F-4D97-AF65-F5344CB8AC3E}">
-        <p14:creationId xmlns:p14="http://schemas.microsoft.com/office/powerpoint/2010/main" val="2016521019"/>
+        <p14:creationId xmlns:p14="http://schemas.microsoft.com/office/powerpoint/2010/main" val="868948548"/>
       </p:ext>
     </p:extLst>
   </p:cSld>
@@ -2336,7 +2656,7 @@
             </a:r>
             <a:r>
               <a:rPr lang="en-US" altLang="zh-CN" dirty="0"/>
-              <a:t>W filter</a:t>
+              <a:t>Wiener filter</a:t>
             </a:r>
             <a:r>
               <a:rPr lang="zh-CN" altLang="en-US" dirty="0"/>
@@ -2344,7 +2664,7 @@
             </a:r>
             <a:r>
               <a:rPr lang="en-US" altLang="zh-CN" dirty="0"/>
-              <a:t>wiener filter</a:t>
+              <a:t>wiener filter </a:t>
             </a:r>
             <a:r>
               <a:rPr lang="zh-CN" altLang="en-US" dirty="0"/>
@@ -2390,7 +2710,7 @@
     </p:spTree>
     <p:extLst>
       <p:ext uri="{BB962C8B-B14F-4D97-AF65-F5344CB8AC3E}">
-        <p14:creationId xmlns:p14="http://schemas.microsoft.com/office/powerpoint/2010/main" val="2269488421"/>
+        <p14:creationId xmlns:p14="http://schemas.microsoft.com/office/powerpoint/2010/main" val="2016521019"/>
       </p:ext>
     </p:extLst>
   </p:cSld>
@@ -2547,7 +2867,7 @@
           <a:p>
             <a:fld id="{5647DC1B-4743-47FE-A400-A2B750CAD470}" type="datetimeFigureOut">
               <a:rPr lang="zh-CN" altLang="en-US" smtClean="0"/>
-              <a:t>2023-09-10</a:t>
+              <a:t>2023-09-11</a:t>
             </a:fld>
             <a:endParaRPr lang="zh-CN" altLang="en-US"/>
           </a:p>
@@ -2745,7 +3065,7 @@
           <a:p>
             <a:fld id="{5647DC1B-4743-47FE-A400-A2B750CAD470}" type="datetimeFigureOut">
               <a:rPr lang="zh-CN" altLang="en-US" smtClean="0"/>
-              <a:t>2023-09-10</a:t>
+              <a:t>2023-09-11</a:t>
             </a:fld>
             <a:endParaRPr lang="zh-CN" altLang="en-US"/>
           </a:p>
@@ -2953,7 +3273,7 @@
           <a:p>
             <a:fld id="{5647DC1B-4743-47FE-A400-A2B750CAD470}" type="datetimeFigureOut">
               <a:rPr lang="zh-CN" altLang="en-US" smtClean="0"/>
-              <a:t>2023-09-10</a:t>
+              <a:t>2023-09-11</a:t>
             </a:fld>
             <a:endParaRPr lang="zh-CN" altLang="en-US"/>
           </a:p>
@@ -3151,7 +3471,7 @@
           <a:p>
             <a:fld id="{5647DC1B-4743-47FE-A400-A2B750CAD470}" type="datetimeFigureOut">
               <a:rPr lang="zh-CN" altLang="en-US" smtClean="0"/>
-              <a:t>2023-09-10</a:t>
+              <a:t>2023-09-11</a:t>
             </a:fld>
             <a:endParaRPr lang="zh-CN" altLang="en-US"/>
           </a:p>
@@ -3426,7 +3746,7 @@
           <a:p>
             <a:fld id="{5647DC1B-4743-47FE-A400-A2B750CAD470}" type="datetimeFigureOut">
               <a:rPr lang="zh-CN" altLang="en-US" smtClean="0"/>
-              <a:t>2023-09-10</a:t>
+              <a:t>2023-09-11</a:t>
             </a:fld>
             <a:endParaRPr lang="zh-CN" altLang="en-US"/>
           </a:p>
@@ -3691,7 +4011,7 @@
           <a:p>
             <a:fld id="{5647DC1B-4743-47FE-A400-A2B750CAD470}" type="datetimeFigureOut">
               <a:rPr lang="zh-CN" altLang="en-US" smtClean="0"/>
-              <a:t>2023-09-10</a:t>
+              <a:t>2023-09-11</a:t>
             </a:fld>
             <a:endParaRPr lang="zh-CN" altLang="en-US"/>
           </a:p>
@@ -4103,7 +4423,7 @@
           <a:p>
             <a:fld id="{5647DC1B-4743-47FE-A400-A2B750CAD470}" type="datetimeFigureOut">
               <a:rPr lang="zh-CN" altLang="en-US" smtClean="0"/>
-              <a:t>2023-09-10</a:t>
+              <a:t>2023-09-11</a:t>
             </a:fld>
             <a:endParaRPr lang="zh-CN" altLang="en-US"/>
           </a:p>
@@ -4244,7 +4564,7 @@
           <a:p>
             <a:fld id="{5647DC1B-4743-47FE-A400-A2B750CAD470}" type="datetimeFigureOut">
               <a:rPr lang="zh-CN" altLang="en-US" smtClean="0"/>
-              <a:t>2023-09-10</a:t>
+              <a:t>2023-09-11</a:t>
             </a:fld>
             <a:endParaRPr lang="zh-CN" altLang="en-US"/>
           </a:p>
@@ -4357,7 +4677,7 @@
           <a:p>
             <a:fld id="{5647DC1B-4743-47FE-A400-A2B750CAD470}" type="datetimeFigureOut">
               <a:rPr lang="zh-CN" altLang="en-US" smtClean="0"/>
-              <a:t>2023-09-10</a:t>
+              <a:t>2023-09-11</a:t>
             </a:fld>
             <a:endParaRPr lang="zh-CN" altLang="en-US"/>
           </a:p>
@@ -4668,7 +4988,7 @@
           <a:p>
             <a:fld id="{5647DC1B-4743-47FE-A400-A2B750CAD470}" type="datetimeFigureOut">
               <a:rPr lang="zh-CN" altLang="en-US" smtClean="0"/>
-              <a:t>2023-09-10</a:t>
+              <a:t>2023-09-11</a:t>
             </a:fld>
             <a:endParaRPr lang="zh-CN" altLang="en-US"/>
           </a:p>
@@ -4956,7 +5276,7 @@
           <a:p>
             <a:fld id="{5647DC1B-4743-47FE-A400-A2B750CAD470}" type="datetimeFigureOut">
               <a:rPr lang="zh-CN" altLang="en-US" smtClean="0"/>
-              <a:t>2023-09-10</a:t>
+              <a:t>2023-09-11</a:t>
             </a:fld>
             <a:endParaRPr lang="zh-CN" altLang="en-US"/>
           </a:p>
@@ -5197,7 +5517,7 @@
           <a:p>
             <a:fld id="{5647DC1B-4743-47FE-A400-A2B750CAD470}" type="datetimeFigureOut">
               <a:rPr lang="zh-CN" altLang="en-US" smtClean="0"/>
-              <a:t>2023-09-10</a:t>
+              <a:t>2023-09-11</a:t>
             </a:fld>
             <a:endParaRPr lang="zh-CN" altLang="en-US"/>
           </a:p>
@@ -5812,223 +6132,1215 @@
           </a:p>
         </p:txBody>
       </p:sp>
-      <p:graphicFrame>
-        <p:nvGraphicFramePr>
-          <p:cNvPr id="3" name="表格 3">
-            <a:extLst>
-              <a:ext uri="{FF2B5EF4-FFF2-40B4-BE49-F238E27FC236}">
-                <a16:creationId xmlns:a16="http://schemas.microsoft.com/office/drawing/2014/main" id="{06D050B2-193C-7201-DB89-6E356A2188A3}"/>
-              </a:ext>
-            </a:extLst>
-          </p:cNvPr>
-          <p:cNvGraphicFramePr>
-            <a:graphicFrameLocks noGrp="1"/>
-          </p:cNvGraphicFramePr>
-          <p:nvPr>
-            <p:extLst>
-              <p:ext uri="{D42A27DB-BD31-4B8C-83A1-F6EECF244321}">
-                <p14:modId xmlns:p14="http://schemas.microsoft.com/office/powerpoint/2010/main" val="1824755434"/>
-              </p:ext>
-            </p:extLst>
-          </p:nvPr>
-        </p:nvGraphicFramePr>
-        <p:xfrm>
-          <a:off x="2032000" y="2707417"/>
-          <a:ext cx="8127999" cy="1443165"/>
-        </p:xfrm>
-        <a:graphic>
-          <a:graphicData uri="http://schemas.openxmlformats.org/drawingml/2006/table">
-            <a:tbl>
-              <a:tblPr firstRow="1" bandRow="1">
-                <a:tableStyleId>{5C22544A-7EE6-4342-B048-85BDC9FD1C3A}</a:tableStyleId>
-              </a:tblPr>
-              <a:tblGrid>
-                <a:gridCol w="2709333">
-                  <a:extLst>
-                    <a:ext uri="{9D8B030D-6E8A-4147-A177-3AD203B41FA5}">
-                      <a16:colId xmlns:a16="http://schemas.microsoft.com/office/drawing/2014/main" val="1842075809"/>
-                    </a:ext>
-                  </a:extLst>
-                </a:gridCol>
-                <a:gridCol w="2709333">
-                  <a:extLst>
-                    <a:ext uri="{9D8B030D-6E8A-4147-A177-3AD203B41FA5}">
-                      <a16:colId xmlns:a16="http://schemas.microsoft.com/office/drawing/2014/main" val="3102359169"/>
-                    </a:ext>
-                  </a:extLst>
-                </a:gridCol>
-                <a:gridCol w="2709333">
-                  <a:extLst>
-                    <a:ext uri="{9D8B030D-6E8A-4147-A177-3AD203B41FA5}">
-                      <a16:colId xmlns:a16="http://schemas.microsoft.com/office/drawing/2014/main" val="3639299674"/>
-                    </a:ext>
-                  </a:extLst>
-                </a:gridCol>
-              </a:tblGrid>
-              <a:tr h="481055">
-                <a:tc>
-                  <a:txBody>
-                    <a:bodyPr/>
-                    <a:lstStyle/>
-                    <a:p>
-                      <a:pPr algn="ctr"/>
-                      <a:r>
-                        <a:rPr lang="en-US" altLang="zh-CN" dirty="0"/>
-                        <a:t>Noise Level</a:t>
-                      </a:r>
-                      <a:endParaRPr lang="zh-CN" altLang="en-US" dirty="0"/>
-                    </a:p>
-                  </a:txBody>
-                  <a:tcPr/>
-                </a:tc>
-                <a:tc>
-                  <a:txBody>
-                    <a:bodyPr/>
-                    <a:lstStyle/>
-                    <a:p>
-                      <a:pPr algn="ctr"/>
-                      <a:r>
-                        <a:rPr lang="en-US" altLang="zh-CN" dirty="0"/>
-                        <a:t>S</a:t>
-                      </a:r>
-                      <a:endParaRPr lang="zh-CN" altLang="en-US" dirty="0"/>
-                    </a:p>
-                  </a:txBody>
-                  <a:tcPr/>
-                </a:tc>
-                <a:tc>
-                  <a:txBody>
-                    <a:bodyPr/>
-                    <a:lstStyle/>
-                    <a:p>
-                      <a:pPr algn="ctr"/>
-                      <a:r>
-                        <a:rPr lang="en-US" altLang="zh-CN" dirty="0"/>
-                        <a:t>D</a:t>
-                      </a:r>
-                      <a:endParaRPr lang="zh-CN" altLang="en-US" dirty="0"/>
-                    </a:p>
-                  </a:txBody>
-                  <a:tcPr/>
-                </a:tc>
-                <a:extLst>
-                  <a:ext uri="{0D108BD9-81ED-4DB2-BD59-A6C34878D82A}">
-                    <a16:rowId xmlns:a16="http://schemas.microsoft.com/office/drawing/2014/main" val="149106968"/>
-                  </a:ext>
-                </a:extLst>
-              </a:tr>
-              <a:tr h="481055">
-                <a:tc>
-                  <a:txBody>
-                    <a:bodyPr/>
-                    <a:lstStyle/>
-                    <a:p>
-                      <a:pPr algn="ctr"/>
-                      <a:r>
-                        <a:rPr lang="en-US" altLang="zh-CN" dirty="0"/>
-                        <a:t>0</a:t>
-                      </a:r>
-                      <a:endParaRPr lang="zh-CN" altLang="en-US" dirty="0"/>
-                    </a:p>
-                  </a:txBody>
-                  <a:tcPr/>
-                </a:tc>
-                <a:tc>
-                  <a:txBody>
-                    <a:bodyPr/>
-                    <a:lstStyle/>
-                    <a:p>
-                      <a:pPr algn="ctr"/>
-                      <a:r>
-                        <a:rPr lang="en-US" altLang="zh-CN" dirty="0"/>
-                        <a:t>0.9</a:t>
-                      </a:r>
-                      <a:endParaRPr lang="zh-CN" altLang="en-US" dirty="0"/>
-                    </a:p>
-                  </a:txBody>
-                  <a:tcPr/>
-                </a:tc>
-                <a:tc>
-                  <a:txBody>
-                    <a:bodyPr/>
-                    <a:lstStyle/>
-                    <a:p>
-                      <a:pPr algn="ctr"/>
-                      <a:r>
-                        <a:rPr lang="en-US" altLang="zh-CN" dirty="0"/>
-                        <a:t>3.1</a:t>
-                      </a:r>
-                      <a:endParaRPr lang="zh-CN" altLang="en-US" dirty="0"/>
-                    </a:p>
-                  </a:txBody>
-                  <a:tcPr/>
-                </a:tc>
-                <a:extLst>
-                  <a:ext uri="{0D108BD9-81ED-4DB2-BD59-A6C34878D82A}">
-                    <a16:rowId xmlns:a16="http://schemas.microsoft.com/office/drawing/2014/main" val="995752515"/>
-                  </a:ext>
-                </a:extLst>
-              </a:tr>
-              <a:tr h="481055">
-                <a:tc>
-                  <a:txBody>
-                    <a:bodyPr/>
-                    <a:lstStyle/>
-                    <a:p>
-                      <a:pPr algn="ctr"/>
-                      <a:r>
-                        <a:rPr lang="en-US" altLang="zh-CN" dirty="0"/>
-                        <a:t>0.1</a:t>
-                      </a:r>
-                      <a:endParaRPr lang="zh-CN" altLang="en-US" dirty="0"/>
-                    </a:p>
-                  </a:txBody>
-                  <a:tcPr/>
-                </a:tc>
-                <a:tc>
-                  <a:txBody>
-                    <a:bodyPr/>
-                    <a:lstStyle/>
-                    <a:p>
-                      <a:pPr algn="ctr"/>
-                      <a:r>
-                        <a:rPr lang="en-US" altLang="zh-CN" dirty="0"/>
-                        <a:t>0.9</a:t>
-                      </a:r>
-                      <a:endParaRPr lang="zh-CN" altLang="en-US" dirty="0"/>
-                    </a:p>
-                  </a:txBody>
-                  <a:tcPr/>
-                </a:tc>
-                <a:tc>
-                  <a:txBody>
-                    <a:bodyPr/>
-                    <a:lstStyle/>
-                    <a:p>
-                      <a:pPr algn="ctr"/>
-                      <a:r>
-                        <a:rPr lang="en-US" altLang="zh-CN" dirty="0"/>
-                        <a:t>3.9</a:t>
-                      </a:r>
-                      <a:endParaRPr lang="zh-CN" altLang="en-US" dirty="0"/>
-                    </a:p>
-                  </a:txBody>
-                  <a:tcPr/>
-                </a:tc>
-                <a:extLst>
-                  <a:ext uri="{0D108BD9-81ED-4DB2-BD59-A6C34878D82A}">
-                    <a16:rowId xmlns:a16="http://schemas.microsoft.com/office/drawing/2014/main" val="3267537173"/>
-                  </a:ext>
-                </a:extLst>
-              </a:tr>
-            </a:tbl>
-          </a:graphicData>
-        </a:graphic>
-      </p:graphicFrame>
+      <p:sp>
+        <p:nvSpPr>
+          <p:cNvPr id="2" name="矩形 1">
+            <a:extLst>
+              <a:ext uri="{FF2B5EF4-FFF2-40B4-BE49-F238E27FC236}">
+                <a16:creationId xmlns:a16="http://schemas.microsoft.com/office/drawing/2014/main" id="{55FD87AD-2443-66F4-2BCB-BE40E558016A}"/>
+              </a:ext>
+            </a:extLst>
+          </p:cNvPr>
+          <p:cNvSpPr/>
+          <p:nvPr/>
+        </p:nvSpPr>
+        <p:spPr>
+          <a:xfrm>
+            <a:off x="3855123" y="1521074"/>
+            <a:ext cx="3441682" cy="994124"/>
+          </a:xfrm>
+          <a:prstGeom prst="rect">
+            <a:avLst/>
+          </a:prstGeom>
+          <a:solidFill>
+            <a:schemeClr val="bg1"/>
+          </a:solidFill>
+        </p:spPr>
+        <p:style>
+          <a:lnRef idx="2">
+            <a:schemeClr val="accent1">
+              <a:shade val="15000"/>
+            </a:schemeClr>
+          </a:lnRef>
+          <a:fillRef idx="1">
+            <a:schemeClr val="accent1"/>
+          </a:fillRef>
+          <a:effectRef idx="0">
+            <a:schemeClr val="accent1"/>
+          </a:effectRef>
+          <a:fontRef idx="minor">
+            <a:schemeClr val="lt1"/>
+          </a:fontRef>
+        </p:style>
+        <p:txBody>
+          <a:bodyPr rtlCol="0" anchor="ctr"/>
+          <a:lstStyle/>
+          <a:p>
+            <a:pPr algn="ctr"/>
+            <a:r>
+              <a:rPr lang="en-US" altLang="zh-CN" dirty="0">
+                <a:solidFill>
+                  <a:schemeClr val="tx1"/>
+                </a:solidFill>
+                <a:latin typeface="Consolas" panose="020B0609020204030204" pitchFamily="49" charset="0"/>
+                <a:cs typeface="Times New Roman" panose="02020603050405020304" pitchFamily="18" charset="0"/>
+              </a:rPr>
+              <a:t>Local features are used to obtain statistical information about noise</a:t>
+            </a:r>
+          </a:p>
+        </p:txBody>
+      </p:sp>
+      <p:sp>
+        <p:nvSpPr>
+          <p:cNvPr id="5" name="矩形 4">
+            <a:extLst>
+              <a:ext uri="{FF2B5EF4-FFF2-40B4-BE49-F238E27FC236}">
+                <a16:creationId xmlns:a16="http://schemas.microsoft.com/office/drawing/2014/main" id="{3C40701D-C256-9E0B-3A78-BA768EA2F6CE}"/>
+              </a:ext>
+            </a:extLst>
+          </p:cNvPr>
+          <p:cNvSpPr/>
+          <p:nvPr/>
+        </p:nvSpPr>
+        <p:spPr>
+          <a:xfrm>
+            <a:off x="3855123" y="2832133"/>
+            <a:ext cx="3441682" cy="503433"/>
+          </a:xfrm>
+          <a:prstGeom prst="rect">
+            <a:avLst/>
+          </a:prstGeom>
+          <a:solidFill>
+            <a:schemeClr val="bg1"/>
+          </a:solidFill>
+        </p:spPr>
+        <p:style>
+          <a:lnRef idx="2">
+            <a:schemeClr val="accent1">
+              <a:shade val="15000"/>
+            </a:schemeClr>
+          </a:lnRef>
+          <a:fillRef idx="1">
+            <a:schemeClr val="accent1"/>
+          </a:fillRef>
+          <a:effectRef idx="0">
+            <a:schemeClr val="accent1"/>
+          </a:effectRef>
+          <a:fontRef idx="minor">
+            <a:schemeClr val="lt1"/>
+          </a:fontRef>
+        </p:style>
+        <p:txBody>
+          <a:bodyPr rtlCol="0" anchor="ctr"/>
+          <a:lstStyle/>
+          <a:p>
+            <a:pPr algn="ctr"/>
+            <a:r>
+              <a:rPr lang="en-US" altLang="zh-CN" dirty="0">
+                <a:solidFill>
+                  <a:schemeClr val="tx1"/>
+                </a:solidFill>
+                <a:latin typeface="Consolas" panose="020B0609020204030204" pitchFamily="49" charset="0"/>
+                <a:cs typeface="Times New Roman" panose="02020603050405020304" pitchFamily="18" charset="0"/>
+              </a:rPr>
+              <a:t>Roughly calculate the SNR</a:t>
+            </a:r>
+            <a:endParaRPr lang="zh-CN" altLang="en-US" dirty="0">
+              <a:solidFill>
+                <a:schemeClr val="tx1"/>
+              </a:solidFill>
+              <a:latin typeface="Consolas" panose="020B0609020204030204" pitchFamily="49" charset="0"/>
+              <a:cs typeface="Times New Roman" panose="02020603050405020304" pitchFamily="18" charset="0"/>
+            </a:endParaRPr>
+          </a:p>
+        </p:txBody>
+      </p:sp>
+      <p:sp>
+        <p:nvSpPr>
+          <p:cNvPr id="6" name="矩形 5">
+            <a:extLst>
+              <a:ext uri="{FF2B5EF4-FFF2-40B4-BE49-F238E27FC236}">
+                <a16:creationId xmlns:a16="http://schemas.microsoft.com/office/drawing/2014/main" id="{D3F068EF-3A08-52AA-7CA1-1889C8948D01}"/>
+              </a:ext>
+            </a:extLst>
+          </p:cNvPr>
+          <p:cNvSpPr/>
+          <p:nvPr/>
+        </p:nvSpPr>
+        <p:spPr>
+          <a:xfrm>
+            <a:off x="3846016" y="4444196"/>
+            <a:ext cx="3443388" cy="457495"/>
+          </a:xfrm>
+          <a:prstGeom prst="rect">
+            <a:avLst/>
+          </a:prstGeom>
+          <a:solidFill>
+            <a:schemeClr val="bg1"/>
+          </a:solidFill>
+        </p:spPr>
+        <p:style>
+          <a:lnRef idx="2">
+            <a:schemeClr val="accent1">
+              <a:shade val="15000"/>
+            </a:schemeClr>
+          </a:lnRef>
+          <a:fillRef idx="1">
+            <a:schemeClr val="accent1"/>
+          </a:fillRef>
+          <a:effectRef idx="0">
+            <a:schemeClr val="accent1"/>
+          </a:effectRef>
+          <a:fontRef idx="minor">
+            <a:schemeClr val="lt1"/>
+          </a:fontRef>
+        </p:style>
+        <p:txBody>
+          <a:bodyPr rtlCol="0" anchor="ctr"/>
+          <a:lstStyle/>
+          <a:p>
+            <a:pPr algn="ctr"/>
+            <a:r>
+              <a:rPr lang="en-US" altLang="zh-CN" dirty="0">
+                <a:solidFill>
+                  <a:schemeClr val="tx1"/>
+                </a:solidFill>
+                <a:latin typeface="Consolas" panose="020B0609020204030204" pitchFamily="49" charset="0"/>
+                <a:cs typeface="Times New Roman" panose="02020603050405020304" pitchFamily="18" charset="0"/>
+              </a:rPr>
+              <a:t>Apply FFT Denoising</a:t>
+            </a:r>
+            <a:endParaRPr lang="zh-CN" altLang="en-US" dirty="0">
+              <a:solidFill>
+                <a:schemeClr val="tx1"/>
+              </a:solidFill>
+              <a:latin typeface="Consolas" panose="020B0609020204030204" pitchFamily="49" charset="0"/>
+              <a:cs typeface="Times New Roman" panose="02020603050405020304" pitchFamily="18" charset="0"/>
+            </a:endParaRPr>
+          </a:p>
+        </p:txBody>
+      </p:sp>
+      <p:sp>
+        <p:nvSpPr>
+          <p:cNvPr id="7" name="矩形 6">
+            <a:extLst>
+              <a:ext uri="{FF2B5EF4-FFF2-40B4-BE49-F238E27FC236}">
+                <a16:creationId xmlns:a16="http://schemas.microsoft.com/office/drawing/2014/main" id="{FAC62DB6-99C0-A72F-AECC-C272A8F29F02}"/>
+              </a:ext>
+            </a:extLst>
+          </p:cNvPr>
+          <p:cNvSpPr/>
+          <p:nvPr/>
+        </p:nvSpPr>
+        <p:spPr>
+          <a:xfrm>
+            <a:off x="3846016" y="6078228"/>
+            <a:ext cx="3440921" cy="457495"/>
+          </a:xfrm>
+          <a:prstGeom prst="rect">
+            <a:avLst/>
+          </a:prstGeom>
+          <a:solidFill>
+            <a:schemeClr val="bg1"/>
+          </a:solidFill>
+        </p:spPr>
+        <p:style>
+          <a:lnRef idx="2">
+            <a:schemeClr val="accent1">
+              <a:shade val="15000"/>
+            </a:schemeClr>
+          </a:lnRef>
+          <a:fillRef idx="1">
+            <a:schemeClr val="accent1"/>
+          </a:fillRef>
+          <a:effectRef idx="0">
+            <a:schemeClr val="accent1"/>
+          </a:effectRef>
+          <a:fontRef idx="minor">
+            <a:schemeClr val="lt1"/>
+          </a:fontRef>
+        </p:style>
+        <p:txBody>
+          <a:bodyPr rtlCol="0" anchor="ctr"/>
+          <a:lstStyle/>
+          <a:p>
+            <a:pPr algn="ctr"/>
+            <a:r>
+              <a:rPr lang="en-US" altLang="zh-CN" dirty="0">
+                <a:solidFill>
+                  <a:schemeClr val="tx1"/>
+                </a:solidFill>
+                <a:latin typeface="Consolas" panose="020B0609020204030204" pitchFamily="49" charset="0"/>
+                <a:cs typeface="Times New Roman" panose="02020603050405020304" pitchFamily="18" charset="0"/>
+              </a:rPr>
+              <a:t>S, D Prediction</a:t>
+            </a:r>
+          </a:p>
+        </p:txBody>
+      </p:sp>
+      <p:cxnSp>
+        <p:nvCxnSpPr>
+          <p:cNvPr id="8" name="直接箭头连接符 7">
+            <a:extLst>
+              <a:ext uri="{FF2B5EF4-FFF2-40B4-BE49-F238E27FC236}">
+                <a16:creationId xmlns:a16="http://schemas.microsoft.com/office/drawing/2014/main" id="{04C96554-632D-E75D-0488-9A2A944D0CEE}"/>
+              </a:ext>
+            </a:extLst>
+          </p:cNvPr>
+          <p:cNvCxnSpPr>
+            <a:cxnSpLocks/>
+            <a:stCxn id="2" idx="2"/>
+            <a:endCxn id="5" idx="0"/>
+          </p:cNvCxnSpPr>
+          <p:nvPr/>
+        </p:nvCxnSpPr>
+        <p:spPr>
+          <a:xfrm>
+            <a:off x="5575964" y="2515198"/>
+            <a:ext cx="0" cy="316935"/>
+          </a:xfrm>
+          <a:prstGeom prst="straightConnector1">
+            <a:avLst/>
+          </a:prstGeom>
+          <a:ln w="19050">
+            <a:solidFill>
+              <a:schemeClr val="tx1"/>
+            </a:solidFill>
+            <a:tailEnd type="triangle"/>
+          </a:ln>
+        </p:spPr>
+        <p:style>
+          <a:lnRef idx="1">
+            <a:schemeClr val="accent1"/>
+          </a:lnRef>
+          <a:fillRef idx="0">
+            <a:schemeClr val="accent1"/>
+          </a:fillRef>
+          <a:effectRef idx="0">
+            <a:schemeClr val="accent1"/>
+          </a:effectRef>
+          <a:fontRef idx="minor">
+            <a:schemeClr val="tx1"/>
+          </a:fontRef>
+        </p:style>
+      </p:cxnSp>
+      <p:cxnSp>
+        <p:nvCxnSpPr>
+          <p:cNvPr id="9" name="直接箭头连接符 8">
+            <a:extLst>
+              <a:ext uri="{FF2B5EF4-FFF2-40B4-BE49-F238E27FC236}">
+                <a16:creationId xmlns:a16="http://schemas.microsoft.com/office/drawing/2014/main" id="{2588BFCE-9FE6-ECD6-51AB-40C8AD45E26B}"/>
+              </a:ext>
+            </a:extLst>
+          </p:cNvPr>
+          <p:cNvCxnSpPr>
+            <a:cxnSpLocks/>
+            <a:stCxn id="6" idx="2"/>
+            <a:endCxn id="19" idx="0"/>
+          </p:cNvCxnSpPr>
+          <p:nvPr/>
+        </p:nvCxnSpPr>
+        <p:spPr>
+          <a:xfrm>
+            <a:off x="5567710" y="4901691"/>
+            <a:ext cx="0" cy="359521"/>
+          </a:xfrm>
+          <a:prstGeom prst="straightConnector1">
+            <a:avLst/>
+          </a:prstGeom>
+          <a:ln w="19050">
+            <a:solidFill>
+              <a:schemeClr val="tx1"/>
+            </a:solidFill>
+            <a:tailEnd type="triangle"/>
+          </a:ln>
+        </p:spPr>
+        <p:style>
+          <a:lnRef idx="1">
+            <a:schemeClr val="accent1"/>
+          </a:lnRef>
+          <a:fillRef idx="0">
+            <a:schemeClr val="accent1"/>
+          </a:fillRef>
+          <a:effectRef idx="0">
+            <a:schemeClr val="accent1"/>
+          </a:effectRef>
+          <a:fontRef idx="minor">
+            <a:schemeClr val="tx1"/>
+          </a:fontRef>
+        </p:style>
+      </p:cxnSp>
+      <p:cxnSp>
+        <p:nvCxnSpPr>
+          <p:cNvPr id="10" name="直接箭头连接符 9">
+            <a:extLst>
+              <a:ext uri="{FF2B5EF4-FFF2-40B4-BE49-F238E27FC236}">
+                <a16:creationId xmlns:a16="http://schemas.microsoft.com/office/drawing/2014/main" id="{5F487F6D-D756-D7E1-6F92-2B2DDA9D943D}"/>
+              </a:ext>
+            </a:extLst>
+          </p:cNvPr>
+          <p:cNvCxnSpPr>
+            <a:cxnSpLocks/>
+            <a:stCxn id="12" idx="2"/>
+            <a:endCxn id="2" idx="0"/>
+          </p:cNvCxnSpPr>
+          <p:nvPr/>
+        </p:nvCxnSpPr>
+        <p:spPr>
+          <a:xfrm>
+            <a:off x="5570177" y="970632"/>
+            <a:ext cx="5787" cy="550442"/>
+          </a:xfrm>
+          <a:prstGeom prst="straightConnector1">
+            <a:avLst/>
+          </a:prstGeom>
+          <a:ln w="19050">
+            <a:solidFill>
+              <a:schemeClr val="tx1"/>
+            </a:solidFill>
+            <a:tailEnd type="triangle"/>
+          </a:ln>
+        </p:spPr>
+        <p:style>
+          <a:lnRef idx="1">
+            <a:schemeClr val="accent1"/>
+          </a:lnRef>
+          <a:fillRef idx="0">
+            <a:schemeClr val="accent1"/>
+          </a:fillRef>
+          <a:effectRef idx="0">
+            <a:schemeClr val="accent1"/>
+          </a:effectRef>
+          <a:fontRef idx="minor">
+            <a:schemeClr val="tx1"/>
+          </a:fontRef>
+        </p:style>
+      </p:cxnSp>
+      <p:cxnSp>
+        <p:nvCxnSpPr>
+          <p:cNvPr id="11" name="直接箭头连接符 10">
+            <a:extLst>
+              <a:ext uri="{FF2B5EF4-FFF2-40B4-BE49-F238E27FC236}">
+                <a16:creationId xmlns:a16="http://schemas.microsoft.com/office/drawing/2014/main" id="{0ED03767-0B8F-B6BB-55CE-0DB836ED1DC7}"/>
+              </a:ext>
+            </a:extLst>
+          </p:cNvPr>
+          <p:cNvCxnSpPr>
+            <a:cxnSpLocks/>
+            <a:stCxn id="13" idx="2"/>
+            <a:endCxn id="6" idx="0"/>
+          </p:cNvCxnSpPr>
+          <p:nvPr/>
+        </p:nvCxnSpPr>
+        <p:spPr>
+          <a:xfrm flipH="1">
+            <a:off x="5567710" y="4080897"/>
+            <a:ext cx="3320" cy="363299"/>
+          </a:xfrm>
+          <a:prstGeom prst="straightConnector1">
+            <a:avLst/>
+          </a:prstGeom>
+          <a:ln w="19050">
+            <a:solidFill>
+              <a:schemeClr val="tx1"/>
+            </a:solidFill>
+            <a:tailEnd type="triangle"/>
+          </a:ln>
+        </p:spPr>
+        <p:style>
+          <a:lnRef idx="1">
+            <a:schemeClr val="accent1"/>
+          </a:lnRef>
+          <a:fillRef idx="0">
+            <a:schemeClr val="accent1"/>
+          </a:fillRef>
+          <a:effectRef idx="0">
+            <a:schemeClr val="accent1"/>
+          </a:effectRef>
+          <a:fontRef idx="minor">
+            <a:schemeClr val="tx1"/>
+          </a:fontRef>
+        </p:style>
+      </p:cxnSp>
+      <p:sp>
+        <p:nvSpPr>
+          <p:cNvPr id="12" name="文本框 11">
+            <a:extLst>
+              <a:ext uri="{FF2B5EF4-FFF2-40B4-BE49-F238E27FC236}">
+                <a16:creationId xmlns:a16="http://schemas.microsoft.com/office/drawing/2014/main" id="{EED85F8F-AF3A-C321-C1A4-88FF168D3CEB}"/>
+              </a:ext>
+            </a:extLst>
+          </p:cNvPr>
+          <p:cNvSpPr txBox="1"/>
+          <p:nvPr/>
+        </p:nvSpPr>
+        <p:spPr>
+          <a:xfrm>
+            <a:off x="4275179" y="570522"/>
+            <a:ext cx="2589995" cy="400110"/>
+          </a:xfrm>
+          <a:prstGeom prst="rect">
+            <a:avLst/>
+          </a:prstGeom>
+          <a:noFill/>
+        </p:spPr>
+        <p:txBody>
+          <a:bodyPr wrap="square">
+            <a:spAutoFit/>
+          </a:bodyPr>
+          <a:lstStyle/>
+          <a:p>
+            <a:pPr algn="ctr"/>
+            <a:r>
+              <a:rPr lang="en-US" altLang="zh-CN" sz="2000" dirty="0">
+                <a:latin typeface="Consolas" panose="020B0609020204030204" pitchFamily="49" charset="0"/>
+                <a:cs typeface="Times New Roman" panose="02020603050405020304" pitchFamily="18" charset="0"/>
+              </a:rPr>
+              <a:t>Noisy Signals</a:t>
+            </a:r>
+            <a:endParaRPr lang="zh-CN" altLang="en-US" sz="2000" dirty="0">
+              <a:solidFill>
+                <a:schemeClr val="tx1"/>
+              </a:solidFill>
+              <a:latin typeface="Consolas" panose="020B0609020204030204" pitchFamily="49" charset="0"/>
+              <a:cs typeface="Times New Roman" panose="02020603050405020304" pitchFamily="18" charset="0"/>
+            </a:endParaRPr>
+          </a:p>
+        </p:txBody>
+      </p:sp>
+      <p:sp>
+        <p:nvSpPr>
+          <p:cNvPr id="13" name="矩形 12">
+            <a:extLst>
+              <a:ext uri="{FF2B5EF4-FFF2-40B4-BE49-F238E27FC236}">
+                <a16:creationId xmlns:a16="http://schemas.microsoft.com/office/drawing/2014/main" id="{32A3A103-43D2-27D8-948F-ACBBE8F8C615}"/>
+              </a:ext>
+            </a:extLst>
+          </p:cNvPr>
+          <p:cNvSpPr/>
+          <p:nvPr/>
+        </p:nvSpPr>
+        <p:spPr>
+          <a:xfrm>
+            <a:off x="3850189" y="3577465"/>
+            <a:ext cx="3441682" cy="503432"/>
+          </a:xfrm>
+          <a:prstGeom prst="rect">
+            <a:avLst/>
+          </a:prstGeom>
+          <a:solidFill>
+            <a:schemeClr val="bg1"/>
+          </a:solidFill>
+        </p:spPr>
+        <p:style>
+          <a:lnRef idx="2">
+            <a:schemeClr val="accent1">
+              <a:shade val="15000"/>
+            </a:schemeClr>
+          </a:lnRef>
+          <a:fillRef idx="1">
+            <a:schemeClr val="accent1"/>
+          </a:fillRef>
+          <a:effectRef idx="0">
+            <a:schemeClr val="accent1"/>
+          </a:effectRef>
+          <a:fontRef idx="minor">
+            <a:schemeClr val="lt1"/>
+          </a:fontRef>
+        </p:style>
+        <p:txBody>
+          <a:bodyPr rtlCol="0" anchor="ctr"/>
+          <a:lstStyle/>
+          <a:p>
+            <a:pPr algn="ctr"/>
+            <a:r>
+              <a:rPr lang="en-US" altLang="zh-CN" dirty="0">
+                <a:solidFill>
+                  <a:schemeClr val="tx1"/>
+                </a:solidFill>
+                <a:latin typeface="Consolas" panose="020B0609020204030204" pitchFamily="49" charset="0"/>
+                <a:cs typeface="Times New Roman" panose="02020603050405020304" pitchFamily="18" charset="0"/>
+              </a:rPr>
+              <a:t>Apply</a:t>
+            </a:r>
+            <a:r>
+              <a:rPr lang="zh-CN" altLang="en-US" dirty="0">
+                <a:solidFill>
+                  <a:schemeClr val="tx1"/>
+                </a:solidFill>
+                <a:latin typeface="Consolas" panose="020B0609020204030204" pitchFamily="49" charset="0"/>
+                <a:cs typeface="Times New Roman" panose="02020603050405020304" pitchFamily="18" charset="0"/>
+              </a:rPr>
+              <a:t> </a:t>
+            </a:r>
+            <a:r>
+              <a:rPr lang="en-US" altLang="zh-CN" dirty="0">
+                <a:solidFill>
+                  <a:schemeClr val="tx1"/>
+                </a:solidFill>
+                <a:latin typeface="Consolas" panose="020B0609020204030204" pitchFamily="49" charset="0"/>
+                <a:cs typeface="Times New Roman" panose="02020603050405020304" pitchFamily="18" charset="0"/>
+              </a:rPr>
+              <a:t>Wiener Filter</a:t>
+            </a:r>
+            <a:endParaRPr lang="zh-CN" altLang="en-US" dirty="0">
+              <a:solidFill>
+                <a:schemeClr val="tx1"/>
+              </a:solidFill>
+              <a:latin typeface="Consolas" panose="020B0609020204030204" pitchFamily="49" charset="0"/>
+              <a:cs typeface="Times New Roman" panose="02020603050405020304" pitchFamily="18" charset="0"/>
+            </a:endParaRPr>
+          </a:p>
+        </p:txBody>
+      </p:sp>
+      <p:cxnSp>
+        <p:nvCxnSpPr>
+          <p:cNvPr id="14" name="直接箭头连接符 13">
+            <a:extLst>
+              <a:ext uri="{FF2B5EF4-FFF2-40B4-BE49-F238E27FC236}">
+                <a16:creationId xmlns:a16="http://schemas.microsoft.com/office/drawing/2014/main" id="{D77CF9C5-8A0D-580E-126B-DADC4C2D811B}"/>
+              </a:ext>
+            </a:extLst>
+          </p:cNvPr>
+          <p:cNvCxnSpPr>
+            <a:cxnSpLocks/>
+            <a:stCxn id="5" idx="2"/>
+            <a:endCxn id="13" idx="0"/>
+          </p:cNvCxnSpPr>
+          <p:nvPr/>
+        </p:nvCxnSpPr>
+        <p:spPr>
+          <a:xfrm flipH="1">
+            <a:off x="5571030" y="3335566"/>
+            <a:ext cx="4934" cy="241899"/>
+          </a:xfrm>
+          <a:prstGeom prst="straightConnector1">
+            <a:avLst/>
+          </a:prstGeom>
+          <a:ln w="19050">
+            <a:solidFill>
+              <a:schemeClr val="tx1"/>
+            </a:solidFill>
+            <a:tailEnd type="triangle"/>
+          </a:ln>
+        </p:spPr>
+        <p:style>
+          <a:lnRef idx="1">
+            <a:schemeClr val="accent1"/>
+          </a:lnRef>
+          <a:fillRef idx="0">
+            <a:schemeClr val="accent1"/>
+          </a:fillRef>
+          <a:effectRef idx="0">
+            <a:schemeClr val="accent1"/>
+          </a:effectRef>
+          <a:fontRef idx="minor">
+            <a:schemeClr val="tx1"/>
+          </a:fontRef>
+        </p:style>
+      </p:cxnSp>
+      <p:sp>
+        <p:nvSpPr>
+          <p:cNvPr id="19" name="矩形 18">
+            <a:extLst>
+              <a:ext uri="{FF2B5EF4-FFF2-40B4-BE49-F238E27FC236}">
+                <a16:creationId xmlns:a16="http://schemas.microsoft.com/office/drawing/2014/main" id="{8A699B35-8AEE-E2C5-1449-15F022CA357F}"/>
+              </a:ext>
+            </a:extLst>
+          </p:cNvPr>
+          <p:cNvSpPr/>
+          <p:nvPr/>
+        </p:nvSpPr>
+        <p:spPr>
+          <a:xfrm>
+            <a:off x="3847249" y="5261212"/>
+            <a:ext cx="3440921" cy="457495"/>
+          </a:xfrm>
+          <a:prstGeom prst="rect">
+            <a:avLst/>
+          </a:prstGeom>
+          <a:solidFill>
+            <a:schemeClr val="bg1"/>
+          </a:solidFill>
+        </p:spPr>
+        <p:style>
+          <a:lnRef idx="2">
+            <a:schemeClr val="accent1">
+              <a:shade val="15000"/>
+            </a:schemeClr>
+          </a:lnRef>
+          <a:fillRef idx="1">
+            <a:schemeClr val="accent1"/>
+          </a:fillRef>
+          <a:effectRef idx="0">
+            <a:schemeClr val="accent1"/>
+          </a:effectRef>
+          <a:fontRef idx="minor">
+            <a:schemeClr val="lt1"/>
+          </a:fontRef>
+        </p:style>
+        <p:txBody>
+          <a:bodyPr rtlCol="0" anchor="ctr"/>
+          <a:lstStyle/>
+          <a:p>
+            <a:pPr algn="ctr"/>
+            <a:r>
+              <a:rPr lang="en-US" altLang="zh-CN" dirty="0">
+                <a:solidFill>
+                  <a:schemeClr val="tx1"/>
+                </a:solidFill>
+                <a:latin typeface="Consolas" panose="020B0609020204030204" pitchFamily="49" charset="0"/>
+                <a:cs typeface="Times New Roman" panose="02020603050405020304" pitchFamily="18" charset="0"/>
+              </a:rPr>
+              <a:t>Extract Features</a:t>
+            </a:r>
+          </a:p>
+        </p:txBody>
+      </p:sp>
+      <p:cxnSp>
+        <p:nvCxnSpPr>
+          <p:cNvPr id="27" name="直接箭头连接符 26">
+            <a:extLst>
+              <a:ext uri="{FF2B5EF4-FFF2-40B4-BE49-F238E27FC236}">
+                <a16:creationId xmlns:a16="http://schemas.microsoft.com/office/drawing/2014/main" id="{D1A515E3-699D-C128-A199-037F560CEA79}"/>
+              </a:ext>
+            </a:extLst>
+          </p:cNvPr>
+          <p:cNvCxnSpPr>
+            <a:cxnSpLocks/>
+            <a:stCxn id="19" idx="2"/>
+            <a:endCxn id="7" idx="0"/>
+          </p:cNvCxnSpPr>
+          <p:nvPr/>
+        </p:nvCxnSpPr>
+        <p:spPr>
+          <a:xfrm flipH="1">
+            <a:off x="5566477" y="5718707"/>
+            <a:ext cx="1233" cy="359521"/>
+          </a:xfrm>
+          <a:prstGeom prst="straightConnector1">
+            <a:avLst/>
+          </a:prstGeom>
+          <a:ln w="19050">
+            <a:solidFill>
+              <a:schemeClr val="tx1"/>
+            </a:solidFill>
+            <a:tailEnd type="triangle"/>
+          </a:ln>
+        </p:spPr>
+        <p:style>
+          <a:lnRef idx="1">
+            <a:schemeClr val="accent1"/>
+          </a:lnRef>
+          <a:fillRef idx="0">
+            <a:schemeClr val="accent1"/>
+          </a:fillRef>
+          <a:effectRef idx="0">
+            <a:schemeClr val="accent1"/>
+          </a:effectRef>
+          <a:fontRef idx="minor">
+            <a:schemeClr val="tx1"/>
+          </a:fontRef>
+        </p:style>
+      </p:cxnSp>
+      <p:sp>
+        <p:nvSpPr>
+          <p:cNvPr id="30" name="矩形 29">
+            <a:extLst>
+              <a:ext uri="{FF2B5EF4-FFF2-40B4-BE49-F238E27FC236}">
+                <a16:creationId xmlns:a16="http://schemas.microsoft.com/office/drawing/2014/main" id="{AD8F4177-28A3-4D59-DF91-CDD49DFD3BCC}"/>
+              </a:ext>
+            </a:extLst>
+          </p:cNvPr>
+          <p:cNvSpPr/>
+          <p:nvPr/>
+        </p:nvSpPr>
+        <p:spPr>
+          <a:xfrm>
+            <a:off x="3621315" y="1368963"/>
+            <a:ext cx="3911600" cy="2839015"/>
+          </a:xfrm>
+          <a:prstGeom prst="rect">
+            <a:avLst/>
+          </a:prstGeom>
+          <a:noFill/>
+          <a:ln>
+            <a:prstDash val="dash"/>
+          </a:ln>
+        </p:spPr>
+        <p:style>
+          <a:lnRef idx="2">
+            <a:schemeClr val="accent1">
+              <a:shade val="15000"/>
+            </a:schemeClr>
+          </a:lnRef>
+          <a:fillRef idx="1">
+            <a:schemeClr val="accent1"/>
+          </a:fillRef>
+          <a:effectRef idx="0">
+            <a:schemeClr val="accent1"/>
+          </a:effectRef>
+          <a:fontRef idx="minor">
+            <a:schemeClr val="lt1"/>
+          </a:fontRef>
+        </p:style>
+        <p:txBody>
+          <a:bodyPr rtlCol="0" anchor="ctr"/>
+          <a:lstStyle/>
+          <a:p>
+            <a:pPr algn="ctr"/>
+            <a:endParaRPr lang="zh-CN" altLang="en-US"/>
+          </a:p>
+        </p:txBody>
+      </p:sp>
+      <p:sp>
+        <p:nvSpPr>
+          <p:cNvPr id="32" name="文本框 31">
+            <a:extLst>
+              <a:ext uri="{FF2B5EF4-FFF2-40B4-BE49-F238E27FC236}">
+                <a16:creationId xmlns:a16="http://schemas.microsoft.com/office/drawing/2014/main" id="{754B3ED6-B7F4-4C96-CCC7-F9214F58AC42}"/>
+              </a:ext>
+            </a:extLst>
+          </p:cNvPr>
+          <p:cNvSpPr txBox="1"/>
+          <p:nvPr/>
+        </p:nvSpPr>
+        <p:spPr>
+          <a:xfrm>
+            <a:off x="6117772" y="1051255"/>
+            <a:ext cx="1901371" cy="369332"/>
+          </a:xfrm>
+          <a:prstGeom prst="rect">
+            <a:avLst/>
+          </a:prstGeom>
+          <a:noFill/>
+        </p:spPr>
+        <p:txBody>
+          <a:bodyPr wrap="square">
+            <a:spAutoFit/>
+          </a:bodyPr>
+          <a:lstStyle/>
+          <a:p>
+            <a:r>
+              <a:rPr lang="en-US" altLang="zh-CN" dirty="0">
+                <a:solidFill>
+                  <a:schemeClr val="tx1"/>
+                </a:solidFill>
+                <a:latin typeface="Consolas" panose="020B0609020204030204" pitchFamily="49" charset="0"/>
+                <a:cs typeface="Times New Roman" panose="02020603050405020304" pitchFamily="18" charset="0"/>
+              </a:rPr>
+              <a:t>Wiener Filter</a:t>
+            </a:r>
+            <a:endParaRPr lang="zh-CN" altLang="en-US" dirty="0"/>
+          </a:p>
+        </p:txBody>
+      </p:sp>
+      <p:pic>
+        <p:nvPicPr>
+          <p:cNvPr id="34" name="图片 33">
+            <a:extLst>
+              <a:ext uri="{FF2B5EF4-FFF2-40B4-BE49-F238E27FC236}">
+                <a16:creationId xmlns:a16="http://schemas.microsoft.com/office/drawing/2014/main" id="{44274100-D37B-12B7-15FD-8D2EE4DAE4BE}"/>
+              </a:ext>
+            </a:extLst>
+          </p:cNvPr>
+          <p:cNvPicPr>
+            <a:picLocks noChangeAspect="1"/>
+          </p:cNvPicPr>
+          <p:nvPr/>
+        </p:nvPicPr>
+        <p:blipFill>
+          <a:blip r:embed="rId3"/>
+          <a:stretch>
+            <a:fillRect/>
+          </a:stretch>
+        </p:blipFill>
+        <p:spPr>
+          <a:xfrm>
+            <a:off x="8958623" y="1701201"/>
+            <a:ext cx="1343212" cy="1171739"/>
+          </a:xfrm>
+          <a:prstGeom prst="rect">
+            <a:avLst/>
+          </a:prstGeom>
+        </p:spPr>
+      </p:pic>
+      <p:sp>
+        <p:nvSpPr>
+          <p:cNvPr id="35" name="矩形 34">
+            <a:extLst>
+              <a:ext uri="{FF2B5EF4-FFF2-40B4-BE49-F238E27FC236}">
+                <a16:creationId xmlns:a16="http://schemas.microsoft.com/office/drawing/2014/main" id="{9A759242-02B5-11EE-04C2-B044F7EB16AC}"/>
+              </a:ext>
+            </a:extLst>
+          </p:cNvPr>
+          <p:cNvSpPr/>
+          <p:nvPr/>
+        </p:nvSpPr>
+        <p:spPr>
+          <a:xfrm>
+            <a:off x="10123715" y="2217611"/>
+            <a:ext cx="178120" cy="297587"/>
+          </a:xfrm>
+          <a:prstGeom prst="rect">
+            <a:avLst/>
+          </a:prstGeom>
+          <a:noFill/>
+        </p:spPr>
+        <p:style>
+          <a:lnRef idx="2">
+            <a:schemeClr val="accent1">
+              <a:shade val="15000"/>
+            </a:schemeClr>
+          </a:lnRef>
+          <a:fillRef idx="1">
+            <a:schemeClr val="accent1"/>
+          </a:fillRef>
+          <a:effectRef idx="0">
+            <a:schemeClr val="accent1"/>
+          </a:effectRef>
+          <a:fontRef idx="minor">
+            <a:schemeClr val="lt1"/>
+          </a:fontRef>
+        </p:style>
+        <p:txBody>
+          <a:bodyPr rtlCol="0" anchor="ctr"/>
+          <a:lstStyle/>
+          <a:p>
+            <a:pPr algn="ctr"/>
+            <a:endParaRPr lang="zh-CN" altLang="en-US"/>
+          </a:p>
+        </p:txBody>
+      </p:sp>
+      <p:sp>
+        <p:nvSpPr>
+          <p:cNvPr id="36" name="矩形 35">
+            <a:extLst>
+              <a:ext uri="{FF2B5EF4-FFF2-40B4-BE49-F238E27FC236}">
+                <a16:creationId xmlns:a16="http://schemas.microsoft.com/office/drawing/2014/main" id="{710BAB31-9454-428A-3DEA-FE5A21E1A903}"/>
+              </a:ext>
+            </a:extLst>
+          </p:cNvPr>
+          <p:cNvSpPr/>
+          <p:nvPr/>
+        </p:nvSpPr>
+        <p:spPr>
+          <a:xfrm>
+            <a:off x="9804401" y="2217610"/>
+            <a:ext cx="108857" cy="297587"/>
+          </a:xfrm>
+          <a:prstGeom prst="rect">
+            <a:avLst/>
+          </a:prstGeom>
+          <a:noFill/>
+        </p:spPr>
+        <p:style>
+          <a:lnRef idx="2">
+            <a:schemeClr val="accent1">
+              <a:shade val="15000"/>
+            </a:schemeClr>
+          </a:lnRef>
+          <a:fillRef idx="1">
+            <a:schemeClr val="accent1"/>
+          </a:fillRef>
+          <a:effectRef idx="0">
+            <a:schemeClr val="accent1"/>
+          </a:effectRef>
+          <a:fontRef idx="minor">
+            <a:schemeClr val="lt1"/>
+          </a:fontRef>
+        </p:style>
+        <p:txBody>
+          <a:bodyPr rtlCol="0" anchor="ctr"/>
+          <a:lstStyle/>
+          <a:p>
+            <a:pPr algn="ctr"/>
+            <a:endParaRPr lang="zh-CN" altLang="en-US"/>
+          </a:p>
+        </p:txBody>
+      </p:sp>
+      <p:sp>
+        <p:nvSpPr>
+          <p:cNvPr id="37" name="矩形 36">
+            <a:extLst>
+              <a:ext uri="{FF2B5EF4-FFF2-40B4-BE49-F238E27FC236}">
+                <a16:creationId xmlns:a16="http://schemas.microsoft.com/office/drawing/2014/main" id="{D1F1B635-E437-5102-3554-7C826569D3CA}"/>
+              </a:ext>
+            </a:extLst>
+          </p:cNvPr>
+          <p:cNvSpPr/>
+          <p:nvPr/>
+        </p:nvSpPr>
+        <p:spPr>
+          <a:xfrm>
+            <a:off x="9452109" y="2217611"/>
+            <a:ext cx="178120" cy="297587"/>
+          </a:xfrm>
+          <a:prstGeom prst="rect">
+            <a:avLst/>
+          </a:prstGeom>
+          <a:noFill/>
+        </p:spPr>
+        <p:style>
+          <a:lnRef idx="2">
+            <a:schemeClr val="accent1">
+              <a:shade val="15000"/>
+            </a:schemeClr>
+          </a:lnRef>
+          <a:fillRef idx="1">
+            <a:schemeClr val="accent1"/>
+          </a:fillRef>
+          <a:effectRef idx="0">
+            <a:schemeClr val="accent1"/>
+          </a:effectRef>
+          <a:fontRef idx="minor">
+            <a:schemeClr val="lt1"/>
+          </a:fontRef>
+        </p:style>
+        <p:txBody>
+          <a:bodyPr rtlCol="0" anchor="ctr"/>
+          <a:lstStyle/>
+          <a:p>
+            <a:pPr algn="ctr"/>
+            <a:endParaRPr lang="zh-CN" altLang="en-US"/>
+          </a:p>
+        </p:txBody>
+      </p:sp>
+      <p:sp>
+        <p:nvSpPr>
+          <p:cNvPr id="38" name="矩形 37">
+            <a:extLst>
+              <a:ext uri="{FF2B5EF4-FFF2-40B4-BE49-F238E27FC236}">
+                <a16:creationId xmlns:a16="http://schemas.microsoft.com/office/drawing/2014/main" id="{D7F4D46E-0E41-40CC-C19C-9F7D7C6FE421}"/>
+              </a:ext>
+            </a:extLst>
+          </p:cNvPr>
+          <p:cNvSpPr/>
+          <p:nvPr/>
+        </p:nvSpPr>
+        <p:spPr>
+          <a:xfrm>
+            <a:off x="9132795" y="2217610"/>
+            <a:ext cx="108857" cy="297587"/>
+          </a:xfrm>
+          <a:prstGeom prst="rect">
+            <a:avLst/>
+          </a:prstGeom>
+          <a:noFill/>
+        </p:spPr>
+        <p:style>
+          <a:lnRef idx="2">
+            <a:schemeClr val="accent1">
+              <a:shade val="15000"/>
+            </a:schemeClr>
+          </a:lnRef>
+          <a:fillRef idx="1">
+            <a:schemeClr val="accent1"/>
+          </a:fillRef>
+          <a:effectRef idx="0">
+            <a:schemeClr val="accent1"/>
+          </a:effectRef>
+          <a:fontRef idx="minor">
+            <a:schemeClr val="lt1"/>
+          </a:fontRef>
+        </p:style>
+        <p:txBody>
+          <a:bodyPr rtlCol="0" anchor="ctr"/>
+          <a:lstStyle/>
+          <a:p>
+            <a:pPr algn="ctr"/>
+            <a:endParaRPr lang="zh-CN" altLang="en-US"/>
+          </a:p>
+        </p:txBody>
+      </p:sp>
+      <p:cxnSp>
+        <p:nvCxnSpPr>
+          <p:cNvPr id="42" name="连接符: 肘形 41">
+            <a:extLst>
+              <a:ext uri="{FF2B5EF4-FFF2-40B4-BE49-F238E27FC236}">
+                <a16:creationId xmlns:a16="http://schemas.microsoft.com/office/drawing/2014/main" id="{35FE8A27-6DAE-4B4F-C105-BFBC3049BCB3}"/>
+              </a:ext>
+            </a:extLst>
+          </p:cNvPr>
+          <p:cNvCxnSpPr>
+            <a:cxnSpLocks/>
+            <a:stCxn id="2" idx="3"/>
+            <a:endCxn id="38" idx="0"/>
+          </p:cNvCxnSpPr>
+          <p:nvPr/>
+        </p:nvCxnSpPr>
+        <p:spPr>
+          <a:xfrm>
+            <a:off x="7296805" y="2018136"/>
+            <a:ext cx="1890419" cy="199474"/>
+          </a:xfrm>
+          <a:prstGeom prst="bentConnector2">
+            <a:avLst/>
+          </a:prstGeom>
+          <a:ln>
+            <a:solidFill>
+              <a:schemeClr val="tx1"/>
+            </a:solidFill>
+            <a:tailEnd type="triangle"/>
+          </a:ln>
+        </p:spPr>
+        <p:style>
+          <a:lnRef idx="1">
+            <a:schemeClr val="accent1"/>
+          </a:lnRef>
+          <a:fillRef idx="0">
+            <a:schemeClr val="accent1"/>
+          </a:fillRef>
+          <a:effectRef idx="0">
+            <a:schemeClr val="accent1"/>
+          </a:effectRef>
+          <a:fontRef idx="minor">
+            <a:schemeClr val="tx1"/>
+          </a:fontRef>
+        </p:style>
+      </p:cxnSp>
+      <p:cxnSp>
+        <p:nvCxnSpPr>
+          <p:cNvPr id="44" name="连接符: 肘形 43">
+            <a:extLst>
+              <a:ext uri="{FF2B5EF4-FFF2-40B4-BE49-F238E27FC236}">
+                <a16:creationId xmlns:a16="http://schemas.microsoft.com/office/drawing/2014/main" id="{FEC13709-5EBB-1EB8-2BFF-3AF6BD711C1E}"/>
+              </a:ext>
+            </a:extLst>
+          </p:cNvPr>
+          <p:cNvCxnSpPr>
+            <a:cxnSpLocks/>
+            <a:stCxn id="2" idx="3"/>
+            <a:endCxn id="37" idx="0"/>
+          </p:cNvCxnSpPr>
+          <p:nvPr/>
+        </p:nvCxnSpPr>
+        <p:spPr>
+          <a:xfrm>
+            <a:off x="7296805" y="2018136"/>
+            <a:ext cx="2244364" cy="199475"/>
+          </a:xfrm>
+          <a:prstGeom prst="bentConnector2">
+            <a:avLst/>
+          </a:prstGeom>
+          <a:ln>
+            <a:solidFill>
+              <a:schemeClr val="tx1"/>
+            </a:solidFill>
+            <a:tailEnd type="triangle"/>
+          </a:ln>
+        </p:spPr>
+        <p:style>
+          <a:lnRef idx="1">
+            <a:schemeClr val="accent1"/>
+          </a:lnRef>
+          <a:fillRef idx="0">
+            <a:schemeClr val="accent1"/>
+          </a:fillRef>
+          <a:effectRef idx="0">
+            <a:schemeClr val="accent1"/>
+          </a:effectRef>
+          <a:fontRef idx="minor">
+            <a:schemeClr val="tx1"/>
+          </a:fontRef>
+        </p:style>
+      </p:cxnSp>
+      <p:cxnSp>
+        <p:nvCxnSpPr>
+          <p:cNvPr id="46" name="连接符: 肘形 45">
+            <a:extLst>
+              <a:ext uri="{FF2B5EF4-FFF2-40B4-BE49-F238E27FC236}">
+                <a16:creationId xmlns:a16="http://schemas.microsoft.com/office/drawing/2014/main" id="{57A0754F-DA15-8B40-3FDC-B086AA4973EE}"/>
+              </a:ext>
+            </a:extLst>
+          </p:cNvPr>
+          <p:cNvCxnSpPr>
+            <a:cxnSpLocks/>
+            <a:stCxn id="2" idx="3"/>
+            <a:endCxn id="36" idx="0"/>
+          </p:cNvCxnSpPr>
+          <p:nvPr/>
+        </p:nvCxnSpPr>
+        <p:spPr>
+          <a:xfrm>
+            <a:off x="7296805" y="2018136"/>
+            <a:ext cx="2562025" cy="199474"/>
+          </a:xfrm>
+          <a:prstGeom prst="bentConnector2">
+            <a:avLst/>
+          </a:prstGeom>
+          <a:ln>
+            <a:solidFill>
+              <a:schemeClr val="tx1"/>
+            </a:solidFill>
+            <a:tailEnd type="triangle"/>
+          </a:ln>
+        </p:spPr>
+        <p:style>
+          <a:lnRef idx="1">
+            <a:schemeClr val="accent1"/>
+          </a:lnRef>
+          <a:fillRef idx="0">
+            <a:schemeClr val="accent1"/>
+          </a:fillRef>
+          <a:effectRef idx="0">
+            <a:schemeClr val="accent1"/>
+          </a:effectRef>
+          <a:fontRef idx="minor">
+            <a:schemeClr val="tx1"/>
+          </a:fontRef>
+        </p:style>
+      </p:cxnSp>
+      <p:cxnSp>
+        <p:nvCxnSpPr>
+          <p:cNvPr id="48" name="连接符: 肘形 47">
+            <a:extLst>
+              <a:ext uri="{FF2B5EF4-FFF2-40B4-BE49-F238E27FC236}">
+                <a16:creationId xmlns:a16="http://schemas.microsoft.com/office/drawing/2014/main" id="{A4430379-582F-EF78-BC19-A7D4DCFBA5FE}"/>
+              </a:ext>
+            </a:extLst>
+          </p:cNvPr>
+          <p:cNvCxnSpPr>
+            <a:cxnSpLocks/>
+            <a:stCxn id="2" idx="3"/>
+            <a:endCxn id="35" idx="0"/>
+          </p:cNvCxnSpPr>
+          <p:nvPr/>
+        </p:nvCxnSpPr>
+        <p:spPr>
+          <a:xfrm>
+            <a:off x="7296805" y="2018136"/>
+            <a:ext cx="2915970" cy="199475"/>
+          </a:xfrm>
+          <a:prstGeom prst="bentConnector2">
+            <a:avLst/>
+          </a:prstGeom>
+          <a:ln>
+            <a:solidFill>
+              <a:schemeClr val="tx1"/>
+            </a:solidFill>
+            <a:tailEnd type="triangle"/>
+          </a:ln>
+        </p:spPr>
+        <p:style>
+          <a:lnRef idx="1">
+            <a:schemeClr val="accent1"/>
+          </a:lnRef>
+          <a:fillRef idx="0">
+            <a:schemeClr val="accent1"/>
+          </a:fillRef>
+          <a:effectRef idx="0">
+            <a:schemeClr val="accent1"/>
+          </a:effectRef>
+          <a:fontRef idx="minor">
+            <a:schemeClr val="tx1"/>
+          </a:fontRef>
+        </p:style>
+      </p:cxnSp>
     </p:spTree>
     <p:extLst>
       <p:ext uri="{BB962C8B-B14F-4D97-AF65-F5344CB8AC3E}">
-        <p14:creationId xmlns:p14="http://schemas.microsoft.com/office/powerpoint/2010/main" val="2166693863"/>
+        <p14:creationId xmlns:p14="http://schemas.microsoft.com/office/powerpoint/2010/main" val="844750989"/>
       </p:ext>
     </p:extLst>
   </p:cSld>
@@ -6070,7 +7382,7 @@
         <p:spPr>
           <a:xfrm>
             <a:off x="609599" y="106251"/>
-            <a:ext cx="7673267" cy="461665"/>
+            <a:ext cx="5382827" cy="461665"/>
           </a:xfrm>
           <a:prstGeom prst="rect">
             <a:avLst/>
@@ -6095,7 +7407,7 @@
           <a:p>
             <a:r>
               <a:rPr lang="en-US" altLang="zh-CN" dirty="0"/>
-              <a:t>Work_4: </a:t>
+              <a:t>Work_3: </a:t>
             </a:r>
             <a:r>
               <a:rPr lang="en-US" altLang="zh-CN" sz="1400" dirty="0"/>
@@ -6107,52 +7419,33 @@
             </a:r>
             <a:r>
               <a:rPr lang="en-US" altLang="zh-CN" sz="1400" dirty="0"/>
-              <a:t>Laplace Noise and Normal Noise added by Neurokit2 </a:t>
+              <a:t>Normal</a:t>
+            </a:r>
+            <a:r>
+              <a:rPr lang="zh-CN" altLang="en-US" sz="1400" dirty="0"/>
+              <a:t> </a:t>
+            </a:r>
+            <a:r>
+              <a:rPr lang="en-US" altLang="zh-CN" sz="1400" dirty="0"/>
+              <a:t>Nosie</a:t>
+            </a:r>
+            <a:r>
+              <a:rPr lang="zh-CN" altLang="en-US" sz="1400" dirty="0"/>
+              <a:t> </a:t>
+            </a:r>
+            <a:r>
+              <a:rPr lang="en-US" altLang="zh-CN" sz="1400" dirty="0"/>
+              <a:t>and respiratory</a:t>
             </a:r>
           </a:p>
         </p:txBody>
       </p:sp>
       <p:pic>
         <p:nvPicPr>
-          <p:cNvPr id="5" name="图片 4">
-            <a:extLst>
-              <a:ext uri="{FF2B5EF4-FFF2-40B4-BE49-F238E27FC236}">
-                <a16:creationId xmlns:a16="http://schemas.microsoft.com/office/drawing/2014/main" id="{A16D361E-EF19-ADB4-B8B0-16B162347AD7}"/>
-              </a:ext>
-            </a:extLst>
-          </p:cNvPr>
-          <p:cNvPicPr>
-            <a:picLocks noChangeAspect="1"/>
-          </p:cNvPicPr>
-          <p:nvPr/>
-        </p:nvPicPr>
-        <p:blipFill rotWithShape="1">
-          <a:blip r:embed="rId3">
-            <a:extLst>
-              <a:ext uri="{28A0092B-C50C-407E-A947-70E740481C1C}">
-                <a14:useLocalDpi xmlns:a14="http://schemas.microsoft.com/office/drawing/2010/main" val="0"/>
-              </a:ext>
-            </a:extLst>
-          </a:blip>
-          <a:srcRect l="7339" r="8329"/>
-          <a:stretch/>
-        </p:blipFill>
-        <p:spPr>
-          <a:xfrm>
-            <a:off x="0" y="1828800"/>
-            <a:ext cx="5610687" cy="3961660"/>
-          </a:xfrm>
-          <a:prstGeom prst="rect">
-            <a:avLst/>
-          </a:prstGeom>
-        </p:spPr>
-      </p:pic>
-      <p:pic>
-        <p:nvPicPr>
-          <p:cNvPr id="7" name="图片 6">
-            <a:extLst>
-              <a:ext uri="{FF2B5EF4-FFF2-40B4-BE49-F238E27FC236}">
-                <a16:creationId xmlns:a16="http://schemas.microsoft.com/office/drawing/2014/main" id="{CD2F8546-A6CD-ED66-0BA1-E79558222E47}"/>
+          <p:cNvPr id="3" name="图片 2">
+            <a:extLst>
+              <a:ext uri="{FF2B5EF4-FFF2-40B4-BE49-F238E27FC236}">
+                <a16:creationId xmlns:a16="http://schemas.microsoft.com/office/drawing/2014/main" id="{44D789DF-5CC6-31A8-53C0-C3DA3A6BCCCE}"/>
               </a:ext>
             </a:extLst>
           </p:cNvPr>
@@ -6162,7 +7455,7 @@
           <p:nvPr/>
         </p:nvPicPr>
         <p:blipFill>
-          <a:blip r:embed="rId4">
+          <a:blip r:embed="rId3">
             <a:extLst>
               <a:ext uri="{28A0092B-C50C-407E-A947-70E740481C1C}">
                 <a14:useLocalDpi xmlns:a14="http://schemas.microsoft.com/office/drawing/2010/main" val="0"/>
@@ -6175,18 +7468,57 @@
         </p:blipFill>
         <p:spPr>
           <a:xfrm>
-            <a:off x="5589233" y="1828800"/>
-            <a:ext cx="6602767" cy="3961660"/>
+            <a:off x="1524000" y="2057400"/>
+            <a:ext cx="9144000" cy="2743200"/>
           </a:xfrm>
           <a:prstGeom prst="rect">
             <a:avLst/>
           </a:prstGeom>
         </p:spPr>
       </p:pic>
+      <p:sp>
+        <p:nvSpPr>
+          <p:cNvPr id="4" name="文本框 3">
+            <a:extLst>
+              <a:ext uri="{FF2B5EF4-FFF2-40B4-BE49-F238E27FC236}">
+                <a16:creationId xmlns:a16="http://schemas.microsoft.com/office/drawing/2014/main" id="{EC54AAB7-9248-D32D-E70E-167B20E4F5D2}"/>
+              </a:ext>
+            </a:extLst>
+          </p:cNvPr>
+          <p:cNvSpPr txBox="1"/>
+          <p:nvPr/>
+        </p:nvSpPr>
+        <p:spPr>
+          <a:xfrm>
+            <a:off x="3149600" y="921657"/>
+            <a:ext cx="5914571" cy="369332"/>
+          </a:xfrm>
+          <a:prstGeom prst="rect">
+            <a:avLst/>
+          </a:prstGeom>
+          <a:noFill/>
+        </p:spPr>
+        <p:txBody>
+          <a:bodyPr wrap="square" rtlCol="0">
+            <a:spAutoFit/>
+          </a:bodyPr>
+          <a:lstStyle/>
+          <a:p>
+            <a:r>
+              <a:rPr lang="en-US" altLang="zh-CN" dirty="0"/>
+              <a:t>Wiener Filter</a:t>
+            </a:r>
+            <a:r>
+              <a:rPr lang="zh-CN" altLang="en-US" dirty="0"/>
+              <a:t>可以初步的抑制噪声</a:t>
+            </a:r>
+          </a:p>
+        </p:txBody>
+      </p:sp>
     </p:spTree>
     <p:extLst>
       <p:ext uri="{BB962C8B-B14F-4D97-AF65-F5344CB8AC3E}">
-        <p14:creationId xmlns:p14="http://schemas.microsoft.com/office/powerpoint/2010/main" val="3901107781"/>
+        <p14:creationId xmlns:p14="http://schemas.microsoft.com/office/powerpoint/2010/main" val="852709101"/>
       </p:ext>
     </p:extLst>
   </p:cSld>
@@ -6228,7 +7560,7 @@
         <p:spPr>
           <a:xfrm>
             <a:off x="609599" y="106251"/>
-            <a:ext cx="7673267" cy="461665"/>
+            <a:ext cx="5382827" cy="461665"/>
           </a:xfrm>
           <a:prstGeom prst="rect">
             <a:avLst/>
@@ -6253,6 +7585,651 @@
           <a:p>
             <a:r>
               <a:rPr lang="en-US" altLang="zh-CN" dirty="0"/>
+              <a:t>Work_3: </a:t>
+            </a:r>
+            <a:r>
+              <a:rPr lang="en-US" altLang="zh-CN" sz="1400" dirty="0"/>
+              <a:t>Remove</a:t>
+            </a:r>
+            <a:r>
+              <a:rPr lang="zh-CN" altLang="en-US" sz="1400" dirty="0"/>
+              <a:t> </a:t>
+            </a:r>
+            <a:r>
+              <a:rPr lang="en-US" altLang="zh-CN" sz="1400" dirty="0"/>
+              <a:t>Normal</a:t>
+            </a:r>
+            <a:r>
+              <a:rPr lang="zh-CN" altLang="en-US" sz="1400" dirty="0"/>
+              <a:t> </a:t>
+            </a:r>
+            <a:r>
+              <a:rPr lang="en-US" altLang="zh-CN" sz="1400" dirty="0"/>
+              <a:t>Nosie</a:t>
+            </a:r>
+            <a:r>
+              <a:rPr lang="zh-CN" altLang="en-US" sz="1400" dirty="0"/>
+              <a:t> </a:t>
+            </a:r>
+            <a:r>
+              <a:rPr lang="en-US" altLang="zh-CN" sz="1400" dirty="0"/>
+              <a:t>and respiratory</a:t>
+            </a:r>
+          </a:p>
+        </p:txBody>
+      </p:sp>
+      <p:sp>
+        <p:nvSpPr>
+          <p:cNvPr id="2" name="文本框 1">
+            <a:extLst>
+              <a:ext uri="{FF2B5EF4-FFF2-40B4-BE49-F238E27FC236}">
+                <a16:creationId xmlns:a16="http://schemas.microsoft.com/office/drawing/2014/main" id="{9DABE206-02D2-83C2-ED3E-13CEF56AE168}"/>
+              </a:ext>
+            </a:extLst>
+          </p:cNvPr>
+          <p:cNvSpPr txBox="1"/>
+          <p:nvPr/>
+        </p:nvSpPr>
+        <p:spPr>
+          <a:xfrm>
+            <a:off x="3331029" y="1190171"/>
+            <a:ext cx="7416800" cy="369332"/>
+          </a:xfrm>
+          <a:prstGeom prst="rect">
+            <a:avLst/>
+          </a:prstGeom>
+          <a:noFill/>
+        </p:spPr>
+        <p:txBody>
+          <a:bodyPr wrap="square" rtlCol="0">
+            <a:spAutoFit/>
+          </a:bodyPr>
+          <a:lstStyle/>
+          <a:p>
+            <a:r>
+              <a:rPr lang="zh-CN" altLang="en-US" dirty="0"/>
+              <a:t>插入结果图</a:t>
+            </a:r>
+          </a:p>
+        </p:txBody>
+      </p:sp>
+    </p:spTree>
+    <p:extLst>
+      <p:ext uri="{BB962C8B-B14F-4D97-AF65-F5344CB8AC3E}">
+        <p14:creationId xmlns:p14="http://schemas.microsoft.com/office/powerpoint/2010/main" val="2166693863"/>
+      </p:ext>
+    </p:extLst>
+  </p:cSld>
+  <p:clrMapOvr>
+    <a:masterClrMapping/>
+  </p:clrMapOvr>
+</p:sld>
+</file>
+
+<file path=ppt/slides/slide13.xml><?xml version="1.0" encoding="utf-8"?>
+<p:sld xmlns:a="http://schemas.openxmlformats.org/drawingml/2006/main" xmlns:r="http://schemas.openxmlformats.org/officeDocument/2006/relationships" xmlns:p="http://schemas.openxmlformats.org/presentationml/2006/main">
+  <p:cSld>
+    <p:spTree>
+      <p:nvGrpSpPr>
+        <p:cNvPr id="1" name=""/>
+        <p:cNvGrpSpPr/>
+        <p:nvPr/>
+      </p:nvGrpSpPr>
+      <p:grpSpPr>
+        <a:xfrm>
+          <a:off x="0" y="0"/>
+          <a:ext cx="0" cy="0"/>
+          <a:chOff x="0" y="0"/>
+          <a:chExt cx="0" cy="0"/>
+        </a:xfrm>
+      </p:grpSpPr>
+      <p:sp>
+        <p:nvSpPr>
+          <p:cNvPr id="55" name="文本框 54">
+            <a:extLst>
+              <a:ext uri="{FF2B5EF4-FFF2-40B4-BE49-F238E27FC236}">
+                <a16:creationId xmlns:a16="http://schemas.microsoft.com/office/drawing/2014/main" id="{32A2BE86-86A6-F1FC-83EE-91A826B532E5}"/>
+              </a:ext>
+            </a:extLst>
+          </p:cNvPr>
+          <p:cNvSpPr txBox="1"/>
+          <p:nvPr/>
+        </p:nvSpPr>
+        <p:spPr>
+          <a:xfrm>
+            <a:off x="609599" y="106251"/>
+            <a:ext cx="7673267" cy="461665"/>
+          </a:xfrm>
+          <a:prstGeom prst="rect">
+            <a:avLst/>
+          </a:prstGeom>
+          <a:noFill/>
+        </p:spPr>
+        <p:txBody>
+          <a:bodyPr wrap="square" rtlCol="0">
+            <a:spAutoFit/>
+          </a:bodyPr>
+          <a:lstStyle>
+            <a:defPPr>
+              <a:defRPr lang="zh-CN"/>
+            </a:defPPr>
+            <a:lvl1pPr>
+              <a:defRPr sz="2400">
+                <a:latin typeface="Consolas" panose="020B0609020204030204" pitchFamily="49" charset="0"/>
+                <a:cs typeface="Times New Roman" panose="02020603050405020304" pitchFamily="18" charset="0"/>
+              </a:defRPr>
+            </a:lvl1pPr>
+          </a:lstStyle>
+          <a:p>
+            <a:r>
+              <a:rPr lang="en-US" altLang="zh-CN" dirty="0"/>
+              <a:t>Work_4: </a:t>
+            </a:r>
+            <a:r>
+              <a:rPr lang="en-US" altLang="zh-CN" sz="1400" dirty="0"/>
+              <a:t>Remove</a:t>
+            </a:r>
+            <a:r>
+              <a:rPr lang="zh-CN" altLang="en-US" sz="1400" dirty="0"/>
+              <a:t> </a:t>
+            </a:r>
+            <a:r>
+              <a:rPr lang="en-US" altLang="zh-CN" sz="1400" dirty="0"/>
+              <a:t>Laplace Noise and Normal Noise added by Neurokit2 </a:t>
+            </a:r>
+          </a:p>
+        </p:txBody>
+      </p:sp>
+      <p:pic>
+        <p:nvPicPr>
+          <p:cNvPr id="5" name="图片 4">
+            <a:extLst>
+              <a:ext uri="{FF2B5EF4-FFF2-40B4-BE49-F238E27FC236}">
+                <a16:creationId xmlns:a16="http://schemas.microsoft.com/office/drawing/2014/main" id="{A16D361E-EF19-ADB4-B8B0-16B162347AD7}"/>
+              </a:ext>
+            </a:extLst>
+          </p:cNvPr>
+          <p:cNvPicPr>
+            <a:picLocks noChangeAspect="1"/>
+          </p:cNvPicPr>
+          <p:nvPr/>
+        </p:nvPicPr>
+        <p:blipFill rotWithShape="1">
+          <a:blip r:embed="rId3">
+            <a:extLst>
+              <a:ext uri="{28A0092B-C50C-407E-A947-70E740481C1C}">
+                <a14:useLocalDpi xmlns:a14="http://schemas.microsoft.com/office/drawing/2010/main" val="0"/>
+              </a:ext>
+            </a:extLst>
+          </a:blip>
+          <a:srcRect l="7339" r="8329"/>
+          <a:stretch/>
+        </p:blipFill>
+        <p:spPr>
+          <a:xfrm>
+            <a:off x="0" y="1828800"/>
+            <a:ext cx="5610687" cy="3961660"/>
+          </a:xfrm>
+          <a:prstGeom prst="rect">
+            <a:avLst/>
+          </a:prstGeom>
+        </p:spPr>
+      </p:pic>
+      <p:pic>
+        <p:nvPicPr>
+          <p:cNvPr id="7" name="图片 6">
+            <a:extLst>
+              <a:ext uri="{FF2B5EF4-FFF2-40B4-BE49-F238E27FC236}">
+                <a16:creationId xmlns:a16="http://schemas.microsoft.com/office/drawing/2014/main" id="{CD2F8546-A6CD-ED66-0BA1-E79558222E47}"/>
+              </a:ext>
+            </a:extLst>
+          </p:cNvPr>
+          <p:cNvPicPr>
+            <a:picLocks noChangeAspect="1"/>
+          </p:cNvPicPr>
+          <p:nvPr/>
+        </p:nvPicPr>
+        <p:blipFill>
+          <a:blip r:embed="rId4">
+            <a:extLst>
+              <a:ext uri="{28A0092B-C50C-407E-A947-70E740481C1C}">
+                <a14:useLocalDpi xmlns:a14="http://schemas.microsoft.com/office/drawing/2010/main" val="0"/>
+              </a:ext>
+            </a:extLst>
+          </a:blip>
+          <a:stretch>
+            <a:fillRect/>
+          </a:stretch>
+        </p:blipFill>
+        <p:spPr>
+          <a:xfrm>
+            <a:off x="5589233" y="1828800"/>
+            <a:ext cx="6602767" cy="3961660"/>
+          </a:xfrm>
+          <a:prstGeom prst="rect">
+            <a:avLst/>
+          </a:prstGeom>
+        </p:spPr>
+      </p:pic>
+      <p:sp>
+        <p:nvSpPr>
+          <p:cNvPr id="2" name="文本框 1">
+            <a:extLst>
+              <a:ext uri="{FF2B5EF4-FFF2-40B4-BE49-F238E27FC236}">
+                <a16:creationId xmlns:a16="http://schemas.microsoft.com/office/drawing/2014/main" id="{CF7C3A1E-2AC0-475B-40AE-496FF548F0C1}"/>
+              </a:ext>
+            </a:extLst>
+          </p:cNvPr>
+          <p:cNvSpPr txBox="1"/>
+          <p:nvPr/>
+        </p:nvSpPr>
+        <p:spPr>
+          <a:xfrm>
+            <a:off x="101600" y="5708133"/>
+            <a:ext cx="6262914" cy="646331"/>
+          </a:xfrm>
+          <a:prstGeom prst="rect">
+            <a:avLst/>
+          </a:prstGeom>
+          <a:noFill/>
+        </p:spPr>
+        <p:txBody>
+          <a:bodyPr wrap="square" rtlCol="0">
+            <a:spAutoFit/>
+          </a:bodyPr>
+          <a:lstStyle/>
+          <a:p>
+            <a:r>
+              <a:rPr lang="en-US" altLang="zh-CN" dirty="0" err="1"/>
+              <a:t>Noisy_Signal</a:t>
+            </a:r>
+            <a:r>
+              <a:rPr lang="en-US" altLang="zh-CN" dirty="0"/>
+              <a:t> = </a:t>
+            </a:r>
+            <a:r>
+              <a:rPr lang="en-US" altLang="zh-CN" dirty="0" err="1"/>
+              <a:t>Clean_Signal</a:t>
+            </a:r>
+            <a:r>
+              <a:rPr lang="en-US" altLang="zh-CN" dirty="0"/>
+              <a:t> + </a:t>
+            </a:r>
+            <a:r>
+              <a:rPr lang="en-US" altLang="zh-CN" dirty="0" err="1"/>
+              <a:t>np.random.normal</a:t>
+            </a:r>
+            <a:r>
+              <a:rPr lang="en-US" altLang="zh-CN" dirty="0"/>
+              <a:t>()</a:t>
+            </a:r>
+          </a:p>
+          <a:p>
+            <a:r>
+              <a:rPr lang="en-US" altLang="zh-CN" dirty="0"/>
+              <a:t>Noise is added to all frequency.</a:t>
+            </a:r>
+          </a:p>
+        </p:txBody>
+      </p:sp>
+      <p:sp>
+        <p:nvSpPr>
+          <p:cNvPr id="3" name="文本框 2">
+            <a:extLst>
+              <a:ext uri="{FF2B5EF4-FFF2-40B4-BE49-F238E27FC236}">
+                <a16:creationId xmlns:a16="http://schemas.microsoft.com/office/drawing/2014/main" id="{99199C39-ECFB-1874-E11B-D924FC5A9C24}"/>
+              </a:ext>
+            </a:extLst>
+          </p:cNvPr>
+          <p:cNvSpPr txBox="1"/>
+          <p:nvPr/>
+        </p:nvSpPr>
+        <p:spPr>
+          <a:xfrm>
+            <a:off x="101600" y="1397390"/>
+            <a:ext cx="6262914" cy="646331"/>
+          </a:xfrm>
+          <a:prstGeom prst="rect">
+            <a:avLst/>
+          </a:prstGeom>
+          <a:noFill/>
+        </p:spPr>
+        <p:txBody>
+          <a:bodyPr wrap="square" rtlCol="0">
+            <a:spAutoFit/>
+          </a:bodyPr>
+          <a:lstStyle/>
+          <a:p>
+            <a:r>
+              <a:rPr lang="en-US" altLang="zh-CN" dirty="0"/>
+              <a:t>Normal Noise added by NeuroKit2 is in low frequency</a:t>
+            </a:r>
+          </a:p>
+        </p:txBody>
+      </p:sp>
+    </p:spTree>
+    <p:extLst>
+      <p:ext uri="{BB962C8B-B14F-4D97-AF65-F5344CB8AC3E}">
+        <p14:creationId xmlns:p14="http://schemas.microsoft.com/office/powerpoint/2010/main" val="3901107781"/>
+      </p:ext>
+    </p:extLst>
+  </p:cSld>
+  <p:clrMapOvr>
+    <a:masterClrMapping/>
+  </p:clrMapOvr>
+</p:sld>
+</file>
+
+<file path=ppt/slides/slide14.xml><?xml version="1.0" encoding="utf-8"?>
+<p:sld xmlns:a="http://schemas.openxmlformats.org/drawingml/2006/main" xmlns:r="http://schemas.openxmlformats.org/officeDocument/2006/relationships" xmlns:p="http://schemas.openxmlformats.org/presentationml/2006/main">
+  <p:cSld>
+    <p:spTree>
+      <p:nvGrpSpPr>
+        <p:cNvPr id="1" name=""/>
+        <p:cNvGrpSpPr/>
+        <p:nvPr/>
+      </p:nvGrpSpPr>
+      <p:grpSpPr>
+        <a:xfrm>
+          <a:off x="0" y="0"/>
+          <a:ext cx="0" cy="0"/>
+          <a:chOff x="0" y="0"/>
+          <a:chExt cx="0" cy="0"/>
+        </a:xfrm>
+      </p:grpSpPr>
+      <p:sp>
+        <p:nvSpPr>
+          <p:cNvPr id="55" name="文本框 54">
+            <a:extLst>
+              <a:ext uri="{FF2B5EF4-FFF2-40B4-BE49-F238E27FC236}">
+                <a16:creationId xmlns:a16="http://schemas.microsoft.com/office/drawing/2014/main" id="{32A2BE86-86A6-F1FC-83EE-91A826B532E5}"/>
+              </a:ext>
+            </a:extLst>
+          </p:cNvPr>
+          <p:cNvSpPr txBox="1"/>
+          <p:nvPr/>
+        </p:nvSpPr>
+        <p:spPr>
+          <a:xfrm>
+            <a:off x="609599" y="106251"/>
+            <a:ext cx="7673267" cy="461665"/>
+          </a:xfrm>
+          <a:prstGeom prst="rect">
+            <a:avLst/>
+          </a:prstGeom>
+          <a:noFill/>
+        </p:spPr>
+        <p:txBody>
+          <a:bodyPr wrap="square" rtlCol="0">
+            <a:spAutoFit/>
+          </a:bodyPr>
+          <a:lstStyle>
+            <a:defPPr>
+              <a:defRPr lang="zh-CN"/>
+            </a:defPPr>
+            <a:lvl1pPr>
+              <a:defRPr sz="2400">
+                <a:latin typeface="Consolas" panose="020B0609020204030204" pitchFamily="49" charset="0"/>
+                <a:cs typeface="Times New Roman" panose="02020603050405020304" pitchFamily="18" charset="0"/>
+              </a:defRPr>
+            </a:lvl1pPr>
+          </a:lstStyle>
+          <a:p>
+            <a:r>
+              <a:rPr lang="en-US" altLang="zh-CN" dirty="0"/>
+              <a:t>Work_4: </a:t>
+            </a:r>
+            <a:r>
+              <a:rPr lang="en-US" altLang="zh-CN" sz="1400" dirty="0"/>
+              <a:t>Remove</a:t>
+            </a:r>
+            <a:r>
+              <a:rPr lang="zh-CN" altLang="en-US" sz="1400" dirty="0"/>
+              <a:t> </a:t>
+            </a:r>
+            <a:r>
+              <a:rPr lang="en-US" altLang="zh-CN" sz="1400" dirty="0"/>
+              <a:t>Laplace Noise and Normal Noise added by Neurokit2 </a:t>
+            </a:r>
+          </a:p>
+        </p:txBody>
+      </p:sp>
+      <p:sp>
+        <p:nvSpPr>
+          <p:cNvPr id="3" name="文本框 2">
+            <a:extLst>
+              <a:ext uri="{FF2B5EF4-FFF2-40B4-BE49-F238E27FC236}">
+                <a16:creationId xmlns:a16="http://schemas.microsoft.com/office/drawing/2014/main" id="{99199C39-ECFB-1874-E11B-D924FC5A9C24}"/>
+              </a:ext>
+            </a:extLst>
+          </p:cNvPr>
+          <p:cNvSpPr txBox="1"/>
+          <p:nvPr/>
+        </p:nvSpPr>
+        <p:spPr>
+          <a:xfrm>
+            <a:off x="101600" y="1397390"/>
+            <a:ext cx="6262914" cy="923330"/>
+          </a:xfrm>
+          <a:prstGeom prst="rect">
+            <a:avLst/>
+          </a:prstGeom>
+          <a:noFill/>
+        </p:spPr>
+        <p:txBody>
+          <a:bodyPr wrap="square" rtlCol="0">
+            <a:spAutoFit/>
+          </a:bodyPr>
+          <a:lstStyle/>
+          <a:p>
+            <a:r>
+              <a:rPr lang="zh-CN" altLang="en-US" dirty="0"/>
+              <a:t>我使用</a:t>
+            </a:r>
+            <a:r>
+              <a:rPr lang="en-US" altLang="zh-CN" dirty="0"/>
+              <a:t>SSA</a:t>
+            </a:r>
+            <a:r>
+              <a:rPr lang="zh-CN" altLang="en-US" dirty="0"/>
+              <a:t>，仅仅是为了滤除低频信号，也就是</a:t>
+            </a:r>
+            <a:r>
+              <a:rPr lang="en-US" altLang="zh-CN" dirty="0"/>
+              <a:t>Trend</a:t>
+            </a:r>
+            <a:r>
+              <a:rPr lang="zh-CN" altLang="en-US" dirty="0"/>
+              <a:t>。</a:t>
+            </a:r>
+            <a:endParaRPr lang="en-US" altLang="zh-CN" dirty="0"/>
+          </a:p>
+          <a:p>
+            <a:endParaRPr lang="en-US" altLang="zh-CN" dirty="0"/>
+          </a:p>
+          <a:p>
+            <a:r>
+              <a:rPr lang="zh-CN" altLang="en-US" dirty="0"/>
+              <a:t>而我们有很多类似的方法，能够达到和</a:t>
+            </a:r>
+            <a:r>
+              <a:rPr lang="en-US" altLang="zh-CN" dirty="0"/>
+              <a:t>SSA</a:t>
+            </a:r>
+            <a:r>
+              <a:rPr lang="zh-CN" altLang="en-US" dirty="0"/>
+              <a:t>类似的效果。</a:t>
+            </a:r>
+            <a:endParaRPr lang="en-US" altLang="zh-CN" dirty="0"/>
+          </a:p>
+        </p:txBody>
+      </p:sp>
+      <p:sp>
+        <p:nvSpPr>
+          <p:cNvPr id="4" name="文本框 3">
+            <a:extLst>
+              <a:ext uri="{FF2B5EF4-FFF2-40B4-BE49-F238E27FC236}">
+                <a16:creationId xmlns:a16="http://schemas.microsoft.com/office/drawing/2014/main" id="{9D24AA7B-C77F-EE71-7585-E0306038D60D}"/>
+              </a:ext>
+            </a:extLst>
+          </p:cNvPr>
+          <p:cNvSpPr txBox="1"/>
+          <p:nvPr/>
+        </p:nvSpPr>
+        <p:spPr>
+          <a:xfrm>
+            <a:off x="101600" y="3088304"/>
+            <a:ext cx="6262914" cy="369332"/>
+          </a:xfrm>
+          <a:prstGeom prst="rect">
+            <a:avLst/>
+          </a:prstGeom>
+          <a:noFill/>
+        </p:spPr>
+        <p:txBody>
+          <a:bodyPr wrap="square" rtlCol="0">
+            <a:spAutoFit/>
+          </a:bodyPr>
+          <a:lstStyle/>
+          <a:p>
+            <a:r>
+              <a:rPr lang="zh-CN" altLang="en-US" dirty="0"/>
+              <a:t>分解后再重组，从而得到低频信号 </a:t>
+            </a:r>
+            <a:r>
+              <a:rPr lang="en-US" altLang="zh-CN" dirty="0"/>
+              <a:t>= </a:t>
+            </a:r>
+            <a:r>
+              <a:rPr lang="zh-CN" altLang="en-US" dirty="0"/>
+              <a:t>直接对信号进行平滑</a:t>
+            </a:r>
+            <a:endParaRPr lang="en-US" altLang="zh-CN" dirty="0"/>
+          </a:p>
+        </p:txBody>
+      </p:sp>
+      <p:sp>
+        <p:nvSpPr>
+          <p:cNvPr id="2" name="文本框 1">
+            <a:extLst>
+              <a:ext uri="{FF2B5EF4-FFF2-40B4-BE49-F238E27FC236}">
+                <a16:creationId xmlns:a16="http://schemas.microsoft.com/office/drawing/2014/main" id="{0FF5432D-CC10-065A-FFBA-C64C690CE6A8}"/>
+              </a:ext>
+            </a:extLst>
+          </p:cNvPr>
+          <p:cNvSpPr txBox="1"/>
+          <p:nvPr/>
+        </p:nvSpPr>
+        <p:spPr>
+          <a:xfrm>
+            <a:off x="101600" y="3560018"/>
+            <a:ext cx="6262914" cy="369332"/>
+          </a:xfrm>
+          <a:prstGeom prst="rect">
+            <a:avLst/>
+          </a:prstGeom>
+          <a:noFill/>
+        </p:spPr>
+        <p:txBody>
+          <a:bodyPr wrap="square" rtlCol="0">
+            <a:spAutoFit/>
+          </a:bodyPr>
+          <a:lstStyle/>
+          <a:p>
+            <a:r>
+              <a:rPr lang="zh-CN" altLang="en-US" dirty="0"/>
+              <a:t>对于同一个信号，使用</a:t>
+            </a:r>
+            <a:r>
+              <a:rPr lang="en-US" altLang="zh-CN" dirty="0"/>
+              <a:t>SSA</a:t>
+            </a:r>
+            <a:r>
+              <a:rPr lang="zh-CN" altLang="en-US" dirty="0"/>
+              <a:t>和</a:t>
+            </a:r>
+            <a:r>
+              <a:rPr lang="en-US" altLang="zh-CN" dirty="0"/>
+              <a:t>S filter</a:t>
+            </a:r>
+            <a:r>
+              <a:rPr lang="zh-CN" altLang="en-US" dirty="0"/>
+              <a:t>的效果对比图</a:t>
+            </a:r>
+            <a:endParaRPr lang="en-US" altLang="zh-CN" dirty="0"/>
+          </a:p>
+        </p:txBody>
+      </p:sp>
+    </p:spTree>
+    <p:extLst>
+      <p:ext uri="{BB962C8B-B14F-4D97-AF65-F5344CB8AC3E}">
+        <p14:creationId xmlns:p14="http://schemas.microsoft.com/office/powerpoint/2010/main" val="1066868998"/>
+      </p:ext>
+    </p:extLst>
+  </p:cSld>
+  <p:clrMapOvr>
+    <a:masterClrMapping/>
+  </p:clrMapOvr>
+</p:sld>
+</file>
+
+<file path=ppt/slides/slide15.xml><?xml version="1.0" encoding="utf-8"?>
+<p:sld xmlns:a="http://schemas.openxmlformats.org/drawingml/2006/main" xmlns:r="http://schemas.openxmlformats.org/officeDocument/2006/relationships" xmlns:p="http://schemas.openxmlformats.org/presentationml/2006/main">
+  <p:cSld>
+    <p:spTree>
+      <p:nvGrpSpPr>
+        <p:cNvPr id="1" name=""/>
+        <p:cNvGrpSpPr/>
+        <p:nvPr/>
+      </p:nvGrpSpPr>
+      <p:grpSpPr>
+        <a:xfrm>
+          <a:off x="0" y="0"/>
+          <a:ext cx="0" cy="0"/>
+          <a:chOff x="0" y="0"/>
+          <a:chExt cx="0" cy="0"/>
+        </a:xfrm>
+      </p:grpSpPr>
+      <p:sp>
+        <p:nvSpPr>
+          <p:cNvPr id="55" name="文本框 54">
+            <a:extLst>
+              <a:ext uri="{FF2B5EF4-FFF2-40B4-BE49-F238E27FC236}">
+                <a16:creationId xmlns:a16="http://schemas.microsoft.com/office/drawing/2014/main" id="{32A2BE86-86A6-F1FC-83EE-91A826B532E5}"/>
+              </a:ext>
+            </a:extLst>
+          </p:cNvPr>
+          <p:cNvSpPr txBox="1"/>
+          <p:nvPr/>
+        </p:nvSpPr>
+        <p:spPr>
+          <a:xfrm>
+            <a:off x="609599" y="106251"/>
+            <a:ext cx="7673267" cy="461665"/>
+          </a:xfrm>
+          <a:prstGeom prst="rect">
+            <a:avLst/>
+          </a:prstGeom>
+          <a:noFill/>
+        </p:spPr>
+        <p:txBody>
+          <a:bodyPr wrap="square" rtlCol="0">
+            <a:spAutoFit/>
+          </a:bodyPr>
+          <a:lstStyle>
+            <a:defPPr>
+              <a:defRPr lang="zh-CN"/>
+            </a:defPPr>
+            <a:lvl1pPr>
+              <a:defRPr sz="2400">
+                <a:latin typeface="Consolas" panose="020B0609020204030204" pitchFamily="49" charset="0"/>
+                <a:cs typeface="Times New Roman" panose="02020603050405020304" pitchFamily="18" charset="0"/>
+              </a:defRPr>
+            </a:lvl1pPr>
+          </a:lstStyle>
+          <a:p>
+            <a:r>
+              <a:rPr lang="en-US" altLang="zh-CN" dirty="0"/>
               <a:t>Work_4: </a:t>
             </a:r>
             <a:r>
@@ -6285,13 +8262,13 @@
           <p:nvPr>
             <p:extLst>
               <p:ext uri="{D42A27DB-BD31-4B8C-83A1-F6EECF244321}">
-                <p14:modId xmlns:p14="http://schemas.microsoft.com/office/powerpoint/2010/main" val="1082996508"/>
+                <p14:modId xmlns:p14="http://schemas.microsoft.com/office/powerpoint/2010/main" val="1983241110"/>
               </p:ext>
             </p:extLst>
           </p:nvPr>
         </p:nvGraphicFramePr>
         <p:xfrm>
-          <a:off x="1430784" y="2131060"/>
+          <a:off x="1430784" y="1142522"/>
           <a:ext cx="9330432" cy="2595880"/>
         </p:xfrm>
         <a:graphic>
@@ -6810,8 +8787,102 @@
                     <a:p>
                       <a:pPr algn="ctr"/>
                       <a:r>
+                        <a:rPr lang="en-US" altLang="zh-CN" b="1" dirty="0"/>
+                        <a:t>1.15</a:t>
+                      </a:r>
+                      <a:endParaRPr lang="zh-CN" altLang="en-US" b="1" dirty="0"/>
+                    </a:p>
+                  </a:txBody>
+                  <a:tcPr/>
+                </a:tc>
+                <a:tc>
+                  <a:txBody>
+                    <a:bodyPr/>
+                    <a:lstStyle/>
+                    <a:p>
+                      <a:pPr algn="ctr"/>
+                      <a:r>
+                        <a:rPr lang="en-US" altLang="zh-CN" b="1" dirty="0"/>
+                        <a:t>6.11</a:t>
+                      </a:r>
+                      <a:endParaRPr lang="zh-CN" altLang="en-US" b="1" dirty="0"/>
+                    </a:p>
+                  </a:txBody>
+                  <a:tcPr/>
+                </a:tc>
+                <a:extLst>
+                  <a:ext uri="{0D108BD9-81ED-4DB2-BD59-A6C34878D82A}">
+                    <a16:rowId xmlns:a16="http://schemas.microsoft.com/office/drawing/2014/main" val="3460375935"/>
+                  </a:ext>
+                </a:extLst>
+              </a:tr>
+            </a:tbl>
+          </a:graphicData>
+        </a:graphic>
+      </p:graphicFrame>
+      <p:graphicFrame>
+        <p:nvGraphicFramePr>
+          <p:cNvPr id="2" name="表格 3">
+            <a:extLst>
+              <a:ext uri="{FF2B5EF4-FFF2-40B4-BE49-F238E27FC236}">
+                <a16:creationId xmlns:a16="http://schemas.microsoft.com/office/drawing/2014/main" id="{0A90587E-FE87-0E65-8B3E-678F65899EC6}"/>
+              </a:ext>
+            </a:extLst>
+          </p:cNvPr>
+          <p:cNvGraphicFramePr>
+            <a:graphicFrameLocks noGrp="1"/>
+          </p:cNvGraphicFramePr>
+          <p:nvPr>
+            <p:extLst>
+              <p:ext uri="{D42A27DB-BD31-4B8C-83A1-F6EECF244321}">
+                <p14:modId xmlns:p14="http://schemas.microsoft.com/office/powerpoint/2010/main" val="3697573493"/>
+              </p:ext>
+            </p:extLst>
+          </p:nvPr>
+        </p:nvGraphicFramePr>
+        <p:xfrm>
+          <a:off x="1430784" y="4452575"/>
+          <a:ext cx="9330432" cy="741680"/>
+        </p:xfrm>
+        <a:graphic>
+          <a:graphicData uri="http://schemas.openxmlformats.org/drawingml/2006/table">
+            <a:tbl>
+              <a:tblPr firstRow="1" bandRow="1">
+                <a:tableStyleId>{5C22544A-7EE6-4342-B048-85BDC9FD1C3A}</a:tableStyleId>
+              </a:tblPr>
+              <a:tblGrid>
+                <a:gridCol w="3110144">
+                  <a:extLst>
+                    <a:ext uri="{9D8B030D-6E8A-4147-A177-3AD203B41FA5}">
+                      <a16:colId xmlns:a16="http://schemas.microsoft.com/office/drawing/2014/main" val="151857536"/>
+                    </a:ext>
+                  </a:extLst>
+                </a:gridCol>
+                <a:gridCol w="3110144">
+                  <a:extLst>
+                    <a:ext uri="{9D8B030D-6E8A-4147-A177-3AD203B41FA5}">
+                      <a16:colId xmlns:a16="http://schemas.microsoft.com/office/drawing/2014/main" val="1563335852"/>
+                    </a:ext>
+                  </a:extLst>
+                </a:gridCol>
+                <a:gridCol w="3110144">
+                  <a:extLst>
+                    <a:ext uri="{9D8B030D-6E8A-4147-A177-3AD203B41FA5}">
+                      <a16:colId xmlns:a16="http://schemas.microsoft.com/office/drawing/2014/main" val="653401973"/>
+                    </a:ext>
+                  </a:extLst>
+                </a:gridCol>
+              </a:tblGrid>
+              <a:tr h="370840">
+                <a:tc>
+                  <a:txBody>
+                    <a:bodyPr/>
+                    <a:lstStyle/>
+                    <a:p>
+                      <a:pPr algn="ctr"/>
+                      <a:r>
                         <a:rPr lang="en-US" altLang="zh-CN" dirty="0"/>
-                        <a:t>1.15</a:t>
+                        <a:t>Noise</a:t>
                       </a:r>
                       <a:endParaRPr lang="zh-CN" altLang="en-US" dirty="0"/>
                     </a:p>
@@ -6826,7 +8897,22 @@
                       <a:pPr algn="ctr"/>
                       <a:r>
                         <a:rPr lang="en-US" altLang="zh-CN" dirty="0"/>
-                        <a:t>6.11</a:t>
+                        <a:t>S</a:t>
+                      </a:r>
+                      <a:endParaRPr lang="zh-CN" altLang="en-US" dirty="0"/>
+                    </a:p>
+                  </a:txBody>
+                  <a:tcPr/>
+                </a:tc>
+                <a:tc>
+                  <a:txBody>
+                    <a:bodyPr/>
+                    <a:lstStyle/>
+                    <a:p>
+                      <a:pPr algn="ctr"/>
+                      <a:r>
+                        <a:rPr lang="en-US" altLang="zh-CN" dirty="0"/>
+                        <a:t>D</a:t>
                       </a:r>
                       <a:endParaRPr lang="zh-CN" altLang="en-US" dirty="0"/>
                     </a:p>
@@ -6835,7 +8921,67 @@
                 </a:tc>
                 <a:extLst>
                   <a:ext uri="{0D108BD9-81ED-4DB2-BD59-A6C34878D82A}">
-                    <a16:rowId xmlns:a16="http://schemas.microsoft.com/office/drawing/2014/main" val="3460375935"/>
+                    <a16:rowId xmlns:a16="http://schemas.microsoft.com/office/drawing/2014/main" val="2119649210"/>
+                  </a:ext>
+                </a:extLst>
+              </a:tr>
+              <a:tr h="370840">
+                <a:tc>
+                  <a:txBody>
+                    <a:bodyPr/>
+                    <a:lstStyle/>
+                    <a:p>
+                      <a:pPr algn="ctr"/>
+                      <a:r>
+                        <a:rPr lang="en-US" altLang="zh-CN" dirty="0"/>
+                        <a:t>Laplace </a:t>
+                      </a:r>
+                      <a:r>
+                        <a:rPr lang="en-US" altLang="zh-CN" dirty="0" err="1"/>
+                        <a:t>Noise_level</a:t>
+                      </a:r>
+                      <a:r>
+                        <a:rPr lang="en-US" altLang="zh-CN" dirty="0"/>
+                        <a:t> 0.8</a:t>
+                      </a:r>
+                      <a:endParaRPr lang="zh-CN" altLang="en-US" dirty="0"/>
+                    </a:p>
+                  </a:txBody>
+                  <a:tcPr/>
+                </a:tc>
+                <a:tc>
+                  <a:txBody>
+                    <a:bodyPr/>
+                    <a:lstStyle/>
+                    <a:p>
+                      <a:pPr algn="ctr"/>
+                      <a:r>
+                        <a:rPr lang="en-US" altLang="zh-CN" b="1" dirty="0"/>
+                        <a:t>1.64</a:t>
+                      </a:r>
+                      <a:endParaRPr lang="zh-CN" altLang="en-US" b="1" dirty="0"/>
+                    </a:p>
+                  </a:txBody>
+                  <a:tcPr/>
+                </a:tc>
+                <a:tc>
+                  <a:txBody>
+                    <a:bodyPr/>
+                    <a:lstStyle/>
+                    <a:p>
+                      <a:pPr algn="ctr"/>
+                      <a:r>
+                        <a:rPr lang="en-US" altLang="zh-CN" b="1" dirty="0"/>
+                        <a:t>6.28</a:t>
+                      </a:r>
+                      <a:endParaRPr lang="zh-CN" altLang="en-US" b="1" dirty="0"/>
+                    </a:p>
+                  </a:txBody>
+                  <a:tcPr/>
+                </a:tc>
+                <a:extLst>
+                  <a:ext uri="{0D108BD9-81ED-4DB2-BD59-A6C34878D82A}">
+                    <a16:rowId xmlns:a16="http://schemas.microsoft.com/office/drawing/2014/main" val="1023996060"/>
                   </a:ext>
                 </a:extLst>
               </a:tr>
@@ -6843,6 +8989,245 @@
           </a:graphicData>
         </a:graphic>
       </p:graphicFrame>
+      <p:sp>
+        <p:nvSpPr>
+          <p:cNvPr id="5" name="文本框 4">
+            <a:extLst>
+              <a:ext uri="{FF2B5EF4-FFF2-40B4-BE49-F238E27FC236}">
+                <a16:creationId xmlns:a16="http://schemas.microsoft.com/office/drawing/2014/main" id="{B9B048CC-AED6-DC16-54DD-59BBE354DFD4}"/>
+              </a:ext>
+            </a:extLst>
+          </p:cNvPr>
+          <p:cNvSpPr txBox="1"/>
+          <p:nvPr/>
+        </p:nvSpPr>
+        <p:spPr>
+          <a:xfrm>
+            <a:off x="1430784" y="4028105"/>
+            <a:ext cx="6682702" cy="369332"/>
+          </a:xfrm>
+          <a:prstGeom prst="rect">
+            <a:avLst/>
+          </a:prstGeom>
+          <a:noFill/>
+        </p:spPr>
+        <p:txBody>
+          <a:bodyPr wrap="square">
+            <a:spAutoFit/>
+          </a:bodyPr>
+          <a:lstStyle/>
+          <a:p>
+            <a:r>
+              <a:rPr lang="en-US" altLang="zh-CN" dirty="0"/>
+              <a:t>SSA + Template for Noisy Signal </a:t>
+            </a:r>
+            <a:r>
+              <a:rPr lang="en-US" altLang="zh-CN" b="1" dirty="0"/>
+              <a:t>without </a:t>
+            </a:r>
+            <a:r>
+              <a:rPr lang="en-US" altLang="zh-CN" dirty="0"/>
+              <a:t>Respiratory</a:t>
+            </a:r>
+            <a:endParaRPr lang="zh-CN" altLang="en-US" dirty="0"/>
+          </a:p>
+        </p:txBody>
+      </p:sp>
+      <p:sp>
+        <p:nvSpPr>
+          <p:cNvPr id="6" name="文本框 5">
+            <a:extLst>
+              <a:ext uri="{FF2B5EF4-FFF2-40B4-BE49-F238E27FC236}">
+                <a16:creationId xmlns:a16="http://schemas.microsoft.com/office/drawing/2014/main" id="{6D2927F2-E329-D31C-61DB-7F13959C0AA1}"/>
+              </a:ext>
+            </a:extLst>
+          </p:cNvPr>
+          <p:cNvSpPr txBox="1"/>
+          <p:nvPr/>
+        </p:nvSpPr>
+        <p:spPr>
+          <a:xfrm>
+            <a:off x="1350954" y="723483"/>
+            <a:ext cx="8213959" cy="369332"/>
+          </a:xfrm>
+          <a:prstGeom prst="rect">
+            <a:avLst/>
+          </a:prstGeom>
+          <a:noFill/>
+        </p:spPr>
+        <p:txBody>
+          <a:bodyPr wrap="square">
+            <a:spAutoFit/>
+          </a:bodyPr>
+          <a:lstStyle/>
+          <a:p>
+            <a:r>
+              <a:rPr lang="en-US" altLang="zh-CN" dirty="0" err="1"/>
+              <a:t>Savgol</a:t>
+            </a:r>
+            <a:r>
+              <a:rPr lang="en-US" altLang="zh-CN" dirty="0"/>
+              <a:t> filter + </a:t>
+            </a:r>
+            <a:r>
+              <a:rPr lang="en-US" altLang="zh-CN" dirty="0" err="1"/>
+              <a:t>fft</a:t>
+            </a:r>
+            <a:r>
+              <a:rPr lang="en-US" altLang="zh-CN" dirty="0"/>
+              <a:t>-denoising for Noisy Signal </a:t>
+            </a:r>
+            <a:r>
+              <a:rPr lang="en-US" altLang="zh-CN" b="1" dirty="0"/>
+              <a:t>with </a:t>
+            </a:r>
+            <a:r>
+              <a:rPr lang="en-US" altLang="zh-CN" dirty="0"/>
+              <a:t>Respiratory</a:t>
+            </a:r>
+            <a:endParaRPr lang="zh-CN" altLang="en-US" dirty="0"/>
+          </a:p>
+        </p:txBody>
+      </p:sp>
+      <p:sp>
+        <p:nvSpPr>
+          <p:cNvPr id="10" name="文本框 9">
+            <a:extLst>
+              <a:ext uri="{FF2B5EF4-FFF2-40B4-BE49-F238E27FC236}">
+                <a16:creationId xmlns:a16="http://schemas.microsoft.com/office/drawing/2014/main" id="{296BD1F2-1C86-318A-EB35-6DD26544868F}"/>
+              </a:ext>
+            </a:extLst>
+          </p:cNvPr>
+          <p:cNvSpPr txBox="1"/>
+          <p:nvPr/>
+        </p:nvSpPr>
+        <p:spPr>
+          <a:xfrm>
+            <a:off x="9710058" y="4092776"/>
+            <a:ext cx="2612571" cy="369332"/>
+          </a:xfrm>
+          <a:prstGeom prst="rect">
+            <a:avLst/>
+          </a:prstGeom>
+          <a:noFill/>
+        </p:spPr>
+        <p:txBody>
+          <a:bodyPr wrap="square">
+            <a:spAutoFit/>
+          </a:bodyPr>
+          <a:lstStyle/>
+          <a:p>
+            <a:r>
+              <a:rPr lang="en-US" altLang="zh-CN" b="1" dirty="0"/>
+              <a:t>Time: About 170 min</a:t>
+            </a:r>
+            <a:endParaRPr lang="zh-CN" altLang="en-US" b="1" dirty="0"/>
+          </a:p>
+        </p:txBody>
+      </p:sp>
+      <p:sp>
+        <p:nvSpPr>
+          <p:cNvPr id="11" name="文本框 10">
+            <a:extLst>
+              <a:ext uri="{FF2B5EF4-FFF2-40B4-BE49-F238E27FC236}">
+                <a16:creationId xmlns:a16="http://schemas.microsoft.com/office/drawing/2014/main" id="{2E25FDFB-E341-FE06-EBDC-8DC03C74023B}"/>
+              </a:ext>
+            </a:extLst>
+          </p:cNvPr>
+          <p:cNvSpPr txBox="1"/>
+          <p:nvPr/>
+        </p:nvSpPr>
+        <p:spPr>
+          <a:xfrm>
+            <a:off x="9710058" y="745621"/>
+            <a:ext cx="2481942" cy="369332"/>
+          </a:xfrm>
+          <a:prstGeom prst="rect">
+            <a:avLst/>
+          </a:prstGeom>
+          <a:noFill/>
+        </p:spPr>
+        <p:txBody>
+          <a:bodyPr wrap="square">
+            <a:spAutoFit/>
+          </a:bodyPr>
+          <a:lstStyle/>
+          <a:p>
+            <a:r>
+              <a:rPr lang="en-US" altLang="zh-CN" b="1" dirty="0"/>
+              <a:t>Time: About 5 sec</a:t>
+            </a:r>
+            <a:endParaRPr lang="zh-CN" altLang="en-US" b="1" dirty="0"/>
+          </a:p>
+        </p:txBody>
+      </p:sp>
+      <p:sp>
+        <p:nvSpPr>
+          <p:cNvPr id="13" name="文本框 12">
+            <a:extLst>
+              <a:ext uri="{FF2B5EF4-FFF2-40B4-BE49-F238E27FC236}">
+                <a16:creationId xmlns:a16="http://schemas.microsoft.com/office/drawing/2014/main" id="{82E0176A-BE27-08DF-C1CD-94CC3C25830E}"/>
+              </a:ext>
+            </a:extLst>
+          </p:cNvPr>
+          <p:cNvSpPr txBox="1"/>
+          <p:nvPr/>
+        </p:nvSpPr>
+        <p:spPr>
+          <a:xfrm>
+            <a:off x="1596572" y="5949851"/>
+            <a:ext cx="10365338" cy="369332"/>
+          </a:xfrm>
+          <a:prstGeom prst="rect">
+            <a:avLst/>
+          </a:prstGeom>
+          <a:noFill/>
+        </p:spPr>
+        <p:txBody>
+          <a:bodyPr wrap="none" rtlCol="0">
+            <a:spAutoFit/>
+          </a:bodyPr>
+          <a:lstStyle/>
+          <a:p>
+            <a:r>
+              <a:rPr lang="en-US" altLang="zh-CN" dirty="0" err="1"/>
+              <a:t>Savgol</a:t>
+            </a:r>
+            <a:r>
+              <a:rPr lang="en-US" altLang="zh-CN" dirty="0"/>
+              <a:t> </a:t>
+            </a:r>
+            <a:r>
+              <a:rPr lang="en-US" altLang="zh-CN" dirty="0" err="1"/>
+              <a:t>filter+fft-denoising</a:t>
+            </a:r>
+            <a:r>
+              <a:rPr lang="en-US" altLang="zh-CN" dirty="0"/>
+              <a:t> </a:t>
+            </a:r>
+            <a:r>
+              <a:rPr lang="zh-CN" altLang="en-US" dirty="0"/>
+              <a:t>在一个有</a:t>
+            </a:r>
+            <a:r>
+              <a:rPr lang="en-US" altLang="zh-CN" dirty="0"/>
+              <a:t>R</a:t>
+            </a:r>
+            <a:r>
+              <a:rPr lang="zh-CN" altLang="en-US" dirty="0"/>
+              <a:t>的数据上，用更短的时间，去实现了比</a:t>
+            </a:r>
+            <a:r>
+              <a:rPr lang="en-US" altLang="zh-CN" dirty="0"/>
+              <a:t>SSA</a:t>
+            </a:r>
+            <a:r>
+              <a:rPr lang="zh-CN" altLang="en-US" dirty="0"/>
+              <a:t>更好的效果</a:t>
+            </a:r>
+          </a:p>
+        </p:txBody>
+      </p:sp>
     </p:spTree>
     <p:extLst>
       <p:ext uri="{BB962C8B-B14F-4D97-AF65-F5344CB8AC3E}">
@@ -6856,7 +9241,7 @@
 </p:sld>
 </file>
 
-<file path=ppt/slides/slide13.xml><?xml version="1.0" encoding="utf-8"?>
+<file path=ppt/slides/slide16.xml><?xml version="1.0" encoding="utf-8"?>
 <p:sld xmlns:a="http://schemas.openxmlformats.org/drawingml/2006/main" xmlns:r="http://schemas.openxmlformats.org/officeDocument/2006/relationships" xmlns:p="http://schemas.openxmlformats.org/presentationml/2006/main">
   <p:cSld>
     <p:spTree>
@@ -6913,21 +9298,18 @@
           <a:p>
             <a:r>
               <a:rPr lang="en-US" altLang="zh-CN" dirty="0"/>
-              <a:t>Work_4: </a:t>
-            </a:r>
-            <a:r>
-              <a:rPr lang="en-US" altLang="zh-CN" sz="1400" dirty="0"/>
-              <a:t>Theoretical knowledge Learning</a:t>
-            </a:r>
-          </a:p>
-        </p:txBody>
-      </p:sp>
-      <p:sp>
-        <p:nvSpPr>
-          <p:cNvPr id="3" name="文本框 2">
-            <a:extLst>
-              <a:ext uri="{FF2B5EF4-FFF2-40B4-BE49-F238E27FC236}">
-                <a16:creationId xmlns:a16="http://schemas.microsoft.com/office/drawing/2014/main" id="{C1F1E1A2-EAA5-F458-EF2C-03F08482877A}"/>
+              <a:t>Questions</a:t>
+            </a:r>
+            <a:endParaRPr lang="en-US" altLang="zh-CN" sz="1400" dirty="0"/>
+          </a:p>
+        </p:txBody>
+      </p:sp>
+      <p:sp>
+        <p:nvSpPr>
+          <p:cNvPr id="5" name="文本框 4">
+            <a:extLst>
+              <a:ext uri="{FF2B5EF4-FFF2-40B4-BE49-F238E27FC236}">
+                <a16:creationId xmlns:a16="http://schemas.microsoft.com/office/drawing/2014/main" id="{DD5647F8-916F-3014-8548-230CD924EB4F}"/>
               </a:ext>
             </a:extLst>
           </p:cNvPr>
@@ -6936,8 +9318,8 @@
         </p:nvSpPr>
         <p:spPr>
           <a:xfrm>
-            <a:off x="1770031" y="1385264"/>
-            <a:ext cx="3059685" cy="400110"/>
+            <a:off x="1122219" y="1965334"/>
+            <a:ext cx="10676204" cy="1477328"/>
           </a:xfrm>
           <a:prstGeom prst="rect">
             <a:avLst/>
@@ -6963,455 +9345,6 @@
             </a:lvl1pPr>
           </a:lstStyle>
           <a:p>
-            <a:pPr algn="ctr"/>
-            <a:r>
-              <a:rPr lang="en-US" altLang="zh-CN" sz="2000" b="1" dirty="0"/>
-              <a:t>Signals and Systems</a:t>
-            </a:r>
-            <a:endParaRPr lang="zh-CN" altLang="en-US" sz="2000" b="1" dirty="0"/>
-          </a:p>
-        </p:txBody>
-      </p:sp>
-      <p:sp>
-        <p:nvSpPr>
-          <p:cNvPr id="8" name="文本框 7">
-            <a:extLst>
-              <a:ext uri="{FF2B5EF4-FFF2-40B4-BE49-F238E27FC236}">
-                <a16:creationId xmlns:a16="http://schemas.microsoft.com/office/drawing/2014/main" id="{56C7C0D7-F219-E08C-D3D9-87ED10553615}"/>
-              </a:ext>
-            </a:extLst>
-          </p:cNvPr>
-          <p:cNvSpPr txBox="1"/>
-          <p:nvPr/>
-        </p:nvSpPr>
-        <p:spPr>
-          <a:xfrm>
-            <a:off x="1122219" y="1965334"/>
-            <a:ext cx="5062681" cy="2862322"/>
-          </a:xfrm>
-          <a:prstGeom prst="rect">
-            <a:avLst/>
-          </a:prstGeom>
-          <a:noFill/>
-        </p:spPr>
-        <p:txBody>
-          <a:bodyPr wrap="square">
-            <a:spAutoFit/>
-          </a:bodyPr>
-          <a:lstStyle>
-            <a:defPPr>
-              <a:defRPr lang="zh-CN"/>
-            </a:defPPr>
-            <a:lvl1pPr>
-              <a:defRPr b="0">
-                <a:solidFill>
-                  <a:srgbClr val="353535"/>
-                </a:solidFill>
-                <a:effectLst/>
-                <a:latin typeface="Consolas" panose="020B0609020204030204" pitchFamily="49" charset="0"/>
-              </a:defRPr>
-            </a:lvl1pPr>
-          </a:lstStyle>
-          <a:p>
-            <a:r>
-              <a:rPr lang="en-US" altLang="zh-CN" dirty="0">
-                <a:latin typeface="+mj-lt"/>
-              </a:rPr>
-              <a:t>Course:</a:t>
-            </a:r>
-            <a:r>
-              <a:rPr lang="zh-CN" altLang="en-US" dirty="0">
-                <a:latin typeface="+mj-lt"/>
-              </a:rPr>
-              <a:t> </a:t>
-            </a:r>
-            <a:r>
-              <a:rPr lang="en-US" altLang="zh-CN" dirty="0">
-                <a:latin typeface="+mj-lt"/>
-              </a:rPr>
-              <a:t>EE120, Berkeley </a:t>
-            </a:r>
-          </a:p>
-          <a:p>
-            <a:endParaRPr lang="en-US" altLang="zh-CN" dirty="0">
-              <a:latin typeface="+mj-lt"/>
-            </a:endParaRPr>
-          </a:p>
-          <a:p>
-            <a:r>
-              <a:rPr lang="en-US" altLang="zh-CN" b="1" dirty="0">
-                <a:latin typeface="+mj-lt"/>
-              </a:rPr>
-              <a:t>This week’s</a:t>
-            </a:r>
-            <a:r>
-              <a:rPr lang="zh-CN" altLang="en-US" b="1" dirty="0">
-                <a:latin typeface="+mj-lt"/>
-              </a:rPr>
-              <a:t> </a:t>
-            </a:r>
-            <a:r>
-              <a:rPr lang="en-US" altLang="zh-CN" b="1" dirty="0">
-                <a:latin typeface="+mj-lt"/>
-              </a:rPr>
-              <a:t>Progress:</a:t>
-            </a:r>
-          </a:p>
-          <a:p>
-            <a:r>
-              <a:rPr lang="en-US" altLang="zh-CN" b="1" dirty="0">
-                <a:latin typeface="+mj-lt"/>
-              </a:rPr>
-              <a:t>None</a:t>
-            </a:r>
-          </a:p>
-          <a:p>
-            <a:endParaRPr lang="en-US" altLang="zh-CN" dirty="0">
-              <a:latin typeface="+mj-lt"/>
-            </a:endParaRPr>
-          </a:p>
-          <a:p>
-            <a:r>
-              <a:rPr lang="en-US" altLang="zh-CN" b="1" dirty="0">
-                <a:latin typeface="+mj-lt"/>
-              </a:rPr>
-              <a:t>Next week’s</a:t>
-            </a:r>
-            <a:r>
-              <a:rPr lang="zh-CN" altLang="en-US" b="1" dirty="0">
-                <a:latin typeface="+mj-lt"/>
-              </a:rPr>
-              <a:t> </a:t>
-            </a:r>
-            <a:r>
-              <a:rPr lang="en-US" altLang="zh-CN" b="1" dirty="0">
-                <a:latin typeface="+mj-lt"/>
-              </a:rPr>
-              <a:t>plan:</a:t>
-            </a:r>
-          </a:p>
-          <a:p>
-            <a:r>
-              <a:rPr lang="en-US" altLang="zh-CN" dirty="0">
-                <a:latin typeface="+mj-lt"/>
-              </a:rPr>
-              <a:t>Lecture 10 (the DFT; FIR filters)</a:t>
-            </a:r>
-          </a:p>
-          <a:p>
-            <a:r>
-              <a:rPr lang="en-US" altLang="zh-CN" dirty="0">
-                <a:latin typeface="+mj-lt"/>
-              </a:rPr>
-              <a:t>Lecture 11 (Fourier transforms in two dimensions)</a:t>
-            </a:r>
-          </a:p>
-          <a:p>
-            <a:r>
-              <a:rPr lang="en-US" altLang="zh-CN" dirty="0">
-                <a:latin typeface="+mj-lt"/>
-              </a:rPr>
-              <a:t>Finish 1 lab</a:t>
-            </a:r>
-          </a:p>
-        </p:txBody>
-      </p:sp>
-      <p:sp>
-        <p:nvSpPr>
-          <p:cNvPr id="4" name="文本框 3">
-            <a:extLst>
-              <a:ext uri="{FF2B5EF4-FFF2-40B4-BE49-F238E27FC236}">
-                <a16:creationId xmlns:a16="http://schemas.microsoft.com/office/drawing/2014/main" id="{CE66F54C-EE63-8CEA-8FE4-D4569E42FD3A}"/>
-              </a:ext>
-            </a:extLst>
-          </p:cNvPr>
-          <p:cNvSpPr txBox="1"/>
-          <p:nvPr/>
-        </p:nvSpPr>
-        <p:spPr>
-          <a:xfrm>
-            <a:off x="6594767" y="1965334"/>
-            <a:ext cx="4996573" cy="2308324"/>
-          </a:xfrm>
-          <a:prstGeom prst="rect">
-            <a:avLst/>
-          </a:prstGeom>
-          <a:noFill/>
-        </p:spPr>
-        <p:txBody>
-          <a:bodyPr wrap="square">
-            <a:spAutoFit/>
-          </a:bodyPr>
-          <a:lstStyle>
-            <a:defPPr>
-              <a:defRPr lang="zh-CN"/>
-            </a:defPPr>
-            <a:lvl1pPr>
-              <a:defRPr b="0">
-                <a:solidFill>
-                  <a:srgbClr val="353535"/>
-                </a:solidFill>
-                <a:effectLst/>
-                <a:latin typeface="Consolas" panose="020B0609020204030204" pitchFamily="49" charset="0"/>
-              </a:defRPr>
-            </a:lvl1pPr>
-          </a:lstStyle>
-          <a:p>
-            <a:r>
-              <a:rPr lang="en-US" altLang="zh-CN" dirty="0">
-                <a:latin typeface="+mj-lt"/>
-              </a:rPr>
-              <a:t>Course:</a:t>
-            </a:r>
-            <a:r>
-              <a:rPr lang="zh-CN" altLang="en-US" dirty="0">
-                <a:latin typeface="+mj-lt"/>
-              </a:rPr>
-              <a:t> </a:t>
-            </a:r>
-            <a:r>
-              <a:rPr lang="en-US" altLang="zh-CN" dirty="0">
-                <a:latin typeface="+mj-lt"/>
-              </a:rPr>
-              <a:t>CS109, </a:t>
-            </a:r>
-            <a:r>
-              <a:rPr lang="en-US" altLang="zh-CN" dirty="0" err="1">
-                <a:latin typeface="+mj-lt"/>
-              </a:rPr>
-              <a:t>Standford</a:t>
-            </a:r>
-            <a:endParaRPr lang="en-US" altLang="zh-CN" dirty="0">
-              <a:latin typeface="+mj-lt"/>
-            </a:endParaRPr>
-          </a:p>
-          <a:p>
-            <a:endParaRPr lang="en-US" altLang="zh-CN" dirty="0">
-              <a:latin typeface="+mj-lt"/>
-            </a:endParaRPr>
-          </a:p>
-          <a:p>
-            <a:r>
-              <a:rPr lang="en-US" altLang="zh-CN" b="1" dirty="0">
-                <a:latin typeface="+mj-lt"/>
-              </a:rPr>
-              <a:t>This week's progress:</a:t>
-            </a:r>
-          </a:p>
-          <a:p>
-            <a:r>
-              <a:rPr lang="en-US" altLang="zh-CN" dirty="0">
-                <a:latin typeface="+mj-lt"/>
-              </a:rPr>
-              <a:t>Part * 12</a:t>
-            </a:r>
-          </a:p>
-          <a:p>
-            <a:endParaRPr lang="en-US" altLang="zh-CN" dirty="0">
-              <a:latin typeface="+mj-lt"/>
-            </a:endParaRPr>
-          </a:p>
-          <a:p>
-            <a:r>
-              <a:rPr lang="en-US" altLang="zh-CN" b="1" dirty="0">
-                <a:latin typeface="+mj-lt"/>
-              </a:rPr>
-              <a:t>Next week’s</a:t>
-            </a:r>
-            <a:r>
-              <a:rPr lang="zh-CN" altLang="en-US" b="1" dirty="0">
-                <a:latin typeface="+mj-lt"/>
-              </a:rPr>
-              <a:t> </a:t>
-            </a:r>
-            <a:r>
-              <a:rPr lang="en-US" altLang="zh-CN" b="1" dirty="0">
-                <a:latin typeface="+mj-lt"/>
-              </a:rPr>
-              <a:t>plan:</a:t>
-            </a:r>
-          </a:p>
-          <a:p>
-            <a:r>
-              <a:rPr lang="en-US" altLang="zh-CN" dirty="0">
-                <a:latin typeface="+mj-lt"/>
-              </a:rPr>
-              <a:t>Part * 12</a:t>
-            </a:r>
-          </a:p>
-          <a:p>
-            <a:endParaRPr lang="en-US" altLang="zh-CN" b="1" dirty="0">
-              <a:latin typeface="+mj-lt"/>
-            </a:endParaRPr>
-          </a:p>
-        </p:txBody>
-      </p:sp>
-      <p:sp>
-        <p:nvSpPr>
-          <p:cNvPr id="6" name="文本框 5">
-            <a:extLst>
-              <a:ext uri="{FF2B5EF4-FFF2-40B4-BE49-F238E27FC236}">
-                <a16:creationId xmlns:a16="http://schemas.microsoft.com/office/drawing/2014/main" id="{24F09BA0-ED6D-D618-0DE5-FC3CA2527B20}"/>
-              </a:ext>
-            </a:extLst>
-          </p:cNvPr>
-          <p:cNvSpPr txBox="1"/>
-          <p:nvPr/>
-        </p:nvSpPr>
-        <p:spPr>
-          <a:xfrm>
-            <a:off x="6594767" y="1385264"/>
-            <a:ext cx="5365094" cy="400110"/>
-          </a:xfrm>
-          <a:prstGeom prst="rect">
-            <a:avLst/>
-          </a:prstGeom>
-          <a:noFill/>
-        </p:spPr>
-        <p:txBody>
-          <a:bodyPr wrap="square">
-            <a:spAutoFit/>
-          </a:bodyPr>
-          <a:lstStyle>
-            <a:defPPr>
-              <a:defRPr lang="zh-CN"/>
-            </a:defPPr>
-            <a:lvl1pPr>
-              <a:defRPr b="0">
-                <a:solidFill>
-                  <a:srgbClr val="353535"/>
-                </a:solidFill>
-                <a:effectLst/>
-                <a:latin typeface="Consolas" panose="020B0609020204030204" pitchFamily="49" charset="0"/>
-              </a:defRPr>
-            </a:lvl1pPr>
-          </a:lstStyle>
-          <a:p>
-            <a:r>
-              <a:rPr lang="en-US" altLang="zh-CN" sz="2000" b="1" dirty="0"/>
-              <a:t>Probability for Computer Scientists</a:t>
-            </a:r>
-            <a:endParaRPr lang="zh-CN" altLang="en-US" sz="2000" b="1" dirty="0"/>
-          </a:p>
-        </p:txBody>
-      </p:sp>
-    </p:spTree>
-    <p:extLst>
-      <p:ext uri="{BB962C8B-B14F-4D97-AF65-F5344CB8AC3E}">
-        <p14:creationId xmlns:p14="http://schemas.microsoft.com/office/powerpoint/2010/main" val="3189137605"/>
-      </p:ext>
-    </p:extLst>
-  </p:cSld>
-  <p:clrMapOvr>
-    <a:masterClrMapping/>
-  </p:clrMapOvr>
-</p:sld>
-</file>
-
-<file path=ppt/slides/slide14.xml><?xml version="1.0" encoding="utf-8"?>
-<p:sld xmlns:a="http://schemas.openxmlformats.org/drawingml/2006/main" xmlns:r="http://schemas.openxmlformats.org/officeDocument/2006/relationships" xmlns:p="http://schemas.openxmlformats.org/presentationml/2006/main">
-  <p:cSld>
-    <p:spTree>
-      <p:nvGrpSpPr>
-        <p:cNvPr id="1" name=""/>
-        <p:cNvGrpSpPr/>
-        <p:nvPr/>
-      </p:nvGrpSpPr>
-      <p:grpSpPr>
-        <a:xfrm>
-          <a:off x="0" y="0"/>
-          <a:ext cx="0" cy="0"/>
-          <a:chOff x="0" y="0"/>
-          <a:chExt cx="0" cy="0"/>
-        </a:xfrm>
-      </p:grpSpPr>
-      <p:sp>
-        <p:nvSpPr>
-          <p:cNvPr id="2" name="文本框 1">
-            <a:extLst>
-              <a:ext uri="{FF2B5EF4-FFF2-40B4-BE49-F238E27FC236}">
-                <a16:creationId xmlns:a16="http://schemas.microsoft.com/office/drawing/2014/main" id="{4301BE2B-0820-0143-B72A-D9CEA12265BD}"/>
-              </a:ext>
-            </a:extLst>
-          </p:cNvPr>
-          <p:cNvSpPr txBox="1"/>
-          <p:nvPr/>
-        </p:nvSpPr>
-        <p:spPr>
-          <a:xfrm>
-            <a:off x="1122219" y="423950"/>
-            <a:ext cx="5931724" cy="461665"/>
-          </a:xfrm>
-          <a:prstGeom prst="rect">
-            <a:avLst/>
-          </a:prstGeom>
-          <a:noFill/>
-        </p:spPr>
-        <p:txBody>
-          <a:bodyPr wrap="square" rtlCol="0">
-            <a:spAutoFit/>
-          </a:bodyPr>
-          <a:lstStyle>
-            <a:defPPr>
-              <a:defRPr lang="zh-CN"/>
-            </a:defPPr>
-            <a:lvl1pPr>
-              <a:defRPr sz="2400">
-                <a:latin typeface="Consolas" panose="020B0609020204030204" pitchFamily="49" charset="0"/>
-                <a:cs typeface="Times New Roman" panose="02020603050405020304" pitchFamily="18" charset="0"/>
-              </a:defRPr>
-            </a:lvl1pPr>
-          </a:lstStyle>
-          <a:p>
-            <a:r>
-              <a:rPr lang="en-US" altLang="zh-CN" dirty="0"/>
-              <a:t>Questions</a:t>
-            </a:r>
-            <a:endParaRPr lang="en-US" altLang="zh-CN" sz="1400" dirty="0"/>
-          </a:p>
-        </p:txBody>
-      </p:sp>
-      <p:sp>
-        <p:nvSpPr>
-          <p:cNvPr id="5" name="文本框 4">
-            <a:extLst>
-              <a:ext uri="{FF2B5EF4-FFF2-40B4-BE49-F238E27FC236}">
-                <a16:creationId xmlns:a16="http://schemas.microsoft.com/office/drawing/2014/main" id="{DD5647F8-916F-3014-8548-230CD924EB4F}"/>
-              </a:ext>
-            </a:extLst>
-          </p:cNvPr>
-          <p:cNvSpPr txBox="1"/>
-          <p:nvPr/>
-        </p:nvSpPr>
-        <p:spPr>
-          <a:xfrm>
-            <a:off x="1122219" y="1965334"/>
-            <a:ext cx="10676204" cy="1477328"/>
-          </a:xfrm>
-          <a:prstGeom prst="rect">
-            <a:avLst/>
-          </a:prstGeom>
-          <a:noFill/>
-        </p:spPr>
-        <p:txBody>
-          <a:bodyPr wrap="square">
-            <a:spAutoFit/>
-          </a:bodyPr>
-          <a:lstStyle>
-            <a:defPPr>
-              <a:defRPr lang="zh-CN"/>
-            </a:defPPr>
-            <a:lvl1pPr>
-              <a:defRPr b="0">
-                <a:solidFill>
-                  <a:srgbClr val="353535"/>
-                </a:solidFill>
-                <a:effectLst/>
-                <a:latin typeface="Consolas" panose="020B0609020204030204" pitchFamily="49" charset="0"/>
-              </a:defRPr>
-            </a:lvl1pPr>
-          </a:lstStyle>
-          <a:p>
             <a:pPr marL="342900" indent="-342900">
               <a:buAutoNum type="arabicPeriod"/>
             </a:pPr>
@@ -7496,7 +9429,7 @@
 </p:sld>
 </file>
 
-<file path=ppt/slides/slide15.xml><?xml version="1.0" encoding="utf-8"?>
+<file path=ppt/slides/slide17.xml><?xml version="1.0" encoding="utf-8"?>
 <p:sld xmlns:a="http://schemas.openxmlformats.org/drawingml/2006/main" xmlns:r="http://schemas.openxmlformats.org/officeDocument/2006/relationships" xmlns:p="http://schemas.openxmlformats.org/presentationml/2006/main">
   <p:cSld>
     <p:spTree>
@@ -7839,8 +9772,8 @@
         </p:nvSpPr>
         <p:spPr>
           <a:xfrm>
-            <a:off x="1529177" y="1543793"/>
-            <a:ext cx="9443623" cy="1200329"/>
+            <a:off x="1434833" y="3108576"/>
+            <a:ext cx="9443623" cy="1846659"/>
           </a:xfrm>
           <a:prstGeom prst="rect">
             <a:avLst/>
@@ -7852,6 +9785,23 @@
             <a:spAutoFit/>
           </a:bodyPr>
           <a:lstStyle/>
+          <a:p>
+            <a:pPr>
+              <a:defRPr/>
+            </a:pPr>
+            <a:r>
+              <a:rPr lang="en-US" altLang="zh-CN" sz="2000" dirty="0"/>
+              <a:t>For Main Function</a:t>
+            </a:r>
+          </a:p>
+          <a:p>
+            <a:pPr marL="228600" indent="-228600">
+              <a:buFontTx/>
+              <a:buAutoNum type="arabicPeriod"/>
+              <a:defRPr/>
+            </a:pPr>
+            <a:endParaRPr lang="en-US" altLang="zh-CN" dirty="0"/>
+          </a:p>
           <a:p>
             <a:pPr marL="228600" marR="0" lvl="0" indent="-228600" algn="l" defTabSz="914400" rtl="0" eaLnBrk="1" fontAlgn="auto" latinLnBrk="0" hangingPunct="1">
               <a:lnSpc>
@@ -7922,10 +9872,10 @@
       </p:sp>
       <p:sp>
         <p:nvSpPr>
-          <p:cNvPr id="8" name="文本框 7">
-            <a:extLst>
-              <a:ext uri="{FF2B5EF4-FFF2-40B4-BE49-F238E27FC236}">
-                <a16:creationId xmlns:a16="http://schemas.microsoft.com/office/drawing/2014/main" id="{EDA5863E-1F39-6688-30FE-47659B04132F}"/>
+          <p:cNvPr id="4" name="文本框 3">
+            <a:extLst>
+              <a:ext uri="{FF2B5EF4-FFF2-40B4-BE49-F238E27FC236}">
+                <a16:creationId xmlns:a16="http://schemas.microsoft.com/office/drawing/2014/main" id="{7F59A36D-30E2-045C-BCDC-564F42D0183E}"/>
               </a:ext>
             </a:extLst>
           </p:cNvPr>
@@ -7934,8 +9884,8 @@
         </p:nvSpPr>
         <p:spPr>
           <a:xfrm>
-            <a:off x="1529177" y="4009111"/>
-            <a:ext cx="9443623" cy="1754326"/>
+            <a:off x="1434833" y="1027591"/>
+            <a:ext cx="9900823" cy="1231106"/>
           </a:xfrm>
           <a:prstGeom prst="rect">
             <a:avLst/>
@@ -7948,112 +9898,61 @@
           </a:bodyPr>
           <a:lstStyle/>
           <a:p>
-            <a:pPr marL="228600" marR="0" lvl="0" indent="-228600" algn="l" defTabSz="914400" rtl="0" eaLnBrk="1" fontAlgn="auto" latinLnBrk="0" hangingPunct="1">
-              <a:lnSpc>
-                <a:spcPct val="100000"/>
-              </a:lnSpc>
-              <a:spcBef>
-                <a:spcPts val="0"/>
-              </a:spcBef>
-              <a:spcAft>
-                <a:spcPts val="0"/>
-              </a:spcAft>
-              <a:buClrTx/>
-              <a:buSzTx/>
-              <a:buFontTx/>
-              <a:buAutoNum type="arabicPeriod"/>
-              <a:tabLst/>
-              <a:defRPr/>
-            </a:pPr>
+            <a:r>
+              <a:rPr lang="en-US" altLang="zh-CN" sz="2000" dirty="0"/>
+              <a:t>For Algorithm</a:t>
+            </a:r>
+          </a:p>
+          <a:p>
+            <a:endParaRPr lang="en-US" altLang="zh-CN" dirty="0"/>
+          </a:p>
+          <a:p>
             <a:r>
               <a:rPr lang="en-US" altLang="zh-CN" dirty="0"/>
-              <a:t>Some details are still not quite in place: there will be issues with input strings if they contain spaces.</a:t>
-            </a:r>
-          </a:p>
-          <a:p>
-            <a:pPr marL="228600" marR="0" lvl="0" indent="-228600" algn="l" defTabSz="914400" rtl="0" eaLnBrk="1" fontAlgn="auto" latinLnBrk="0" hangingPunct="1">
-              <a:lnSpc>
-                <a:spcPct val="100000"/>
-              </a:lnSpc>
-              <a:spcBef>
-                <a:spcPts val="0"/>
-              </a:spcBef>
-              <a:spcAft>
-                <a:spcPts val="0"/>
-              </a:spcAft>
-              <a:buClrTx/>
-              <a:buSzTx/>
-              <a:buFontTx/>
-              <a:buAutoNum type="arabicPeriod"/>
-              <a:tabLst/>
-              <a:defRPr/>
-            </a:pPr>
-            <a:endParaRPr lang="en-US" altLang="zh-CN" dirty="0"/>
-          </a:p>
-          <a:p>
-            <a:pPr marL="228600" marR="0" lvl="0" indent="-228600" algn="l" defTabSz="914400" rtl="0" eaLnBrk="1" fontAlgn="auto" latinLnBrk="0" hangingPunct="1">
-              <a:lnSpc>
-                <a:spcPct val="100000"/>
-              </a:lnSpc>
-              <a:spcBef>
-                <a:spcPts val="0"/>
-              </a:spcBef>
-              <a:spcAft>
-                <a:spcPts val="0"/>
-              </a:spcAft>
-              <a:buClrTx/>
-              <a:buSzTx/>
-              <a:buFontTx/>
-              <a:buAutoNum type="arabicPeriod"/>
-              <a:tabLst/>
-              <a:defRPr/>
-            </a:pPr>
+              <a:t>Wiener filter and </a:t>
+            </a:r>
+            <a:r>
+              <a:rPr lang="en-US" altLang="zh-CN" dirty="0" err="1"/>
+              <a:t>Savgol</a:t>
+            </a:r>
             <a:r>
               <a:rPr lang="en-US" altLang="zh-CN" dirty="0"/>
-              <a:t>I haven't conducted thorough testing yet.</a:t>
-            </a:r>
-          </a:p>
-          <a:p>
-            <a:pPr marL="228600" marR="0" lvl="0" indent="-228600" algn="l" defTabSz="914400" rtl="0" eaLnBrk="1" fontAlgn="auto" latinLnBrk="0" hangingPunct="1">
-              <a:lnSpc>
-                <a:spcPct val="100000"/>
-              </a:lnSpc>
-              <a:spcBef>
-                <a:spcPts val="0"/>
-              </a:spcBef>
-              <a:spcAft>
-                <a:spcPts val="0"/>
-              </a:spcAft>
-              <a:buClrTx/>
-              <a:buSzTx/>
-              <a:buFontTx/>
-              <a:buAutoNum type="arabicPeriod"/>
-              <a:tabLst/>
-              <a:defRPr/>
-            </a:pPr>
-            <a:endParaRPr lang="en-US" altLang="zh-CN" dirty="0"/>
-          </a:p>
-          <a:p>
-            <a:pPr marL="228600" marR="0" lvl="0" indent="-228600" algn="l" defTabSz="914400" rtl="0" eaLnBrk="1" fontAlgn="auto" latinLnBrk="0" hangingPunct="1">
-              <a:lnSpc>
-                <a:spcPct val="100000"/>
-              </a:lnSpc>
-              <a:spcBef>
-                <a:spcPts val="0"/>
-              </a:spcBef>
-              <a:spcAft>
-                <a:spcPts val="0"/>
-              </a:spcAft>
-              <a:buClrTx/>
-              <a:buSzTx/>
-              <a:buFontTx/>
-              <a:buAutoNum type="arabicPeriod"/>
-              <a:tabLst/>
-              <a:defRPr/>
-            </a:pPr>
-            <a:r>
-              <a:rPr lang="en-US" altLang="zh-CN" dirty="0"/>
-              <a:t>I still haven't figured out how to implement the Save function.</a:t>
+              <a:t> filter have been tried in SCG Signals. Both of these filters have shown very good performance.</a:t>
+            </a:r>
+          </a:p>
+        </p:txBody>
+      </p:sp>
+      <p:sp>
+        <p:nvSpPr>
+          <p:cNvPr id="7" name="文本框 6">
+            <a:extLst>
+              <a:ext uri="{FF2B5EF4-FFF2-40B4-BE49-F238E27FC236}">
+                <a16:creationId xmlns:a16="http://schemas.microsoft.com/office/drawing/2014/main" id="{CAC36208-2F50-AA07-25B1-7A74E536E909}"/>
+              </a:ext>
+            </a:extLst>
+          </p:cNvPr>
+          <p:cNvSpPr txBox="1"/>
+          <p:nvPr/>
+        </p:nvSpPr>
+        <p:spPr>
+          <a:xfrm>
+            <a:off x="1434832" y="5645743"/>
+            <a:ext cx="5118367" cy="400110"/>
+          </a:xfrm>
+          <a:prstGeom prst="rect">
+            <a:avLst/>
+          </a:prstGeom>
+          <a:noFill/>
+        </p:spPr>
+        <p:txBody>
+          <a:bodyPr wrap="square">
+            <a:spAutoFit/>
+          </a:bodyPr>
+          <a:lstStyle/>
+          <a:p>
+            <a:r>
+              <a:rPr lang="en-US" altLang="zh-CN" sz="2000" b="1" dirty="0"/>
+              <a:t>Show the Demo: 4 core commands</a:t>
             </a:r>
           </a:p>
         </p:txBody>
@@ -8144,10 +10043,10 @@
       </p:sp>
       <p:pic>
         <p:nvPicPr>
-          <p:cNvPr id="3" name="图片 2">
-            <a:extLst>
-              <a:ext uri="{FF2B5EF4-FFF2-40B4-BE49-F238E27FC236}">
-                <a16:creationId xmlns:a16="http://schemas.microsoft.com/office/drawing/2014/main" id="{F65409A8-C3FD-D233-9490-B6B9FD6F6ABC}"/>
+          <p:cNvPr id="4" name="图片 3">
+            <a:extLst>
+              <a:ext uri="{FF2B5EF4-FFF2-40B4-BE49-F238E27FC236}">
+                <a16:creationId xmlns:a16="http://schemas.microsoft.com/office/drawing/2014/main" id="{8ACAC31F-141E-718A-C0AC-7C6848369316}"/>
               </a:ext>
             </a:extLst>
           </p:cNvPr>
@@ -8170,14 +10069,359 @@
         </p:blipFill>
         <p:spPr>
           <a:xfrm>
-            <a:off x="1429305" y="868679"/>
-            <a:ext cx="9333390" cy="5600035"/>
+            <a:off x="3593" y="843977"/>
+            <a:ext cx="9144000" cy="5486400"/>
           </a:xfrm>
           <a:prstGeom prst="rect">
             <a:avLst/>
           </a:prstGeom>
         </p:spPr>
       </p:pic>
+      <p:cxnSp>
+        <p:nvCxnSpPr>
+          <p:cNvPr id="6" name="直接连接符 5">
+            <a:extLst>
+              <a:ext uri="{FF2B5EF4-FFF2-40B4-BE49-F238E27FC236}">
+                <a16:creationId xmlns:a16="http://schemas.microsoft.com/office/drawing/2014/main" id="{5CF4F169-33F5-A24D-A140-58899F49F2E7}"/>
+              </a:ext>
+            </a:extLst>
+          </p:cNvPr>
+          <p:cNvCxnSpPr/>
+          <p:nvPr/>
+        </p:nvCxnSpPr>
+        <p:spPr>
+          <a:xfrm flipH="1">
+            <a:off x="10582183" y="1047565"/>
+            <a:ext cx="159798" cy="1216241"/>
+          </a:xfrm>
+          <a:prstGeom prst="line">
+            <a:avLst/>
+          </a:prstGeom>
+        </p:spPr>
+        <p:style>
+          <a:lnRef idx="1">
+            <a:schemeClr val="accent1"/>
+          </a:lnRef>
+          <a:fillRef idx="0">
+            <a:schemeClr val="accent1"/>
+          </a:fillRef>
+          <a:effectRef idx="0">
+            <a:schemeClr val="accent1"/>
+          </a:effectRef>
+          <a:fontRef idx="minor">
+            <a:schemeClr val="tx1"/>
+          </a:fontRef>
+        </p:style>
+      </p:cxnSp>
+      <p:cxnSp>
+        <p:nvCxnSpPr>
+          <p:cNvPr id="7" name="直接连接符 6">
+            <a:extLst>
+              <a:ext uri="{FF2B5EF4-FFF2-40B4-BE49-F238E27FC236}">
+                <a16:creationId xmlns:a16="http://schemas.microsoft.com/office/drawing/2014/main" id="{2324CCFE-4432-5F1E-B02C-22DF5D49BD63}"/>
+              </a:ext>
+            </a:extLst>
+          </p:cNvPr>
+          <p:cNvCxnSpPr>
+            <a:cxnSpLocks/>
+          </p:cNvCxnSpPr>
+          <p:nvPr/>
+        </p:nvCxnSpPr>
+        <p:spPr>
+          <a:xfrm>
+            <a:off x="10741981" y="1047565"/>
+            <a:ext cx="106532" cy="1216241"/>
+          </a:xfrm>
+          <a:prstGeom prst="line">
+            <a:avLst/>
+          </a:prstGeom>
+        </p:spPr>
+        <p:style>
+          <a:lnRef idx="1">
+            <a:schemeClr val="accent1"/>
+          </a:lnRef>
+          <a:fillRef idx="0">
+            <a:schemeClr val="accent1"/>
+          </a:fillRef>
+          <a:effectRef idx="0">
+            <a:schemeClr val="accent1"/>
+          </a:effectRef>
+          <a:fontRef idx="minor">
+            <a:schemeClr val="tx1"/>
+          </a:fontRef>
+        </p:style>
+      </p:cxnSp>
+      <p:cxnSp>
+        <p:nvCxnSpPr>
+          <p:cNvPr id="10" name="直接连接符 9">
+            <a:extLst>
+              <a:ext uri="{FF2B5EF4-FFF2-40B4-BE49-F238E27FC236}">
+                <a16:creationId xmlns:a16="http://schemas.microsoft.com/office/drawing/2014/main" id="{3E30E5E3-6108-A631-448C-83B7E1E4FB4B}"/>
+              </a:ext>
+            </a:extLst>
+          </p:cNvPr>
+          <p:cNvCxnSpPr/>
+          <p:nvPr/>
+        </p:nvCxnSpPr>
+        <p:spPr>
+          <a:xfrm flipH="1">
+            <a:off x="10582183" y="2753558"/>
+            <a:ext cx="159798" cy="1216241"/>
+          </a:xfrm>
+          <a:prstGeom prst="line">
+            <a:avLst/>
+          </a:prstGeom>
+        </p:spPr>
+        <p:style>
+          <a:lnRef idx="1">
+            <a:schemeClr val="accent1"/>
+          </a:lnRef>
+          <a:fillRef idx="0">
+            <a:schemeClr val="accent1"/>
+          </a:fillRef>
+          <a:effectRef idx="0">
+            <a:schemeClr val="accent1"/>
+          </a:effectRef>
+          <a:fontRef idx="minor">
+            <a:schemeClr val="tx1"/>
+          </a:fontRef>
+        </p:style>
+      </p:cxnSp>
+      <p:cxnSp>
+        <p:nvCxnSpPr>
+          <p:cNvPr id="11" name="直接连接符 10">
+            <a:extLst>
+              <a:ext uri="{FF2B5EF4-FFF2-40B4-BE49-F238E27FC236}">
+                <a16:creationId xmlns:a16="http://schemas.microsoft.com/office/drawing/2014/main" id="{18C4C3D8-BFE0-58D0-D642-DB3439BF37A5}"/>
+              </a:ext>
+            </a:extLst>
+          </p:cNvPr>
+          <p:cNvCxnSpPr>
+            <a:cxnSpLocks/>
+          </p:cNvCxnSpPr>
+          <p:nvPr/>
+        </p:nvCxnSpPr>
+        <p:spPr>
+          <a:xfrm>
+            <a:off x="10741981" y="2753558"/>
+            <a:ext cx="106532" cy="1216241"/>
+          </a:xfrm>
+          <a:prstGeom prst="line">
+            <a:avLst/>
+          </a:prstGeom>
+        </p:spPr>
+        <p:style>
+          <a:lnRef idx="1">
+            <a:schemeClr val="accent1"/>
+          </a:lnRef>
+          <a:fillRef idx="0">
+            <a:schemeClr val="accent1"/>
+          </a:fillRef>
+          <a:effectRef idx="0">
+            <a:schemeClr val="accent1"/>
+          </a:effectRef>
+          <a:fontRef idx="minor">
+            <a:schemeClr val="tx1"/>
+          </a:fontRef>
+        </p:style>
+      </p:cxnSp>
+      <p:cxnSp>
+        <p:nvCxnSpPr>
+          <p:cNvPr id="12" name="直接连接符 11">
+            <a:extLst>
+              <a:ext uri="{FF2B5EF4-FFF2-40B4-BE49-F238E27FC236}">
+                <a16:creationId xmlns:a16="http://schemas.microsoft.com/office/drawing/2014/main" id="{272369E6-AA6F-6430-DEA8-0F03075067A8}"/>
+              </a:ext>
+            </a:extLst>
+          </p:cNvPr>
+          <p:cNvCxnSpPr>
+            <a:cxnSpLocks/>
+          </p:cNvCxnSpPr>
+          <p:nvPr/>
+        </p:nvCxnSpPr>
+        <p:spPr>
+          <a:xfrm flipH="1">
+            <a:off x="10848513" y="3752850"/>
+            <a:ext cx="53266" cy="216949"/>
+          </a:xfrm>
+          <a:prstGeom prst="line">
+            <a:avLst/>
+          </a:prstGeom>
+        </p:spPr>
+        <p:style>
+          <a:lnRef idx="1">
+            <a:schemeClr val="accent1"/>
+          </a:lnRef>
+          <a:fillRef idx="0">
+            <a:schemeClr val="accent1"/>
+          </a:fillRef>
+          <a:effectRef idx="0">
+            <a:schemeClr val="accent1"/>
+          </a:effectRef>
+          <a:fontRef idx="minor">
+            <a:schemeClr val="tx1"/>
+          </a:fontRef>
+        </p:style>
+      </p:cxnSp>
+      <p:cxnSp>
+        <p:nvCxnSpPr>
+          <p:cNvPr id="17" name="直接连接符 16">
+            <a:extLst>
+              <a:ext uri="{FF2B5EF4-FFF2-40B4-BE49-F238E27FC236}">
+                <a16:creationId xmlns:a16="http://schemas.microsoft.com/office/drawing/2014/main" id="{ECDB24E3-B27D-FDBD-26C5-2EDB34FBD66A}"/>
+              </a:ext>
+            </a:extLst>
+          </p:cNvPr>
+          <p:cNvCxnSpPr>
+            <a:cxnSpLocks/>
+          </p:cNvCxnSpPr>
+          <p:nvPr/>
+        </p:nvCxnSpPr>
+        <p:spPr>
+          <a:xfrm>
+            <a:off x="10901779" y="3752850"/>
+            <a:ext cx="53266" cy="216949"/>
+          </a:xfrm>
+          <a:prstGeom prst="line">
+            <a:avLst/>
+          </a:prstGeom>
+        </p:spPr>
+        <p:style>
+          <a:lnRef idx="1">
+            <a:schemeClr val="accent1"/>
+          </a:lnRef>
+          <a:fillRef idx="0">
+            <a:schemeClr val="accent1"/>
+          </a:fillRef>
+          <a:effectRef idx="0">
+            <a:schemeClr val="accent1"/>
+          </a:effectRef>
+          <a:fontRef idx="minor">
+            <a:schemeClr val="tx1"/>
+          </a:fontRef>
+        </p:style>
+      </p:cxnSp>
+      <p:cxnSp>
+        <p:nvCxnSpPr>
+          <p:cNvPr id="20" name="直接连接符 19">
+            <a:extLst>
+              <a:ext uri="{FF2B5EF4-FFF2-40B4-BE49-F238E27FC236}">
+                <a16:creationId xmlns:a16="http://schemas.microsoft.com/office/drawing/2014/main" id="{B191814C-D0AE-6DEA-139C-E98BE9735A2A}"/>
+              </a:ext>
+            </a:extLst>
+          </p:cNvPr>
+          <p:cNvCxnSpPr>
+            <a:cxnSpLocks/>
+          </p:cNvCxnSpPr>
+          <p:nvPr/>
+        </p:nvCxnSpPr>
+        <p:spPr>
+          <a:xfrm flipH="1">
+            <a:off x="10475651" y="3752850"/>
+            <a:ext cx="53266" cy="216949"/>
+          </a:xfrm>
+          <a:prstGeom prst="line">
+            <a:avLst/>
+          </a:prstGeom>
+        </p:spPr>
+        <p:style>
+          <a:lnRef idx="1">
+            <a:schemeClr val="accent1"/>
+          </a:lnRef>
+          <a:fillRef idx="0">
+            <a:schemeClr val="accent1"/>
+          </a:fillRef>
+          <a:effectRef idx="0">
+            <a:schemeClr val="accent1"/>
+          </a:effectRef>
+          <a:fontRef idx="minor">
+            <a:schemeClr val="tx1"/>
+          </a:fontRef>
+        </p:style>
+      </p:cxnSp>
+      <p:cxnSp>
+        <p:nvCxnSpPr>
+          <p:cNvPr id="21" name="直接连接符 20">
+            <a:extLst>
+              <a:ext uri="{FF2B5EF4-FFF2-40B4-BE49-F238E27FC236}">
+                <a16:creationId xmlns:a16="http://schemas.microsoft.com/office/drawing/2014/main" id="{B80FF7D5-3ED3-E2BF-BD18-413FE317AA78}"/>
+              </a:ext>
+            </a:extLst>
+          </p:cNvPr>
+          <p:cNvCxnSpPr>
+            <a:cxnSpLocks/>
+          </p:cNvCxnSpPr>
+          <p:nvPr/>
+        </p:nvCxnSpPr>
+        <p:spPr>
+          <a:xfrm>
+            <a:off x="10528917" y="3752850"/>
+            <a:ext cx="53266" cy="216949"/>
+          </a:xfrm>
+          <a:prstGeom prst="line">
+            <a:avLst/>
+          </a:prstGeom>
+        </p:spPr>
+        <p:style>
+          <a:lnRef idx="1">
+            <a:schemeClr val="accent1"/>
+          </a:lnRef>
+          <a:fillRef idx="0">
+            <a:schemeClr val="accent1"/>
+          </a:fillRef>
+          <a:effectRef idx="0">
+            <a:schemeClr val="accent1"/>
+          </a:effectRef>
+          <a:fontRef idx="minor">
+            <a:schemeClr val="tx1"/>
+          </a:fontRef>
+        </p:style>
+      </p:cxnSp>
+      <p:sp>
+        <p:nvSpPr>
+          <p:cNvPr id="22" name="文本框 21">
+            <a:extLst>
+              <a:ext uri="{FF2B5EF4-FFF2-40B4-BE49-F238E27FC236}">
+                <a16:creationId xmlns:a16="http://schemas.microsoft.com/office/drawing/2014/main" id="{A0950C7D-31C2-8F7F-5FEA-402E9A2A9C14}"/>
+              </a:ext>
+            </a:extLst>
+          </p:cNvPr>
+          <p:cNvSpPr txBox="1"/>
+          <p:nvPr/>
+        </p:nvSpPr>
+        <p:spPr>
+          <a:xfrm>
+            <a:off x="9329375" y="4121871"/>
+            <a:ext cx="2859032" cy="2308324"/>
+          </a:xfrm>
+          <a:prstGeom prst="rect">
+            <a:avLst/>
+          </a:prstGeom>
+          <a:noFill/>
+        </p:spPr>
+        <p:txBody>
+          <a:bodyPr wrap="square" rtlCol="0">
+            <a:spAutoFit/>
+          </a:bodyPr>
+          <a:lstStyle/>
+          <a:p>
+            <a:r>
+              <a:rPr lang="en-US" altLang="zh-CN" sz="1600" dirty="0"/>
+              <a:t>For Signal with respiratory, peaks in frequency domain are between 2 small peaks.</a:t>
+            </a:r>
+          </a:p>
+          <a:p>
+            <a:endParaRPr lang="en-US" altLang="zh-CN" sz="1600" dirty="0"/>
+          </a:p>
+          <a:p>
+            <a:r>
+              <a:rPr lang="en-US" altLang="zh-CN" sz="1600" dirty="0"/>
+              <a:t>But I haven't fully understood the mathematical principles yet.</a:t>
+            </a:r>
+            <a:endParaRPr lang="zh-CN" altLang="en-US" sz="1600" dirty="0"/>
+          </a:p>
+        </p:txBody>
+      </p:sp>
     </p:spTree>
     <p:extLst>
       <p:ext uri="{BB962C8B-B14F-4D97-AF65-F5344CB8AC3E}">
@@ -8264,10 +10508,10 @@
       </p:sp>
       <p:pic>
         <p:nvPicPr>
-          <p:cNvPr id="3" name="图片 2">
-            <a:extLst>
-              <a:ext uri="{FF2B5EF4-FFF2-40B4-BE49-F238E27FC236}">
-                <a16:creationId xmlns:a16="http://schemas.microsoft.com/office/drawing/2014/main" id="{C90513FA-530C-CF43-D6DD-6FECDFA2DF47}"/>
+          <p:cNvPr id="4" name="图片 3">
+            <a:extLst>
+              <a:ext uri="{FF2B5EF4-FFF2-40B4-BE49-F238E27FC236}">
+                <a16:creationId xmlns:a16="http://schemas.microsoft.com/office/drawing/2014/main" id="{8ACAC31F-141E-718A-C0AC-7C6848369316}"/>
               </a:ext>
             </a:extLst>
           </p:cNvPr>
@@ -8284,59 +10528,545 @@
               </a:ext>
             </a:extLst>
           </a:blip>
-          <a:srcRect l="7273" r="6624"/>
+          <a:srcRect b="34431"/>
           <a:stretch/>
         </p:blipFill>
         <p:spPr>
           <a:xfrm>
-            <a:off x="0" y="1738246"/>
-            <a:ext cx="6096000" cy="3539971"/>
+            <a:off x="76939" y="836720"/>
+            <a:ext cx="9144000" cy="3597394"/>
           </a:xfrm>
           <a:prstGeom prst="rect">
             <a:avLst/>
           </a:prstGeom>
         </p:spPr>
       </p:pic>
-      <p:pic>
-        <p:nvPicPr>
-          <p:cNvPr id="5" name="图片 4">
-            <a:extLst>
-              <a:ext uri="{FF2B5EF4-FFF2-40B4-BE49-F238E27FC236}">
-                <a16:creationId xmlns:a16="http://schemas.microsoft.com/office/drawing/2014/main" id="{043E21CE-D33A-08AE-292D-72470FA5F0BF}"/>
-              </a:ext>
-            </a:extLst>
-          </p:cNvPr>
-          <p:cNvPicPr>
-            <a:picLocks noChangeAspect="1"/>
-          </p:cNvPicPr>
+      <p:cxnSp>
+        <p:nvCxnSpPr>
+          <p:cNvPr id="6" name="直接连接符 5">
+            <a:extLst>
+              <a:ext uri="{FF2B5EF4-FFF2-40B4-BE49-F238E27FC236}">
+                <a16:creationId xmlns:a16="http://schemas.microsoft.com/office/drawing/2014/main" id="{5CF4F169-33F5-A24D-A140-58899F49F2E7}"/>
+              </a:ext>
+            </a:extLst>
+          </p:cNvPr>
+          <p:cNvCxnSpPr/>
           <p:nvPr/>
-        </p:nvPicPr>
-        <p:blipFill>
-          <a:blip r:embed="rId4">
-            <a:extLst>
-              <a:ext uri="{28A0092B-C50C-407E-A947-70E740481C1C}">
-                <a14:useLocalDpi xmlns:a14="http://schemas.microsoft.com/office/drawing/2010/main" val="0"/>
-              </a:ext>
-            </a:extLst>
-          </a:blip>
-          <a:stretch>
-            <a:fillRect/>
-          </a:stretch>
-        </p:blipFill>
+        </p:nvCxnSpPr>
+        <p:spPr>
+          <a:xfrm flipH="1">
+            <a:off x="10582183" y="1047565"/>
+            <a:ext cx="159798" cy="1216241"/>
+          </a:xfrm>
+          <a:prstGeom prst="line">
+            <a:avLst/>
+          </a:prstGeom>
+        </p:spPr>
+        <p:style>
+          <a:lnRef idx="1">
+            <a:schemeClr val="accent1"/>
+          </a:lnRef>
+          <a:fillRef idx="0">
+            <a:schemeClr val="accent1"/>
+          </a:fillRef>
+          <a:effectRef idx="0">
+            <a:schemeClr val="accent1"/>
+          </a:effectRef>
+          <a:fontRef idx="minor">
+            <a:schemeClr val="tx1"/>
+          </a:fontRef>
+        </p:style>
+      </p:cxnSp>
+      <p:cxnSp>
+        <p:nvCxnSpPr>
+          <p:cNvPr id="7" name="直接连接符 6">
+            <a:extLst>
+              <a:ext uri="{FF2B5EF4-FFF2-40B4-BE49-F238E27FC236}">
+                <a16:creationId xmlns:a16="http://schemas.microsoft.com/office/drawing/2014/main" id="{2324CCFE-4432-5F1E-B02C-22DF5D49BD63}"/>
+              </a:ext>
+            </a:extLst>
+          </p:cNvPr>
+          <p:cNvCxnSpPr>
+            <a:cxnSpLocks/>
+          </p:cNvCxnSpPr>
+          <p:nvPr/>
+        </p:nvCxnSpPr>
         <p:spPr>
           <a:xfrm>
-            <a:off x="6027938" y="1659014"/>
-            <a:ext cx="6164062" cy="3698437"/>
+            <a:off x="10741981" y="1047565"/>
+            <a:ext cx="106532" cy="1216241"/>
+          </a:xfrm>
+          <a:prstGeom prst="line">
+            <a:avLst/>
+          </a:prstGeom>
+        </p:spPr>
+        <p:style>
+          <a:lnRef idx="1">
+            <a:schemeClr val="accent1"/>
+          </a:lnRef>
+          <a:fillRef idx="0">
+            <a:schemeClr val="accent1"/>
+          </a:fillRef>
+          <a:effectRef idx="0">
+            <a:schemeClr val="accent1"/>
+          </a:effectRef>
+          <a:fontRef idx="minor">
+            <a:schemeClr val="tx1"/>
+          </a:fontRef>
+        </p:style>
+      </p:cxnSp>
+      <p:cxnSp>
+        <p:nvCxnSpPr>
+          <p:cNvPr id="10" name="直接连接符 9">
+            <a:extLst>
+              <a:ext uri="{FF2B5EF4-FFF2-40B4-BE49-F238E27FC236}">
+                <a16:creationId xmlns:a16="http://schemas.microsoft.com/office/drawing/2014/main" id="{3E30E5E3-6108-A631-448C-83B7E1E4FB4B}"/>
+              </a:ext>
+            </a:extLst>
+          </p:cNvPr>
+          <p:cNvCxnSpPr/>
+          <p:nvPr/>
+        </p:nvCxnSpPr>
+        <p:spPr>
+          <a:xfrm flipH="1">
+            <a:off x="10582183" y="2753558"/>
+            <a:ext cx="159798" cy="1216241"/>
+          </a:xfrm>
+          <a:prstGeom prst="line">
+            <a:avLst/>
+          </a:prstGeom>
+        </p:spPr>
+        <p:style>
+          <a:lnRef idx="1">
+            <a:schemeClr val="accent1"/>
+          </a:lnRef>
+          <a:fillRef idx="0">
+            <a:schemeClr val="accent1"/>
+          </a:fillRef>
+          <a:effectRef idx="0">
+            <a:schemeClr val="accent1"/>
+          </a:effectRef>
+          <a:fontRef idx="minor">
+            <a:schemeClr val="tx1"/>
+          </a:fontRef>
+        </p:style>
+      </p:cxnSp>
+      <p:cxnSp>
+        <p:nvCxnSpPr>
+          <p:cNvPr id="11" name="直接连接符 10">
+            <a:extLst>
+              <a:ext uri="{FF2B5EF4-FFF2-40B4-BE49-F238E27FC236}">
+                <a16:creationId xmlns:a16="http://schemas.microsoft.com/office/drawing/2014/main" id="{18C4C3D8-BFE0-58D0-D642-DB3439BF37A5}"/>
+              </a:ext>
+            </a:extLst>
+          </p:cNvPr>
+          <p:cNvCxnSpPr>
+            <a:cxnSpLocks/>
+          </p:cNvCxnSpPr>
+          <p:nvPr/>
+        </p:nvCxnSpPr>
+        <p:spPr>
+          <a:xfrm>
+            <a:off x="10741981" y="2753558"/>
+            <a:ext cx="106532" cy="1216241"/>
+          </a:xfrm>
+          <a:prstGeom prst="line">
+            <a:avLst/>
+          </a:prstGeom>
+        </p:spPr>
+        <p:style>
+          <a:lnRef idx="1">
+            <a:schemeClr val="accent1"/>
+          </a:lnRef>
+          <a:fillRef idx="0">
+            <a:schemeClr val="accent1"/>
+          </a:fillRef>
+          <a:effectRef idx="0">
+            <a:schemeClr val="accent1"/>
+          </a:effectRef>
+          <a:fontRef idx="minor">
+            <a:schemeClr val="tx1"/>
+          </a:fontRef>
+        </p:style>
+      </p:cxnSp>
+      <p:cxnSp>
+        <p:nvCxnSpPr>
+          <p:cNvPr id="12" name="直接连接符 11">
+            <a:extLst>
+              <a:ext uri="{FF2B5EF4-FFF2-40B4-BE49-F238E27FC236}">
+                <a16:creationId xmlns:a16="http://schemas.microsoft.com/office/drawing/2014/main" id="{272369E6-AA6F-6430-DEA8-0F03075067A8}"/>
+              </a:ext>
+            </a:extLst>
+          </p:cNvPr>
+          <p:cNvCxnSpPr>
+            <a:cxnSpLocks/>
+          </p:cNvCxnSpPr>
+          <p:nvPr/>
+        </p:nvCxnSpPr>
+        <p:spPr>
+          <a:xfrm flipH="1">
+            <a:off x="10848513" y="3752850"/>
+            <a:ext cx="53266" cy="216949"/>
+          </a:xfrm>
+          <a:prstGeom prst="line">
+            <a:avLst/>
+          </a:prstGeom>
+        </p:spPr>
+        <p:style>
+          <a:lnRef idx="1">
+            <a:schemeClr val="accent1"/>
+          </a:lnRef>
+          <a:fillRef idx="0">
+            <a:schemeClr val="accent1"/>
+          </a:fillRef>
+          <a:effectRef idx="0">
+            <a:schemeClr val="accent1"/>
+          </a:effectRef>
+          <a:fontRef idx="minor">
+            <a:schemeClr val="tx1"/>
+          </a:fontRef>
+        </p:style>
+      </p:cxnSp>
+      <p:cxnSp>
+        <p:nvCxnSpPr>
+          <p:cNvPr id="17" name="直接连接符 16">
+            <a:extLst>
+              <a:ext uri="{FF2B5EF4-FFF2-40B4-BE49-F238E27FC236}">
+                <a16:creationId xmlns:a16="http://schemas.microsoft.com/office/drawing/2014/main" id="{ECDB24E3-B27D-FDBD-26C5-2EDB34FBD66A}"/>
+              </a:ext>
+            </a:extLst>
+          </p:cNvPr>
+          <p:cNvCxnSpPr>
+            <a:cxnSpLocks/>
+          </p:cNvCxnSpPr>
+          <p:nvPr/>
+        </p:nvCxnSpPr>
+        <p:spPr>
+          <a:xfrm>
+            <a:off x="10901779" y="3752850"/>
+            <a:ext cx="53266" cy="216949"/>
+          </a:xfrm>
+          <a:prstGeom prst="line">
+            <a:avLst/>
+          </a:prstGeom>
+        </p:spPr>
+        <p:style>
+          <a:lnRef idx="1">
+            <a:schemeClr val="accent1"/>
+          </a:lnRef>
+          <a:fillRef idx="0">
+            <a:schemeClr val="accent1"/>
+          </a:fillRef>
+          <a:effectRef idx="0">
+            <a:schemeClr val="accent1"/>
+          </a:effectRef>
+          <a:fontRef idx="minor">
+            <a:schemeClr val="tx1"/>
+          </a:fontRef>
+        </p:style>
+      </p:cxnSp>
+      <p:cxnSp>
+        <p:nvCxnSpPr>
+          <p:cNvPr id="20" name="直接连接符 19">
+            <a:extLst>
+              <a:ext uri="{FF2B5EF4-FFF2-40B4-BE49-F238E27FC236}">
+                <a16:creationId xmlns:a16="http://schemas.microsoft.com/office/drawing/2014/main" id="{B191814C-D0AE-6DEA-139C-E98BE9735A2A}"/>
+              </a:ext>
+            </a:extLst>
+          </p:cNvPr>
+          <p:cNvCxnSpPr>
+            <a:cxnSpLocks/>
+          </p:cNvCxnSpPr>
+          <p:nvPr/>
+        </p:nvCxnSpPr>
+        <p:spPr>
+          <a:xfrm flipH="1">
+            <a:off x="10475651" y="3752850"/>
+            <a:ext cx="53266" cy="216949"/>
+          </a:xfrm>
+          <a:prstGeom prst="line">
+            <a:avLst/>
+          </a:prstGeom>
+        </p:spPr>
+        <p:style>
+          <a:lnRef idx="1">
+            <a:schemeClr val="accent1"/>
+          </a:lnRef>
+          <a:fillRef idx="0">
+            <a:schemeClr val="accent1"/>
+          </a:fillRef>
+          <a:effectRef idx="0">
+            <a:schemeClr val="accent1"/>
+          </a:effectRef>
+          <a:fontRef idx="minor">
+            <a:schemeClr val="tx1"/>
+          </a:fontRef>
+        </p:style>
+      </p:cxnSp>
+      <p:cxnSp>
+        <p:nvCxnSpPr>
+          <p:cNvPr id="21" name="直接连接符 20">
+            <a:extLst>
+              <a:ext uri="{FF2B5EF4-FFF2-40B4-BE49-F238E27FC236}">
+                <a16:creationId xmlns:a16="http://schemas.microsoft.com/office/drawing/2014/main" id="{B80FF7D5-3ED3-E2BF-BD18-413FE317AA78}"/>
+              </a:ext>
+            </a:extLst>
+          </p:cNvPr>
+          <p:cNvCxnSpPr>
+            <a:cxnSpLocks/>
+          </p:cNvCxnSpPr>
+          <p:nvPr/>
+        </p:nvCxnSpPr>
+        <p:spPr>
+          <a:xfrm>
+            <a:off x="10528917" y="3752850"/>
+            <a:ext cx="53266" cy="216949"/>
+          </a:xfrm>
+          <a:prstGeom prst="line">
+            <a:avLst/>
+          </a:prstGeom>
+        </p:spPr>
+        <p:style>
+          <a:lnRef idx="1">
+            <a:schemeClr val="accent1"/>
+          </a:lnRef>
+          <a:fillRef idx="0">
+            <a:schemeClr val="accent1"/>
+          </a:fillRef>
+          <a:effectRef idx="0">
+            <a:schemeClr val="accent1"/>
+          </a:effectRef>
+          <a:fontRef idx="minor">
+            <a:schemeClr val="tx1"/>
+          </a:fontRef>
+        </p:style>
+      </p:cxnSp>
+      <p:cxnSp>
+        <p:nvCxnSpPr>
+          <p:cNvPr id="3" name="直接连接符 2">
+            <a:extLst>
+              <a:ext uri="{FF2B5EF4-FFF2-40B4-BE49-F238E27FC236}">
+                <a16:creationId xmlns:a16="http://schemas.microsoft.com/office/drawing/2014/main" id="{32E69E6A-4DBA-6D2F-7703-23E15DD4C532}"/>
+              </a:ext>
+            </a:extLst>
+          </p:cNvPr>
+          <p:cNvCxnSpPr/>
+          <p:nvPr/>
+        </p:nvCxnSpPr>
+        <p:spPr>
+          <a:xfrm>
+            <a:off x="1124857" y="3643086"/>
+            <a:ext cx="10450286" cy="0"/>
+          </a:xfrm>
+          <a:prstGeom prst="line">
+            <a:avLst/>
+          </a:prstGeom>
+          <a:ln w="12700">
+            <a:solidFill>
+              <a:srgbClr val="FF0000"/>
+            </a:solidFill>
+          </a:ln>
+        </p:spPr>
+        <p:style>
+          <a:lnRef idx="1">
+            <a:schemeClr val="accent1"/>
+          </a:lnRef>
+          <a:fillRef idx="0">
+            <a:schemeClr val="accent1"/>
+          </a:fillRef>
+          <a:effectRef idx="0">
+            <a:schemeClr val="accent1"/>
+          </a:effectRef>
+          <a:fontRef idx="minor">
+            <a:schemeClr val="tx1"/>
+          </a:fontRef>
+        </p:style>
+      </p:cxnSp>
+      <p:cxnSp>
+        <p:nvCxnSpPr>
+          <p:cNvPr id="8" name="直接箭头连接符 7">
+            <a:extLst>
+              <a:ext uri="{FF2B5EF4-FFF2-40B4-BE49-F238E27FC236}">
+                <a16:creationId xmlns:a16="http://schemas.microsoft.com/office/drawing/2014/main" id="{073F4B21-EF7C-A053-FD01-560DAA21E344}"/>
+              </a:ext>
+            </a:extLst>
+          </p:cNvPr>
+          <p:cNvCxnSpPr>
+            <a:cxnSpLocks/>
+          </p:cNvCxnSpPr>
+          <p:nvPr/>
+        </p:nvCxnSpPr>
+        <p:spPr>
+          <a:xfrm>
+            <a:off x="1320800" y="3643086"/>
+            <a:ext cx="0" cy="1059832"/>
+          </a:xfrm>
+          <a:prstGeom prst="straightConnector1">
+            <a:avLst/>
+          </a:prstGeom>
+          <a:ln w="12700">
+            <a:solidFill>
+              <a:srgbClr val="FF0000"/>
+            </a:solidFill>
+            <a:tailEnd type="triangle"/>
+          </a:ln>
+        </p:spPr>
+        <p:style>
+          <a:lnRef idx="1">
+            <a:schemeClr val="accent1"/>
+          </a:lnRef>
+          <a:fillRef idx="0">
+            <a:schemeClr val="accent1"/>
+          </a:fillRef>
+          <a:effectRef idx="0">
+            <a:schemeClr val="accent1"/>
+          </a:effectRef>
+          <a:fontRef idx="minor">
+            <a:schemeClr val="tx1"/>
+          </a:fontRef>
+        </p:style>
+      </p:cxnSp>
+      <p:sp>
+        <p:nvSpPr>
+          <p:cNvPr id="9" name="文本框 8">
+            <a:extLst>
+              <a:ext uri="{FF2B5EF4-FFF2-40B4-BE49-F238E27FC236}">
+                <a16:creationId xmlns:a16="http://schemas.microsoft.com/office/drawing/2014/main" id="{1EB578E6-4251-B110-4A19-34CCC4E9D5CE}"/>
+              </a:ext>
+            </a:extLst>
+          </p:cNvPr>
+          <p:cNvSpPr txBox="1"/>
+          <p:nvPr/>
+        </p:nvSpPr>
+        <p:spPr>
+          <a:xfrm>
+            <a:off x="791029" y="4702918"/>
+            <a:ext cx="6691085" cy="369332"/>
           </a:xfrm>
           <a:prstGeom prst="rect">
             <a:avLst/>
           </a:prstGeom>
-        </p:spPr>
-      </p:pic>
+          <a:noFill/>
+        </p:spPr>
+        <p:txBody>
+          <a:bodyPr wrap="square" rtlCol="0">
+            <a:spAutoFit/>
+          </a:bodyPr>
+          <a:lstStyle/>
+          <a:p>
+            <a:r>
+              <a:rPr lang="en-US" altLang="zh-CN" u="sng" dirty="0">
+                <a:solidFill>
+                  <a:srgbClr val="FF0000"/>
+                </a:solidFill>
+              </a:rPr>
+              <a:t>Threshold of FFT Denoising</a:t>
+            </a:r>
+            <a:r>
+              <a:rPr lang="en-US" altLang="zh-CN" dirty="0">
+                <a:solidFill>
+                  <a:srgbClr val="FF0000"/>
+                </a:solidFill>
+              </a:rPr>
+              <a:t> </a:t>
+            </a:r>
+            <a:r>
+              <a:rPr lang="en-US" altLang="zh-CN" dirty="0"/>
+              <a:t>= </a:t>
+            </a:r>
+            <a:r>
+              <a:rPr lang="en-US" altLang="zh-CN" u="sng" dirty="0"/>
+              <a:t>(Max Amplitude * 0.35)</a:t>
+            </a:r>
+            <a:r>
+              <a:rPr lang="en-US" altLang="zh-CN" u="sng" baseline="30000" dirty="0"/>
+              <a:t>2</a:t>
+            </a:r>
+            <a:endParaRPr lang="zh-CN" altLang="en-US" u="sng" baseline="30000" dirty="0"/>
+          </a:p>
+        </p:txBody>
+      </p:sp>
+      <p:cxnSp>
+        <p:nvCxnSpPr>
+          <p:cNvPr id="13" name="直接箭头连接符 12">
+            <a:extLst>
+              <a:ext uri="{FF2B5EF4-FFF2-40B4-BE49-F238E27FC236}">
+                <a16:creationId xmlns:a16="http://schemas.microsoft.com/office/drawing/2014/main" id="{1A20C5C4-B506-8649-3CD1-D64D4AFFF648}"/>
+              </a:ext>
+            </a:extLst>
+          </p:cNvPr>
+          <p:cNvCxnSpPr>
+            <a:cxnSpLocks/>
+          </p:cNvCxnSpPr>
+          <p:nvPr/>
+        </p:nvCxnSpPr>
+        <p:spPr>
+          <a:xfrm>
+            <a:off x="4928339" y="5015399"/>
+            <a:ext cx="275033" cy="398719"/>
+          </a:xfrm>
+          <a:prstGeom prst="straightConnector1">
+            <a:avLst/>
+          </a:prstGeom>
+          <a:ln>
+            <a:tailEnd type="triangle"/>
+          </a:ln>
+        </p:spPr>
+        <p:style>
+          <a:lnRef idx="1">
+            <a:schemeClr val="accent1"/>
+          </a:lnRef>
+          <a:fillRef idx="0">
+            <a:schemeClr val="accent1"/>
+          </a:fillRef>
+          <a:effectRef idx="0">
+            <a:schemeClr val="accent1"/>
+          </a:effectRef>
+          <a:fontRef idx="minor">
+            <a:schemeClr val="tx1"/>
+          </a:fontRef>
+        </p:style>
+      </p:cxnSp>
+      <p:sp>
+        <p:nvSpPr>
+          <p:cNvPr id="16" name="文本框 15">
+            <a:extLst>
+              <a:ext uri="{FF2B5EF4-FFF2-40B4-BE49-F238E27FC236}">
+                <a16:creationId xmlns:a16="http://schemas.microsoft.com/office/drawing/2014/main" id="{DBC930D1-2F67-9315-976F-C6DBF6EE80F2}"/>
+              </a:ext>
+            </a:extLst>
+          </p:cNvPr>
+          <p:cNvSpPr txBox="1"/>
+          <p:nvPr/>
+        </p:nvSpPr>
+        <p:spPr>
+          <a:xfrm>
+            <a:off x="4796971" y="5414118"/>
+            <a:ext cx="1589315" cy="369332"/>
+          </a:xfrm>
+          <a:prstGeom prst="rect">
+            <a:avLst/>
+          </a:prstGeom>
+          <a:noFill/>
+        </p:spPr>
+        <p:txBody>
+          <a:bodyPr wrap="square" rtlCol="0">
+            <a:spAutoFit/>
+          </a:bodyPr>
+          <a:lstStyle/>
+          <a:p>
+            <a:r>
+              <a:rPr lang="en-US" altLang="zh-CN" dirty="0"/>
+              <a:t>Energy</a:t>
+            </a:r>
+            <a:endParaRPr lang="zh-CN" altLang="en-US" dirty="0"/>
+          </a:p>
+        </p:txBody>
+      </p:sp>
     </p:spTree>
     <p:extLst>
       <p:ext uri="{BB962C8B-B14F-4D97-AF65-F5344CB8AC3E}">
-        <p14:creationId xmlns:p14="http://schemas.microsoft.com/office/powerpoint/2010/main" val="447476903"/>
+        <p14:creationId xmlns:p14="http://schemas.microsoft.com/office/powerpoint/2010/main" val="597216493"/>
       </p:ext>
     </p:extLst>
   </p:cSld>
@@ -8419,10 +11149,10 @@
       </p:sp>
       <p:pic>
         <p:nvPicPr>
-          <p:cNvPr id="4" name="图片 3">
-            <a:extLst>
-              <a:ext uri="{FF2B5EF4-FFF2-40B4-BE49-F238E27FC236}">
-                <a16:creationId xmlns:a16="http://schemas.microsoft.com/office/drawing/2014/main" id="{7B503338-7B64-50BA-1C30-3B1D93CE0259}"/>
+          <p:cNvPr id="3" name="图片 2">
+            <a:extLst>
+              <a:ext uri="{FF2B5EF4-FFF2-40B4-BE49-F238E27FC236}">
+                <a16:creationId xmlns:a16="http://schemas.microsoft.com/office/drawing/2014/main" id="{C90513FA-530C-CF43-D6DD-6FECDFA2DF47}"/>
               </a:ext>
             </a:extLst>
           </p:cNvPr>
@@ -8431,7 +11161,7 @@
           </p:cNvPicPr>
           <p:nvPr/>
         </p:nvPicPr>
-        <p:blipFill>
+        <p:blipFill rotWithShape="1">
           <a:blip r:embed="rId3">
             <a:extLst>
               <a:ext uri="{28A0092B-C50C-407E-A947-70E740481C1C}">
@@ -8439,14 +11169,13 @@
               </a:ext>
             </a:extLst>
           </a:blip>
-          <a:stretch>
-            <a:fillRect/>
-          </a:stretch>
+          <a:srcRect l="7273" r="6624"/>
+          <a:stretch/>
         </p:blipFill>
         <p:spPr>
           <a:xfrm>
-            <a:off x="6434831" y="1600200"/>
-            <a:ext cx="5486400" cy="3657600"/>
+            <a:off x="68062" y="1462475"/>
+            <a:ext cx="6096000" cy="3539971"/>
           </a:xfrm>
           <a:prstGeom prst="rect">
             <a:avLst/>
@@ -8455,10 +11184,10 @@
       </p:pic>
       <p:pic>
         <p:nvPicPr>
-          <p:cNvPr id="6" name="图片 5">
-            <a:extLst>
-              <a:ext uri="{FF2B5EF4-FFF2-40B4-BE49-F238E27FC236}">
-                <a16:creationId xmlns:a16="http://schemas.microsoft.com/office/drawing/2014/main" id="{817265D4-014A-D4FA-663A-22C786CFF09A}"/>
+          <p:cNvPr id="5" name="图片 4">
+            <a:extLst>
+              <a:ext uri="{FF2B5EF4-FFF2-40B4-BE49-F238E27FC236}">
+                <a16:creationId xmlns:a16="http://schemas.microsoft.com/office/drawing/2014/main" id="{043E21CE-D33A-08AE-292D-72470FA5F0BF}"/>
               </a:ext>
             </a:extLst>
           </p:cNvPr>
@@ -8481,18 +11210,245 @@
         </p:blipFill>
         <p:spPr>
           <a:xfrm>
-            <a:off x="948431" y="1600200"/>
-            <a:ext cx="5486400" cy="3657600"/>
+            <a:off x="6096000" y="1383243"/>
+            <a:ext cx="6164062" cy="3698437"/>
           </a:xfrm>
           <a:prstGeom prst="rect">
             <a:avLst/>
           </a:prstGeom>
         </p:spPr>
       </p:pic>
+      <p:sp>
+        <p:nvSpPr>
+          <p:cNvPr id="2" name="文本框 1">
+            <a:extLst>
+              <a:ext uri="{FF2B5EF4-FFF2-40B4-BE49-F238E27FC236}">
+                <a16:creationId xmlns:a16="http://schemas.microsoft.com/office/drawing/2014/main" id="{38388E4E-9C9D-B26C-7C72-A8F3D1C7EF34}"/>
+              </a:ext>
+            </a:extLst>
+          </p:cNvPr>
+          <p:cNvSpPr txBox="1"/>
+          <p:nvPr/>
+        </p:nvSpPr>
+        <p:spPr>
+          <a:xfrm>
+            <a:off x="442686" y="863600"/>
+            <a:ext cx="4383314" cy="400110"/>
+          </a:xfrm>
+          <a:prstGeom prst="rect">
+            <a:avLst/>
+          </a:prstGeom>
+          <a:noFill/>
+        </p:spPr>
+        <p:txBody>
+          <a:bodyPr wrap="square" rtlCol="0">
+            <a:spAutoFit/>
+          </a:bodyPr>
+          <a:lstStyle/>
+          <a:p>
+            <a:r>
+              <a:rPr lang="en-US" altLang="zh-CN" sz="2000" dirty="0"/>
+              <a:t>Result of FFT-</a:t>
+            </a:r>
+            <a:r>
+              <a:rPr lang="en-US" altLang="zh-CN" sz="2000" dirty="0" err="1"/>
+              <a:t>Denosing</a:t>
+            </a:r>
+            <a:endParaRPr lang="zh-CN" altLang="en-US" sz="2000" dirty="0"/>
+          </a:p>
+        </p:txBody>
+      </p:sp>
+      <p:sp>
+        <p:nvSpPr>
+          <p:cNvPr id="4" name="矩形 3">
+            <a:extLst>
+              <a:ext uri="{FF2B5EF4-FFF2-40B4-BE49-F238E27FC236}">
+                <a16:creationId xmlns:a16="http://schemas.microsoft.com/office/drawing/2014/main" id="{DC6FCBF8-DC7A-C4FD-F171-445C42B2E27A}"/>
+              </a:ext>
+            </a:extLst>
+          </p:cNvPr>
+          <p:cNvSpPr/>
+          <p:nvPr/>
+        </p:nvSpPr>
+        <p:spPr>
+          <a:xfrm>
+            <a:off x="8783891" y="4455886"/>
+            <a:ext cx="587828" cy="333829"/>
+          </a:xfrm>
+          <a:prstGeom prst="rect">
+            <a:avLst/>
+          </a:prstGeom>
+          <a:noFill/>
+        </p:spPr>
+        <p:style>
+          <a:lnRef idx="2">
+            <a:schemeClr val="accent1">
+              <a:shade val="15000"/>
+            </a:schemeClr>
+          </a:lnRef>
+          <a:fillRef idx="1">
+            <a:schemeClr val="accent1"/>
+          </a:fillRef>
+          <a:effectRef idx="0">
+            <a:schemeClr val="accent1"/>
+          </a:effectRef>
+          <a:fontRef idx="minor">
+            <a:schemeClr val="lt1"/>
+          </a:fontRef>
+        </p:style>
+        <p:txBody>
+          <a:bodyPr rtlCol="0" anchor="ctr"/>
+          <a:lstStyle/>
+          <a:p>
+            <a:pPr algn="ctr"/>
+            <a:endParaRPr lang="zh-CN" altLang="en-US"/>
+          </a:p>
+        </p:txBody>
+      </p:sp>
+      <p:cxnSp>
+        <p:nvCxnSpPr>
+          <p:cNvPr id="7" name="连接符: 肘形 6">
+            <a:extLst>
+              <a:ext uri="{FF2B5EF4-FFF2-40B4-BE49-F238E27FC236}">
+                <a16:creationId xmlns:a16="http://schemas.microsoft.com/office/drawing/2014/main" id="{DD28365D-617A-3703-7C52-5AC7B82AE35E}"/>
+              </a:ext>
+            </a:extLst>
+          </p:cNvPr>
+          <p:cNvCxnSpPr>
+            <a:cxnSpLocks/>
+            <a:stCxn id="4" idx="2"/>
+            <a:endCxn id="8" idx="2"/>
+          </p:cNvCxnSpPr>
+          <p:nvPr/>
+        </p:nvCxnSpPr>
+        <p:spPr>
+          <a:xfrm rot="5400000" flipH="1">
+            <a:off x="5763325" y="1475236"/>
+            <a:ext cx="551543" cy="6077417"/>
+          </a:xfrm>
+          <a:prstGeom prst="bentConnector3">
+            <a:avLst>
+              <a:gd name="adj1" fmla="val -87500"/>
+            </a:avLst>
+          </a:prstGeom>
+          <a:ln>
+            <a:solidFill>
+              <a:schemeClr val="tx1"/>
+            </a:solidFill>
+            <a:tailEnd type="triangle"/>
+          </a:ln>
+        </p:spPr>
+        <p:style>
+          <a:lnRef idx="1">
+            <a:schemeClr val="accent1"/>
+          </a:lnRef>
+          <a:fillRef idx="0">
+            <a:schemeClr val="accent1"/>
+          </a:fillRef>
+          <a:effectRef idx="0">
+            <a:schemeClr val="accent1"/>
+          </a:effectRef>
+          <a:fontRef idx="minor">
+            <a:schemeClr val="tx1"/>
+          </a:fontRef>
+        </p:style>
+      </p:cxnSp>
+      <p:sp>
+        <p:nvSpPr>
+          <p:cNvPr id="8" name="矩形 7">
+            <a:extLst>
+              <a:ext uri="{FF2B5EF4-FFF2-40B4-BE49-F238E27FC236}">
+                <a16:creationId xmlns:a16="http://schemas.microsoft.com/office/drawing/2014/main" id="{2F9E345B-BB25-E4E1-E82E-210903AEB727}"/>
+              </a:ext>
+            </a:extLst>
+          </p:cNvPr>
+          <p:cNvSpPr/>
+          <p:nvPr/>
+        </p:nvSpPr>
+        <p:spPr>
+          <a:xfrm>
+            <a:off x="2818519" y="4064000"/>
+            <a:ext cx="363737" cy="174172"/>
+          </a:xfrm>
+          <a:prstGeom prst="rect">
+            <a:avLst/>
+          </a:prstGeom>
+          <a:noFill/>
+        </p:spPr>
+        <p:style>
+          <a:lnRef idx="2">
+            <a:schemeClr val="accent1">
+              <a:shade val="15000"/>
+            </a:schemeClr>
+          </a:lnRef>
+          <a:fillRef idx="1">
+            <a:schemeClr val="accent1"/>
+          </a:fillRef>
+          <a:effectRef idx="0">
+            <a:schemeClr val="accent1"/>
+          </a:effectRef>
+          <a:fontRef idx="minor">
+            <a:schemeClr val="lt1"/>
+          </a:fontRef>
+        </p:style>
+        <p:txBody>
+          <a:bodyPr rtlCol="0" anchor="ctr"/>
+          <a:lstStyle/>
+          <a:p>
+            <a:pPr algn="ctr"/>
+            <a:endParaRPr lang="zh-CN" altLang="en-US"/>
+          </a:p>
+        </p:txBody>
+      </p:sp>
+      <p:sp>
+        <p:nvSpPr>
+          <p:cNvPr id="11" name="文本框 10">
+            <a:extLst>
+              <a:ext uri="{FF2B5EF4-FFF2-40B4-BE49-F238E27FC236}">
+                <a16:creationId xmlns:a16="http://schemas.microsoft.com/office/drawing/2014/main" id="{3593459E-378A-CB28-3D9B-A9B3BDBE487D}"/>
+              </a:ext>
+            </a:extLst>
+          </p:cNvPr>
+          <p:cNvSpPr txBox="1"/>
+          <p:nvPr/>
+        </p:nvSpPr>
+        <p:spPr>
+          <a:xfrm>
+            <a:off x="2610096" y="5381900"/>
+            <a:ext cx="7908252" cy="1200329"/>
+          </a:xfrm>
+          <a:prstGeom prst="rect">
+            <a:avLst/>
+          </a:prstGeom>
+          <a:noFill/>
+        </p:spPr>
+        <p:txBody>
+          <a:bodyPr wrap="square" rtlCol="0">
+            <a:spAutoFit/>
+          </a:bodyPr>
+          <a:lstStyle/>
+          <a:p>
+            <a:r>
+              <a:rPr lang="en-US" altLang="zh-CN" dirty="0"/>
+              <a:t>Removing high-frequency, low-amplitude components from the signal can result in the appearance of subtle fluctuations.</a:t>
+            </a:r>
+          </a:p>
+          <a:p>
+            <a:endParaRPr lang="en-US" altLang="zh-CN" dirty="0"/>
+          </a:p>
+          <a:p>
+            <a:r>
+              <a:rPr lang="en-US" altLang="zh-CN" b="1" dirty="0"/>
+              <a:t>But the result is acceptable. </a:t>
+            </a:r>
+            <a:endParaRPr lang="zh-CN" altLang="en-US" b="1" dirty="0"/>
+          </a:p>
+        </p:txBody>
+      </p:sp>
     </p:spTree>
     <p:extLst>
       <p:ext uri="{BB962C8B-B14F-4D97-AF65-F5344CB8AC3E}">
-        <p14:creationId xmlns:p14="http://schemas.microsoft.com/office/powerpoint/2010/main" val="1257740799"/>
+        <p14:creationId xmlns:p14="http://schemas.microsoft.com/office/powerpoint/2010/main" val="447476903"/>
       </p:ext>
     </p:extLst>
   </p:cSld>
@@ -8533,8 +11489,8 @@
         </p:nvSpPr>
         <p:spPr>
           <a:xfrm>
-            <a:off x="609599" y="106251"/>
-            <a:ext cx="5382827" cy="461665"/>
+            <a:off x="609600" y="106251"/>
+            <a:ext cx="6164062" cy="461665"/>
           </a:xfrm>
           <a:prstGeom prst="rect">
             <a:avLst/>
@@ -8559,45 +11515,26 @@
           <a:p>
             <a:r>
               <a:rPr lang="en-US" altLang="zh-CN" dirty="0"/>
-              <a:t>Work_3: </a:t>
+              <a:t>Work_2: </a:t>
             </a:r>
             <a:r>
               <a:rPr lang="en-US" altLang="zh-CN" sz="1400" dirty="0"/>
-              <a:t>Remove</a:t>
-            </a:r>
-            <a:r>
-              <a:rPr lang="zh-CN" altLang="en-US" sz="1400" dirty="0"/>
-              <a:t> </a:t>
-            </a:r>
-            <a:r>
-              <a:rPr lang="en-US" altLang="zh-CN" sz="1400" dirty="0"/>
-              <a:t>Normal</a:t>
-            </a:r>
-            <a:r>
-              <a:rPr lang="zh-CN" altLang="en-US" sz="1400" dirty="0"/>
-              <a:t> </a:t>
-            </a:r>
-            <a:r>
-              <a:rPr lang="en-US" altLang="zh-CN" sz="1400" dirty="0"/>
-              <a:t>Nosie</a:t>
-            </a:r>
-            <a:r>
-              <a:rPr lang="zh-CN" altLang="en-US" sz="1400" dirty="0"/>
-              <a:t> </a:t>
-            </a:r>
-            <a:r>
-              <a:rPr lang="en-US" altLang="zh-CN" sz="1400" dirty="0"/>
-              <a:t>and respiratory</a:t>
-            </a:r>
+              <a:t>Remove the impact of respiratory by </a:t>
+            </a:r>
+            <a:r>
+              <a:rPr lang="en-US" altLang="zh-CN" sz="1400" dirty="0" err="1"/>
+              <a:t>fft</a:t>
+            </a:r>
+            <a:endParaRPr lang="en-US" altLang="zh-CN" sz="1400" dirty="0"/>
           </a:p>
         </p:txBody>
       </p:sp>
       <p:pic>
         <p:nvPicPr>
-          <p:cNvPr id="5" name="图片 4">
-            <a:extLst>
-              <a:ext uri="{FF2B5EF4-FFF2-40B4-BE49-F238E27FC236}">
-                <a16:creationId xmlns:a16="http://schemas.microsoft.com/office/drawing/2014/main" id="{93162402-2550-1C19-8F88-8EC33905F9D9}"/>
+          <p:cNvPr id="4" name="图片 3">
+            <a:extLst>
+              <a:ext uri="{FF2B5EF4-FFF2-40B4-BE49-F238E27FC236}">
+                <a16:creationId xmlns:a16="http://schemas.microsoft.com/office/drawing/2014/main" id="{7B503338-7B64-50BA-1C30-3B1D93CE0259}"/>
               </a:ext>
             </a:extLst>
           </p:cNvPr>
@@ -8620,18 +11557,125 @@
         </p:blipFill>
         <p:spPr>
           <a:xfrm>
-            <a:off x="1524000" y="1143000"/>
-            <a:ext cx="9144000" cy="4572000"/>
+            <a:off x="6253402" y="2942772"/>
+            <a:ext cx="5486400" cy="3657600"/>
           </a:xfrm>
           <a:prstGeom prst="rect">
             <a:avLst/>
           </a:prstGeom>
         </p:spPr>
       </p:pic>
+      <p:pic>
+        <p:nvPicPr>
+          <p:cNvPr id="6" name="图片 5">
+            <a:extLst>
+              <a:ext uri="{FF2B5EF4-FFF2-40B4-BE49-F238E27FC236}">
+                <a16:creationId xmlns:a16="http://schemas.microsoft.com/office/drawing/2014/main" id="{817265D4-014A-D4FA-663A-22C786CFF09A}"/>
+              </a:ext>
+            </a:extLst>
+          </p:cNvPr>
+          <p:cNvPicPr>
+            <a:picLocks noChangeAspect="1"/>
+          </p:cNvPicPr>
+          <p:nvPr/>
+        </p:nvPicPr>
+        <p:blipFill>
+          <a:blip r:embed="rId4">
+            <a:extLst>
+              <a:ext uri="{28A0092B-C50C-407E-A947-70E740481C1C}">
+                <a14:useLocalDpi xmlns:a14="http://schemas.microsoft.com/office/drawing/2010/main" val="0"/>
+              </a:ext>
+            </a:extLst>
+          </a:blip>
+          <a:stretch>
+            <a:fillRect/>
+          </a:stretch>
+        </p:blipFill>
+        <p:spPr>
+          <a:xfrm>
+            <a:off x="767002" y="2942772"/>
+            <a:ext cx="5486400" cy="3657600"/>
+          </a:xfrm>
+          <a:prstGeom prst="rect">
+            <a:avLst/>
+          </a:prstGeom>
+        </p:spPr>
+      </p:pic>
+      <p:sp>
+        <p:nvSpPr>
+          <p:cNvPr id="2" name="文本框 1">
+            <a:extLst>
+              <a:ext uri="{FF2B5EF4-FFF2-40B4-BE49-F238E27FC236}">
+                <a16:creationId xmlns:a16="http://schemas.microsoft.com/office/drawing/2014/main" id="{EE150550-D12A-7598-5EF9-A82A4592D54A}"/>
+              </a:ext>
+            </a:extLst>
+          </p:cNvPr>
+          <p:cNvSpPr txBox="1"/>
+          <p:nvPr/>
+        </p:nvSpPr>
+        <p:spPr>
+          <a:xfrm>
+            <a:off x="878113" y="834571"/>
+            <a:ext cx="6865257" cy="369332"/>
+          </a:xfrm>
+          <a:prstGeom prst="rect">
+            <a:avLst/>
+          </a:prstGeom>
+          <a:noFill/>
+        </p:spPr>
+        <p:txBody>
+          <a:bodyPr wrap="square" rtlCol="0">
+            <a:spAutoFit/>
+          </a:bodyPr>
+          <a:lstStyle/>
+          <a:p>
+            <a:r>
+              <a:rPr lang="en-US" altLang="zh-CN" dirty="0"/>
+              <a:t>Result of S and D Prediction for noise level = 0.1</a:t>
+            </a:r>
+            <a:endParaRPr lang="zh-CN" altLang="en-US" dirty="0"/>
+          </a:p>
+        </p:txBody>
+      </p:sp>
+      <p:sp>
+        <p:nvSpPr>
+          <p:cNvPr id="3" name="文本框 2">
+            <a:extLst>
+              <a:ext uri="{FF2B5EF4-FFF2-40B4-BE49-F238E27FC236}">
+                <a16:creationId xmlns:a16="http://schemas.microsoft.com/office/drawing/2014/main" id="{07E2B16D-7D43-A13F-7755-11A357715227}"/>
+              </a:ext>
+            </a:extLst>
+          </p:cNvPr>
+          <p:cNvSpPr txBox="1"/>
+          <p:nvPr/>
+        </p:nvSpPr>
+        <p:spPr>
+          <a:xfrm>
+            <a:off x="3294743" y="1756229"/>
+            <a:ext cx="5486400" cy="369332"/>
+          </a:xfrm>
+          <a:prstGeom prst="rect">
+            <a:avLst/>
+          </a:prstGeom>
+          <a:noFill/>
+        </p:spPr>
+        <p:txBody>
+          <a:bodyPr wrap="square" rtlCol="0">
+            <a:spAutoFit/>
+          </a:bodyPr>
+          <a:lstStyle/>
+          <a:p>
+            <a:r>
+              <a:rPr lang="zh-CN" altLang="en-US" dirty="0"/>
+              <a:t>加图</a:t>
+            </a:r>
+          </a:p>
+        </p:txBody>
+      </p:sp>
     </p:spTree>
     <p:extLst>
       <p:ext uri="{BB962C8B-B14F-4D97-AF65-F5344CB8AC3E}">
-        <p14:creationId xmlns:p14="http://schemas.microsoft.com/office/powerpoint/2010/main" val="1409803502"/>
+        <p14:creationId xmlns:p14="http://schemas.microsoft.com/office/powerpoint/2010/main" val="1257740799"/>
       </p:ext>
     </p:extLst>
   </p:cSld>
@@ -8733,10 +11777,10 @@
       </p:sp>
       <p:pic>
         <p:nvPicPr>
-          <p:cNvPr id="3" name="图片 2">
-            <a:extLst>
-              <a:ext uri="{FF2B5EF4-FFF2-40B4-BE49-F238E27FC236}">
-                <a16:creationId xmlns:a16="http://schemas.microsoft.com/office/drawing/2014/main" id="{72C2E029-650C-8A32-6069-19A037A7F100}"/>
+          <p:cNvPr id="5" name="图片 4">
+            <a:extLst>
+              <a:ext uri="{FF2B5EF4-FFF2-40B4-BE49-F238E27FC236}">
+                <a16:creationId xmlns:a16="http://schemas.microsoft.com/office/drawing/2014/main" id="{93162402-2550-1C19-8F88-8EC33905F9D9}"/>
               </a:ext>
             </a:extLst>
           </p:cNvPr>
@@ -8759,7 +11803,7 @@
         </p:blipFill>
         <p:spPr>
           <a:xfrm>
-            <a:off x="1524000" y="1143000"/>
+            <a:off x="1524000" y="2006600"/>
             <a:ext cx="9144000" cy="4572000"/>
           </a:xfrm>
           <a:prstGeom prst="rect">
@@ -8767,10 +11811,63 @@
           </a:prstGeom>
         </p:spPr>
       </p:pic>
+      <p:sp>
+        <p:nvSpPr>
+          <p:cNvPr id="3" name="文本框 2">
+            <a:extLst>
+              <a:ext uri="{FF2B5EF4-FFF2-40B4-BE49-F238E27FC236}">
+                <a16:creationId xmlns:a16="http://schemas.microsoft.com/office/drawing/2014/main" id="{E84204FE-6E96-FBD9-7502-BFC26656D187}"/>
+              </a:ext>
+            </a:extLst>
+          </p:cNvPr>
+          <p:cNvSpPr txBox="1"/>
+          <p:nvPr/>
+        </p:nvSpPr>
+        <p:spPr>
+          <a:xfrm>
+            <a:off x="1524000" y="958334"/>
+            <a:ext cx="6096000" cy="923330"/>
+          </a:xfrm>
+          <a:prstGeom prst="rect">
+            <a:avLst/>
+          </a:prstGeom>
+          <a:noFill/>
+        </p:spPr>
+        <p:txBody>
+          <a:bodyPr wrap="square">
+            <a:spAutoFit/>
+          </a:bodyPr>
+          <a:lstStyle/>
+          <a:p>
+            <a:r>
+              <a:rPr lang="en-US" altLang="zh-CN" dirty="0"/>
+              <a:t>Noisy Signal = Clean Signal + </a:t>
+            </a:r>
+            <a:r>
+              <a:rPr lang="en-US" altLang="zh-CN" dirty="0" err="1"/>
+              <a:t>np.random.normal</a:t>
+            </a:r>
+            <a:r>
+              <a:rPr lang="en-US" altLang="zh-CN" dirty="0"/>
+              <a:t>()</a:t>
+            </a:r>
+          </a:p>
+          <a:p>
+            <a:endParaRPr lang="en-US" altLang="zh-CN" dirty="0"/>
+          </a:p>
+          <a:p>
+            <a:r>
+              <a:rPr lang="en-US" altLang="zh-CN" dirty="0"/>
+              <a:t>Mean value of Noisy Signal is 0.</a:t>
+            </a:r>
+            <a:endParaRPr lang="zh-CN" altLang="en-US" dirty="0"/>
+          </a:p>
+        </p:txBody>
+      </p:sp>
     </p:spTree>
     <p:extLst>
       <p:ext uri="{BB962C8B-B14F-4D97-AF65-F5344CB8AC3E}">
-        <p14:creationId xmlns:p14="http://schemas.microsoft.com/office/powerpoint/2010/main" val="1380181443"/>
+        <p14:creationId xmlns:p14="http://schemas.microsoft.com/office/powerpoint/2010/main" val="1409803502"/>
       </p:ext>
     </p:extLst>
   </p:cSld>
@@ -8870,10 +11967,131 @@
           </a:p>
         </p:txBody>
       </p:sp>
+      <p:pic>
+        <p:nvPicPr>
+          <p:cNvPr id="3" name="图片 2">
+            <a:extLst>
+              <a:ext uri="{FF2B5EF4-FFF2-40B4-BE49-F238E27FC236}">
+                <a16:creationId xmlns:a16="http://schemas.microsoft.com/office/drawing/2014/main" id="{72C2E029-650C-8A32-6069-19A037A7F100}"/>
+              </a:ext>
+            </a:extLst>
+          </p:cNvPr>
+          <p:cNvPicPr>
+            <a:picLocks noChangeAspect="1"/>
+          </p:cNvPicPr>
+          <p:nvPr/>
+        </p:nvPicPr>
+        <p:blipFill>
+          <a:blip r:embed="rId3">
+            <a:extLst>
+              <a:ext uri="{28A0092B-C50C-407E-A947-70E740481C1C}">
+                <a14:useLocalDpi xmlns:a14="http://schemas.microsoft.com/office/drawing/2010/main" val="0"/>
+              </a:ext>
+            </a:extLst>
+          </a:blip>
+          <a:stretch>
+            <a:fillRect/>
+          </a:stretch>
+        </p:blipFill>
+        <p:spPr>
+          <a:xfrm>
+            <a:off x="1524000" y="1513114"/>
+            <a:ext cx="9144000" cy="4572000"/>
+          </a:xfrm>
+          <a:prstGeom prst="rect">
+            <a:avLst/>
+          </a:prstGeom>
+        </p:spPr>
+      </p:pic>
+      <p:sp>
+        <p:nvSpPr>
+          <p:cNvPr id="4" name="文本框 3">
+            <a:extLst>
+              <a:ext uri="{FF2B5EF4-FFF2-40B4-BE49-F238E27FC236}">
+                <a16:creationId xmlns:a16="http://schemas.microsoft.com/office/drawing/2014/main" id="{F7A328F2-5122-D9E7-B092-AC98AC5727D9}"/>
+              </a:ext>
+            </a:extLst>
+          </p:cNvPr>
+          <p:cNvSpPr txBox="1"/>
+          <p:nvPr/>
+        </p:nvSpPr>
+        <p:spPr>
+          <a:xfrm>
+            <a:off x="2387600" y="855849"/>
+            <a:ext cx="6096000" cy="923330"/>
+          </a:xfrm>
+          <a:prstGeom prst="rect">
+            <a:avLst/>
+          </a:prstGeom>
+          <a:noFill/>
+        </p:spPr>
+        <p:txBody>
+          <a:bodyPr wrap="square">
+            <a:spAutoFit/>
+          </a:bodyPr>
+          <a:lstStyle/>
+          <a:p>
+            <a:r>
+              <a:rPr lang="en-US" altLang="zh-CN" dirty="0"/>
+              <a:t>We cannot</a:t>
+            </a:r>
+            <a:r>
+              <a:rPr lang="zh-CN" altLang="en-US" dirty="0"/>
+              <a:t> </a:t>
+            </a:r>
+            <a:r>
+              <a:rPr lang="en-US" altLang="zh-CN" dirty="0"/>
+              <a:t>get</a:t>
+            </a:r>
+            <a:r>
+              <a:rPr lang="zh-CN" altLang="en-US" dirty="0"/>
+              <a:t> </a:t>
+            </a:r>
+            <a:r>
+              <a:rPr lang="en-US" altLang="zh-CN" dirty="0"/>
+              <a:t>the</a:t>
+            </a:r>
+            <a:r>
+              <a:rPr lang="zh-CN" altLang="en-US" dirty="0"/>
+              <a:t> </a:t>
+            </a:r>
+            <a:r>
+              <a:rPr lang="en-US" altLang="zh-CN" dirty="0"/>
+              <a:t>trend</a:t>
+            </a:r>
+            <a:r>
+              <a:rPr lang="zh-CN" altLang="en-US" dirty="0"/>
+              <a:t> </a:t>
+            </a:r>
+            <a:r>
+              <a:rPr lang="en-US" altLang="zh-CN" dirty="0"/>
+              <a:t>of</a:t>
+            </a:r>
+            <a:r>
+              <a:rPr lang="zh-CN" altLang="en-US" dirty="0"/>
+              <a:t> </a:t>
+            </a:r>
+            <a:r>
+              <a:rPr lang="en-US" altLang="zh-CN" dirty="0"/>
+              <a:t>Noisy Signal.</a:t>
+            </a:r>
+          </a:p>
+          <a:p>
+            <a:endParaRPr lang="en-US" altLang="zh-CN" dirty="0"/>
+          </a:p>
+          <a:p>
+            <a:r>
+              <a:rPr lang="en-US" altLang="zh-CN" dirty="0"/>
+              <a:t>SSA don’t work well at this situation.</a:t>
+            </a:r>
+            <a:endParaRPr lang="zh-CN" altLang="en-US" dirty="0"/>
+          </a:p>
+        </p:txBody>
+      </p:sp>
     </p:spTree>
     <p:extLst>
       <p:ext uri="{BB962C8B-B14F-4D97-AF65-F5344CB8AC3E}">
-        <p14:creationId xmlns:p14="http://schemas.microsoft.com/office/powerpoint/2010/main" val="852709101"/>
+        <p14:creationId xmlns:p14="http://schemas.microsoft.com/office/powerpoint/2010/main" val="1380181443"/>
       </p:ext>
     </p:extLst>
   </p:cSld>

--- a/Presentation_911_JiayuChen.pptx
+++ b/Presentation_911_JiayuChen.pptx
@@ -5,7 +5,7 @@
     <p:sldMasterId id="2147483648" r:id="rId1"/>
   </p:sldMasterIdLst>
   <p:notesMasterIdLst>
-    <p:notesMasterId r:id="rId19"/>
+    <p:notesMasterId r:id="rId21"/>
   </p:notesMasterIdLst>
   <p:sldIdLst>
     <p:sldId id="256" r:id="rId2"/>
@@ -19,12 +19,14 @@
     <p:sldId id="329" r:id="rId10"/>
     <p:sldId id="334" r:id="rId11"/>
     <p:sldId id="330" r:id="rId12"/>
-    <p:sldId id="331" r:id="rId13"/>
-    <p:sldId id="326" r:id="rId14"/>
-    <p:sldId id="336" r:id="rId15"/>
-    <p:sldId id="332" r:id="rId16"/>
-    <p:sldId id="323" r:id="rId17"/>
-    <p:sldId id="263" r:id="rId18"/>
+    <p:sldId id="337" r:id="rId13"/>
+    <p:sldId id="331" r:id="rId14"/>
+    <p:sldId id="326" r:id="rId15"/>
+    <p:sldId id="336" r:id="rId16"/>
+    <p:sldId id="332" r:id="rId17"/>
+    <p:sldId id="338" r:id="rId18"/>
+    <p:sldId id="323" r:id="rId19"/>
+    <p:sldId id="263" r:id="rId20"/>
   </p:sldIdLst>
   <p:sldSz cx="12192000" cy="6858000"/>
   <p:notesSz cx="6858000" cy="9144000"/>
@@ -1038,7 +1040,7 @@
     </p:spTree>
     <p:extLst>
       <p:ext uri="{BB962C8B-B14F-4D97-AF65-F5344CB8AC3E}">
-        <p14:creationId xmlns:p14="http://schemas.microsoft.com/office/powerpoint/2010/main" val="2442243019"/>
+        <p14:creationId xmlns:p14="http://schemas.microsoft.com/office/powerpoint/2010/main" val="2966907305"/>
       </p:ext>
     </p:extLst>
   </p:cSld>
@@ -1098,11 +1100,35 @@
             </a:r>
             <a:r>
               <a:rPr lang="en-US" altLang="zh-CN" dirty="0"/>
-              <a:t>Nk2</a:t>
+              <a:t>Normal Noise</a:t>
             </a:r>
             <a:r>
               <a:rPr lang="zh-CN" altLang="en-US" dirty="0"/>
-              <a:t>的添加和直接添加之间的区别，时域和频域</a:t>
+              <a:t>的效果</a:t>
+            </a:r>
+            <a:r>
+              <a:rPr lang="en-US" altLang="zh-CN" dirty="0"/>
+              <a:t>, </a:t>
+            </a:r>
+            <a:r>
+              <a:rPr lang="zh-CN" altLang="en-US" dirty="0"/>
+              <a:t>这种情况下</a:t>
+            </a:r>
+            <a:r>
+              <a:rPr lang="en-US" altLang="zh-CN" dirty="0"/>
+              <a:t>SSA</a:t>
+            </a:r>
+            <a:r>
+              <a:rPr lang="zh-CN" altLang="en-US" dirty="0"/>
+              <a:t>并不起作用，因为</a:t>
+            </a:r>
+            <a:r>
+              <a:rPr lang="en-US" altLang="zh-CN" dirty="0"/>
+              <a:t>get</a:t>
+            </a:r>
+            <a:r>
+              <a:rPr lang="zh-CN" altLang="en-US" dirty="0"/>
+              <a:t>不到趋势</a:t>
             </a:r>
             <a:endParaRPr lang="en-US" altLang="zh-CN" dirty="0"/>
           </a:p>
@@ -1116,16 +1142,21 @@
             </a:r>
             <a:r>
               <a:rPr lang="en-US" altLang="zh-CN" dirty="0"/>
-              <a:t>S filter</a:t>
+              <a:t>W filter</a:t>
             </a:r>
             <a:r>
               <a:rPr lang="zh-CN" altLang="en-US" dirty="0"/>
-              <a:t>的效果，以及为什么可以代替</a:t>
-            </a:r>
-            <a:r>
-              <a:rPr lang="en-US" altLang="zh-CN" dirty="0"/>
-              <a:t>SSA</a:t>
-            </a:r>
+              <a:t>的效果，</a:t>
+            </a:r>
+            <a:r>
+              <a:rPr lang="en-US" altLang="zh-CN" dirty="0" err="1"/>
+              <a:t>wfilter</a:t>
+            </a:r>
+            <a:r>
+              <a:rPr lang="zh-CN" altLang="en-US" dirty="0"/>
+              <a:t>如何应用到了我们算法中去</a:t>
+            </a:r>
+            <a:endParaRPr lang="en-US" altLang="zh-CN" dirty="0"/>
           </a:p>
           <a:p>
             <a:endParaRPr lang="en-US" altLang="zh-CN" dirty="0"/>
@@ -1135,9 +1166,6 @@
               <a:rPr lang="zh-CN" altLang="en-US" dirty="0"/>
               <a:t>直接展示结果的表格</a:t>
             </a:r>
-            <a:endParaRPr lang="en-US" altLang="zh-CN" dirty="0"/>
-          </a:p>
-          <a:p>
             <a:endParaRPr lang="en-US" altLang="zh-CN" dirty="0"/>
           </a:p>
         </p:txBody>
@@ -1168,7 +1196,7 @@
     </p:spTree>
     <p:extLst>
       <p:ext uri="{BB962C8B-B14F-4D97-AF65-F5344CB8AC3E}">
-        <p14:creationId xmlns:p14="http://schemas.microsoft.com/office/powerpoint/2010/main" val="1742597435"/>
+        <p14:creationId xmlns:p14="http://schemas.microsoft.com/office/powerpoint/2010/main" val="2442243019"/>
       </p:ext>
     </p:extLst>
   </p:cSld>
@@ -1298,7 +1326,7 @@
     </p:spTree>
     <p:extLst>
       <p:ext uri="{BB962C8B-B14F-4D97-AF65-F5344CB8AC3E}">
-        <p14:creationId xmlns:p14="http://schemas.microsoft.com/office/powerpoint/2010/main" val="2015111354"/>
+        <p14:creationId xmlns:p14="http://schemas.microsoft.com/office/powerpoint/2010/main" val="1742597435"/>
       </p:ext>
     </p:extLst>
   </p:cSld>
@@ -1428,7 +1456,7 @@
     </p:spTree>
     <p:extLst>
       <p:ext uri="{BB962C8B-B14F-4D97-AF65-F5344CB8AC3E}">
-        <p14:creationId xmlns:p14="http://schemas.microsoft.com/office/powerpoint/2010/main" val="3948487893"/>
+        <p14:creationId xmlns:p14="http://schemas.microsoft.com/office/powerpoint/2010/main" val="2015111354"/>
       </p:ext>
     </p:extLst>
   </p:cSld>
@@ -1482,6 +1510,52 @@
           <a:bodyPr/>
           <a:lstStyle/>
           <a:p>
+            <a:r>
+              <a:rPr lang="zh-CN" altLang="en-US" dirty="0"/>
+              <a:t>展示</a:t>
+            </a:r>
+            <a:r>
+              <a:rPr lang="en-US" altLang="zh-CN" dirty="0"/>
+              <a:t>Nk2</a:t>
+            </a:r>
+            <a:r>
+              <a:rPr lang="zh-CN" altLang="en-US" dirty="0"/>
+              <a:t>的添加和直接添加之间的区别，时域和频域</a:t>
+            </a:r>
+            <a:endParaRPr lang="en-US" altLang="zh-CN" dirty="0"/>
+          </a:p>
+          <a:p>
+            <a:endParaRPr lang="en-US" altLang="zh-CN" dirty="0"/>
+          </a:p>
+          <a:p>
+            <a:r>
+              <a:rPr lang="zh-CN" altLang="en-US" dirty="0"/>
+              <a:t>展示</a:t>
+            </a:r>
+            <a:r>
+              <a:rPr lang="en-US" altLang="zh-CN" dirty="0"/>
+              <a:t>S filter</a:t>
+            </a:r>
+            <a:r>
+              <a:rPr lang="zh-CN" altLang="en-US" dirty="0"/>
+              <a:t>的效果，以及为什么可以代替</a:t>
+            </a:r>
+            <a:r>
+              <a:rPr lang="en-US" altLang="zh-CN" dirty="0"/>
+              <a:t>SSA</a:t>
+            </a:r>
+          </a:p>
+          <a:p>
+            <a:endParaRPr lang="en-US" altLang="zh-CN" dirty="0"/>
+          </a:p>
+          <a:p>
+            <a:r>
+              <a:rPr lang="zh-CN" altLang="en-US" dirty="0"/>
+              <a:t>直接展示结果的表格</a:t>
+            </a:r>
+            <a:endParaRPr lang="en-US" altLang="zh-CN" dirty="0"/>
+          </a:p>
+          <a:p>
             <a:endParaRPr lang="en-US" altLang="zh-CN" dirty="0"/>
           </a:p>
         </p:txBody>
@@ -1512,7 +1586,7 @@
     </p:spTree>
     <p:extLst>
       <p:ext uri="{BB962C8B-B14F-4D97-AF65-F5344CB8AC3E}">
-        <p14:creationId xmlns:p14="http://schemas.microsoft.com/office/powerpoint/2010/main" val="2133028797"/>
+        <p14:creationId xmlns:p14="http://schemas.microsoft.com/office/powerpoint/2010/main" val="3948487893"/>
       </p:ext>
     </p:extLst>
   </p:cSld>
@@ -1566,7 +1640,53 @@
           <a:bodyPr/>
           <a:lstStyle/>
           <a:p>
-            <a:endParaRPr lang="zh-CN" altLang="en-US" dirty="0"/>
+            <a:r>
+              <a:rPr lang="zh-CN" altLang="en-US" dirty="0"/>
+              <a:t>展示</a:t>
+            </a:r>
+            <a:r>
+              <a:rPr lang="en-US" altLang="zh-CN" dirty="0"/>
+              <a:t>Nk2</a:t>
+            </a:r>
+            <a:r>
+              <a:rPr lang="zh-CN" altLang="en-US" dirty="0"/>
+              <a:t>的添加和直接添加之间的区别，时域和频域</a:t>
+            </a:r>
+            <a:endParaRPr lang="en-US" altLang="zh-CN" dirty="0"/>
+          </a:p>
+          <a:p>
+            <a:endParaRPr lang="en-US" altLang="zh-CN" dirty="0"/>
+          </a:p>
+          <a:p>
+            <a:r>
+              <a:rPr lang="zh-CN" altLang="en-US" dirty="0"/>
+              <a:t>展示</a:t>
+            </a:r>
+            <a:r>
+              <a:rPr lang="en-US" altLang="zh-CN" dirty="0"/>
+              <a:t>S filter</a:t>
+            </a:r>
+            <a:r>
+              <a:rPr lang="zh-CN" altLang="en-US" dirty="0"/>
+              <a:t>的效果，以及为什么可以代替</a:t>
+            </a:r>
+            <a:r>
+              <a:rPr lang="en-US" altLang="zh-CN" dirty="0"/>
+              <a:t>SSA</a:t>
+            </a:r>
+          </a:p>
+          <a:p>
+            <a:endParaRPr lang="en-US" altLang="zh-CN" dirty="0"/>
+          </a:p>
+          <a:p>
+            <a:r>
+              <a:rPr lang="zh-CN" altLang="en-US" dirty="0"/>
+              <a:t>直接展示结果的表格</a:t>
+            </a:r>
+            <a:endParaRPr lang="en-US" altLang="zh-CN" dirty="0"/>
+          </a:p>
+          <a:p>
+            <a:endParaRPr lang="en-US" altLang="zh-CN" dirty="0"/>
           </a:p>
         </p:txBody>
       </p:sp>
@@ -1588,6 +1708,174 @@
             <a:fld id="{E39FA662-60CA-45D5-8BB1-0A7D21FB8FF0}" type="slidenum">
               <a:rPr lang="zh-CN" altLang="en-US" smtClean="0"/>
               <a:t>17</a:t>
+            </a:fld>
+            <a:endParaRPr lang="zh-CN" altLang="en-US"/>
+          </a:p>
+        </p:txBody>
+      </p:sp>
+    </p:spTree>
+    <p:extLst>
+      <p:ext uri="{BB962C8B-B14F-4D97-AF65-F5344CB8AC3E}">
+        <p14:creationId xmlns:p14="http://schemas.microsoft.com/office/powerpoint/2010/main" val="1879780949"/>
+      </p:ext>
+    </p:extLst>
+  </p:cSld>
+  <p:clrMapOvr>
+    <a:masterClrMapping/>
+  </p:clrMapOvr>
+</p:notes>
+</file>
+
+<file path=ppt/notesSlides/notesSlide18.xml><?xml version="1.0" encoding="utf-8"?>
+<p:notes xmlns:a="http://schemas.openxmlformats.org/drawingml/2006/main" xmlns:r="http://schemas.openxmlformats.org/officeDocument/2006/relationships" xmlns:p="http://schemas.openxmlformats.org/presentationml/2006/main">
+  <p:cSld>
+    <p:spTree>
+      <p:nvGrpSpPr>
+        <p:cNvPr id="1" name=""/>
+        <p:cNvGrpSpPr/>
+        <p:nvPr/>
+      </p:nvGrpSpPr>
+      <p:grpSpPr>
+        <a:xfrm>
+          <a:off x="0" y="0"/>
+          <a:ext cx="0" cy="0"/>
+          <a:chOff x="0" y="0"/>
+          <a:chExt cx="0" cy="0"/>
+        </a:xfrm>
+      </p:grpSpPr>
+      <p:sp>
+        <p:nvSpPr>
+          <p:cNvPr id="2" name="幻灯片图像占位符 1"/>
+          <p:cNvSpPr>
+            <a:spLocks noGrp="1" noRot="1" noChangeAspect="1"/>
+          </p:cNvSpPr>
+          <p:nvPr>
+            <p:ph type="sldImg"/>
+          </p:nvPr>
+        </p:nvSpPr>
+        <p:spPr/>
+      </p:sp>
+      <p:sp>
+        <p:nvSpPr>
+          <p:cNvPr id="3" name="备注占位符 2"/>
+          <p:cNvSpPr>
+            <a:spLocks noGrp="1"/>
+          </p:cNvSpPr>
+          <p:nvPr>
+            <p:ph type="body" idx="1"/>
+          </p:nvPr>
+        </p:nvSpPr>
+        <p:spPr/>
+        <p:txBody>
+          <a:bodyPr/>
+          <a:lstStyle/>
+          <a:p>
+            <a:endParaRPr lang="en-US" altLang="zh-CN" dirty="0"/>
+          </a:p>
+        </p:txBody>
+      </p:sp>
+      <p:sp>
+        <p:nvSpPr>
+          <p:cNvPr id="4" name="灯片编号占位符 3"/>
+          <p:cNvSpPr>
+            <a:spLocks noGrp="1"/>
+          </p:cNvSpPr>
+          <p:nvPr>
+            <p:ph type="sldNum" sz="quarter" idx="5"/>
+          </p:nvPr>
+        </p:nvSpPr>
+        <p:spPr/>
+        <p:txBody>
+          <a:bodyPr/>
+          <a:lstStyle/>
+          <a:p>
+            <a:fld id="{E39FA662-60CA-45D5-8BB1-0A7D21FB8FF0}" type="slidenum">
+              <a:rPr lang="zh-CN" altLang="en-US" smtClean="0"/>
+              <a:t>18</a:t>
+            </a:fld>
+            <a:endParaRPr lang="zh-CN" altLang="en-US"/>
+          </a:p>
+        </p:txBody>
+      </p:sp>
+    </p:spTree>
+    <p:extLst>
+      <p:ext uri="{BB962C8B-B14F-4D97-AF65-F5344CB8AC3E}">
+        <p14:creationId xmlns:p14="http://schemas.microsoft.com/office/powerpoint/2010/main" val="2133028797"/>
+      </p:ext>
+    </p:extLst>
+  </p:cSld>
+  <p:clrMapOvr>
+    <a:masterClrMapping/>
+  </p:clrMapOvr>
+</p:notes>
+</file>
+
+<file path=ppt/notesSlides/notesSlide19.xml><?xml version="1.0" encoding="utf-8"?>
+<p:notes xmlns:a="http://schemas.openxmlformats.org/drawingml/2006/main" xmlns:r="http://schemas.openxmlformats.org/officeDocument/2006/relationships" xmlns:p="http://schemas.openxmlformats.org/presentationml/2006/main">
+  <p:cSld>
+    <p:spTree>
+      <p:nvGrpSpPr>
+        <p:cNvPr id="1" name=""/>
+        <p:cNvGrpSpPr/>
+        <p:nvPr/>
+      </p:nvGrpSpPr>
+      <p:grpSpPr>
+        <a:xfrm>
+          <a:off x="0" y="0"/>
+          <a:ext cx="0" cy="0"/>
+          <a:chOff x="0" y="0"/>
+          <a:chExt cx="0" cy="0"/>
+        </a:xfrm>
+      </p:grpSpPr>
+      <p:sp>
+        <p:nvSpPr>
+          <p:cNvPr id="2" name="幻灯片图像占位符 1"/>
+          <p:cNvSpPr>
+            <a:spLocks noGrp="1" noRot="1" noChangeAspect="1"/>
+          </p:cNvSpPr>
+          <p:nvPr>
+            <p:ph type="sldImg"/>
+          </p:nvPr>
+        </p:nvSpPr>
+        <p:spPr/>
+      </p:sp>
+      <p:sp>
+        <p:nvSpPr>
+          <p:cNvPr id="3" name="备注占位符 2"/>
+          <p:cNvSpPr>
+            <a:spLocks noGrp="1"/>
+          </p:cNvSpPr>
+          <p:nvPr>
+            <p:ph type="body" idx="1"/>
+          </p:nvPr>
+        </p:nvSpPr>
+        <p:spPr/>
+        <p:txBody>
+          <a:bodyPr/>
+          <a:lstStyle/>
+          <a:p>
+            <a:endParaRPr lang="zh-CN" altLang="en-US" dirty="0"/>
+          </a:p>
+        </p:txBody>
+      </p:sp>
+      <p:sp>
+        <p:nvSpPr>
+          <p:cNvPr id="4" name="灯片编号占位符 3"/>
+          <p:cNvSpPr>
+            <a:spLocks noGrp="1"/>
+          </p:cNvSpPr>
+          <p:nvPr>
+            <p:ph type="sldNum" sz="quarter" idx="5"/>
+          </p:nvPr>
+        </p:nvSpPr>
+        <p:spPr/>
+        <p:txBody>
+          <a:bodyPr/>
+          <a:lstStyle/>
+          <a:p>
+            <a:fld id="{E39FA662-60CA-45D5-8BB1-0A7D21FB8FF0}" type="slidenum">
+              <a:rPr lang="zh-CN" altLang="en-US" smtClean="0"/>
+              <a:t>19</a:t>
             </a:fld>
             <a:endParaRPr lang="zh-CN" altLang="en-US"/>
           </a:p>
@@ -7618,45 +7906,45 @@
           </a:p>
         </p:txBody>
       </p:sp>
-      <p:sp>
-        <p:nvSpPr>
-          <p:cNvPr id="2" name="文本框 1">
-            <a:extLst>
-              <a:ext uri="{FF2B5EF4-FFF2-40B4-BE49-F238E27FC236}">
-                <a16:creationId xmlns:a16="http://schemas.microsoft.com/office/drawing/2014/main" id="{9DABE206-02D2-83C2-ED3E-13CEF56AE168}"/>
-              </a:ext>
-            </a:extLst>
-          </p:cNvPr>
-          <p:cNvSpPr txBox="1"/>
+      <p:pic>
+        <p:nvPicPr>
+          <p:cNvPr id="4" name="图片 3">
+            <a:extLst>
+              <a:ext uri="{FF2B5EF4-FFF2-40B4-BE49-F238E27FC236}">
+                <a16:creationId xmlns:a16="http://schemas.microsoft.com/office/drawing/2014/main" id="{8C0F6751-D50D-4A6C-081C-2432B28BD878}"/>
+              </a:ext>
+            </a:extLst>
+          </p:cNvPr>
+          <p:cNvPicPr>
+            <a:picLocks noChangeAspect="1"/>
+          </p:cNvPicPr>
           <p:nvPr/>
-        </p:nvSpPr>
+        </p:nvPicPr>
+        <p:blipFill rotWithShape="1">
+          <a:blip r:embed="rId3">
+            <a:extLst>
+              <a:ext uri="{28A0092B-C50C-407E-A947-70E740481C1C}">
+                <a14:useLocalDpi xmlns:a14="http://schemas.microsoft.com/office/drawing/2010/main" val="0"/>
+              </a:ext>
+            </a:extLst>
+          </a:blip>
+          <a:srcRect t="6984" r="-1852" b="8254"/>
+          <a:stretch/>
+        </p:blipFill>
         <p:spPr>
           <a:xfrm>
-            <a:off x="3331029" y="1190171"/>
-            <a:ext cx="7416800" cy="369332"/>
+            <a:off x="5094676" y="522513"/>
+            <a:ext cx="6985000" cy="5812973"/>
           </a:xfrm>
           <a:prstGeom prst="rect">
             <a:avLst/>
           </a:prstGeom>
-          <a:noFill/>
         </p:spPr>
-        <p:txBody>
-          <a:bodyPr wrap="square" rtlCol="0">
-            <a:spAutoFit/>
-          </a:bodyPr>
-          <a:lstStyle/>
-          <a:p>
-            <a:r>
-              <a:rPr lang="zh-CN" altLang="en-US" dirty="0"/>
-              <a:t>插入结果图</a:t>
-            </a:r>
-          </a:p>
-        </p:txBody>
-      </p:sp>
+      </p:pic>
     </p:spTree>
     <p:extLst>
       <p:ext uri="{BB962C8B-B14F-4D97-AF65-F5344CB8AC3E}">
-        <p14:creationId xmlns:p14="http://schemas.microsoft.com/office/powerpoint/2010/main" val="2166693863"/>
+        <p14:creationId xmlns:p14="http://schemas.microsoft.com/office/powerpoint/2010/main" val="3771532472"/>
       </p:ext>
     </p:extLst>
   </p:cSld>
@@ -7698,7 +7986,7 @@
         <p:spPr>
           <a:xfrm>
             <a:off x="609599" y="106251"/>
-            <a:ext cx="7673267" cy="461665"/>
+            <a:ext cx="5382827" cy="461665"/>
           </a:xfrm>
           <a:prstGeom prst="rect">
             <a:avLst/>
@@ -7723,7 +8011,7 @@
           <a:p>
             <a:r>
               <a:rPr lang="en-US" altLang="zh-CN" dirty="0"/>
-              <a:t>Work_4: </a:t>
+              <a:t>Work_3: </a:t>
             </a:r>
             <a:r>
               <a:rPr lang="en-US" altLang="zh-CN" sz="1400" dirty="0"/>
@@ -7735,182 +8023,804 @@
             </a:r>
             <a:r>
               <a:rPr lang="en-US" altLang="zh-CN" sz="1400" dirty="0"/>
-              <a:t>Laplace Noise and Normal Noise added by Neurokit2 </a:t>
-            </a:r>
-          </a:p>
-        </p:txBody>
-      </p:sp>
-      <p:pic>
-        <p:nvPicPr>
-          <p:cNvPr id="5" name="图片 4">
-            <a:extLst>
-              <a:ext uri="{FF2B5EF4-FFF2-40B4-BE49-F238E27FC236}">
-                <a16:creationId xmlns:a16="http://schemas.microsoft.com/office/drawing/2014/main" id="{A16D361E-EF19-ADB4-B8B0-16B162347AD7}"/>
-              </a:ext>
-            </a:extLst>
-          </p:cNvPr>
-          <p:cNvPicPr>
-            <a:picLocks noChangeAspect="1"/>
-          </p:cNvPicPr>
-          <p:nvPr/>
-        </p:nvPicPr>
-        <p:blipFill rotWithShape="1">
-          <a:blip r:embed="rId3">
-            <a:extLst>
-              <a:ext uri="{28A0092B-C50C-407E-A947-70E740481C1C}">
-                <a14:useLocalDpi xmlns:a14="http://schemas.microsoft.com/office/drawing/2010/main" val="0"/>
-              </a:ext>
-            </a:extLst>
-          </a:blip>
-          <a:srcRect l="7339" r="8329"/>
-          <a:stretch/>
-        </p:blipFill>
-        <p:spPr>
-          <a:xfrm>
-            <a:off x="0" y="1828800"/>
-            <a:ext cx="5610687" cy="3961660"/>
-          </a:xfrm>
-          <a:prstGeom prst="rect">
-            <a:avLst/>
-          </a:prstGeom>
-        </p:spPr>
-      </p:pic>
-      <p:pic>
-        <p:nvPicPr>
-          <p:cNvPr id="7" name="图片 6">
-            <a:extLst>
-              <a:ext uri="{FF2B5EF4-FFF2-40B4-BE49-F238E27FC236}">
-                <a16:creationId xmlns:a16="http://schemas.microsoft.com/office/drawing/2014/main" id="{CD2F8546-A6CD-ED66-0BA1-E79558222E47}"/>
-              </a:ext>
-            </a:extLst>
-          </p:cNvPr>
-          <p:cNvPicPr>
-            <a:picLocks noChangeAspect="1"/>
-          </p:cNvPicPr>
-          <p:nvPr/>
-        </p:nvPicPr>
-        <p:blipFill>
-          <a:blip r:embed="rId4">
-            <a:extLst>
-              <a:ext uri="{28A0092B-C50C-407E-A947-70E740481C1C}">
-                <a14:useLocalDpi xmlns:a14="http://schemas.microsoft.com/office/drawing/2010/main" val="0"/>
-              </a:ext>
-            </a:extLst>
-          </a:blip>
-          <a:stretch>
-            <a:fillRect/>
-          </a:stretch>
-        </p:blipFill>
-        <p:spPr>
-          <a:xfrm>
-            <a:off x="5589233" y="1828800"/>
-            <a:ext cx="6602767" cy="3961660"/>
-          </a:xfrm>
-          <a:prstGeom prst="rect">
-            <a:avLst/>
-          </a:prstGeom>
-        </p:spPr>
-      </p:pic>
-      <p:sp>
-        <p:nvSpPr>
-          <p:cNvPr id="2" name="文本框 1">
-            <a:extLst>
-              <a:ext uri="{FF2B5EF4-FFF2-40B4-BE49-F238E27FC236}">
-                <a16:creationId xmlns:a16="http://schemas.microsoft.com/office/drawing/2014/main" id="{CF7C3A1E-2AC0-475B-40AE-496FF548F0C1}"/>
-              </a:ext>
-            </a:extLst>
-          </p:cNvPr>
-          <p:cNvSpPr txBox="1"/>
-          <p:nvPr/>
-        </p:nvSpPr>
-        <p:spPr>
-          <a:xfrm>
-            <a:off x="101600" y="5708133"/>
-            <a:ext cx="6262914" cy="646331"/>
-          </a:xfrm>
-          <a:prstGeom prst="rect">
-            <a:avLst/>
-          </a:prstGeom>
-          <a:noFill/>
-        </p:spPr>
-        <p:txBody>
-          <a:bodyPr wrap="square" rtlCol="0">
-            <a:spAutoFit/>
-          </a:bodyPr>
-          <a:lstStyle/>
-          <a:p>
-            <a:r>
-              <a:rPr lang="en-US" altLang="zh-CN" dirty="0" err="1"/>
-              <a:t>Noisy_Signal</a:t>
-            </a:r>
-            <a:r>
-              <a:rPr lang="en-US" altLang="zh-CN" dirty="0"/>
-              <a:t> = </a:t>
-            </a:r>
-            <a:r>
-              <a:rPr lang="en-US" altLang="zh-CN" dirty="0" err="1"/>
-              <a:t>Clean_Signal</a:t>
-            </a:r>
-            <a:r>
-              <a:rPr lang="en-US" altLang="zh-CN" dirty="0"/>
-              <a:t> + </a:t>
-            </a:r>
-            <a:r>
-              <a:rPr lang="en-US" altLang="zh-CN" dirty="0" err="1"/>
-              <a:t>np.random.normal</a:t>
-            </a:r>
-            <a:r>
-              <a:rPr lang="en-US" altLang="zh-CN" dirty="0"/>
-              <a:t>()</a:t>
-            </a:r>
-          </a:p>
-          <a:p>
-            <a:r>
-              <a:rPr lang="en-US" altLang="zh-CN" dirty="0"/>
-              <a:t>Noise is added to all frequency.</a:t>
-            </a:r>
-          </a:p>
-        </p:txBody>
-      </p:sp>
-      <p:sp>
-        <p:nvSpPr>
-          <p:cNvPr id="3" name="文本框 2">
-            <a:extLst>
-              <a:ext uri="{FF2B5EF4-FFF2-40B4-BE49-F238E27FC236}">
-                <a16:creationId xmlns:a16="http://schemas.microsoft.com/office/drawing/2014/main" id="{99199C39-ECFB-1874-E11B-D924FC5A9C24}"/>
-              </a:ext>
-            </a:extLst>
-          </p:cNvPr>
-          <p:cNvSpPr txBox="1"/>
-          <p:nvPr/>
-        </p:nvSpPr>
-        <p:spPr>
-          <a:xfrm>
-            <a:off x="101600" y="1397390"/>
-            <a:ext cx="6262914" cy="646331"/>
-          </a:xfrm>
-          <a:prstGeom prst="rect">
-            <a:avLst/>
-          </a:prstGeom>
-          <a:noFill/>
-        </p:spPr>
-        <p:txBody>
-          <a:bodyPr wrap="square" rtlCol="0">
-            <a:spAutoFit/>
-          </a:bodyPr>
-          <a:lstStyle/>
-          <a:p>
-            <a:r>
-              <a:rPr lang="en-US" altLang="zh-CN" dirty="0"/>
-              <a:t>Normal Noise added by NeuroKit2 is in low frequency</a:t>
-            </a:r>
-          </a:p>
-        </p:txBody>
-      </p:sp>
+              <a:t>Normal</a:t>
+            </a:r>
+            <a:r>
+              <a:rPr lang="zh-CN" altLang="en-US" sz="1400" dirty="0"/>
+              <a:t> </a:t>
+            </a:r>
+            <a:r>
+              <a:rPr lang="en-US" altLang="zh-CN" sz="1400" dirty="0"/>
+              <a:t>Nosie</a:t>
+            </a:r>
+            <a:r>
+              <a:rPr lang="zh-CN" altLang="en-US" sz="1400" dirty="0"/>
+              <a:t> </a:t>
+            </a:r>
+            <a:r>
+              <a:rPr lang="en-US" altLang="zh-CN" sz="1400" dirty="0"/>
+              <a:t>and respiratory</a:t>
+            </a:r>
+          </a:p>
+        </p:txBody>
+      </p:sp>
+      <p:graphicFrame>
+        <p:nvGraphicFramePr>
+          <p:cNvPr id="3" name="表格 3">
+            <a:extLst>
+              <a:ext uri="{FF2B5EF4-FFF2-40B4-BE49-F238E27FC236}">
+                <a16:creationId xmlns:a16="http://schemas.microsoft.com/office/drawing/2014/main" id="{F300836A-0B35-6A75-D36A-5D722D3DDE65}"/>
+              </a:ext>
+            </a:extLst>
+          </p:cNvPr>
+          <p:cNvGraphicFramePr>
+            <a:graphicFrameLocks noGrp="1"/>
+          </p:cNvGraphicFramePr>
+          <p:nvPr>
+            <p:extLst>
+              <p:ext uri="{D42A27DB-BD31-4B8C-83A1-F6EECF244321}">
+                <p14:modId xmlns:p14="http://schemas.microsoft.com/office/powerpoint/2010/main" val="3582822095"/>
+              </p:ext>
+            </p:extLst>
+          </p:nvPr>
+        </p:nvGraphicFramePr>
+        <p:xfrm>
+          <a:off x="1322455" y="1004752"/>
+          <a:ext cx="9339942" cy="4079240"/>
+        </p:xfrm>
+        <a:graphic>
+          <a:graphicData uri="http://schemas.openxmlformats.org/drawingml/2006/table">
+            <a:tbl>
+              <a:tblPr firstRow="1" bandRow="1">
+                <a:tableStyleId>{5C22544A-7EE6-4342-B048-85BDC9FD1C3A}</a:tableStyleId>
+              </a:tblPr>
+              <a:tblGrid>
+                <a:gridCol w="3113314">
+                  <a:extLst>
+                    <a:ext uri="{9D8B030D-6E8A-4147-A177-3AD203B41FA5}">
+                      <a16:colId xmlns:a16="http://schemas.microsoft.com/office/drawing/2014/main" val="3090301889"/>
+                    </a:ext>
+                  </a:extLst>
+                </a:gridCol>
+                <a:gridCol w="3113314">
+                  <a:extLst>
+                    <a:ext uri="{9D8B030D-6E8A-4147-A177-3AD203B41FA5}">
+                      <a16:colId xmlns:a16="http://schemas.microsoft.com/office/drawing/2014/main" val="753851221"/>
+                    </a:ext>
+                  </a:extLst>
+                </a:gridCol>
+                <a:gridCol w="3113314">
+                  <a:extLst>
+                    <a:ext uri="{9D8B030D-6E8A-4147-A177-3AD203B41FA5}">
+                      <a16:colId xmlns:a16="http://schemas.microsoft.com/office/drawing/2014/main" val="2611627360"/>
+                    </a:ext>
+                  </a:extLst>
+                </a:gridCol>
+              </a:tblGrid>
+              <a:tr h="370840">
+                <a:tc>
+                  <a:txBody>
+                    <a:bodyPr/>
+                    <a:lstStyle/>
+                    <a:p>
+                      <a:pPr algn="ctr"/>
+                      <a:r>
+                        <a:rPr lang="en-US" altLang="zh-CN" dirty="0"/>
+                        <a:t>Noise Level</a:t>
+                      </a:r>
+                      <a:endParaRPr lang="zh-CN" altLang="en-US" dirty="0"/>
+                    </a:p>
+                  </a:txBody>
+                  <a:tcPr/>
+                </a:tc>
+                <a:tc>
+                  <a:txBody>
+                    <a:bodyPr/>
+                    <a:lstStyle/>
+                    <a:p>
+                      <a:pPr algn="ctr"/>
+                      <a:r>
+                        <a:rPr lang="en-US" altLang="zh-CN" dirty="0"/>
+                        <a:t>S</a:t>
+                      </a:r>
+                      <a:endParaRPr lang="zh-CN" altLang="en-US" dirty="0"/>
+                    </a:p>
+                  </a:txBody>
+                  <a:tcPr/>
+                </a:tc>
+                <a:tc>
+                  <a:txBody>
+                    <a:bodyPr/>
+                    <a:lstStyle/>
+                    <a:p>
+                      <a:pPr algn="ctr"/>
+                      <a:r>
+                        <a:rPr lang="en-US" altLang="zh-CN" dirty="0"/>
+                        <a:t>D</a:t>
+                      </a:r>
+                      <a:endParaRPr lang="zh-CN" altLang="en-US" dirty="0"/>
+                    </a:p>
+                  </a:txBody>
+                  <a:tcPr/>
+                </a:tc>
+                <a:extLst>
+                  <a:ext uri="{0D108BD9-81ED-4DB2-BD59-A6C34878D82A}">
+                    <a16:rowId xmlns:a16="http://schemas.microsoft.com/office/drawing/2014/main" val="966896751"/>
+                  </a:ext>
+                </a:extLst>
+              </a:tr>
+              <a:tr h="370840">
+                <a:tc>
+                  <a:txBody>
+                    <a:bodyPr/>
+                    <a:lstStyle/>
+                    <a:p>
+                      <a:pPr algn="ctr"/>
+                      <a:r>
+                        <a:rPr lang="en-US" altLang="zh-CN" dirty="0"/>
+                        <a:t>Normal(mean=0, std=0.1)</a:t>
+                      </a:r>
+                      <a:endParaRPr lang="zh-CN" altLang="en-US" dirty="0"/>
+                    </a:p>
+                  </a:txBody>
+                  <a:tcPr/>
+                </a:tc>
+                <a:tc>
+                  <a:txBody>
+                    <a:bodyPr/>
+                    <a:lstStyle/>
+                    <a:p>
+                      <a:pPr algn="ctr"/>
+                      <a:r>
+                        <a:rPr lang="en-US" altLang="zh-CN" dirty="0"/>
+                        <a:t>0.95</a:t>
+                      </a:r>
+                      <a:endParaRPr lang="zh-CN" altLang="en-US" dirty="0"/>
+                    </a:p>
+                  </a:txBody>
+                  <a:tcPr/>
+                </a:tc>
+                <a:tc>
+                  <a:txBody>
+                    <a:bodyPr/>
+                    <a:lstStyle/>
+                    <a:p>
+                      <a:pPr algn="ctr"/>
+                      <a:r>
+                        <a:rPr lang="en-US" altLang="zh-CN" dirty="0"/>
+                        <a:t>3.50</a:t>
+                      </a:r>
+                      <a:endParaRPr lang="zh-CN" altLang="en-US" dirty="0"/>
+                    </a:p>
+                  </a:txBody>
+                  <a:tcPr/>
+                </a:tc>
+                <a:extLst>
+                  <a:ext uri="{0D108BD9-81ED-4DB2-BD59-A6C34878D82A}">
+                    <a16:rowId xmlns:a16="http://schemas.microsoft.com/office/drawing/2014/main" val="866563778"/>
+                  </a:ext>
+                </a:extLst>
+              </a:tr>
+              <a:tr h="370840">
+                <a:tc>
+                  <a:txBody>
+                    <a:bodyPr/>
+                    <a:lstStyle/>
+                    <a:p>
+                      <a:pPr marL="0" marR="0" lvl="0" indent="0" algn="ctr" defTabSz="914400" rtl="0" eaLnBrk="1" fontAlgn="auto" latinLnBrk="0" hangingPunct="1">
+                        <a:lnSpc>
+                          <a:spcPct val="100000"/>
+                        </a:lnSpc>
+                        <a:spcBef>
+                          <a:spcPts val="0"/>
+                        </a:spcBef>
+                        <a:spcAft>
+                          <a:spcPts val="0"/>
+                        </a:spcAft>
+                        <a:buClrTx/>
+                        <a:buSzTx/>
+                        <a:buFontTx/>
+                        <a:buNone/>
+                        <a:tabLst/>
+                        <a:defRPr/>
+                      </a:pPr>
+                      <a:r>
+                        <a:rPr lang="en-US" altLang="zh-CN" dirty="0"/>
+                        <a:t>Normal(mean=0, std=0.2)</a:t>
+                      </a:r>
+                      <a:endParaRPr lang="zh-CN" altLang="en-US" dirty="0"/>
+                    </a:p>
+                  </a:txBody>
+                  <a:tcPr/>
+                </a:tc>
+                <a:tc>
+                  <a:txBody>
+                    <a:bodyPr/>
+                    <a:lstStyle/>
+                    <a:p>
+                      <a:pPr algn="ctr"/>
+                      <a:r>
+                        <a:rPr lang="en-US" altLang="zh-CN" dirty="0"/>
+                        <a:t>0.95</a:t>
+                      </a:r>
+                      <a:endParaRPr lang="zh-CN" altLang="en-US" dirty="0"/>
+                    </a:p>
+                  </a:txBody>
+                  <a:tcPr/>
+                </a:tc>
+                <a:tc>
+                  <a:txBody>
+                    <a:bodyPr/>
+                    <a:lstStyle/>
+                    <a:p>
+                      <a:pPr algn="ctr"/>
+                      <a:r>
+                        <a:rPr lang="en-US" altLang="zh-CN" dirty="0"/>
+                        <a:t>3.73</a:t>
+                      </a:r>
+                      <a:endParaRPr lang="zh-CN" altLang="en-US" dirty="0"/>
+                    </a:p>
+                  </a:txBody>
+                  <a:tcPr/>
+                </a:tc>
+                <a:extLst>
+                  <a:ext uri="{0D108BD9-81ED-4DB2-BD59-A6C34878D82A}">
+                    <a16:rowId xmlns:a16="http://schemas.microsoft.com/office/drawing/2014/main" val="1103206355"/>
+                  </a:ext>
+                </a:extLst>
+              </a:tr>
+              <a:tr h="370840">
+                <a:tc>
+                  <a:txBody>
+                    <a:bodyPr/>
+                    <a:lstStyle/>
+                    <a:p>
+                      <a:pPr marL="0" marR="0" lvl="0" indent="0" algn="ctr" defTabSz="914400" rtl="0" eaLnBrk="1" fontAlgn="auto" latinLnBrk="0" hangingPunct="1">
+                        <a:lnSpc>
+                          <a:spcPct val="100000"/>
+                        </a:lnSpc>
+                        <a:spcBef>
+                          <a:spcPts val="0"/>
+                        </a:spcBef>
+                        <a:spcAft>
+                          <a:spcPts val="0"/>
+                        </a:spcAft>
+                        <a:buClrTx/>
+                        <a:buSzTx/>
+                        <a:buFontTx/>
+                        <a:buNone/>
+                        <a:tabLst/>
+                        <a:defRPr/>
+                      </a:pPr>
+                      <a:r>
+                        <a:rPr lang="en-US" altLang="zh-CN" dirty="0"/>
+                        <a:t>Normal(mean=0, std=0.3)</a:t>
+                      </a:r>
+                      <a:endParaRPr lang="zh-CN" altLang="en-US" dirty="0"/>
+                    </a:p>
+                  </a:txBody>
+                  <a:tcPr/>
+                </a:tc>
+                <a:tc>
+                  <a:txBody>
+                    <a:bodyPr/>
+                    <a:lstStyle/>
+                    <a:p>
+                      <a:pPr algn="ctr"/>
+                      <a:r>
+                        <a:rPr lang="en-US" altLang="zh-CN" dirty="0"/>
+                        <a:t>0.91</a:t>
+                      </a:r>
+                      <a:endParaRPr lang="zh-CN" altLang="en-US" dirty="0"/>
+                    </a:p>
+                  </a:txBody>
+                  <a:tcPr/>
+                </a:tc>
+                <a:tc>
+                  <a:txBody>
+                    <a:bodyPr/>
+                    <a:lstStyle/>
+                    <a:p>
+                      <a:pPr algn="ctr"/>
+                      <a:r>
+                        <a:rPr lang="en-US" altLang="zh-CN" dirty="0"/>
+                        <a:t>4.02</a:t>
+                      </a:r>
+                      <a:endParaRPr lang="zh-CN" altLang="en-US" dirty="0"/>
+                    </a:p>
+                  </a:txBody>
+                  <a:tcPr/>
+                </a:tc>
+                <a:extLst>
+                  <a:ext uri="{0D108BD9-81ED-4DB2-BD59-A6C34878D82A}">
+                    <a16:rowId xmlns:a16="http://schemas.microsoft.com/office/drawing/2014/main" val="3590990931"/>
+                  </a:ext>
+                </a:extLst>
+              </a:tr>
+              <a:tr h="370840">
+                <a:tc>
+                  <a:txBody>
+                    <a:bodyPr/>
+                    <a:lstStyle/>
+                    <a:p>
+                      <a:pPr marL="0" marR="0" lvl="0" indent="0" algn="ctr" defTabSz="914400" rtl="0" eaLnBrk="1" fontAlgn="auto" latinLnBrk="0" hangingPunct="1">
+                        <a:lnSpc>
+                          <a:spcPct val="100000"/>
+                        </a:lnSpc>
+                        <a:spcBef>
+                          <a:spcPts val="0"/>
+                        </a:spcBef>
+                        <a:spcAft>
+                          <a:spcPts val="0"/>
+                        </a:spcAft>
+                        <a:buClrTx/>
+                        <a:buSzTx/>
+                        <a:buFontTx/>
+                        <a:buNone/>
+                        <a:tabLst/>
+                        <a:defRPr/>
+                      </a:pPr>
+                      <a:r>
+                        <a:rPr lang="en-US" altLang="zh-CN" dirty="0"/>
+                        <a:t>Normal(mean=0, std=0.4)</a:t>
+                      </a:r>
+                      <a:endParaRPr lang="zh-CN" altLang="en-US" dirty="0"/>
+                    </a:p>
+                  </a:txBody>
+                  <a:tcPr/>
+                </a:tc>
+                <a:tc>
+                  <a:txBody>
+                    <a:bodyPr/>
+                    <a:lstStyle/>
+                    <a:p>
+                      <a:pPr algn="ctr"/>
+                      <a:r>
+                        <a:rPr lang="en-US" altLang="zh-CN" dirty="0"/>
+                        <a:t>1.02</a:t>
+                      </a:r>
+                      <a:endParaRPr lang="zh-CN" altLang="en-US" dirty="0"/>
+                    </a:p>
+                  </a:txBody>
+                  <a:tcPr/>
+                </a:tc>
+                <a:tc>
+                  <a:txBody>
+                    <a:bodyPr/>
+                    <a:lstStyle/>
+                    <a:p>
+                      <a:pPr algn="ctr"/>
+                      <a:r>
+                        <a:rPr lang="en-US" altLang="zh-CN" dirty="0"/>
+                        <a:t>4.31</a:t>
+                      </a:r>
+                      <a:endParaRPr lang="zh-CN" altLang="en-US" dirty="0"/>
+                    </a:p>
+                  </a:txBody>
+                  <a:tcPr/>
+                </a:tc>
+                <a:extLst>
+                  <a:ext uri="{0D108BD9-81ED-4DB2-BD59-A6C34878D82A}">
+                    <a16:rowId xmlns:a16="http://schemas.microsoft.com/office/drawing/2014/main" val="398109962"/>
+                  </a:ext>
+                </a:extLst>
+              </a:tr>
+              <a:tr h="370840">
+                <a:tc>
+                  <a:txBody>
+                    <a:bodyPr/>
+                    <a:lstStyle/>
+                    <a:p>
+                      <a:pPr marL="0" marR="0" lvl="0" indent="0" algn="ctr" defTabSz="914400" rtl="0" eaLnBrk="1" fontAlgn="auto" latinLnBrk="0" hangingPunct="1">
+                        <a:lnSpc>
+                          <a:spcPct val="100000"/>
+                        </a:lnSpc>
+                        <a:spcBef>
+                          <a:spcPts val="0"/>
+                        </a:spcBef>
+                        <a:spcAft>
+                          <a:spcPts val="0"/>
+                        </a:spcAft>
+                        <a:buClrTx/>
+                        <a:buSzTx/>
+                        <a:buFontTx/>
+                        <a:buNone/>
+                        <a:tabLst/>
+                        <a:defRPr/>
+                      </a:pPr>
+                      <a:r>
+                        <a:rPr lang="en-US" altLang="zh-CN" dirty="0"/>
+                        <a:t>Normal(mean=0, std=0.5)</a:t>
+                      </a:r>
+                      <a:endParaRPr lang="zh-CN" altLang="en-US" dirty="0"/>
+                    </a:p>
+                  </a:txBody>
+                  <a:tcPr/>
+                </a:tc>
+                <a:tc>
+                  <a:txBody>
+                    <a:bodyPr/>
+                    <a:lstStyle/>
+                    <a:p>
+                      <a:pPr algn="ctr"/>
+                      <a:r>
+                        <a:rPr lang="en-US" altLang="zh-CN" dirty="0"/>
+                        <a:t>1.06</a:t>
+                      </a:r>
+                      <a:endParaRPr lang="zh-CN" altLang="en-US" dirty="0"/>
+                    </a:p>
+                  </a:txBody>
+                  <a:tcPr/>
+                </a:tc>
+                <a:tc>
+                  <a:txBody>
+                    <a:bodyPr/>
+                    <a:lstStyle/>
+                    <a:p>
+                      <a:pPr algn="ctr"/>
+                      <a:r>
+                        <a:rPr lang="en-US" altLang="zh-CN" dirty="0"/>
+                        <a:t>4.70</a:t>
+                      </a:r>
+                      <a:endParaRPr lang="zh-CN" altLang="en-US" dirty="0"/>
+                    </a:p>
+                  </a:txBody>
+                  <a:tcPr/>
+                </a:tc>
+                <a:extLst>
+                  <a:ext uri="{0D108BD9-81ED-4DB2-BD59-A6C34878D82A}">
+                    <a16:rowId xmlns:a16="http://schemas.microsoft.com/office/drawing/2014/main" val="365584516"/>
+                  </a:ext>
+                </a:extLst>
+              </a:tr>
+              <a:tr h="370840">
+                <a:tc>
+                  <a:txBody>
+                    <a:bodyPr/>
+                    <a:lstStyle/>
+                    <a:p>
+                      <a:pPr marL="0" marR="0" lvl="0" indent="0" algn="ctr" defTabSz="914400" rtl="0" eaLnBrk="1" fontAlgn="auto" latinLnBrk="0" hangingPunct="1">
+                        <a:lnSpc>
+                          <a:spcPct val="100000"/>
+                        </a:lnSpc>
+                        <a:spcBef>
+                          <a:spcPts val="0"/>
+                        </a:spcBef>
+                        <a:spcAft>
+                          <a:spcPts val="0"/>
+                        </a:spcAft>
+                        <a:buClrTx/>
+                        <a:buSzTx/>
+                        <a:buFontTx/>
+                        <a:buNone/>
+                        <a:tabLst/>
+                        <a:defRPr/>
+                      </a:pPr>
+                      <a:r>
+                        <a:rPr lang="en-US" altLang="zh-CN" dirty="0"/>
+                        <a:t>Normal(mean=0, std=0.6)</a:t>
+                      </a:r>
+                      <a:endParaRPr lang="zh-CN" altLang="en-US" dirty="0"/>
+                    </a:p>
+                  </a:txBody>
+                  <a:tcPr/>
+                </a:tc>
+                <a:tc>
+                  <a:txBody>
+                    <a:bodyPr/>
+                    <a:lstStyle/>
+                    <a:p>
+                      <a:pPr algn="ctr"/>
+                      <a:r>
+                        <a:rPr lang="en-US" altLang="zh-CN" dirty="0"/>
+                        <a:t>1.06</a:t>
+                      </a:r>
+                      <a:endParaRPr lang="zh-CN" altLang="en-US" dirty="0"/>
+                    </a:p>
+                  </a:txBody>
+                  <a:tcPr/>
+                </a:tc>
+                <a:tc>
+                  <a:txBody>
+                    <a:bodyPr/>
+                    <a:lstStyle/>
+                    <a:p>
+                      <a:pPr algn="ctr"/>
+                      <a:r>
+                        <a:rPr lang="en-US" altLang="zh-CN" dirty="0"/>
+                        <a:t>5.13</a:t>
+                      </a:r>
+                      <a:endParaRPr lang="zh-CN" altLang="en-US" dirty="0"/>
+                    </a:p>
+                  </a:txBody>
+                  <a:tcPr/>
+                </a:tc>
+                <a:extLst>
+                  <a:ext uri="{0D108BD9-81ED-4DB2-BD59-A6C34878D82A}">
+                    <a16:rowId xmlns:a16="http://schemas.microsoft.com/office/drawing/2014/main" val="2588595904"/>
+                  </a:ext>
+                </a:extLst>
+              </a:tr>
+              <a:tr h="370840">
+                <a:tc>
+                  <a:txBody>
+                    <a:bodyPr/>
+                    <a:lstStyle/>
+                    <a:p>
+                      <a:pPr marL="0" marR="0" lvl="0" indent="0" algn="ctr" defTabSz="914400" rtl="0" eaLnBrk="1" fontAlgn="auto" latinLnBrk="0" hangingPunct="1">
+                        <a:lnSpc>
+                          <a:spcPct val="100000"/>
+                        </a:lnSpc>
+                        <a:spcBef>
+                          <a:spcPts val="0"/>
+                        </a:spcBef>
+                        <a:spcAft>
+                          <a:spcPts val="0"/>
+                        </a:spcAft>
+                        <a:buClrTx/>
+                        <a:buSzTx/>
+                        <a:buFontTx/>
+                        <a:buNone/>
+                        <a:tabLst/>
+                        <a:defRPr/>
+                      </a:pPr>
+                      <a:r>
+                        <a:rPr lang="en-US" altLang="zh-CN" dirty="0"/>
+                        <a:t>Normal(mean=0, std=0.7)</a:t>
+                      </a:r>
+                      <a:endParaRPr lang="zh-CN" altLang="en-US" dirty="0"/>
+                    </a:p>
+                  </a:txBody>
+                  <a:tcPr/>
+                </a:tc>
+                <a:tc>
+                  <a:txBody>
+                    <a:bodyPr/>
+                    <a:lstStyle/>
+                    <a:p>
+                      <a:pPr algn="ctr"/>
+                      <a:r>
+                        <a:rPr lang="en-US" altLang="zh-CN" dirty="0"/>
+                        <a:t>1.02</a:t>
+                      </a:r>
+                      <a:endParaRPr lang="zh-CN" altLang="en-US" dirty="0"/>
+                    </a:p>
+                  </a:txBody>
+                  <a:tcPr/>
+                </a:tc>
+                <a:tc>
+                  <a:txBody>
+                    <a:bodyPr/>
+                    <a:lstStyle/>
+                    <a:p>
+                      <a:pPr algn="ctr"/>
+                      <a:r>
+                        <a:rPr lang="en-US" altLang="zh-CN" dirty="0"/>
+                        <a:t>5.56</a:t>
+                      </a:r>
+                      <a:endParaRPr lang="zh-CN" altLang="en-US" dirty="0"/>
+                    </a:p>
+                  </a:txBody>
+                  <a:tcPr/>
+                </a:tc>
+                <a:extLst>
+                  <a:ext uri="{0D108BD9-81ED-4DB2-BD59-A6C34878D82A}">
+                    <a16:rowId xmlns:a16="http://schemas.microsoft.com/office/drawing/2014/main" val="2164840801"/>
+                  </a:ext>
+                </a:extLst>
+              </a:tr>
+              <a:tr h="370840">
+                <a:tc>
+                  <a:txBody>
+                    <a:bodyPr/>
+                    <a:lstStyle/>
+                    <a:p>
+                      <a:pPr marL="0" marR="0" lvl="0" indent="0" algn="ctr" defTabSz="914400" rtl="0" eaLnBrk="1" fontAlgn="auto" latinLnBrk="0" hangingPunct="1">
+                        <a:lnSpc>
+                          <a:spcPct val="100000"/>
+                        </a:lnSpc>
+                        <a:spcBef>
+                          <a:spcPts val="0"/>
+                        </a:spcBef>
+                        <a:spcAft>
+                          <a:spcPts val="0"/>
+                        </a:spcAft>
+                        <a:buClrTx/>
+                        <a:buSzTx/>
+                        <a:buFontTx/>
+                        <a:buNone/>
+                        <a:tabLst/>
+                        <a:defRPr/>
+                      </a:pPr>
+                      <a:r>
+                        <a:rPr lang="en-US" altLang="zh-CN" dirty="0"/>
+                        <a:t>Normal(mean=0, std=0.8)</a:t>
+                      </a:r>
+                      <a:endParaRPr lang="zh-CN" altLang="en-US" dirty="0"/>
+                    </a:p>
+                  </a:txBody>
+                  <a:tcPr/>
+                </a:tc>
+                <a:tc>
+                  <a:txBody>
+                    <a:bodyPr/>
+                    <a:lstStyle/>
+                    <a:p>
+                      <a:pPr algn="ctr"/>
+                      <a:r>
+                        <a:rPr lang="en-US" altLang="zh-CN" dirty="0"/>
+                        <a:t>1.12</a:t>
+                      </a:r>
+                      <a:endParaRPr lang="zh-CN" altLang="en-US" dirty="0"/>
+                    </a:p>
+                  </a:txBody>
+                  <a:tcPr/>
+                </a:tc>
+                <a:tc>
+                  <a:txBody>
+                    <a:bodyPr/>
+                    <a:lstStyle/>
+                    <a:p>
+                      <a:pPr algn="ctr"/>
+                      <a:r>
+                        <a:rPr lang="en-US" altLang="zh-CN" dirty="0"/>
+                        <a:t>6.03</a:t>
+                      </a:r>
+                      <a:endParaRPr lang="zh-CN" altLang="en-US" dirty="0"/>
+                    </a:p>
+                  </a:txBody>
+                  <a:tcPr/>
+                </a:tc>
+                <a:extLst>
+                  <a:ext uri="{0D108BD9-81ED-4DB2-BD59-A6C34878D82A}">
+                    <a16:rowId xmlns:a16="http://schemas.microsoft.com/office/drawing/2014/main" val="355605787"/>
+                  </a:ext>
+                </a:extLst>
+              </a:tr>
+              <a:tr h="370840">
+                <a:tc>
+                  <a:txBody>
+                    <a:bodyPr/>
+                    <a:lstStyle/>
+                    <a:p>
+                      <a:pPr marL="0" marR="0" lvl="0" indent="0" algn="ctr" defTabSz="914400" rtl="0" eaLnBrk="1" fontAlgn="auto" latinLnBrk="0" hangingPunct="1">
+                        <a:lnSpc>
+                          <a:spcPct val="100000"/>
+                        </a:lnSpc>
+                        <a:spcBef>
+                          <a:spcPts val="0"/>
+                        </a:spcBef>
+                        <a:spcAft>
+                          <a:spcPts val="0"/>
+                        </a:spcAft>
+                        <a:buClrTx/>
+                        <a:buSzTx/>
+                        <a:buFontTx/>
+                        <a:buNone/>
+                        <a:tabLst/>
+                        <a:defRPr/>
+                      </a:pPr>
+                      <a:r>
+                        <a:rPr lang="en-US" altLang="zh-CN" dirty="0"/>
+                        <a:t>Normal(mean=0, std=0.9)</a:t>
+                      </a:r>
+                      <a:endParaRPr lang="zh-CN" altLang="en-US" dirty="0"/>
+                    </a:p>
+                  </a:txBody>
+                  <a:tcPr/>
+                </a:tc>
+                <a:tc>
+                  <a:txBody>
+                    <a:bodyPr/>
+                    <a:lstStyle/>
+                    <a:p>
+                      <a:pPr algn="ctr"/>
+                      <a:r>
+                        <a:rPr lang="en-US" altLang="zh-CN" dirty="0"/>
+                        <a:t>1.34</a:t>
+                      </a:r>
+                      <a:endParaRPr lang="zh-CN" altLang="en-US" dirty="0"/>
+                    </a:p>
+                  </a:txBody>
+                  <a:tcPr/>
+                </a:tc>
+                <a:tc>
+                  <a:txBody>
+                    <a:bodyPr/>
+                    <a:lstStyle/>
+                    <a:p>
+                      <a:pPr algn="ctr"/>
+                      <a:r>
+                        <a:rPr lang="en-US" altLang="zh-CN" dirty="0"/>
+                        <a:t>6.46</a:t>
+                      </a:r>
+                      <a:endParaRPr lang="zh-CN" altLang="en-US" dirty="0"/>
+                    </a:p>
+                  </a:txBody>
+                  <a:tcPr/>
+                </a:tc>
+                <a:extLst>
+                  <a:ext uri="{0D108BD9-81ED-4DB2-BD59-A6C34878D82A}">
+                    <a16:rowId xmlns:a16="http://schemas.microsoft.com/office/drawing/2014/main" val="2735412592"/>
+                  </a:ext>
+                </a:extLst>
+              </a:tr>
+              <a:tr h="370840">
+                <a:tc>
+                  <a:txBody>
+                    <a:bodyPr/>
+                    <a:lstStyle/>
+                    <a:p>
+                      <a:pPr marL="0" marR="0" lvl="0" indent="0" algn="ctr" defTabSz="914400" rtl="0" eaLnBrk="1" fontAlgn="auto" latinLnBrk="0" hangingPunct="1">
+                        <a:lnSpc>
+                          <a:spcPct val="100000"/>
+                        </a:lnSpc>
+                        <a:spcBef>
+                          <a:spcPts val="0"/>
+                        </a:spcBef>
+                        <a:spcAft>
+                          <a:spcPts val="0"/>
+                        </a:spcAft>
+                        <a:buClrTx/>
+                        <a:buSzTx/>
+                        <a:buFontTx/>
+                        <a:buNone/>
+                        <a:tabLst/>
+                        <a:defRPr/>
+                      </a:pPr>
+                      <a:r>
+                        <a:rPr lang="en-US" altLang="zh-CN" dirty="0"/>
+                        <a:t>Normal(mean=0, std=1.0)</a:t>
+                      </a:r>
+                      <a:endParaRPr lang="zh-CN" altLang="en-US" dirty="0"/>
+                    </a:p>
+                  </a:txBody>
+                  <a:tcPr/>
+                </a:tc>
+                <a:tc>
+                  <a:txBody>
+                    <a:bodyPr/>
+                    <a:lstStyle/>
+                    <a:p>
+                      <a:pPr algn="ctr"/>
+                      <a:r>
+                        <a:rPr lang="en-US" altLang="zh-CN" dirty="0"/>
+                        <a:t>1.34</a:t>
+                      </a:r>
+                      <a:endParaRPr lang="zh-CN" altLang="en-US" dirty="0"/>
+                    </a:p>
+                  </a:txBody>
+                  <a:tcPr/>
+                </a:tc>
+                <a:tc>
+                  <a:txBody>
+                    <a:bodyPr/>
+                    <a:lstStyle/>
+                    <a:p>
+                      <a:pPr algn="ctr"/>
+                      <a:r>
+                        <a:rPr lang="en-US" altLang="zh-CN" dirty="0"/>
+                        <a:t>6.55</a:t>
+                      </a:r>
+                      <a:endParaRPr lang="zh-CN" altLang="en-US" dirty="0"/>
+                    </a:p>
+                  </a:txBody>
+                  <a:tcPr/>
+                </a:tc>
+                <a:extLst>
+                  <a:ext uri="{0D108BD9-81ED-4DB2-BD59-A6C34878D82A}">
+                    <a16:rowId xmlns:a16="http://schemas.microsoft.com/office/drawing/2014/main" val="937959818"/>
+                  </a:ext>
+                </a:extLst>
+              </a:tr>
+            </a:tbl>
+          </a:graphicData>
+        </a:graphic>
+      </p:graphicFrame>
     </p:spTree>
     <p:extLst>
       <p:ext uri="{BB962C8B-B14F-4D97-AF65-F5344CB8AC3E}">
-        <p14:creationId xmlns:p14="http://schemas.microsoft.com/office/powerpoint/2010/main" val="3901107781"/>
+        <p14:creationId xmlns:p14="http://schemas.microsoft.com/office/powerpoint/2010/main" val="2166693863"/>
       </p:ext>
     </p:extLst>
   </p:cSld>
@@ -7994,6 +8904,138 @@
           </a:p>
         </p:txBody>
       </p:sp>
+      <p:pic>
+        <p:nvPicPr>
+          <p:cNvPr id="5" name="图片 4">
+            <a:extLst>
+              <a:ext uri="{FF2B5EF4-FFF2-40B4-BE49-F238E27FC236}">
+                <a16:creationId xmlns:a16="http://schemas.microsoft.com/office/drawing/2014/main" id="{A16D361E-EF19-ADB4-B8B0-16B162347AD7}"/>
+              </a:ext>
+            </a:extLst>
+          </p:cNvPr>
+          <p:cNvPicPr>
+            <a:picLocks noChangeAspect="1"/>
+          </p:cNvPicPr>
+          <p:nvPr/>
+        </p:nvPicPr>
+        <p:blipFill rotWithShape="1">
+          <a:blip r:embed="rId3">
+            <a:extLst>
+              <a:ext uri="{28A0092B-C50C-407E-A947-70E740481C1C}">
+                <a14:useLocalDpi xmlns:a14="http://schemas.microsoft.com/office/drawing/2010/main" val="0"/>
+              </a:ext>
+            </a:extLst>
+          </a:blip>
+          <a:srcRect l="7339" r="8329"/>
+          <a:stretch/>
+        </p:blipFill>
+        <p:spPr>
+          <a:xfrm>
+            <a:off x="0" y="1828800"/>
+            <a:ext cx="5610687" cy="3961660"/>
+          </a:xfrm>
+          <a:prstGeom prst="rect">
+            <a:avLst/>
+          </a:prstGeom>
+        </p:spPr>
+      </p:pic>
+      <p:pic>
+        <p:nvPicPr>
+          <p:cNvPr id="7" name="图片 6">
+            <a:extLst>
+              <a:ext uri="{FF2B5EF4-FFF2-40B4-BE49-F238E27FC236}">
+                <a16:creationId xmlns:a16="http://schemas.microsoft.com/office/drawing/2014/main" id="{CD2F8546-A6CD-ED66-0BA1-E79558222E47}"/>
+              </a:ext>
+            </a:extLst>
+          </p:cNvPr>
+          <p:cNvPicPr>
+            <a:picLocks noChangeAspect="1"/>
+          </p:cNvPicPr>
+          <p:nvPr/>
+        </p:nvPicPr>
+        <p:blipFill>
+          <a:blip r:embed="rId4">
+            <a:extLst>
+              <a:ext uri="{28A0092B-C50C-407E-A947-70E740481C1C}">
+                <a14:useLocalDpi xmlns:a14="http://schemas.microsoft.com/office/drawing/2010/main" val="0"/>
+              </a:ext>
+            </a:extLst>
+          </a:blip>
+          <a:stretch>
+            <a:fillRect/>
+          </a:stretch>
+        </p:blipFill>
+        <p:spPr>
+          <a:xfrm>
+            <a:off x="5589233" y="1828800"/>
+            <a:ext cx="6602767" cy="3961660"/>
+          </a:xfrm>
+          <a:prstGeom prst="rect">
+            <a:avLst/>
+          </a:prstGeom>
+        </p:spPr>
+      </p:pic>
+      <p:sp>
+        <p:nvSpPr>
+          <p:cNvPr id="2" name="文本框 1">
+            <a:extLst>
+              <a:ext uri="{FF2B5EF4-FFF2-40B4-BE49-F238E27FC236}">
+                <a16:creationId xmlns:a16="http://schemas.microsoft.com/office/drawing/2014/main" id="{CF7C3A1E-2AC0-475B-40AE-496FF548F0C1}"/>
+              </a:ext>
+            </a:extLst>
+          </p:cNvPr>
+          <p:cNvSpPr txBox="1"/>
+          <p:nvPr/>
+        </p:nvSpPr>
+        <p:spPr>
+          <a:xfrm>
+            <a:off x="101600" y="5708133"/>
+            <a:ext cx="6262914" cy="646331"/>
+          </a:xfrm>
+          <a:prstGeom prst="rect">
+            <a:avLst/>
+          </a:prstGeom>
+          <a:noFill/>
+        </p:spPr>
+        <p:txBody>
+          <a:bodyPr wrap="square" rtlCol="0">
+            <a:spAutoFit/>
+          </a:bodyPr>
+          <a:lstStyle/>
+          <a:p>
+            <a:r>
+              <a:rPr lang="en-US" altLang="zh-CN" dirty="0" err="1"/>
+              <a:t>Noisy_Signal</a:t>
+            </a:r>
+            <a:r>
+              <a:rPr lang="en-US" altLang="zh-CN" dirty="0"/>
+              <a:t> = </a:t>
+            </a:r>
+            <a:r>
+              <a:rPr lang="en-US" altLang="zh-CN" dirty="0" err="1"/>
+              <a:t>Clean_Signal</a:t>
+            </a:r>
+            <a:r>
+              <a:rPr lang="en-US" altLang="zh-CN" dirty="0"/>
+              <a:t> + </a:t>
+            </a:r>
+            <a:r>
+              <a:rPr lang="en-US" altLang="zh-CN" dirty="0" err="1"/>
+              <a:t>np.random.normal</a:t>
+            </a:r>
+            <a:r>
+              <a:rPr lang="en-US" altLang="zh-CN" dirty="0"/>
+              <a:t>()</a:t>
+            </a:r>
+          </a:p>
+          <a:p>
+            <a:r>
+              <a:rPr lang="en-US" altLang="zh-CN" dirty="0"/>
+              <a:t>Noise is added to all frequency.</a:t>
+            </a:r>
+          </a:p>
+        </p:txBody>
+      </p:sp>
       <p:sp>
         <p:nvSpPr>
           <p:cNvPr id="3" name="文本框 2">
@@ -8009,6 +9051,128 @@
         <p:spPr>
           <a:xfrm>
             <a:off x="101600" y="1397390"/>
+            <a:ext cx="6262914" cy="646331"/>
+          </a:xfrm>
+          <a:prstGeom prst="rect">
+            <a:avLst/>
+          </a:prstGeom>
+          <a:noFill/>
+        </p:spPr>
+        <p:txBody>
+          <a:bodyPr wrap="square" rtlCol="0">
+            <a:spAutoFit/>
+          </a:bodyPr>
+          <a:lstStyle/>
+          <a:p>
+            <a:r>
+              <a:rPr lang="en-US" altLang="zh-CN" dirty="0"/>
+              <a:t>Normal Noise added by NeuroKit2 is in low frequency</a:t>
+            </a:r>
+          </a:p>
+        </p:txBody>
+      </p:sp>
+    </p:spTree>
+    <p:extLst>
+      <p:ext uri="{BB962C8B-B14F-4D97-AF65-F5344CB8AC3E}">
+        <p14:creationId xmlns:p14="http://schemas.microsoft.com/office/powerpoint/2010/main" val="3901107781"/>
+      </p:ext>
+    </p:extLst>
+  </p:cSld>
+  <p:clrMapOvr>
+    <a:masterClrMapping/>
+  </p:clrMapOvr>
+</p:sld>
+</file>
+
+<file path=ppt/slides/slide15.xml><?xml version="1.0" encoding="utf-8"?>
+<p:sld xmlns:a="http://schemas.openxmlformats.org/drawingml/2006/main" xmlns:r="http://schemas.openxmlformats.org/officeDocument/2006/relationships" xmlns:p="http://schemas.openxmlformats.org/presentationml/2006/main">
+  <p:cSld>
+    <p:spTree>
+      <p:nvGrpSpPr>
+        <p:cNvPr id="1" name=""/>
+        <p:cNvGrpSpPr/>
+        <p:nvPr/>
+      </p:nvGrpSpPr>
+      <p:grpSpPr>
+        <a:xfrm>
+          <a:off x="0" y="0"/>
+          <a:ext cx="0" cy="0"/>
+          <a:chOff x="0" y="0"/>
+          <a:chExt cx="0" cy="0"/>
+        </a:xfrm>
+      </p:grpSpPr>
+      <p:sp>
+        <p:nvSpPr>
+          <p:cNvPr id="55" name="文本框 54">
+            <a:extLst>
+              <a:ext uri="{FF2B5EF4-FFF2-40B4-BE49-F238E27FC236}">
+                <a16:creationId xmlns:a16="http://schemas.microsoft.com/office/drawing/2014/main" id="{32A2BE86-86A6-F1FC-83EE-91A826B532E5}"/>
+              </a:ext>
+            </a:extLst>
+          </p:cNvPr>
+          <p:cNvSpPr txBox="1"/>
+          <p:nvPr/>
+        </p:nvSpPr>
+        <p:spPr>
+          <a:xfrm>
+            <a:off x="609599" y="106251"/>
+            <a:ext cx="7673267" cy="461665"/>
+          </a:xfrm>
+          <a:prstGeom prst="rect">
+            <a:avLst/>
+          </a:prstGeom>
+          <a:noFill/>
+        </p:spPr>
+        <p:txBody>
+          <a:bodyPr wrap="square" rtlCol="0">
+            <a:spAutoFit/>
+          </a:bodyPr>
+          <a:lstStyle>
+            <a:defPPr>
+              <a:defRPr lang="zh-CN"/>
+            </a:defPPr>
+            <a:lvl1pPr>
+              <a:defRPr sz="2400">
+                <a:latin typeface="Consolas" panose="020B0609020204030204" pitchFamily="49" charset="0"/>
+                <a:cs typeface="Times New Roman" panose="02020603050405020304" pitchFamily="18" charset="0"/>
+              </a:defRPr>
+            </a:lvl1pPr>
+          </a:lstStyle>
+          <a:p>
+            <a:r>
+              <a:rPr lang="en-US" altLang="zh-CN" dirty="0"/>
+              <a:t>Work_4: </a:t>
+            </a:r>
+            <a:r>
+              <a:rPr lang="en-US" altLang="zh-CN" sz="1400" dirty="0"/>
+              <a:t>Remove</a:t>
+            </a:r>
+            <a:r>
+              <a:rPr lang="zh-CN" altLang="en-US" sz="1400" dirty="0"/>
+              <a:t> </a:t>
+            </a:r>
+            <a:r>
+              <a:rPr lang="en-US" altLang="zh-CN" sz="1400" dirty="0"/>
+              <a:t>Laplace Noise and Normal Noise added by Neurokit2 </a:t>
+            </a:r>
+          </a:p>
+        </p:txBody>
+      </p:sp>
+      <p:sp>
+        <p:nvSpPr>
+          <p:cNvPr id="3" name="文本框 2">
+            <a:extLst>
+              <a:ext uri="{FF2B5EF4-FFF2-40B4-BE49-F238E27FC236}">
+                <a16:creationId xmlns:a16="http://schemas.microsoft.com/office/drawing/2014/main" id="{99199C39-ECFB-1874-E11B-D924FC5A9C24}"/>
+              </a:ext>
+            </a:extLst>
+          </p:cNvPr>
+          <p:cNvSpPr txBox="1"/>
+          <p:nvPr/>
+        </p:nvSpPr>
+        <p:spPr>
+          <a:xfrm>
+            <a:off x="406400" y="1140637"/>
             <a:ext cx="6262914" cy="923330"/>
           </a:xfrm>
           <a:prstGeom prst="rect">
@@ -8024,7 +9188,7 @@
           <a:p>
             <a:r>
               <a:rPr lang="zh-CN" altLang="en-US" dirty="0"/>
-              <a:t>我使用</a:t>
+              <a:t>使用</a:t>
             </a:r>
             <a:r>
               <a:rPr lang="en-US" altLang="zh-CN" dirty="0"/>
@@ -8078,7 +9242,7 @@
         </p:nvSpPr>
         <p:spPr>
           <a:xfrm>
-            <a:off x="101600" y="3088304"/>
+            <a:off x="551542" y="2398875"/>
             <a:ext cx="6262914" cy="369332"/>
           </a:xfrm>
           <a:prstGeom prst="rect">
@@ -8122,7 +9286,7 @@
         </p:nvSpPr>
         <p:spPr>
           <a:xfrm>
-            <a:off x="101600" y="3560018"/>
+            <a:off x="551542" y="3581774"/>
             <a:ext cx="6262914" cy="369332"/>
           </a:xfrm>
           <a:prstGeom prst="rect">
@@ -8160,6 +9324,78 @@
           </a:p>
         </p:txBody>
       </p:sp>
+      <p:pic>
+        <p:nvPicPr>
+          <p:cNvPr id="6" name="图片 5">
+            <a:extLst>
+              <a:ext uri="{FF2B5EF4-FFF2-40B4-BE49-F238E27FC236}">
+                <a16:creationId xmlns:a16="http://schemas.microsoft.com/office/drawing/2014/main" id="{A04442B1-2FB5-FB25-D5E5-572AACC0387B}"/>
+              </a:ext>
+            </a:extLst>
+          </p:cNvPr>
+          <p:cNvPicPr>
+            <a:picLocks noChangeAspect="1"/>
+          </p:cNvPicPr>
+          <p:nvPr/>
+        </p:nvPicPr>
+        <p:blipFill>
+          <a:blip r:embed="rId3">
+            <a:extLst>
+              <a:ext uri="{28A0092B-C50C-407E-A947-70E740481C1C}">
+                <a14:useLocalDpi xmlns:a14="http://schemas.microsoft.com/office/drawing/2010/main" val="0"/>
+              </a:ext>
+            </a:extLst>
+          </a:blip>
+          <a:stretch>
+            <a:fillRect/>
+          </a:stretch>
+        </p:blipFill>
+        <p:spPr>
+          <a:xfrm>
+            <a:off x="4017600" y="273917"/>
+            <a:ext cx="8174400" cy="3406000"/>
+          </a:xfrm>
+          <a:prstGeom prst="rect">
+            <a:avLst/>
+          </a:prstGeom>
+        </p:spPr>
+      </p:pic>
+      <p:pic>
+        <p:nvPicPr>
+          <p:cNvPr id="8" name="图片 7">
+            <a:extLst>
+              <a:ext uri="{FF2B5EF4-FFF2-40B4-BE49-F238E27FC236}">
+                <a16:creationId xmlns:a16="http://schemas.microsoft.com/office/drawing/2014/main" id="{437DBC10-04F5-336E-2AC7-32D5E10519D2}"/>
+              </a:ext>
+            </a:extLst>
+          </p:cNvPr>
+          <p:cNvPicPr>
+            <a:picLocks noChangeAspect="1"/>
+          </p:cNvPicPr>
+          <p:nvPr/>
+        </p:nvPicPr>
+        <p:blipFill>
+          <a:blip r:embed="rId4">
+            <a:extLst>
+              <a:ext uri="{28A0092B-C50C-407E-A947-70E740481C1C}">
+                <a14:useLocalDpi xmlns:a14="http://schemas.microsoft.com/office/drawing/2010/main" val="0"/>
+              </a:ext>
+            </a:extLst>
+          </a:blip>
+          <a:stretch>
+            <a:fillRect/>
+          </a:stretch>
+        </p:blipFill>
+        <p:spPr>
+          <a:xfrm>
+            <a:off x="4017600" y="3452000"/>
+            <a:ext cx="8174400" cy="3406000"/>
+          </a:xfrm>
+          <a:prstGeom prst="rect">
+            <a:avLst/>
+          </a:prstGeom>
+        </p:spPr>
+      </p:pic>
     </p:spTree>
     <p:extLst>
       <p:ext uri="{BB962C8B-B14F-4D97-AF65-F5344CB8AC3E}">
@@ -8173,7 +9409,7 @@
 </p:sld>
 </file>
 
-<file path=ppt/slides/slide15.xml><?xml version="1.0" encoding="utf-8"?>
+<file path=ppt/slides/slide16.xml><?xml version="1.0" encoding="utf-8"?>
 <p:sld xmlns:a="http://schemas.openxmlformats.org/drawingml/2006/main" xmlns:r="http://schemas.openxmlformats.org/officeDocument/2006/relationships" xmlns:p="http://schemas.openxmlformats.org/presentationml/2006/main">
   <p:cSld>
     <p:spTree>
@@ -9241,7 +10477,7 @@
 </p:sld>
 </file>
 
-<file path=ppt/slides/slide16.xml><?xml version="1.0" encoding="utf-8"?>
+<file path=ppt/slides/slide17.xml><?xml version="1.0" encoding="utf-8"?>
 <p:sld xmlns:a="http://schemas.openxmlformats.org/drawingml/2006/main" xmlns:r="http://schemas.openxmlformats.org/officeDocument/2006/relationships" xmlns:p="http://schemas.openxmlformats.org/presentationml/2006/main">
   <p:cSld>
     <p:spTree>
@@ -9260,10 +10496,10 @@
       </p:grpSpPr>
       <p:sp>
         <p:nvSpPr>
-          <p:cNvPr id="2" name="文本框 1">
-            <a:extLst>
-              <a:ext uri="{FF2B5EF4-FFF2-40B4-BE49-F238E27FC236}">
-                <a16:creationId xmlns:a16="http://schemas.microsoft.com/office/drawing/2014/main" id="{4301BE2B-0820-0143-B72A-D9CEA12265BD}"/>
+          <p:cNvPr id="55" name="文本框 54">
+            <a:extLst>
+              <a:ext uri="{FF2B5EF4-FFF2-40B4-BE49-F238E27FC236}">
+                <a16:creationId xmlns:a16="http://schemas.microsoft.com/office/drawing/2014/main" id="{32A2BE86-86A6-F1FC-83EE-91A826B532E5}"/>
               </a:ext>
             </a:extLst>
           </p:cNvPr>
@@ -9272,8 +10508,8 @@
         </p:nvSpPr>
         <p:spPr>
           <a:xfrm>
-            <a:off x="1122219" y="423950"/>
-            <a:ext cx="5931724" cy="461665"/>
+            <a:off x="609599" y="106251"/>
+            <a:ext cx="7673267" cy="461665"/>
           </a:xfrm>
           <a:prstGeom prst="rect">
             <a:avLst/>
@@ -9298,6 +10534,82 @@
           <a:p>
             <a:r>
               <a:rPr lang="en-US" altLang="zh-CN" dirty="0"/>
+              <a:t>Conclusion:</a:t>
+            </a:r>
+            <a:endParaRPr lang="en-US" altLang="zh-CN" sz="1400" dirty="0"/>
+          </a:p>
+        </p:txBody>
+      </p:sp>
+    </p:spTree>
+    <p:extLst>
+      <p:ext uri="{BB962C8B-B14F-4D97-AF65-F5344CB8AC3E}">
+        <p14:creationId xmlns:p14="http://schemas.microsoft.com/office/powerpoint/2010/main" val="255836921"/>
+      </p:ext>
+    </p:extLst>
+  </p:cSld>
+  <p:clrMapOvr>
+    <a:masterClrMapping/>
+  </p:clrMapOvr>
+</p:sld>
+</file>
+
+<file path=ppt/slides/slide18.xml><?xml version="1.0" encoding="utf-8"?>
+<p:sld xmlns:a="http://schemas.openxmlformats.org/drawingml/2006/main" xmlns:r="http://schemas.openxmlformats.org/officeDocument/2006/relationships" xmlns:p="http://schemas.openxmlformats.org/presentationml/2006/main">
+  <p:cSld>
+    <p:spTree>
+      <p:nvGrpSpPr>
+        <p:cNvPr id="1" name=""/>
+        <p:cNvGrpSpPr/>
+        <p:nvPr/>
+      </p:nvGrpSpPr>
+      <p:grpSpPr>
+        <a:xfrm>
+          <a:off x="0" y="0"/>
+          <a:ext cx="0" cy="0"/>
+          <a:chOff x="0" y="0"/>
+          <a:chExt cx="0" cy="0"/>
+        </a:xfrm>
+      </p:grpSpPr>
+      <p:sp>
+        <p:nvSpPr>
+          <p:cNvPr id="2" name="文本框 1">
+            <a:extLst>
+              <a:ext uri="{FF2B5EF4-FFF2-40B4-BE49-F238E27FC236}">
+                <a16:creationId xmlns:a16="http://schemas.microsoft.com/office/drawing/2014/main" id="{4301BE2B-0820-0143-B72A-D9CEA12265BD}"/>
+              </a:ext>
+            </a:extLst>
+          </p:cNvPr>
+          <p:cNvSpPr txBox="1"/>
+          <p:nvPr/>
+        </p:nvSpPr>
+        <p:spPr>
+          <a:xfrm>
+            <a:off x="1122219" y="423950"/>
+            <a:ext cx="5931724" cy="461665"/>
+          </a:xfrm>
+          <a:prstGeom prst="rect">
+            <a:avLst/>
+          </a:prstGeom>
+          <a:noFill/>
+        </p:spPr>
+        <p:txBody>
+          <a:bodyPr wrap="square" rtlCol="0">
+            <a:spAutoFit/>
+          </a:bodyPr>
+          <a:lstStyle>
+            <a:defPPr>
+              <a:defRPr lang="zh-CN"/>
+            </a:defPPr>
+            <a:lvl1pPr>
+              <a:defRPr sz="2400">
+                <a:latin typeface="Consolas" panose="020B0609020204030204" pitchFamily="49" charset="0"/>
+                <a:cs typeface="Times New Roman" panose="02020603050405020304" pitchFamily="18" charset="0"/>
+              </a:defRPr>
+            </a:lvl1pPr>
+          </a:lstStyle>
+          <a:p>
+            <a:r>
+              <a:rPr lang="en-US" altLang="zh-CN" dirty="0"/>
               <a:t>Questions</a:t>
             </a:r>
             <a:endParaRPr lang="en-US" altLang="zh-CN" sz="1400" dirty="0"/>
@@ -9319,7 +10631,7 @@
         <p:spPr>
           <a:xfrm>
             <a:off x="1122219" y="1965334"/>
-            <a:ext cx="10676204" cy="1477328"/>
+            <a:ext cx="10676204" cy="1200329"/>
           </a:xfrm>
           <a:prstGeom prst="rect">
             <a:avLst/>
@@ -9393,24 +10705,7 @@
             </a:endParaRPr>
           </a:p>
           <a:p>
-            <a:pPr marL="342900" indent="-342900">
-              <a:buAutoNum type="arabicPeriod"/>
-            </a:pPr>
             <a:endParaRPr lang="en-US" altLang="zh-CN" u="sng" dirty="0">
-              <a:latin typeface="+mj-lt"/>
-            </a:endParaRPr>
-          </a:p>
-          <a:p>
-            <a:pPr marL="342900" indent="-342900">
-              <a:buAutoNum type="arabicPeriod"/>
-            </a:pPr>
-            <a:r>
-              <a:rPr lang="zh-CN" altLang="en-US" dirty="0">
-                <a:latin typeface="+mj-lt"/>
-              </a:rPr>
-              <a:t>真实的波真的是模拟的信号加噪声以后的结果吗？</a:t>
-            </a:r>
-            <a:endParaRPr lang="en-US" altLang="zh-CN" dirty="0">
               <a:latin typeface="+mj-lt"/>
             </a:endParaRPr>
           </a:p>
@@ -9429,7 +10724,7 @@
 </p:sld>
 </file>
 
-<file path=ppt/slides/slide17.xml><?xml version="1.0" encoding="utf-8"?>
+<file path=ppt/slides/slide19.xml><?xml version="1.0" encoding="utf-8"?>
 <p:sld xmlns:a="http://schemas.openxmlformats.org/drawingml/2006/main" xmlns:r="http://schemas.openxmlformats.org/officeDocument/2006/relationships" xmlns:p="http://schemas.openxmlformats.org/presentationml/2006/main">
   <p:cSld>
     <p:spTree>
@@ -9773,7 +11068,7 @@
         <p:spPr>
           <a:xfrm>
             <a:off x="1434833" y="3108576"/>
-            <a:ext cx="9443623" cy="1846659"/>
+            <a:ext cx="9900823" cy="2062103"/>
           </a:xfrm>
           <a:prstGeom prst="rect">
             <a:avLst/>
@@ -9822,7 +11117,7 @@
             </a:pPr>
             <a:r>
               <a:rPr lang="en-US" altLang="zh-CN" dirty="0"/>
-              <a:t>Completed the full reconstruction for Generate Waves(7), Add Noise(10), Filters(4), Decompose(8), including interfaces, visualization, and more.</a:t>
+              <a:t>Completed the full reconstruction for Generate Waves(7), Add Noise(10), Filters(8), Decompose(4), including interfaces, visualization, code comments and more.</a:t>
             </a:r>
           </a:p>
           <a:p>
@@ -9865,7 +11160,7 @@
             </a:pPr>
             <a:r>
               <a:rPr lang="en-US" altLang="zh-CN" dirty="0"/>
-              <a:t>Currently, the fundamental features have been implemented.</a:t>
+              <a:t>Currently, the fundamental features of main function have been implemented.</a:t>
             </a:r>
           </a:p>
         </p:txBody>
@@ -9917,7 +11212,7 @@
             </a:r>
             <a:r>
               <a:rPr lang="en-US" altLang="zh-CN" dirty="0"/>
-              <a:t> filter have been tried in SCG Signals. Both of these filters have shown very good performance.</a:t>
+              <a:t> filter have been tried in SCG Signals. Both of these filters have shown good performance.</a:t>
             </a:r>
           </a:p>
         </p:txBody>
@@ -11529,78 +12824,6 @@
           </a:p>
         </p:txBody>
       </p:sp>
-      <p:pic>
-        <p:nvPicPr>
-          <p:cNvPr id="4" name="图片 3">
-            <a:extLst>
-              <a:ext uri="{FF2B5EF4-FFF2-40B4-BE49-F238E27FC236}">
-                <a16:creationId xmlns:a16="http://schemas.microsoft.com/office/drawing/2014/main" id="{7B503338-7B64-50BA-1C30-3B1D93CE0259}"/>
-              </a:ext>
-            </a:extLst>
-          </p:cNvPr>
-          <p:cNvPicPr>
-            <a:picLocks noChangeAspect="1"/>
-          </p:cNvPicPr>
-          <p:nvPr/>
-        </p:nvPicPr>
-        <p:blipFill>
-          <a:blip r:embed="rId3">
-            <a:extLst>
-              <a:ext uri="{28A0092B-C50C-407E-A947-70E740481C1C}">
-                <a14:useLocalDpi xmlns:a14="http://schemas.microsoft.com/office/drawing/2010/main" val="0"/>
-              </a:ext>
-            </a:extLst>
-          </a:blip>
-          <a:stretch>
-            <a:fillRect/>
-          </a:stretch>
-        </p:blipFill>
-        <p:spPr>
-          <a:xfrm>
-            <a:off x="6253402" y="2942772"/>
-            <a:ext cx="5486400" cy="3657600"/>
-          </a:xfrm>
-          <a:prstGeom prst="rect">
-            <a:avLst/>
-          </a:prstGeom>
-        </p:spPr>
-      </p:pic>
-      <p:pic>
-        <p:nvPicPr>
-          <p:cNvPr id="6" name="图片 5">
-            <a:extLst>
-              <a:ext uri="{FF2B5EF4-FFF2-40B4-BE49-F238E27FC236}">
-                <a16:creationId xmlns:a16="http://schemas.microsoft.com/office/drawing/2014/main" id="{817265D4-014A-D4FA-663A-22C786CFF09A}"/>
-              </a:ext>
-            </a:extLst>
-          </p:cNvPr>
-          <p:cNvPicPr>
-            <a:picLocks noChangeAspect="1"/>
-          </p:cNvPicPr>
-          <p:nvPr/>
-        </p:nvPicPr>
-        <p:blipFill>
-          <a:blip r:embed="rId4">
-            <a:extLst>
-              <a:ext uri="{28A0092B-C50C-407E-A947-70E740481C1C}">
-                <a14:useLocalDpi xmlns:a14="http://schemas.microsoft.com/office/drawing/2010/main" val="0"/>
-              </a:ext>
-            </a:extLst>
-          </a:blip>
-          <a:stretch>
-            <a:fillRect/>
-          </a:stretch>
-        </p:blipFill>
-        <p:spPr>
-          <a:xfrm>
-            <a:off x="767002" y="2942772"/>
-            <a:ext cx="5486400" cy="3657600"/>
-          </a:xfrm>
-          <a:prstGeom prst="rect">
-            <a:avLst/>
-          </a:prstGeom>
-        </p:spPr>
-      </p:pic>
       <p:sp>
         <p:nvSpPr>
           <p:cNvPr id="2" name="文本框 1">
@@ -11631,47 +12854,84 @@
           <a:p>
             <a:r>
               <a:rPr lang="en-US" altLang="zh-CN" dirty="0"/>
-              <a:t>Result of S and D Prediction for noise level = 0.1</a:t>
+              <a:t>Result of S and D Prediction for noise level = 0</a:t>
             </a:r>
             <a:endParaRPr lang="zh-CN" altLang="en-US" dirty="0"/>
           </a:p>
         </p:txBody>
       </p:sp>
-      <p:sp>
-        <p:nvSpPr>
-          <p:cNvPr id="3" name="文本框 2">
-            <a:extLst>
-              <a:ext uri="{FF2B5EF4-FFF2-40B4-BE49-F238E27FC236}">
-                <a16:creationId xmlns:a16="http://schemas.microsoft.com/office/drawing/2014/main" id="{07E2B16D-7D43-A13F-7755-11A357715227}"/>
-              </a:ext>
-            </a:extLst>
-          </p:cNvPr>
-          <p:cNvSpPr txBox="1"/>
+      <p:pic>
+        <p:nvPicPr>
+          <p:cNvPr id="7" name="图片 6">
+            <a:extLst>
+              <a:ext uri="{FF2B5EF4-FFF2-40B4-BE49-F238E27FC236}">
+                <a16:creationId xmlns:a16="http://schemas.microsoft.com/office/drawing/2014/main" id="{A061DCEB-B703-1FF8-4C88-D3A8F5531286}"/>
+              </a:ext>
+            </a:extLst>
+          </p:cNvPr>
+          <p:cNvPicPr>
+            <a:picLocks noChangeAspect="1"/>
+          </p:cNvPicPr>
           <p:nvPr/>
-        </p:nvSpPr>
+        </p:nvPicPr>
+        <p:blipFill>
+          <a:blip r:embed="rId3">
+            <a:extLst>
+              <a:ext uri="{28A0092B-C50C-407E-A947-70E740481C1C}">
+                <a14:useLocalDpi xmlns:a14="http://schemas.microsoft.com/office/drawing/2010/main" val="0"/>
+              </a:ext>
+            </a:extLst>
+          </a:blip>
+          <a:stretch>
+            <a:fillRect/>
+          </a:stretch>
+        </p:blipFill>
         <p:spPr>
           <a:xfrm>
-            <a:off x="3294743" y="1756229"/>
-            <a:ext cx="5486400" cy="369332"/>
+            <a:off x="6096000" y="1822772"/>
+            <a:ext cx="5486400" cy="3657600"/>
           </a:xfrm>
           <a:prstGeom prst="rect">
             <a:avLst/>
           </a:prstGeom>
-          <a:noFill/>
         </p:spPr>
-        <p:txBody>
-          <a:bodyPr wrap="square" rtlCol="0">
-            <a:spAutoFit/>
-          </a:bodyPr>
-          <a:lstStyle/>
-          <a:p>
-            <a:r>
-              <a:rPr lang="zh-CN" altLang="en-US" dirty="0"/>
-              <a:t>加图</a:t>
-            </a:r>
-          </a:p>
-        </p:txBody>
-      </p:sp>
+      </p:pic>
+      <p:pic>
+        <p:nvPicPr>
+          <p:cNvPr id="9" name="图片 8">
+            <a:extLst>
+              <a:ext uri="{FF2B5EF4-FFF2-40B4-BE49-F238E27FC236}">
+                <a16:creationId xmlns:a16="http://schemas.microsoft.com/office/drawing/2014/main" id="{B6803215-2A99-3A62-AF58-A23297648E9E}"/>
+              </a:ext>
+            </a:extLst>
+          </p:cNvPr>
+          <p:cNvPicPr>
+            <a:picLocks noChangeAspect="1"/>
+          </p:cNvPicPr>
+          <p:nvPr/>
+        </p:nvPicPr>
+        <p:blipFill>
+          <a:blip r:embed="rId4">
+            <a:extLst>
+              <a:ext uri="{28A0092B-C50C-407E-A947-70E740481C1C}">
+                <a14:useLocalDpi xmlns:a14="http://schemas.microsoft.com/office/drawing/2010/main" val="0"/>
+              </a:ext>
+            </a:extLst>
+          </a:blip>
+          <a:stretch>
+            <a:fillRect/>
+          </a:stretch>
+        </p:blipFill>
+        <p:spPr>
+          <a:xfrm>
+            <a:off x="609600" y="1822772"/>
+            <a:ext cx="5486400" cy="3657600"/>
+          </a:xfrm>
+          <a:prstGeom prst="rect">
+            <a:avLst/>
+          </a:prstGeom>
+        </p:spPr>
+      </p:pic>
     </p:spTree>
     <p:extLst>
       <p:ext uri="{BB962C8B-B14F-4D97-AF65-F5344CB8AC3E}">

--- a/Presentation_911_JiayuChen.pptx
+++ b/Presentation_911_JiayuChen.pptx
@@ -2277,37 +2277,79 @@
           <a:lstStyle/>
           <a:p>
             <a:r>
-              <a:rPr lang="zh-CN" altLang="en-US" dirty="0"/>
-              <a:t>展示频域的</a:t>
-            </a:r>
-            <a:endParaRPr lang="en-US" altLang="zh-CN" dirty="0"/>
-          </a:p>
-          <a:p>
-            <a:endParaRPr lang="en-US" altLang="zh-CN" dirty="0"/>
-          </a:p>
-          <a:p>
-            <a:r>
-              <a:rPr lang="zh-CN" altLang="en-US" dirty="0"/>
-              <a:t>展示单个信号使用</a:t>
-            </a:r>
-            <a:r>
-              <a:rPr lang="en-US" altLang="zh-CN" dirty="0" err="1"/>
+              <a:rPr lang="en-US" altLang="zh-CN" dirty="0"/>
+              <a:t>My second work is removing the impact of </a:t>
+            </a:r>
+            <a:r>
+              <a:rPr lang="en-US" altLang="zh-CN" sz="1200" dirty="0"/>
+              <a:t>respiratory by </a:t>
+            </a:r>
+            <a:r>
+              <a:rPr lang="en-US" altLang="zh-CN" sz="1200" dirty="0" err="1"/>
               <a:t>fft</a:t>
             </a:r>
             <a:r>
-              <a:rPr lang="zh-CN" altLang="en-US" dirty="0"/>
-              <a:t>以后的效果</a:t>
-            </a:r>
-            <a:endParaRPr lang="en-US" altLang="zh-CN" dirty="0"/>
-          </a:p>
-          <a:p>
-            <a:endParaRPr lang="en-US" altLang="zh-CN" dirty="0"/>
-          </a:p>
-          <a:p>
-            <a:r>
-              <a:rPr lang="zh-CN" altLang="en-US" dirty="0"/>
-              <a:t>展示数据集上测试的结果</a:t>
-            </a:r>
+              <a:rPr lang="en-US" altLang="zh-CN" sz="1200" dirty="0"/>
+              <a:t> </a:t>
+            </a:r>
+            <a:r>
+              <a:rPr lang="en-US" altLang="zh-CN" sz="1200" dirty="0" err="1"/>
+              <a:t>denosing</a:t>
+            </a:r>
+            <a:r>
+              <a:rPr lang="en-US" altLang="zh-CN" sz="1200" dirty="0"/>
+              <a:t>.</a:t>
+            </a:r>
+          </a:p>
+          <a:p>
+            <a:endParaRPr lang="en-US" altLang="zh-CN" sz="1200" dirty="0"/>
+          </a:p>
+          <a:p>
+            <a:r>
+              <a:rPr lang="en-US" altLang="zh-CN" sz="1200" dirty="0"/>
+              <a:t>We transform the signal into </a:t>
+            </a:r>
+            <a:r>
+              <a:rPr lang="en-US" altLang="zh-CN" sz="1200" dirty="0" err="1"/>
+              <a:t>freq</a:t>
+            </a:r>
+            <a:r>
+              <a:rPr lang="en-US" altLang="zh-CN" sz="1200" dirty="0"/>
+              <a:t> domain and The first figure is the signal with respiratory and second figure is the signal without respiratory</a:t>
+            </a:r>
+          </a:p>
+          <a:p>
+            <a:r>
+              <a:rPr lang="en-US" altLang="zh-CN" sz="1200" dirty="0"/>
+              <a:t>we can clearly see the difference between them.</a:t>
+            </a:r>
+          </a:p>
+          <a:p>
+            <a:endParaRPr lang="en-US" altLang="zh-CN" sz="1200" dirty="0"/>
+          </a:p>
+          <a:p>
+            <a:r>
+              <a:rPr lang="en-US" altLang="zh-CN" sz="1200" dirty="0"/>
+              <a:t>For Signal with respiratory, peaks in frequency domain are between 2 small peaks.</a:t>
+            </a:r>
+          </a:p>
+          <a:p>
+            <a:endParaRPr lang="en-US" altLang="zh-CN" sz="1200" dirty="0"/>
+          </a:p>
+          <a:p>
+            <a:r>
+              <a:rPr lang="en-US" altLang="zh-CN" sz="1200" dirty="0"/>
+              <a:t>But I haven't fully understood the mathematical principles yet.</a:t>
+            </a:r>
+            <a:endParaRPr lang="zh-CN" altLang="en-US" sz="1200" dirty="0"/>
+          </a:p>
+          <a:p>
+            <a:endParaRPr lang="en-US" altLang="zh-CN" sz="1200" dirty="0"/>
+          </a:p>
+          <a:p>
+            <a:endParaRPr lang="en-US" altLang="zh-CN" sz="1200" dirty="0"/>
+          </a:p>
+          <a:p>
             <a:endParaRPr lang="en-US" altLang="zh-CN" dirty="0"/>
           </a:p>
         </p:txBody>
@@ -2393,38 +2435,35 @@
           <a:lstStyle/>
           <a:p>
             <a:r>
-              <a:rPr lang="zh-CN" altLang="en-US" dirty="0"/>
-              <a:t>展示频域的</a:t>
-            </a:r>
+              <a:rPr lang="en-US" altLang="zh-CN" dirty="0"/>
+              <a:t>FFT Denoising is very suitable for this task.</a:t>
+            </a:r>
+          </a:p>
+          <a:p>
             <a:endParaRPr lang="en-US" altLang="zh-CN" dirty="0"/>
           </a:p>
           <a:p>
-            <a:endParaRPr lang="en-US" altLang="zh-CN" dirty="0"/>
-          </a:p>
-          <a:p>
-            <a:r>
-              <a:rPr lang="zh-CN" altLang="en-US" dirty="0"/>
-              <a:t>展示单个信号使用</a:t>
+            <a:r>
+              <a:rPr lang="en-US" altLang="zh-CN" dirty="0"/>
+              <a:t>If we can set the suitable threshold for the </a:t>
             </a:r>
             <a:r>
               <a:rPr lang="en-US" altLang="zh-CN" dirty="0" err="1"/>
               <a:t>fft</a:t>
             </a:r>
             <a:r>
-              <a:rPr lang="zh-CN" altLang="en-US" dirty="0"/>
-              <a:t>以后的效果</a:t>
-            </a:r>
+              <a:rPr lang="en-US" altLang="zh-CN" dirty="0"/>
+              <a:t> denoising, the small peaks can be removed clearly.</a:t>
+            </a:r>
+          </a:p>
+          <a:p>
             <a:endParaRPr lang="en-US" altLang="zh-CN" dirty="0"/>
           </a:p>
           <a:p>
-            <a:endParaRPr lang="en-US" altLang="zh-CN" dirty="0"/>
-          </a:p>
-          <a:p>
-            <a:r>
-              <a:rPr lang="zh-CN" altLang="en-US" dirty="0"/>
-              <a:t>展示数据集上测试的结果</a:t>
-            </a:r>
-            <a:endParaRPr lang="en-US" altLang="zh-CN" dirty="0"/>
+            <a:r>
+              <a:rPr lang="en-US" altLang="zh-CN" dirty="0"/>
+              <a:t>I just set the threshold as the equation below. I works well.</a:t>
+            </a:r>
           </a:p>
         </p:txBody>
       </p:sp>
@@ -2509,9 +2548,11 @@
           <a:lstStyle/>
           <a:p>
             <a:r>
-              <a:rPr lang="zh-CN" altLang="en-US" dirty="0"/>
-              <a:t>展示频域的</a:t>
-            </a:r>
+              <a:rPr lang="en-US" altLang="zh-CN" dirty="0"/>
+              <a:t>Let’s look at the result.</a:t>
+            </a:r>
+          </a:p>
+          <a:p>
             <a:endParaRPr lang="en-US" altLang="zh-CN" dirty="0"/>
           </a:p>
           <a:p>
@@ -2519,28 +2560,43 @@
           </a:p>
           <a:p>
             <a:r>
-              <a:rPr lang="zh-CN" altLang="en-US" dirty="0"/>
-              <a:t>展示单个信号使用</a:t>
+              <a:rPr lang="en-US" altLang="zh-CN" dirty="0"/>
+              <a:t>The left two picture are the comparison of original signal and filtered signal. The impact of resp has been removed from the signal.</a:t>
+            </a:r>
+          </a:p>
+          <a:p>
+            <a:endParaRPr lang="en-US" altLang="zh-CN" dirty="0"/>
+          </a:p>
+          <a:p>
+            <a:r>
+              <a:rPr lang="en-US" altLang="zh-CN" dirty="0"/>
+              <a:t>The right 3 pictures are the comparison of signal in frequency </a:t>
             </a:r>
             <a:r>
               <a:rPr lang="en-US" altLang="zh-CN" dirty="0" err="1"/>
-              <a:t>fft</a:t>
-            </a:r>
-            <a:r>
-              <a:rPr lang="zh-CN" altLang="en-US" dirty="0"/>
-              <a:t>以后的效果</a:t>
-            </a:r>
+              <a:t>dormain</a:t>
+            </a:r>
+            <a:r>
+              <a:rPr lang="en-US" altLang="zh-CN" dirty="0"/>
+              <a:t>. You can see. Although small peaks next to large peaks are removed, some high-frequency, low-amplitude components are removed either. This will result in subtle </a:t>
+            </a:r>
+            <a:r>
+              <a:rPr lang="en-US" altLang="zh-CN" dirty="0" err="1"/>
+              <a:t>flunctions</a:t>
+            </a:r>
+            <a:r>
+              <a:rPr lang="en-US" altLang="zh-CN" dirty="0"/>
+              <a:t> in signal.</a:t>
+            </a:r>
+          </a:p>
+          <a:p>
             <a:endParaRPr lang="en-US" altLang="zh-CN" dirty="0"/>
           </a:p>
           <a:p>
-            <a:endParaRPr lang="en-US" altLang="zh-CN" dirty="0"/>
-          </a:p>
-          <a:p>
-            <a:r>
-              <a:rPr lang="zh-CN" altLang="en-US" dirty="0"/>
-              <a:t>展示数据集上测试的结果</a:t>
-            </a:r>
-            <a:endParaRPr lang="en-US" altLang="zh-CN" dirty="0"/>
+            <a:r>
+              <a:rPr lang="en-US" altLang="zh-CN" dirty="0"/>
+              <a:t>But I think the result is acceptable.</a:t>
+            </a:r>
           </a:p>
         </p:txBody>
       </p:sp>
@@ -10933,7 +10989,7 @@
             </a:r>
             <a:r>
               <a:rPr lang="en-US" altLang="zh-CN" dirty="0"/>
-              <a:t> denoising to remove the Normal noise (add </a:t>
+              <a:t> denoising to remove the normal noise (add </a:t>
             </a:r>
             <a:r>
               <a:rPr lang="en-US" altLang="zh-CN" dirty="0" err="1"/>
@@ -11067,7 +11123,7 @@
         </p:nvSpPr>
         <p:spPr>
           <a:xfrm>
-            <a:off x="1434833" y="3108576"/>
+            <a:off x="1434833" y="2921168"/>
             <a:ext cx="9900823" cy="2062103"/>
           </a:xfrm>
           <a:prstGeom prst="rect">
@@ -11246,7 +11302,11 @@
           <a:lstStyle/>
           <a:p>
             <a:r>
-              <a:rPr lang="en-US" altLang="zh-CN" sz="2000" b="1" dirty="0"/>
+              <a:rPr lang="en-US" altLang="zh-CN" sz="2000" b="1" dirty="0">
+                <a:highlight>
+                  <a:srgbClr val="FFFF00"/>
+                </a:highlight>
+              </a:rPr>
               <a:t>Show the Demo: 4 core commands</a:t>
             </a:r>
           </a:p>
@@ -12150,7 +12210,7 @@
         </p:nvCxnSpPr>
         <p:spPr>
           <a:xfrm>
-            <a:off x="1124857" y="3643086"/>
+            <a:off x="1124857" y="3651964"/>
             <a:ext cx="10450286" cy="0"/>
           </a:xfrm>
           <a:prstGeom prst="line">
@@ -12505,7 +12565,7 @@
         </p:blipFill>
         <p:spPr>
           <a:xfrm>
-            <a:off x="6096000" y="1383243"/>
+            <a:off x="6030687" y="1383243"/>
             <a:ext cx="6164062" cy="3698437"/>
           </a:xfrm>
           <a:prstGeom prst="rect">
@@ -12567,7 +12627,7 @@
         </p:nvSpPr>
         <p:spPr>
           <a:xfrm>
-            <a:off x="8783891" y="4455886"/>
+            <a:off x="8718579" y="4463143"/>
             <a:ext cx="587828" cy="333829"/>
           </a:xfrm>
           <a:prstGeom prst="rect">
@@ -12618,12 +12678,12 @@
         </p:nvCxnSpPr>
         <p:spPr>
           <a:xfrm rot="5400000" flipH="1">
-            <a:off x="5763325" y="1475236"/>
-            <a:ext cx="551543" cy="6077417"/>
+            <a:off x="5727041" y="1511520"/>
+            <a:ext cx="558800" cy="6012105"/>
           </a:xfrm>
           <a:prstGeom prst="bentConnector3">
             <a:avLst>
-              <a:gd name="adj1" fmla="val -87500"/>
+              <a:gd name="adj1" fmla="val -59091"/>
             </a:avLst>
           </a:prstGeom>
           <a:ln>
@@ -12740,6 +12800,218 @@
           </a:p>
         </p:txBody>
       </p:sp>
+      <p:sp>
+        <p:nvSpPr>
+          <p:cNvPr id="6" name="任意多边形: 形状 5">
+            <a:extLst>
+              <a:ext uri="{FF2B5EF4-FFF2-40B4-BE49-F238E27FC236}">
+                <a16:creationId xmlns:a16="http://schemas.microsoft.com/office/drawing/2014/main" id="{2B407867-6470-EEAB-F0E6-85CC5DC1192F}"/>
+              </a:ext>
+            </a:extLst>
+          </p:cNvPr>
+          <p:cNvSpPr/>
+          <p:nvPr/>
+        </p:nvSpPr>
+        <p:spPr>
+          <a:xfrm>
+            <a:off x="428171" y="1849536"/>
+            <a:ext cx="5464629" cy="683207"/>
+          </a:xfrm>
+          <a:custGeom>
+            <a:avLst/>
+            <a:gdLst>
+              <a:gd name="connsiteX0" fmla="*/ 0 w 5464629"/>
+              <a:gd name="connsiteY0" fmla="*/ 683207 h 683207"/>
+              <a:gd name="connsiteX1" fmla="*/ 732972 w 5464629"/>
+              <a:gd name="connsiteY1" fmla="*/ 1035 h 683207"/>
+              <a:gd name="connsiteX2" fmla="*/ 1690915 w 5464629"/>
+              <a:gd name="connsiteY2" fmla="*/ 516293 h 683207"/>
+              <a:gd name="connsiteX3" fmla="*/ 2830286 w 5464629"/>
+              <a:gd name="connsiteY3" fmla="*/ 8293 h 683207"/>
+              <a:gd name="connsiteX4" fmla="*/ 3722915 w 5464629"/>
+              <a:gd name="connsiteY4" fmla="*/ 501778 h 683207"/>
+              <a:gd name="connsiteX5" fmla="*/ 4782458 w 5464629"/>
+              <a:gd name="connsiteY5" fmla="*/ 44578 h 683207"/>
+              <a:gd name="connsiteX6" fmla="*/ 5464629 w 5464629"/>
+              <a:gd name="connsiteY6" fmla="*/ 313093 h 683207"/>
+            </a:gdLst>
+            <a:ahLst/>
+            <a:cxnLst>
+              <a:cxn ang="0">
+                <a:pos x="connsiteX0" y="connsiteY0"/>
+              </a:cxn>
+              <a:cxn ang="0">
+                <a:pos x="connsiteX1" y="connsiteY1"/>
+              </a:cxn>
+              <a:cxn ang="0">
+                <a:pos x="connsiteX2" y="connsiteY2"/>
+              </a:cxn>
+              <a:cxn ang="0">
+                <a:pos x="connsiteX3" y="connsiteY3"/>
+              </a:cxn>
+              <a:cxn ang="0">
+                <a:pos x="connsiteX4" y="connsiteY4"/>
+              </a:cxn>
+              <a:cxn ang="0">
+                <a:pos x="connsiteX5" y="connsiteY5"/>
+              </a:cxn>
+              <a:cxn ang="0">
+                <a:pos x="connsiteX6" y="connsiteY6"/>
+              </a:cxn>
+            </a:cxnLst>
+            <a:rect l="l" t="t" r="r" b="b"/>
+            <a:pathLst>
+              <a:path w="5464629" h="683207">
+                <a:moveTo>
+                  <a:pt x="0" y="683207"/>
+                </a:moveTo>
+                <a:cubicBezTo>
+                  <a:pt x="225576" y="356030"/>
+                  <a:pt x="451153" y="28854"/>
+                  <a:pt x="732972" y="1035"/>
+                </a:cubicBezTo>
+                <a:cubicBezTo>
+                  <a:pt x="1014791" y="-26784"/>
+                  <a:pt x="1341363" y="515083"/>
+                  <a:pt x="1690915" y="516293"/>
+                </a:cubicBezTo>
+                <a:cubicBezTo>
+                  <a:pt x="2040467" y="517503"/>
+                  <a:pt x="2491619" y="10712"/>
+                  <a:pt x="2830286" y="8293"/>
+                </a:cubicBezTo>
+                <a:cubicBezTo>
+                  <a:pt x="3168953" y="5874"/>
+                  <a:pt x="3397553" y="495731"/>
+                  <a:pt x="3722915" y="501778"/>
+                </a:cubicBezTo>
+                <a:cubicBezTo>
+                  <a:pt x="4048277" y="507825"/>
+                  <a:pt x="4492172" y="76026"/>
+                  <a:pt x="4782458" y="44578"/>
+                </a:cubicBezTo>
+                <a:cubicBezTo>
+                  <a:pt x="5072744" y="13130"/>
+                  <a:pt x="5268686" y="163111"/>
+                  <a:pt x="5464629" y="313093"/>
+                </a:cubicBezTo>
+              </a:path>
+            </a:pathLst>
+          </a:custGeom>
+          <a:noFill/>
+          <a:ln>
+            <a:solidFill>
+              <a:schemeClr val="accent2"/>
+            </a:solidFill>
+          </a:ln>
+        </p:spPr>
+        <p:style>
+          <a:lnRef idx="2">
+            <a:schemeClr val="accent1">
+              <a:shade val="15000"/>
+            </a:schemeClr>
+          </a:lnRef>
+          <a:fillRef idx="1">
+            <a:schemeClr val="accent1"/>
+          </a:fillRef>
+          <a:effectRef idx="0">
+            <a:schemeClr val="accent1"/>
+          </a:effectRef>
+          <a:fontRef idx="minor">
+            <a:schemeClr val="lt1"/>
+          </a:fontRef>
+        </p:style>
+        <p:txBody>
+          <a:bodyPr rtlCol="0" anchor="ctr"/>
+          <a:lstStyle/>
+          <a:p>
+            <a:pPr algn="ctr"/>
+            <a:endParaRPr lang="zh-CN" altLang="en-US"/>
+          </a:p>
+        </p:txBody>
+      </p:sp>
+      <p:cxnSp>
+        <p:nvCxnSpPr>
+          <p:cNvPr id="10" name="直接连接符 9">
+            <a:extLst>
+              <a:ext uri="{FF2B5EF4-FFF2-40B4-BE49-F238E27FC236}">
+                <a16:creationId xmlns:a16="http://schemas.microsoft.com/office/drawing/2014/main" id="{66DB6D8B-306B-DC8B-325C-2C2D1195D9C6}"/>
+              </a:ext>
+            </a:extLst>
+          </p:cNvPr>
+          <p:cNvCxnSpPr/>
+          <p:nvPr/>
+        </p:nvCxnSpPr>
+        <p:spPr>
+          <a:xfrm>
+            <a:off x="544286" y="3429000"/>
+            <a:ext cx="5268685" cy="0"/>
+          </a:xfrm>
+          <a:prstGeom prst="line">
+            <a:avLst/>
+          </a:prstGeom>
+          <a:ln w="12700">
+            <a:solidFill>
+              <a:schemeClr val="accent2"/>
+            </a:solidFill>
+          </a:ln>
+        </p:spPr>
+        <p:style>
+          <a:lnRef idx="1">
+            <a:schemeClr val="accent1"/>
+          </a:lnRef>
+          <a:fillRef idx="0">
+            <a:schemeClr val="accent1"/>
+          </a:fillRef>
+          <a:effectRef idx="0">
+            <a:schemeClr val="accent1"/>
+          </a:effectRef>
+          <a:fontRef idx="minor">
+            <a:schemeClr val="tx1"/>
+          </a:fontRef>
+        </p:style>
+      </p:cxnSp>
+      <p:cxnSp>
+        <p:nvCxnSpPr>
+          <p:cNvPr id="12" name="直接连接符 11">
+            <a:extLst>
+              <a:ext uri="{FF2B5EF4-FFF2-40B4-BE49-F238E27FC236}">
+                <a16:creationId xmlns:a16="http://schemas.microsoft.com/office/drawing/2014/main" id="{89E1A56F-27C8-273E-CEBE-60D8BEDE83A3}"/>
+              </a:ext>
+            </a:extLst>
+          </p:cNvPr>
+          <p:cNvCxnSpPr/>
+          <p:nvPr/>
+        </p:nvCxnSpPr>
+        <p:spPr>
+          <a:xfrm>
+            <a:off x="544286" y="3828143"/>
+            <a:ext cx="5268685" cy="0"/>
+          </a:xfrm>
+          <a:prstGeom prst="line">
+            <a:avLst/>
+          </a:prstGeom>
+          <a:ln w="12700">
+            <a:solidFill>
+              <a:schemeClr val="accent2"/>
+            </a:solidFill>
+          </a:ln>
+        </p:spPr>
+        <p:style>
+          <a:lnRef idx="1">
+            <a:schemeClr val="accent1"/>
+          </a:lnRef>
+          <a:fillRef idx="0">
+            <a:schemeClr val="accent1"/>
+          </a:fillRef>
+          <a:effectRef idx="0">
+            <a:schemeClr val="accent1"/>
+          </a:effectRef>
+          <a:fontRef idx="minor">
+            <a:schemeClr val="tx1"/>
+          </a:fontRef>
+        </p:style>
+      </p:cxnSp>
     </p:spTree>
     <p:extLst>
       <p:ext uri="{BB962C8B-B14F-4D97-AF65-F5344CB8AC3E}">
@@ -12838,8 +13110,8 @@
         </p:nvSpPr>
         <p:spPr>
           <a:xfrm>
-            <a:off x="878113" y="834571"/>
-            <a:ext cx="6865257" cy="369332"/>
+            <a:off x="878113" y="1192962"/>
+            <a:ext cx="6865257" cy="646331"/>
           </a:xfrm>
           <a:prstGeom prst="rect">
             <a:avLst/>
@@ -12854,9 +13126,20 @@
           <a:p>
             <a:r>
               <a:rPr lang="en-US" altLang="zh-CN" dirty="0"/>
-              <a:t>Result of S and D Prediction for noise level = 0</a:t>
-            </a:r>
-            <a:endParaRPr lang="zh-CN" altLang="en-US" dirty="0"/>
+              <a:t>Result of S and D Prediction, </a:t>
+            </a:r>
+            <a:r>
+              <a:rPr lang="zh-CN" altLang="en-US" dirty="0"/>
+              <a:t>当信号的噪声程度为</a:t>
+            </a:r>
+            <a:r>
+              <a:rPr lang="en-US" altLang="zh-CN" dirty="0"/>
+              <a:t>0</a:t>
+            </a:r>
+            <a:r>
+              <a:rPr lang="zh-CN" altLang="en-US" dirty="0"/>
+              <a:t>并且受到呼吸的影响时</a:t>
+            </a:r>
           </a:p>
         </p:txBody>
       </p:sp>

--- a/Presentation_911_JiayuChen.pptx
+++ b/Presentation_911_JiayuChen.pptx
@@ -5,28 +5,29 @@
     <p:sldMasterId id="2147483648" r:id="rId1"/>
   </p:sldMasterIdLst>
   <p:notesMasterIdLst>
-    <p:notesMasterId r:id="rId21"/>
+    <p:notesMasterId r:id="rId22"/>
   </p:notesMasterIdLst>
   <p:sldIdLst>
     <p:sldId id="256" r:id="rId2"/>
     <p:sldId id="291" r:id="rId3"/>
     <p:sldId id="265" r:id="rId4"/>
-    <p:sldId id="324" r:id="rId5"/>
-    <p:sldId id="333" r:id="rId6"/>
-    <p:sldId id="327" r:id="rId7"/>
-    <p:sldId id="328" r:id="rId8"/>
-    <p:sldId id="325" r:id="rId9"/>
-    <p:sldId id="329" r:id="rId10"/>
-    <p:sldId id="334" r:id="rId11"/>
-    <p:sldId id="330" r:id="rId12"/>
-    <p:sldId id="337" r:id="rId13"/>
-    <p:sldId id="331" r:id="rId14"/>
-    <p:sldId id="326" r:id="rId15"/>
-    <p:sldId id="336" r:id="rId16"/>
-    <p:sldId id="332" r:id="rId17"/>
-    <p:sldId id="338" r:id="rId18"/>
-    <p:sldId id="323" r:id="rId19"/>
-    <p:sldId id="263" r:id="rId20"/>
+    <p:sldId id="339" r:id="rId5"/>
+    <p:sldId id="324" r:id="rId6"/>
+    <p:sldId id="333" r:id="rId7"/>
+    <p:sldId id="327" r:id="rId8"/>
+    <p:sldId id="328" r:id="rId9"/>
+    <p:sldId id="325" r:id="rId10"/>
+    <p:sldId id="337" r:id="rId11"/>
+    <p:sldId id="329" r:id="rId12"/>
+    <p:sldId id="334" r:id="rId13"/>
+    <p:sldId id="330" r:id="rId14"/>
+    <p:sldId id="331" r:id="rId15"/>
+    <p:sldId id="326" r:id="rId16"/>
+    <p:sldId id="336" r:id="rId17"/>
+    <p:sldId id="332" r:id="rId18"/>
+    <p:sldId id="338" r:id="rId19"/>
+    <p:sldId id="323" r:id="rId20"/>
+    <p:sldId id="263" r:id="rId21"/>
   </p:sldIdLst>
   <p:sldSz cx="12192000" cy="6858000"/>
   <p:notesSz cx="6858000" cy="9144000"/>
@@ -626,78 +627,6 @@
           <a:bodyPr/>
           <a:lstStyle/>
           <a:p>
-            <a:r>
-              <a:rPr lang="zh-CN" altLang="en-US" dirty="0"/>
-              <a:t>展示</a:t>
-            </a:r>
-            <a:r>
-              <a:rPr lang="en-US" altLang="zh-CN" dirty="0"/>
-              <a:t>Normal Noise</a:t>
-            </a:r>
-            <a:r>
-              <a:rPr lang="zh-CN" altLang="en-US" dirty="0"/>
-              <a:t>的效果</a:t>
-            </a:r>
-            <a:r>
-              <a:rPr lang="en-US" altLang="zh-CN" dirty="0"/>
-              <a:t>, </a:t>
-            </a:r>
-            <a:r>
-              <a:rPr lang="zh-CN" altLang="en-US" dirty="0"/>
-              <a:t>这种情况下</a:t>
-            </a:r>
-            <a:r>
-              <a:rPr lang="en-US" altLang="zh-CN" dirty="0"/>
-              <a:t>SSA</a:t>
-            </a:r>
-            <a:r>
-              <a:rPr lang="zh-CN" altLang="en-US" dirty="0"/>
-              <a:t>并不起作用，因为</a:t>
-            </a:r>
-            <a:r>
-              <a:rPr lang="en-US" altLang="zh-CN" dirty="0"/>
-              <a:t>get</a:t>
-            </a:r>
-            <a:r>
-              <a:rPr lang="zh-CN" altLang="en-US" dirty="0"/>
-              <a:t>不到趋势</a:t>
-            </a:r>
-            <a:endParaRPr lang="en-US" altLang="zh-CN" dirty="0"/>
-          </a:p>
-          <a:p>
-            <a:endParaRPr lang="en-US" altLang="zh-CN" dirty="0"/>
-          </a:p>
-          <a:p>
-            <a:r>
-              <a:rPr lang="zh-CN" altLang="en-US" dirty="0"/>
-              <a:t>展示</a:t>
-            </a:r>
-            <a:r>
-              <a:rPr lang="en-US" altLang="zh-CN" dirty="0"/>
-              <a:t>Wiener filter</a:t>
-            </a:r>
-            <a:r>
-              <a:rPr lang="zh-CN" altLang="en-US" dirty="0"/>
-              <a:t>的效果，</a:t>
-            </a:r>
-            <a:r>
-              <a:rPr lang="en-US" altLang="zh-CN" dirty="0"/>
-              <a:t>wiener filter </a:t>
-            </a:r>
-            <a:r>
-              <a:rPr lang="zh-CN" altLang="en-US" dirty="0"/>
-              <a:t>如何应用到了我们算法中去</a:t>
-            </a:r>
-            <a:endParaRPr lang="en-US" altLang="zh-CN" dirty="0"/>
-          </a:p>
-          <a:p>
-            <a:endParaRPr lang="en-US" altLang="zh-CN" dirty="0"/>
-          </a:p>
-          <a:p>
-            <a:r>
-              <a:rPr lang="zh-CN" altLang="en-US" dirty="0"/>
-              <a:t>直接展示结果的表格</a:t>
-            </a:r>
             <a:endParaRPr lang="en-US" altLang="zh-CN" dirty="0"/>
           </a:p>
         </p:txBody>
@@ -728,7 +657,7 @@
     </p:spTree>
     <p:extLst>
       <p:ext uri="{BB962C8B-B14F-4D97-AF65-F5344CB8AC3E}">
-        <p14:creationId xmlns:p14="http://schemas.microsoft.com/office/powerpoint/2010/main" val="3930010153"/>
+        <p14:creationId xmlns:p14="http://schemas.microsoft.com/office/powerpoint/2010/main" val="2966907305"/>
       </p:ext>
     </p:extLst>
   </p:cSld>
@@ -783,78 +712,18 @@
           <a:lstStyle/>
           <a:p>
             <a:r>
-              <a:rPr lang="zh-CN" altLang="en-US" dirty="0"/>
-              <a:t>展示</a:t>
-            </a:r>
-            <a:r>
               <a:rPr lang="en-US" altLang="zh-CN" dirty="0"/>
-              <a:t>Normal Noise</a:t>
-            </a:r>
-            <a:r>
-              <a:rPr lang="zh-CN" altLang="en-US" dirty="0"/>
-              <a:t>的效果</a:t>
-            </a:r>
+              <a:t>In this situation, We cannot get the trend exactly, so the SSA don’t work well.</a:t>
+            </a:r>
+          </a:p>
+          <a:p>
+            <a:endParaRPr lang="en-US" altLang="zh-CN" dirty="0"/>
+          </a:p>
+          <a:p>
             <a:r>
               <a:rPr lang="en-US" altLang="zh-CN" dirty="0"/>
-              <a:t>, </a:t>
-            </a:r>
-            <a:r>
-              <a:rPr lang="zh-CN" altLang="en-US" dirty="0"/>
-              <a:t>这种情况下</a:t>
-            </a:r>
-            <a:r>
-              <a:rPr lang="en-US" altLang="zh-CN" dirty="0"/>
-              <a:t>SSA</a:t>
-            </a:r>
-            <a:r>
-              <a:rPr lang="zh-CN" altLang="en-US" dirty="0"/>
-              <a:t>并不起作用，因为</a:t>
-            </a:r>
-            <a:r>
-              <a:rPr lang="en-US" altLang="zh-CN" dirty="0"/>
-              <a:t>get</a:t>
-            </a:r>
-            <a:r>
-              <a:rPr lang="zh-CN" altLang="en-US" dirty="0"/>
-              <a:t>不到趋势</a:t>
-            </a:r>
-            <a:endParaRPr lang="en-US" altLang="zh-CN" dirty="0"/>
-          </a:p>
-          <a:p>
-            <a:endParaRPr lang="en-US" altLang="zh-CN" dirty="0"/>
-          </a:p>
-          <a:p>
-            <a:r>
-              <a:rPr lang="zh-CN" altLang="en-US" dirty="0"/>
-              <a:t>展示</a:t>
-            </a:r>
-            <a:r>
-              <a:rPr lang="en-US" altLang="zh-CN" dirty="0"/>
-              <a:t>W filter</a:t>
-            </a:r>
-            <a:r>
-              <a:rPr lang="zh-CN" altLang="en-US" dirty="0"/>
-              <a:t>的效果，</a:t>
-            </a:r>
-            <a:r>
-              <a:rPr lang="en-US" altLang="zh-CN" dirty="0"/>
-              <a:t>wiener filter</a:t>
-            </a:r>
-            <a:r>
-              <a:rPr lang="zh-CN" altLang="en-US" dirty="0"/>
-              <a:t>如何应用到了我们算法中去</a:t>
-            </a:r>
-            <a:endParaRPr lang="en-US" altLang="zh-CN" dirty="0"/>
-          </a:p>
-          <a:p>
-            <a:endParaRPr lang="en-US" altLang="zh-CN" dirty="0"/>
-          </a:p>
-          <a:p>
-            <a:r>
-              <a:rPr lang="zh-CN" altLang="en-US" dirty="0"/>
-              <a:t>直接展示结果的表格</a:t>
-            </a:r>
-            <a:endParaRPr lang="en-US" altLang="zh-CN" dirty="0"/>
+              <a:t>You can see the below picture. The signal after SSA is still very noisy.</a:t>
+            </a:r>
           </a:p>
         </p:txBody>
       </p:sp>
@@ -884,7 +753,7 @@
     </p:spTree>
     <p:extLst>
       <p:ext uri="{BB962C8B-B14F-4D97-AF65-F5344CB8AC3E}">
-        <p14:creationId xmlns:p14="http://schemas.microsoft.com/office/powerpoint/2010/main" val="2269488421"/>
+        <p14:creationId xmlns:p14="http://schemas.microsoft.com/office/powerpoint/2010/main" val="2016521019"/>
       </p:ext>
     </p:extLst>
   </p:cSld>
@@ -939,78 +808,51 @@
           <a:lstStyle/>
           <a:p>
             <a:r>
-              <a:rPr lang="zh-CN" altLang="en-US" dirty="0"/>
-              <a:t>展示</a:t>
-            </a:r>
-            <a:r>
               <a:rPr lang="en-US" altLang="zh-CN" dirty="0"/>
-              <a:t>Normal Noise</a:t>
-            </a:r>
-            <a:r>
-              <a:rPr lang="zh-CN" altLang="en-US" dirty="0"/>
-              <a:t>的效果</a:t>
-            </a:r>
+              <a:t>So I design a combination of filters to remove this kind of noise.</a:t>
+            </a:r>
+          </a:p>
+          <a:p>
+            <a:endParaRPr lang="en-US" altLang="zh-CN" dirty="0"/>
+          </a:p>
+          <a:p>
             <a:r>
               <a:rPr lang="en-US" altLang="zh-CN" dirty="0"/>
-              <a:t>, </a:t>
-            </a:r>
-            <a:r>
-              <a:rPr lang="zh-CN" altLang="en-US" dirty="0"/>
-              <a:t>这种情况下</a:t>
-            </a:r>
+              <a:t>First one is the wiener filter. But  wiener filter need to know the statistical information about the noise. </a:t>
+            </a:r>
+          </a:p>
+          <a:p>
             <a:r>
               <a:rPr lang="en-US" altLang="zh-CN" dirty="0"/>
-              <a:t>SSA</a:t>
-            </a:r>
-            <a:r>
-              <a:rPr lang="zh-CN" altLang="en-US" dirty="0"/>
-              <a:t>并不起作用，因为</a:t>
-            </a:r>
+              <a:t>So I try to use the local features to get statistical feature of the noise. Just as the picture  shows, I get the noise between these peaks. </a:t>
+            </a:r>
+          </a:p>
+          <a:p>
+            <a:endParaRPr lang="en-US" altLang="zh-CN" dirty="0"/>
+          </a:p>
+          <a:p>
             <a:r>
               <a:rPr lang="en-US" altLang="zh-CN" dirty="0"/>
-              <a:t>get</a:t>
-            </a:r>
-            <a:r>
-              <a:rPr lang="zh-CN" altLang="en-US" dirty="0"/>
-              <a:t>不到趋势</a:t>
-            </a:r>
+              <a:t>Then I can roughly calculate the SNR and apply Wiener Filter.</a:t>
+            </a:r>
+          </a:p>
+          <a:p>
             <a:endParaRPr lang="en-US" altLang="zh-CN" dirty="0"/>
           </a:p>
           <a:p>
+            <a:r>
+              <a:rPr lang="en-US" altLang="zh-CN" dirty="0"/>
+              <a:t>The Apply  FFT-denoising to remove the Res</a:t>
+            </a:r>
+          </a:p>
+          <a:p>
             <a:endParaRPr lang="en-US" altLang="zh-CN" dirty="0"/>
           </a:p>
           <a:p>
             <a:r>
-              <a:rPr lang="zh-CN" altLang="en-US" dirty="0"/>
-              <a:t>展示</a:t>
-            </a:r>
-            <a:r>
               <a:rPr lang="en-US" altLang="zh-CN" dirty="0"/>
-              <a:t>W filter</a:t>
-            </a:r>
-            <a:r>
-              <a:rPr lang="zh-CN" altLang="en-US" dirty="0"/>
-              <a:t>的效果，</a:t>
-            </a:r>
-            <a:r>
-              <a:rPr lang="en-US" altLang="zh-CN" dirty="0" err="1"/>
-              <a:t>wfilter</a:t>
-            </a:r>
-            <a:r>
-              <a:rPr lang="zh-CN" altLang="en-US" dirty="0"/>
-              <a:t>如何应用到了我们算法中去</a:t>
-            </a:r>
-            <a:endParaRPr lang="en-US" altLang="zh-CN" dirty="0"/>
-          </a:p>
-          <a:p>
-            <a:endParaRPr lang="en-US" altLang="zh-CN" dirty="0"/>
-          </a:p>
-          <a:p>
-            <a:r>
-              <a:rPr lang="zh-CN" altLang="en-US" dirty="0"/>
-              <a:t>直接展示结果的表格</a:t>
-            </a:r>
-            <a:endParaRPr lang="en-US" altLang="zh-CN" dirty="0"/>
+              <a:t>Then extract the features and predict S and D</a:t>
+            </a:r>
           </a:p>
         </p:txBody>
       </p:sp>
@@ -1040,7 +882,7 @@
     </p:spTree>
     <p:extLst>
       <p:ext uri="{BB962C8B-B14F-4D97-AF65-F5344CB8AC3E}">
-        <p14:creationId xmlns:p14="http://schemas.microsoft.com/office/powerpoint/2010/main" val="2966907305"/>
+        <p14:creationId xmlns:p14="http://schemas.microsoft.com/office/powerpoint/2010/main" val="3930010153"/>
       </p:ext>
     </p:extLst>
   </p:cSld>
@@ -1094,78 +936,6 @@
           <a:bodyPr/>
           <a:lstStyle/>
           <a:p>
-            <a:r>
-              <a:rPr lang="zh-CN" altLang="en-US" dirty="0"/>
-              <a:t>展示</a:t>
-            </a:r>
-            <a:r>
-              <a:rPr lang="en-US" altLang="zh-CN" dirty="0"/>
-              <a:t>Normal Noise</a:t>
-            </a:r>
-            <a:r>
-              <a:rPr lang="zh-CN" altLang="en-US" dirty="0"/>
-              <a:t>的效果</a:t>
-            </a:r>
-            <a:r>
-              <a:rPr lang="en-US" altLang="zh-CN" dirty="0"/>
-              <a:t>, </a:t>
-            </a:r>
-            <a:r>
-              <a:rPr lang="zh-CN" altLang="en-US" dirty="0"/>
-              <a:t>这种情况下</a:t>
-            </a:r>
-            <a:r>
-              <a:rPr lang="en-US" altLang="zh-CN" dirty="0"/>
-              <a:t>SSA</a:t>
-            </a:r>
-            <a:r>
-              <a:rPr lang="zh-CN" altLang="en-US" dirty="0"/>
-              <a:t>并不起作用，因为</a:t>
-            </a:r>
-            <a:r>
-              <a:rPr lang="en-US" altLang="zh-CN" dirty="0"/>
-              <a:t>get</a:t>
-            </a:r>
-            <a:r>
-              <a:rPr lang="zh-CN" altLang="en-US" dirty="0"/>
-              <a:t>不到趋势</a:t>
-            </a:r>
-            <a:endParaRPr lang="en-US" altLang="zh-CN" dirty="0"/>
-          </a:p>
-          <a:p>
-            <a:endParaRPr lang="en-US" altLang="zh-CN" dirty="0"/>
-          </a:p>
-          <a:p>
-            <a:r>
-              <a:rPr lang="zh-CN" altLang="en-US" dirty="0"/>
-              <a:t>展示</a:t>
-            </a:r>
-            <a:r>
-              <a:rPr lang="en-US" altLang="zh-CN" dirty="0"/>
-              <a:t>W filter</a:t>
-            </a:r>
-            <a:r>
-              <a:rPr lang="zh-CN" altLang="en-US" dirty="0"/>
-              <a:t>的效果，</a:t>
-            </a:r>
-            <a:r>
-              <a:rPr lang="en-US" altLang="zh-CN" dirty="0" err="1"/>
-              <a:t>wfilter</a:t>
-            </a:r>
-            <a:r>
-              <a:rPr lang="zh-CN" altLang="en-US" dirty="0"/>
-              <a:t>如何应用到了我们算法中去</a:t>
-            </a:r>
-            <a:endParaRPr lang="en-US" altLang="zh-CN" dirty="0"/>
-          </a:p>
-          <a:p>
-            <a:endParaRPr lang="en-US" altLang="zh-CN" dirty="0"/>
-          </a:p>
-          <a:p>
-            <a:r>
-              <a:rPr lang="zh-CN" altLang="en-US" dirty="0"/>
-              <a:t>直接展示结果的表格</a:t>
-            </a:r>
             <a:endParaRPr lang="en-US" altLang="zh-CN" dirty="0"/>
           </a:p>
         </p:txBody>
@@ -1196,7 +966,7 @@
     </p:spTree>
     <p:extLst>
       <p:ext uri="{BB962C8B-B14F-4D97-AF65-F5344CB8AC3E}">
-        <p14:creationId xmlns:p14="http://schemas.microsoft.com/office/powerpoint/2010/main" val="2442243019"/>
+        <p14:creationId xmlns:p14="http://schemas.microsoft.com/office/powerpoint/2010/main" val="2269488421"/>
       </p:ext>
     </p:extLst>
   </p:cSld>
@@ -1250,52 +1020,6 @@
           <a:bodyPr/>
           <a:lstStyle/>
           <a:p>
-            <a:r>
-              <a:rPr lang="zh-CN" altLang="en-US" dirty="0"/>
-              <a:t>展示</a:t>
-            </a:r>
-            <a:r>
-              <a:rPr lang="en-US" altLang="zh-CN" dirty="0"/>
-              <a:t>Nk2</a:t>
-            </a:r>
-            <a:r>
-              <a:rPr lang="zh-CN" altLang="en-US" dirty="0"/>
-              <a:t>的添加和直接添加之间的区别，时域和频域</a:t>
-            </a:r>
-            <a:endParaRPr lang="en-US" altLang="zh-CN" dirty="0"/>
-          </a:p>
-          <a:p>
-            <a:endParaRPr lang="en-US" altLang="zh-CN" dirty="0"/>
-          </a:p>
-          <a:p>
-            <a:r>
-              <a:rPr lang="zh-CN" altLang="en-US" dirty="0"/>
-              <a:t>展示</a:t>
-            </a:r>
-            <a:r>
-              <a:rPr lang="en-US" altLang="zh-CN" dirty="0"/>
-              <a:t>S filter</a:t>
-            </a:r>
-            <a:r>
-              <a:rPr lang="zh-CN" altLang="en-US" dirty="0"/>
-              <a:t>的效果，以及为什么可以代替</a:t>
-            </a:r>
-            <a:r>
-              <a:rPr lang="en-US" altLang="zh-CN" dirty="0"/>
-              <a:t>SSA</a:t>
-            </a:r>
-          </a:p>
-          <a:p>
-            <a:endParaRPr lang="en-US" altLang="zh-CN" dirty="0"/>
-          </a:p>
-          <a:p>
-            <a:r>
-              <a:rPr lang="zh-CN" altLang="en-US" dirty="0"/>
-              <a:t>直接展示结果的表格</a:t>
-            </a:r>
-            <a:endParaRPr lang="en-US" altLang="zh-CN" dirty="0"/>
-          </a:p>
-          <a:p>
             <a:endParaRPr lang="en-US" altLang="zh-CN" dirty="0"/>
           </a:p>
         </p:txBody>
@@ -1326,7 +1050,7 @@
     </p:spTree>
     <p:extLst>
       <p:ext uri="{BB962C8B-B14F-4D97-AF65-F5344CB8AC3E}">
-        <p14:creationId xmlns:p14="http://schemas.microsoft.com/office/powerpoint/2010/main" val="1742597435"/>
+        <p14:creationId xmlns:p14="http://schemas.microsoft.com/office/powerpoint/2010/main" val="2442243019"/>
       </p:ext>
     </p:extLst>
   </p:cSld>
@@ -1380,52 +1104,6 @@
           <a:bodyPr/>
           <a:lstStyle/>
           <a:p>
-            <a:r>
-              <a:rPr lang="zh-CN" altLang="en-US" dirty="0"/>
-              <a:t>展示</a:t>
-            </a:r>
-            <a:r>
-              <a:rPr lang="en-US" altLang="zh-CN" dirty="0"/>
-              <a:t>Nk2</a:t>
-            </a:r>
-            <a:r>
-              <a:rPr lang="zh-CN" altLang="en-US" dirty="0"/>
-              <a:t>的添加和直接添加之间的区别，时域和频域</a:t>
-            </a:r>
-            <a:endParaRPr lang="en-US" altLang="zh-CN" dirty="0"/>
-          </a:p>
-          <a:p>
-            <a:endParaRPr lang="en-US" altLang="zh-CN" dirty="0"/>
-          </a:p>
-          <a:p>
-            <a:r>
-              <a:rPr lang="zh-CN" altLang="en-US" dirty="0"/>
-              <a:t>展示</a:t>
-            </a:r>
-            <a:r>
-              <a:rPr lang="en-US" altLang="zh-CN" dirty="0"/>
-              <a:t>S filter</a:t>
-            </a:r>
-            <a:r>
-              <a:rPr lang="zh-CN" altLang="en-US" dirty="0"/>
-              <a:t>的效果，以及为什么可以代替</a:t>
-            </a:r>
-            <a:r>
-              <a:rPr lang="en-US" altLang="zh-CN" dirty="0"/>
-              <a:t>SSA</a:t>
-            </a:r>
-          </a:p>
-          <a:p>
-            <a:endParaRPr lang="en-US" altLang="zh-CN" dirty="0"/>
-          </a:p>
-          <a:p>
-            <a:r>
-              <a:rPr lang="zh-CN" altLang="en-US" dirty="0"/>
-              <a:t>直接展示结果的表格</a:t>
-            </a:r>
-            <a:endParaRPr lang="en-US" altLang="zh-CN" dirty="0"/>
-          </a:p>
-          <a:p>
             <a:endParaRPr lang="en-US" altLang="zh-CN" dirty="0"/>
           </a:p>
         </p:txBody>
@@ -1456,7 +1134,7 @@
     </p:spTree>
     <p:extLst>
       <p:ext uri="{BB962C8B-B14F-4D97-AF65-F5344CB8AC3E}">
-        <p14:creationId xmlns:p14="http://schemas.microsoft.com/office/powerpoint/2010/main" val="2015111354"/>
+        <p14:creationId xmlns:p14="http://schemas.microsoft.com/office/powerpoint/2010/main" val="1742597435"/>
       </p:ext>
     </p:extLst>
   </p:cSld>
@@ -1510,52 +1188,6 @@
           <a:bodyPr/>
           <a:lstStyle/>
           <a:p>
-            <a:r>
-              <a:rPr lang="zh-CN" altLang="en-US" dirty="0"/>
-              <a:t>展示</a:t>
-            </a:r>
-            <a:r>
-              <a:rPr lang="en-US" altLang="zh-CN" dirty="0"/>
-              <a:t>Nk2</a:t>
-            </a:r>
-            <a:r>
-              <a:rPr lang="zh-CN" altLang="en-US" dirty="0"/>
-              <a:t>的添加和直接添加之间的区别，时域和频域</a:t>
-            </a:r>
-            <a:endParaRPr lang="en-US" altLang="zh-CN" dirty="0"/>
-          </a:p>
-          <a:p>
-            <a:endParaRPr lang="en-US" altLang="zh-CN" dirty="0"/>
-          </a:p>
-          <a:p>
-            <a:r>
-              <a:rPr lang="zh-CN" altLang="en-US" dirty="0"/>
-              <a:t>展示</a:t>
-            </a:r>
-            <a:r>
-              <a:rPr lang="en-US" altLang="zh-CN" dirty="0"/>
-              <a:t>S filter</a:t>
-            </a:r>
-            <a:r>
-              <a:rPr lang="zh-CN" altLang="en-US" dirty="0"/>
-              <a:t>的效果，以及为什么可以代替</a:t>
-            </a:r>
-            <a:r>
-              <a:rPr lang="en-US" altLang="zh-CN" dirty="0"/>
-              <a:t>SSA</a:t>
-            </a:r>
-          </a:p>
-          <a:p>
-            <a:endParaRPr lang="en-US" altLang="zh-CN" dirty="0"/>
-          </a:p>
-          <a:p>
-            <a:r>
-              <a:rPr lang="zh-CN" altLang="en-US" dirty="0"/>
-              <a:t>直接展示结果的表格</a:t>
-            </a:r>
-            <a:endParaRPr lang="en-US" altLang="zh-CN" dirty="0"/>
-          </a:p>
-          <a:p>
             <a:endParaRPr lang="en-US" altLang="zh-CN" dirty="0"/>
           </a:p>
         </p:txBody>
@@ -1586,7 +1218,7 @@
     </p:spTree>
     <p:extLst>
       <p:ext uri="{BB962C8B-B14F-4D97-AF65-F5344CB8AC3E}">
-        <p14:creationId xmlns:p14="http://schemas.microsoft.com/office/powerpoint/2010/main" val="3948487893"/>
+        <p14:creationId xmlns:p14="http://schemas.microsoft.com/office/powerpoint/2010/main" val="2015111354"/>
       </p:ext>
     </p:extLst>
   </p:cSld>
@@ -1640,52 +1272,6 @@
           <a:bodyPr/>
           <a:lstStyle/>
           <a:p>
-            <a:r>
-              <a:rPr lang="zh-CN" altLang="en-US" dirty="0"/>
-              <a:t>展示</a:t>
-            </a:r>
-            <a:r>
-              <a:rPr lang="en-US" altLang="zh-CN" dirty="0"/>
-              <a:t>Nk2</a:t>
-            </a:r>
-            <a:r>
-              <a:rPr lang="zh-CN" altLang="en-US" dirty="0"/>
-              <a:t>的添加和直接添加之间的区别，时域和频域</a:t>
-            </a:r>
-            <a:endParaRPr lang="en-US" altLang="zh-CN" dirty="0"/>
-          </a:p>
-          <a:p>
-            <a:endParaRPr lang="en-US" altLang="zh-CN" dirty="0"/>
-          </a:p>
-          <a:p>
-            <a:r>
-              <a:rPr lang="zh-CN" altLang="en-US" dirty="0"/>
-              <a:t>展示</a:t>
-            </a:r>
-            <a:r>
-              <a:rPr lang="en-US" altLang="zh-CN" dirty="0"/>
-              <a:t>S filter</a:t>
-            </a:r>
-            <a:r>
-              <a:rPr lang="zh-CN" altLang="en-US" dirty="0"/>
-              <a:t>的效果，以及为什么可以代替</a:t>
-            </a:r>
-            <a:r>
-              <a:rPr lang="en-US" altLang="zh-CN" dirty="0"/>
-              <a:t>SSA</a:t>
-            </a:r>
-          </a:p>
-          <a:p>
-            <a:endParaRPr lang="en-US" altLang="zh-CN" dirty="0"/>
-          </a:p>
-          <a:p>
-            <a:r>
-              <a:rPr lang="zh-CN" altLang="en-US" dirty="0"/>
-              <a:t>直接展示结果的表格</a:t>
-            </a:r>
-            <a:endParaRPr lang="en-US" altLang="zh-CN" dirty="0"/>
-          </a:p>
-          <a:p>
             <a:endParaRPr lang="en-US" altLang="zh-CN" dirty="0"/>
           </a:p>
         </p:txBody>
@@ -1716,7 +1302,7 @@
     </p:spTree>
     <p:extLst>
       <p:ext uri="{BB962C8B-B14F-4D97-AF65-F5344CB8AC3E}">
-        <p14:creationId xmlns:p14="http://schemas.microsoft.com/office/powerpoint/2010/main" val="1879780949"/>
+        <p14:creationId xmlns:p14="http://schemas.microsoft.com/office/powerpoint/2010/main" val="3948487893"/>
       </p:ext>
     </p:extLst>
   </p:cSld>
@@ -1770,6 +1356,52 @@
           <a:bodyPr/>
           <a:lstStyle/>
           <a:p>
+            <a:r>
+              <a:rPr lang="zh-CN" altLang="en-US" dirty="0"/>
+              <a:t>展示</a:t>
+            </a:r>
+            <a:r>
+              <a:rPr lang="en-US" altLang="zh-CN" dirty="0"/>
+              <a:t>Nk2</a:t>
+            </a:r>
+            <a:r>
+              <a:rPr lang="zh-CN" altLang="en-US" dirty="0"/>
+              <a:t>的添加和直接添加之间的区别，时域和频域</a:t>
+            </a:r>
+            <a:endParaRPr lang="en-US" altLang="zh-CN" dirty="0"/>
+          </a:p>
+          <a:p>
+            <a:endParaRPr lang="en-US" altLang="zh-CN" dirty="0"/>
+          </a:p>
+          <a:p>
+            <a:r>
+              <a:rPr lang="zh-CN" altLang="en-US" dirty="0"/>
+              <a:t>展示</a:t>
+            </a:r>
+            <a:r>
+              <a:rPr lang="en-US" altLang="zh-CN" dirty="0"/>
+              <a:t>S filter</a:t>
+            </a:r>
+            <a:r>
+              <a:rPr lang="zh-CN" altLang="en-US" dirty="0"/>
+              <a:t>的效果，以及为什么可以代替</a:t>
+            </a:r>
+            <a:r>
+              <a:rPr lang="en-US" altLang="zh-CN" dirty="0"/>
+              <a:t>SSA</a:t>
+            </a:r>
+          </a:p>
+          <a:p>
+            <a:endParaRPr lang="en-US" altLang="zh-CN" dirty="0"/>
+          </a:p>
+          <a:p>
+            <a:r>
+              <a:rPr lang="zh-CN" altLang="en-US" dirty="0"/>
+              <a:t>直接展示结果的表格</a:t>
+            </a:r>
+            <a:endParaRPr lang="en-US" altLang="zh-CN" dirty="0"/>
+          </a:p>
+          <a:p>
             <a:endParaRPr lang="en-US" altLang="zh-CN" dirty="0"/>
           </a:p>
         </p:txBody>
@@ -1800,7 +1432,7 @@
     </p:spTree>
     <p:extLst>
       <p:ext uri="{BB962C8B-B14F-4D97-AF65-F5344CB8AC3E}">
-        <p14:creationId xmlns:p14="http://schemas.microsoft.com/office/powerpoint/2010/main" val="2133028797"/>
+        <p14:creationId xmlns:p14="http://schemas.microsoft.com/office/powerpoint/2010/main" val="1879780949"/>
       </p:ext>
     </p:extLst>
   </p:cSld>
@@ -1854,7 +1486,7 @@
           <a:bodyPr/>
           <a:lstStyle/>
           <a:p>
-            <a:endParaRPr lang="zh-CN" altLang="en-US" dirty="0"/>
+            <a:endParaRPr lang="en-US" altLang="zh-CN" dirty="0"/>
           </a:p>
         </p:txBody>
       </p:sp>
@@ -1884,7 +1516,7 @@
     </p:spTree>
     <p:extLst>
       <p:ext uri="{BB962C8B-B14F-4D97-AF65-F5344CB8AC3E}">
-        <p14:creationId xmlns:p14="http://schemas.microsoft.com/office/powerpoint/2010/main" val="3344493625"/>
+        <p14:creationId xmlns:p14="http://schemas.microsoft.com/office/powerpoint/2010/main" val="2133028797"/>
       </p:ext>
     </p:extLst>
   </p:cSld>
@@ -1969,6 +1601,90 @@
     <p:extLst>
       <p:ext uri="{BB962C8B-B14F-4D97-AF65-F5344CB8AC3E}">
         <p14:creationId xmlns:p14="http://schemas.microsoft.com/office/powerpoint/2010/main" val="3407264430"/>
+      </p:ext>
+    </p:extLst>
+  </p:cSld>
+  <p:clrMapOvr>
+    <a:masterClrMapping/>
+  </p:clrMapOvr>
+</p:notes>
+</file>
+
+<file path=ppt/notesSlides/notesSlide20.xml><?xml version="1.0" encoding="utf-8"?>
+<p:notes xmlns:a="http://schemas.openxmlformats.org/drawingml/2006/main" xmlns:r="http://schemas.openxmlformats.org/officeDocument/2006/relationships" xmlns:p="http://schemas.openxmlformats.org/presentationml/2006/main">
+  <p:cSld>
+    <p:spTree>
+      <p:nvGrpSpPr>
+        <p:cNvPr id="1" name=""/>
+        <p:cNvGrpSpPr/>
+        <p:nvPr/>
+      </p:nvGrpSpPr>
+      <p:grpSpPr>
+        <a:xfrm>
+          <a:off x="0" y="0"/>
+          <a:ext cx="0" cy="0"/>
+          <a:chOff x="0" y="0"/>
+          <a:chExt cx="0" cy="0"/>
+        </a:xfrm>
+      </p:grpSpPr>
+      <p:sp>
+        <p:nvSpPr>
+          <p:cNvPr id="2" name="幻灯片图像占位符 1"/>
+          <p:cNvSpPr>
+            <a:spLocks noGrp="1" noRot="1" noChangeAspect="1"/>
+          </p:cNvSpPr>
+          <p:nvPr>
+            <p:ph type="sldImg"/>
+          </p:nvPr>
+        </p:nvSpPr>
+        <p:spPr/>
+      </p:sp>
+      <p:sp>
+        <p:nvSpPr>
+          <p:cNvPr id="3" name="备注占位符 2"/>
+          <p:cNvSpPr>
+            <a:spLocks noGrp="1"/>
+          </p:cNvSpPr>
+          <p:nvPr>
+            <p:ph type="body" idx="1"/>
+          </p:nvPr>
+        </p:nvSpPr>
+        <p:spPr/>
+        <p:txBody>
+          <a:bodyPr/>
+          <a:lstStyle/>
+          <a:p>
+            <a:endParaRPr lang="zh-CN" altLang="en-US" dirty="0"/>
+          </a:p>
+        </p:txBody>
+      </p:sp>
+      <p:sp>
+        <p:nvSpPr>
+          <p:cNvPr id="4" name="灯片编号占位符 3"/>
+          <p:cNvSpPr>
+            <a:spLocks noGrp="1"/>
+          </p:cNvSpPr>
+          <p:nvPr>
+            <p:ph type="sldNum" sz="quarter" idx="5"/>
+          </p:nvPr>
+        </p:nvSpPr>
+        <p:spPr/>
+        <p:txBody>
+          <a:bodyPr/>
+          <a:lstStyle/>
+          <a:p>
+            <a:fld id="{E39FA662-60CA-45D5-8BB1-0A7D21FB8FF0}" type="slidenum">
+              <a:rPr lang="zh-CN" altLang="en-US" smtClean="0"/>
+              <a:t>20</a:t>
+            </a:fld>
+            <a:endParaRPr lang="zh-CN" altLang="en-US"/>
+          </a:p>
+        </p:txBody>
+      </p:sp>
+    </p:spTree>
+    <p:extLst>
+      <p:ext uri="{BB962C8B-B14F-4D97-AF65-F5344CB8AC3E}">
+        <p14:creationId xmlns:p14="http://schemas.microsoft.com/office/powerpoint/2010/main" val="3344493625"/>
       </p:ext>
     </p:extLst>
   </p:cSld>
@@ -2276,80 +1992,9 @@
           <a:bodyPr/>
           <a:lstStyle/>
           <a:p>
-            <a:r>
-              <a:rPr lang="en-US" altLang="zh-CN" dirty="0"/>
-              <a:t>My second work is removing the impact of </a:t>
-            </a:r>
-            <a:r>
-              <a:rPr lang="en-US" altLang="zh-CN" sz="1200" dirty="0"/>
-              <a:t>respiratory by </a:t>
-            </a:r>
-            <a:r>
-              <a:rPr lang="en-US" altLang="zh-CN" sz="1200" dirty="0" err="1"/>
-              <a:t>fft</a:t>
-            </a:r>
-            <a:r>
-              <a:rPr lang="en-US" altLang="zh-CN" sz="1200" dirty="0"/>
-              <a:t> </a:t>
-            </a:r>
-            <a:r>
-              <a:rPr lang="en-US" altLang="zh-CN" sz="1200" dirty="0" err="1"/>
-              <a:t>denosing</a:t>
-            </a:r>
-            <a:r>
-              <a:rPr lang="en-US" altLang="zh-CN" sz="1200" dirty="0"/>
-              <a:t>.</a:t>
-            </a:r>
-          </a:p>
-          <a:p>
-            <a:endParaRPr lang="en-US" altLang="zh-CN" sz="1200" dirty="0"/>
-          </a:p>
-          <a:p>
-            <a:r>
-              <a:rPr lang="en-US" altLang="zh-CN" sz="1200" dirty="0"/>
-              <a:t>We transform the signal into </a:t>
-            </a:r>
-            <a:r>
-              <a:rPr lang="en-US" altLang="zh-CN" sz="1200" dirty="0" err="1"/>
-              <a:t>freq</a:t>
-            </a:r>
-            <a:r>
-              <a:rPr lang="en-US" altLang="zh-CN" sz="1200" dirty="0"/>
-              <a:t> domain and The first figure is the signal with respiratory and second figure is the signal without respiratory</a:t>
-            </a:r>
-          </a:p>
-          <a:p>
-            <a:r>
-              <a:rPr lang="en-US" altLang="zh-CN" sz="1200" dirty="0"/>
-              <a:t>we can clearly see the difference between them.</a:t>
-            </a:r>
-          </a:p>
-          <a:p>
-            <a:endParaRPr lang="en-US" altLang="zh-CN" sz="1200" dirty="0"/>
-          </a:p>
-          <a:p>
-            <a:r>
-              <a:rPr lang="en-US" altLang="zh-CN" sz="1200" dirty="0"/>
-              <a:t>For Signal with respiratory, peaks in frequency domain are between 2 small peaks.</a:t>
-            </a:r>
-          </a:p>
-          <a:p>
-            <a:endParaRPr lang="en-US" altLang="zh-CN" sz="1200" dirty="0"/>
-          </a:p>
-          <a:p>
-            <a:r>
-              <a:rPr lang="en-US" altLang="zh-CN" sz="1200" dirty="0"/>
-              <a:t>But I haven't fully understood the mathematical principles yet.</a:t>
-            </a:r>
-            <a:endParaRPr lang="zh-CN" altLang="en-US" sz="1200" dirty="0"/>
-          </a:p>
-          <a:p>
-            <a:endParaRPr lang="en-US" altLang="zh-CN" sz="1200" dirty="0"/>
-          </a:p>
-          <a:p>
-            <a:endParaRPr lang="en-US" altLang="zh-CN" sz="1200" dirty="0"/>
-          </a:p>
-          <a:p>
+            <a:pPr marL="0" indent="0">
+              <a:buNone/>
+            </a:pPr>
             <a:endParaRPr lang="en-US" altLang="zh-CN" dirty="0"/>
           </a:p>
         </p:txBody>
@@ -2380,7 +2025,7 @@
     </p:spTree>
     <p:extLst>
       <p:ext uri="{BB962C8B-B14F-4D97-AF65-F5344CB8AC3E}">
-        <p14:creationId xmlns:p14="http://schemas.microsoft.com/office/powerpoint/2010/main" val="3282655697"/>
+        <p14:creationId xmlns:p14="http://schemas.microsoft.com/office/powerpoint/2010/main" val="1182073051"/>
       </p:ext>
     </p:extLst>
   </p:cSld>
@@ -2436,34 +2081,83 @@
           <a:p>
             <a:r>
               <a:rPr lang="en-US" altLang="zh-CN" dirty="0"/>
-              <a:t>FFT Denoising is very suitable for this task.</a:t>
-            </a:r>
+              <a:t>My second work is removing the impact of </a:t>
+            </a:r>
+            <a:r>
+              <a:rPr lang="en-US" altLang="zh-CN" sz="1200" dirty="0"/>
+              <a:t>Respiration by </a:t>
+            </a:r>
+            <a:r>
+              <a:rPr lang="en-US" altLang="zh-CN" sz="1200" dirty="0" err="1"/>
+              <a:t>fft-denosing</a:t>
+            </a:r>
+            <a:r>
+              <a:rPr lang="en-US" altLang="zh-CN" sz="1200" dirty="0"/>
+              <a:t>.</a:t>
+            </a:r>
+          </a:p>
+          <a:p>
+            <a:endParaRPr lang="en-US" altLang="zh-CN" sz="1200" dirty="0"/>
+          </a:p>
+          <a:p>
+            <a:r>
+              <a:rPr lang="en-US" altLang="zh-CN" sz="1200" dirty="0"/>
+              <a:t>I transform the signal into </a:t>
+            </a:r>
+            <a:r>
+              <a:rPr lang="en-US" altLang="zh-CN" sz="1200" dirty="0" err="1"/>
+              <a:t>freq</a:t>
+            </a:r>
+            <a:r>
+              <a:rPr lang="en-US" altLang="zh-CN" sz="1200" dirty="0"/>
+              <a:t> domain and make observation. </a:t>
+            </a:r>
+          </a:p>
+          <a:p>
+            <a:endParaRPr lang="en-US" altLang="zh-CN" sz="1200" dirty="0"/>
+          </a:p>
+          <a:p>
+            <a:r>
+              <a:rPr lang="en-US" altLang="zh-CN" sz="1200" dirty="0"/>
+              <a:t>The first figure is the signal with Respiration and second figure is the signal without Respiration</a:t>
+            </a:r>
+          </a:p>
+          <a:p>
+            <a:endParaRPr lang="en-US" altLang="zh-CN" sz="1200" dirty="0"/>
+          </a:p>
+          <a:p>
+            <a:r>
+              <a:rPr lang="en-US" altLang="zh-CN" sz="1200" dirty="0"/>
+              <a:t>we can clearly see the difference between them.</a:t>
+            </a:r>
+          </a:p>
+          <a:p>
+            <a:endParaRPr lang="en-US" altLang="zh-CN" sz="1200" dirty="0"/>
+          </a:p>
+          <a:p>
+            <a:r>
+              <a:rPr lang="en-US" altLang="zh-CN" sz="1200" dirty="0"/>
+              <a:t>For Signal with respiratory, peaks in frequency domain are between 2 small peaks.</a:t>
+            </a:r>
+          </a:p>
+          <a:p>
+            <a:endParaRPr lang="en-US" altLang="zh-CN" sz="1200" dirty="0"/>
+          </a:p>
+          <a:p>
+            <a:r>
+              <a:rPr lang="en-US" altLang="zh-CN" sz="1200" dirty="0"/>
+              <a:t>But I haven't fully understood the mathematical principles yet.</a:t>
+            </a:r>
+            <a:endParaRPr lang="zh-CN" altLang="en-US" sz="1200" dirty="0"/>
+          </a:p>
+          <a:p>
+            <a:endParaRPr lang="en-US" altLang="zh-CN" sz="1200" dirty="0"/>
+          </a:p>
+          <a:p>
+            <a:endParaRPr lang="en-US" altLang="zh-CN" sz="1200" dirty="0"/>
           </a:p>
           <a:p>
             <a:endParaRPr lang="en-US" altLang="zh-CN" dirty="0"/>
-          </a:p>
-          <a:p>
-            <a:r>
-              <a:rPr lang="en-US" altLang="zh-CN" dirty="0"/>
-              <a:t>If we can set the suitable threshold for the </a:t>
-            </a:r>
-            <a:r>
-              <a:rPr lang="en-US" altLang="zh-CN" dirty="0" err="1"/>
-              <a:t>fft</a:t>
-            </a:r>
-            <a:r>
-              <a:rPr lang="en-US" altLang="zh-CN" dirty="0"/>
-              <a:t> denoising, the small peaks can be removed clearly.</a:t>
-            </a:r>
-          </a:p>
-          <a:p>
-            <a:endParaRPr lang="en-US" altLang="zh-CN" dirty="0"/>
-          </a:p>
-          <a:p>
-            <a:r>
-              <a:rPr lang="en-US" altLang="zh-CN" dirty="0"/>
-              <a:t>I just set the threshold as the equation below. I works well.</a:t>
-            </a:r>
           </a:p>
         </p:txBody>
       </p:sp>
@@ -2493,7 +2187,7 @@
     </p:spTree>
     <p:extLst>
       <p:ext uri="{BB962C8B-B14F-4D97-AF65-F5344CB8AC3E}">
-        <p14:creationId xmlns:p14="http://schemas.microsoft.com/office/powerpoint/2010/main" val="2165392167"/>
+        <p14:creationId xmlns:p14="http://schemas.microsoft.com/office/powerpoint/2010/main" val="3282655697"/>
       </p:ext>
     </p:extLst>
   </p:cSld>
@@ -2549,53 +2243,33 @@
           <a:p>
             <a:r>
               <a:rPr lang="en-US" altLang="zh-CN" dirty="0"/>
-              <a:t>Let’s look at the result.</a:t>
+              <a:t>FFT Denoising is very suitable for this task.</a:t>
             </a:r>
           </a:p>
           <a:p>
             <a:endParaRPr lang="en-US" altLang="zh-CN" dirty="0"/>
           </a:p>
           <a:p>
+            <a:r>
+              <a:rPr lang="en-US" altLang="zh-CN" dirty="0"/>
+              <a:t>If we can set the suitable threshold for the </a:t>
+            </a:r>
+            <a:r>
+              <a:rPr lang="en-US" altLang="zh-CN" dirty="0" err="1"/>
+              <a:t>fft</a:t>
+            </a:r>
+            <a:r>
+              <a:rPr lang="en-US" altLang="zh-CN" dirty="0"/>
+              <a:t> denoising, the small peaks can be removed clearly.</a:t>
+            </a:r>
+          </a:p>
+          <a:p>
             <a:endParaRPr lang="en-US" altLang="zh-CN" dirty="0"/>
           </a:p>
           <a:p>
             <a:r>
               <a:rPr lang="en-US" altLang="zh-CN" dirty="0"/>
-              <a:t>The left two picture are the comparison of original signal and filtered signal. The impact of resp has been removed from the signal.</a:t>
-            </a:r>
-          </a:p>
-          <a:p>
-            <a:endParaRPr lang="en-US" altLang="zh-CN" dirty="0"/>
-          </a:p>
-          <a:p>
-            <a:r>
-              <a:rPr lang="en-US" altLang="zh-CN" dirty="0"/>
-              <a:t>The right 3 pictures are the comparison of signal in frequency </a:t>
-            </a:r>
-            <a:r>
-              <a:rPr lang="en-US" altLang="zh-CN" dirty="0" err="1"/>
-              <a:t>dormain</a:t>
-            </a:r>
-            <a:r>
-              <a:rPr lang="en-US" altLang="zh-CN" dirty="0"/>
-              <a:t>. You can see. Although small peaks next to large peaks are removed, some high-frequency, low-amplitude components are removed either. This will result in subtle </a:t>
-            </a:r>
-            <a:r>
-              <a:rPr lang="en-US" altLang="zh-CN" dirty="0" err="1"/>
-              <a:t>flunctions</a:t>
-            </a:r>
-            <a:r>
-              <a:rPr lang="en-US" altLang="zh-CN" dirty="0"/>
-              <a:t> in signal.</a:t>
-            </a:r>
-          </a:p>
-          <a:p>
-            <a:endParaRPr lang="en-US" altLang="zh-CN" dirty="0"/>
-          </a:p>
-          <a:p>
-            <a:r>
-              <a:rPr lang="en-US" altLang="zh-CN" dirty="0"/>
-              <a:t>But I think the result is acceptable.</a:t>
+              <a:t>I just set the threshold as the equation below. It works well.</a:t>
             </a:r>
           </a:p>
         </p:txBody>
@@ -2626,7 +2300,7 @@
     </p:spTree>
     <p:extLst>
       <p:ext uri="{BB962C8B-B14F-4D97-AF65-F5344CB8AC3E}">
-        <p14:creationId xmlns:p14="http://schemas.microsoft.com/office/powerpoint/2010/main" val="2807369890"/>
+        <p14:creationId xmlns:p14="http://schemas.microsoft.com/office/powerpoint/2010/main" val="2165392167"/>
       </p:ext>
     </p:extLst>
   </p:cSld>
@@ -2681,38 +2355,52 @@
           <a:lstStyle/>
           <a:p>
             <a:r>
-              <a:rPr lang="zh-CN" altLang="en-US" dirty="0"/>
-              <a:t>展示频域的</a:t>
-            </a:r>
+              <a:rPr lang="en-US" altLang="zh-CN" dirty="0"/>
+              <a:t>Let’s look at the result.</a:t>
+            </a:r>
+          </a:p>
+          <a:p>
             <a:endParaRPr lang="en-US" altLang="zh-CN" dirty="0"/>
           </a:p>
           <a:p>
+            <a:r>
+              <a:rPr lang="en-US" altLang="zh-CN" dirty="0"/>
+              <a:t>The left two picture </a:t>
+            </a:r>
+            <a:r>
+              <a:rPr lang="en-US" altLang="zh-CN" dirty="0" err="1"/>
+              <a:t>ares</a:t>
+            </a:r>
+            <a:r>
+              <a:rPr lang="en-US" altLang="zh-CN" dirty="0"/>
+              <a:t> the comparison of original signal and filtered signal. The impact of resp has been removed from the signal.</a:t>
+            </a:r>
+          </a:p>
+          <a:p>
             <a:endParaRPr lang="en-US" altLang="zh-CN" dirty="0"/>
           </a:p>
           <a:p>
             <a:r>
-              <a:rPr lang="zh-CN" altLang="en-US" dirty="0"/>
-              <a:t>展示单个信号使用</a:t>
+              <a:rPr lang="en-US" altLang="zh-CN" dirty="0"/>
+              <a:t>The right 3 pictures are the comparison of signal in frequency domain. You can see. Although small peaks next to large peaks are removed, some high-frequency, low-amplitude components are removed either. This will result in slight  </a:t>
             </a:r>
             <a:r>
               <a:rPr lang="en-US" altLang="zh-CN" dirty="0" err="1"/>
-              <a:t>fft</a:t>
-            </a:r>
-            <a:r>
-              <a:rPr lang="zh-CN" altLang="en-US" dirty="0"/>
-              <a:t>以后的效果</a:t>
-            </a:r>
+              <a:t>flunctuations</a:t>
+            </a:r>
+            <a:r>
+              <a:rPr lang="en-US" altLang="zh-CN" dirty="0"/>
+              <a:t> in signal.</a:t>
+            </a:r>
+          </a:p>
+          <a:p>
             <a:endParaRPr lang="en-US" altLang="zh-CN" dirty="0"/>
           </a:p>
           <a:p>
-            <a:endParaRPr lang="en-US" altLang="zh-CN" dirty="0"/>
-          </a:p>
-          <a:p>
-            <a:r>
-              <a:rPr lang="zh-CN" altLang="en-US" dirty="0"/>
-              <a:t>展示数据集上测试的结果</a:t>
-            </a:r>
-            <a:endParaRPr lang="en-US" altLang="zh-CN" dirty="0"/>
+            <a:r>
+              <a:rPr lang="en-US" altLang="zh-CN" dirty="0"/>
+              <a:t>But I think the result is acceptable.</a:t>
+            </a:r>
           </a:p>
         </p:txBody>
       </p:sp>
@@ -2742,7 +2430,7 @@
     </p:spTree>
     <p:extLst>
       <p:ext uri="{BB962C8B-B14F-4D97-AF65-F5344CB8AC3E}">
-        <p14:creationId xmlns:p14="http://schemas.microsoft.com/office/powerpoint/2010/main" val="2433321848"/>
+        <p14:creationId xmlns:p14="http://schemas.microsoft.com/office/powerpoint/2010/main" val="2807369890"/>
       </p:ext>
     </p:extLst>
   </p:cSld>
@@ -2797,78 +2485,9 @@
           <a:lstStyle/>
           <a:p>
             <a:r>
-              <a:rPr lang="zh-CN" altLang="en-US" dirty="0"/>
-              <a:t>展示</a:t>
-            </a:r>
-            <a:r>
               <a:rPr lang="en-US" altLang="zh-CN" dirty="0"/>
-              <a:t>Normal Noise</a:t>
-            </a:r>
-            <a:r>
-              <a:rPr lang="zh-CN" altLang="en-US" dirty="0"/>
-              <a:t>的效果</a:t>
-            </a:r>
-            <a:r>
-              <a:rPr lang="en-US" altLang="zh-CN" dirty="0"/>
-              <a:t>, </a:t>
-            </a:r>
-            <a:r>
-              <a:rPr lang="zh-CN" altLang="en-US" dirty="0"/>
-              <a:t>这种情况下</a:t>
-            </a:r>
-            <a:r>
-              <a:rPr lang="en-US" altLang="zh-CN" dirty="0"/>
-              <a:t>SSA</a:t>
-            </a:r>
-            <a:r>
-              <a:rPr lang="zh-CN" altLang="en-US" dirty="0"/>
-              <a:t>并不起作用，因为</a:t>
-            </a:r>
-            <a:r>
-              <a:rPr lang="en-US" altLang="zh-CN" dirty="0"/>
-              <a:t>get</a:t>
-            </a:r>
-            <a:r>
-              <a:rPr lang="zh-CN" altLang="en-US" dirty="0"/>
-              <a:t>不到趋势</a:t>
-            </a:r>
-            <a:endParaRPr lang="en-US" altLang="zh-CN" dirty="0"/>
-          </a:p>
-          <a:p>
-            <a:endParaRPr lang="en-US" altLang="zh-CN" dirty="0"/>
-          </a:p>
-          <a:p>
-            <a:r>
-              <a:rPr lang="zh-CN" altLang="en-US" dirty="0"/>
-              <a:t>展示</a:t>
-            </a:r>
-            <a:r>
-              <a:rPr lang="en-US" altLang="zh-CN" dirty="0"/>
-              <a:t>W filter</a:t>
-            </a:r>
-            <a:r>
-              <a:rPr lang="zh-CN" altLang="en-US" dirty="0"/>
-              <a:t>的效果，</a:t>
-            </a:r>
-            <a:r>
-              <a:rPr lang="en-US" altLang="zh-CN" dirty="0" err="1"/>
-              <a:t>wfilter</a:t>
-            </a:r>
-            <a:r>
-              <a:rPr lang="zh-CN" altLang="en-US" dirty="0"/>
-              <a:t>如何应用到了我们算法中去</a:t>
-            </a:r>
-            <a:endParaRPr lang="en-US" altLang="zh-CN" dirty="0"/>
-          </a:p>
-          <a:p>
-            <a:endParaRPr lang="en-US" altLang="zh-CN" dirty="0"/>
-          </a:p>
-          <a:p>
-            <a:r>
-              <a:rPr lang="zh-CN" altLang="en-US" dirty="0"/>
-              <a:t>直接展示结果的表格</a:t>
-            </a:r>
-            <a:endParaRPr lang="en-US" altLang="zh-CN" dirty="0"/>
+              <a:t>Ok, my second work is over. </a:t>
+            </a:r>
           </a:p>
         </p:txBody>
       </p:sp>
@@ -2898,7 +2517,7 @@
     </p:spTree>
     <p:extLst>
       <p:ext uri="{BB962C8B-B14F-4D97-AF65-F5344CB8AC3E}">
-        <p14:creationId xmlns:p14="http://schemas.microsoft.com/office/powerpoint/2010/main" val="868948548"/>
+        <p14:creationId xmlns:p14="http://schemas.microsoft.com/office/powerpoint/2010/main" val="2433321848"/>
       </p:ext>
     </p:extLst>
   </p:cSld>
@@ -2953,77 +2572,29 @@
           <a:lstStyle/>
           <a:p>
             <a:r>
-              <a:rPr lang="zh-CN" altLang="en-US" dirty="0"/>
-              <a:t>展示</a:t>
-            </a:r>
-            <a:r>
               <a:rPr lang="en-US" altLang="zh-CN" dirty="0"/>
-              <a:t>Normal Noise</a:t>
-            </a:r>
-            <a:r>
-              <a:rPr lang="zh-CN" altLang="en-US" dirty="0"/>
-              <a:t>的效果</a:t>
-            </a:r>
+              <a:t>Last week, Prof song, you told me that I should Add the noise that mean is equal to 0</a:t>
+            </a:r>
+          </a:p>
+          <a:p>
             <a:r>
               <a:rPr lang="en-US" altLang="zh-CN" dirty="0"/>
-              <a:t>, </a:t>
-            </a:r>
-            <a:r>
-              <a:rPr lang="zh-CN" altLang="en-US" dirty="0"/>
-              <a:t>这种情况下</a:t>
-            </a:r>
+              <a:t>So I try to add the Normal noise directly.</a:t>
+            </a:r>
+          </a:p>
+          <a:p>
+            <a:endParaRPr lang="en-US" altLang="zh-CN" dirty="0"/>
+          </a:p>
+          <a:p>
             <a:r>
               <a:rPr lang="en-US" altLang="zh-CN" dirty="0"/>
-              <a:t>SSA</a:t>
-            </a:r>
-            <a:r>
-              <a:rPr lang="zh-CN" altLang="en-US" dirty="0"/>
-              <a:t>并不起作用，因为</a:t>
-            </a:r>
-            <a:r>
-              <a:rPr lang="en-US" altLang="zh-CN" dirty="0"/>
-              <a:t>get</a:t>
-            </a:r>
-            <a:r>
-              <a:rPr lang="zh-CN" altLang="en-US" dirty="0"/>
-              <a:t>不到趋势</a:t>
-            </a:r>
+              <a:t>AND the effect of add noise directly is like the picture below. The mean value is 0.</a:t>
+            </a:r>
+          </a:p>
+          <a:p>
             <a:endParaRPr lang="en-US" altLang="zh-CN" dirty="0"/>
           </a:p>
           <a:p>
-            <a:endParaRPr lang="en-US" altLang="zh-CN" dirty="0"/>
-          </a:p>
-          <a:p>
-            <a:r>
-              <a:rPr lang="zh-CN" altLang="en-US" dirty="0"/>
-              <a:t>展示</a:t>
-            </a:r>
-            <a:r>
-              <a:rPr lang="en-US" altLang="zh-CN" dirty="0"/>
-              <a:t>Wiener filter</a:t>
-            </a:r>
-            <a:r>
-              <a:rPr lang="zh-CN" altLang="en-US" dirty="0"/>
-              <a:t>的效果，</a:t>
-            </a:r>
-            <a:r>
-              <a:rPr lang="en-US" altLang="zh-CN" dirty="0"/>
-              <a:t>wiener filter </a:t>
-            </a:r>
-            <a:r>
-              <a:rPr lang="zh-CN" altLang="en-US" dirty="0"/>
-              <a:t>如何应用到了我们算法中去</a:t>
-            </a:r>
-            <a:endParaRPr lang="en-US" altLang="zh-CN" dirty="0"/>
-          </a:p>
-          <a:p>
-            <a:endParaRPr lang="en-US" altLang="zh-CN" dirty="0"/>
-          </a:p>
-          <a:p>
-            <a:r>
-              <a:rPr lang="zh-CN" altLang="en-US" dirty="0"/>
-              <a:t>直接展示结果的表格</a:t>
-            </a:r>
             <a:endParaRPr lang="en-US" altLang="zh-CN" dirty="0"/>
           </a:p>
         </p:txBody>
@@ -3054,7 +2625,7 @@
     </p:spTree>
     <p:extLst>
       <p:ext uri="{BB962C8B-B14F-4D97-AF65-F5344CB8AC3E}">
-        <p14:creationId xmlns:p14="http://schemas.microsoft.com/office/powerpoint/2010/main" val="2016521019"/>
+        <p14:creationId xmlns:p14="http://schemas.microsoft.com/office/powerpoint/2010/main" val="868948548"/>
       </p:ext>
     </p:extLst>
   </p:cSld>
@@ -6476,6 +6047,421 @@
           </a:p>
         </p:txBody>
       </p:sp>
+      <p:pic>
+        <p:nvPicPr>
+          <p:cNvPr id="4" name="图片 3">
+            <a:extLst>
+              <a:ext uri="{FF2B5EF4-FFF2-40B4-BE49-F238E27FC236}">
+                <a16:creationId xmlns:a16="http://schemas.microsoft.com/office/drawing/2014/main" id="{8C0F6751-D50D-4A6C-081C-2432B28BD878}"/>
+              </a:ext>
+            </a:extLst>
+          </p:cNvPr>
+          <p:cNvPicPr>
+            <a:picLocks noChangeAspect="1"/>
+          </p:cNvPicPr>
+          <p:nvPr/>
+        </p:nvPicPr>
+        <p:blipFill rotWithShape="1">
+          <a:blip r:embed="rId3">
+            <a:extLst>
+              <a:ext uri="{28A0092B-C50C-407E-A947-70E740481C1C}">
+                <a14:useLocalDpi xmlns:a14="http://schemas.microsoft.com/office/drawing/2010/main" val="0"/>
+              </a:ext>
+            </a:extLst>
+          </a:blip>
+          <a:srcRect t="6984" r="7278" b="8254"/>
+          <a:stretch/>
+        </p:blipFill>
+        <p:spPr>
+          <a:xfrm>
+            <a:off x="5814255" y="522513"/>
+            <a:ext cx="6374602" cy="5812973"/>
+          </a:xfrm>
+          <a:prstGeom prst="rect">
+            <a:avLst/>
+          </a:prstGeom>
+        </p:spPr>
+      </p:pic>
+      <p:sp>
+        <p:nvSpPr>
+          <p:cNvPr id="2" name="文本框 1">
+            <a:extLst>
+              <a:ext uri="{FF2B5EF4-FFF2-40B4-BE49-F238E27FC236}">
+                <a16:creationId xmlns:a16="http://schemas.microsoft.com/office/drawing/2014/main" id="{D6A092C9-5E88-AB08-A5CE-F1B013523A69}"/>
+              </a:ext>
+            </a:extLst>
+          </p:cNvPr>
+          <p:cNvSpPr txBox="1"/>
+          <p:nvPr/>
+        </p:nvSpPr>
+        <p:spPr>
+          <a:xfrm>
+            <a:off x="119996" y="2713037"/>
+            <a:ext cx="6183863" cy="1477328"/>
+          </a:xfrm>
+          <a:prstGeom prst="rect">
+            <a:avLst/>
+          </a:prstGeom>
+          <a:noFill/>
+        </p:spPr>
+        <p:txBody>
+          <a:bodyPr wrap="square">
+            <a:spAutoFit/>
+          </a:bodyPr>
+          <a:lstStyle/>
+          <a:p>
+            <a:r>
+              <a:rPr lang="en-US" altLang="zh-CN" dirty="0"/>
+              <a:t>Noisy Signal = Clean Signal + </a:t>
+            </a:r>
+            <a:r>
+              <a:rPr lang="en-US" altLang="zh-CN" dirty="0" err="1"/>
+              <a:t>np.random.normal</a:t>
+            </a:r>
+            <a:r>
+              <a:rPr lang="en-US" altLang="zh-CN" dirty="0"/>
+              <a:t>()</a:t>
+            </a:r>
+          </a:p>
+          <a:p>
+            <a:endParaRPr lang="en-US" altLang="zh-CN" dirty="0"/>
+          </a:p>
+          <a:p>
+            <a:r>
+              <a:rPr lang="en-US" altLang="zh-CN" dirty="0"/>
+              <a:t>When normal(mean=0, std=1), we can hardly detect the small peaks. Just as the right 4 figures.</a:t>
+            </a:r>
+            <a:endParaRPr lang="zh-CN" altLang="en-US" dirty="0"/>
+          </a:p>
+        </p:txBody>
+      </p:sp>
+    </p:spTree>
+    <p:extLst>
+      <p:ext uri="{BB962C8B-B14F-4D97-AF65-F5344CB8AC3E}">
+        <p14:creationId xmlns:p14="http://schemas.microsoft.com/office/powerpoint/2010/main" val="3771532472"/>
+      </p:ext>
+    </p:extLst>
+  </p:cSld>
+  <p:clrMapOvr>
+    <a:masterClrMapping/>
+  </p:clrMapOvr>
+</p:sld>
+</file>
+
+<file path=ppt/slides/slide11.xml><?xml version="1.0" encoding="utf-8"?>
+<p:sld xmlns:a="http://schemas.openxmlformats.org/drawingml/2006/main" xmlns:r="http://schemas.openxmlformats.org/officeDocument/2006/relationships" xmlns:p="http://schemas.openxmlformats.org/presentationml/2006/main">
+  <p:cSld>
+    <p:spTree>
+      <p:nvGrpSpPr>
+        <p:cNvPr id="1" name=""/>
+        <p:cNvGrpSpPr/>
+        <p:nvPr/>
+      </p:nvGrpSpPr>
+      <p:grpSpPr>
+        <a:xfrm>
+          <a:off x="0" y="0"/>
+          <a:ext cx="0" cy="0"/>
+          <a:chOff x="0" y="0"/>
+          <a:chExt cx="0" cy="0"/>
+        </a:xfrm>
+      </p:grpSpPr>
+      <p:sp>
+        <p:nvSpPr>
+          <p:cNvPr id="55" name="文本框 54">
+            <a:extLst>
+              <a:ext uri="{FF2B5EF4-FFF2-40B4-BE49-F238E27FC236}">
+                <a16:creationId xmlns:a16="http://schemas.microsoft.com/office/drawing/2014/main" id="{32A2BE86-86A6-F1FC-83EE-91A826B532E5}"/>
+              </a:ext>
+            </a:extLst>
+          </p:cNvPr>
+          <p:cNvSpPr txBox="1"/>
+          <p:nvPr/>
+        </p:nvSpPr>
+        <p:spPr>
+          <a:xfrm>
+            <a:off x="609599" y="106251"/>
+            <a:ext cx="5382827" cy="461665"/>
+          </a:xfrm>
+          <a:prstGeom prst="rect">
+            <a:avLst/>
+          </a:prstGeom>
+          <a:noFill/>
+        </p:spPr>
+        <p:txBody>
+          <a:bodyPr wrap="square" rtlCol="0">
+            <a:spAutoFit/>
+          </a:bodyPr>
+          <a:lstStyle>
+            <a:defPPr>
+              <a:defRPr lang="zh-CN"/>
+            </a:defPPr>
+            <a:lvl1pPr>
+              <a:defRPr sz="2400">
+                <a:latin typeface="Consolas" panose="020B0609020204030204" pitchFamily="49" charset="0"/>
+                <a:cs typeface="Times New Roman" panose="02020603050405020304" pitchFamily="18" charset="0"/>
+              </a:defRPr>
+            </a:lvl1pPr>
+          </a:lstStyle>
+          <a:p>
+            <a:r>
+              <a:rPr lang="en-US" altLang="zh-CN" dirty="0"/>
+              <a:t>Work_3: </a:t>
+            </a:r>
+            <a:r>
+              <a:rPr lang="en-US" altLang="zh-CN" sz="1400" dirty="0"/>
+              <a:t>Remove</a:t>
+            </a:r>
+            <a:r>
+              <a:rPr lang="zh-CN" altLang="en-US" sz="1400" dirty="0"/>
+              <a:t> </a:t>
+            </a:r>
+            <a:r>
+              <a:rPr lang="en-US" altLang="zh-CN" sz="1400" dirty="0"/>
+              <a:t>Normal</a:t>
+            </a:r>
+            <a:r>
+              <a:rPr lang="zh-CN" altLang="en-US" sz="1400" dirty="0"/>
+              <a:t> </a:t>
+            </a:r>
+            <a:r>
+              <a:rPr lang="en-US" altLang="zh-CN" sz="1400" dirty="0"/>
+              <a:t>Nosie</a:t>
+            </a:r>
+            <a:r>
+              <a:rPr lang="zh-CN" altLang="en-US" sz="1400" dirty="0"/>
+              <a:t> </a:t>
+            </a:r>
+            <a:r>
+              <a:rPr lang="en-US" altLang="zh-CN" sz="1400" dirty="0"/>
+              <a:t>and respiratory</a:t>
+            </a:r>
+          </a:p>
+        </p:txBody>
+      </p:sp>
+      <p:pic>
+        <p:nvPicPr>
+          <p:cNvPr id="3" name="图片 2">
+            <a:extLst>
+              <a:ext uri="{FF2B5EF4-FFF2-40B4-BE49-F238E27FC236}">
+                <a16:creationId xmlns:a16="http://schemas.microsoft.com/office/drawing/2014/main" id="{72C2E029-650C-8A32-6069-19A037A7F100}"/>
+              </a:ext>
+            </a:extLst>
+          </p:cNvPr>
+          <p:cNvPicPr>
+            <a:picLocks noChangeAspect="1"/>
+          </p:cNvPicPr>
+          <p:nvPr/>
+        </p:nvPicPr>
+        <p:blipFill>
+          <a:blip r:embed="rId3">
+            <a:extLst>
+              <a:ext uri="{28A0092B-C50C-407E-A947-70E740481C1C}">
+                <a14:useLocalDpi xmlns:a14="http://schemas.microsoft.com/office/drawing/2010/main" val="0"/>
+              </a:ext>
+            </a:extLst>
+          </a:blip>
+          <a:stretch>
+            <a:fillRect/>
+          </a:stretch>
+        </p:blipFill>
+        <p:spPr>
+          <a:xfrm>
+            <a:off x="1524000" y="1513114"/>
+            <a:ext cx="9144000" cy="4572000"/>
+          </a:xfrm>
+          <a:prstGeom prst="rect">
+            <a:avLst/>
+          </a:prstGeom>
+        </p:spPr>
+      </p:pic>
+      <p:sp>
+        <p:nvSpPr>
+          <p:cNvPr id="4" name="文本框 3">
+            <a:extLst>
+              <a:ext uri="{FF2B5EF4-FFF2-40B4-BE49-F238E27FC236}">
+                <a16:creationId xmlns:a16="http://schemas.microsoft.com/office/drawing/2014/main" id="{F7A328F2-5122-D9E7-B092-AC98AC5727D9}"/>
+              </a:ext>
+            </a:extLst>
+          </p:cNvPr>
+          <p:cNvSpPr txBox="1"/>
+          <p:nvPr/>
+        </p:nvSpPr>
+        <p:spPr>
+          <a:xfrm>
+            <a:off x="2387600" y="855849"/>
+            <a:ext cx="6096000" cy="923330"/>
+          </a:xfrm>
+          <a:prstGeom prst="rect">
+            <a:avLst/>
+          </a:prstGeom>
+          <a:noFill/>
+        </p:spPr>
+        <p:txBody>
+          <a:bodyPr wrap="square">
+            <a:spAutoFit/>
+          </a:bodyPr>
+          <a:lstStyle/>
+          <a:p>
+            <a:r>
+              <a:rPr lang="en-US" altLang="zh-CN" dirty="0"/>
+              <a:t>We cannot</a:t>
+            </a:r>
+            <a:r>
+              <a:rPr lang="zh-CN" altLang="en-US" dirty="0"/>
+              <a:t> </a:t>
+            </a:r>
+            <a:r>
+              <a:rPr lang="en-US" altLang="zh-CN" dirty="0"/>
+              <a:t>get</a:t>
+            </a:r>
+            <a:r>
+              <a:rPr lang="zh-CN" altLang="en-US" dirty="0"/>
+              <a:t> </a:t>
+            </a:r>
+            <a:r>
+              <a:rPr lang="en-US" altLang="zh-CN" dirty="0"/>
+              <a:t>the</a:t>
+            </a:r>
+            <a:r>
+              <a:rPr lang="zh-CN" altLang="en-US" dirty="0"/>
+              <a:t> </a:t>
+            </a:r>
+            <a:r>
+              <a:rPr lang="en-US" altLang="zh-CN" dirty="0"/>
+              <a:t>trend</a:t>
+            </a:r>
+            <a:r>
+              <a:rPr lang="zh-CN" altLang="en-US" dirty="0"/>
+              <a:t> </a:t>
+            </a:r>
+            <a:r>
+              <a:rPr lang="en-US" altLang="zh-CN" dirty="0"/>
+              <a:t>of</a:t>
+            </a:r>
+            <a:r>
+              <a:rPr lang="zh-CN" altLang="en-US" dirty="0"/>
+              <a:t> </a:t>
+            </a:r>
+            <a:r>
+              <a:rPr lang="en-US" altLang="zh-CN" dirty="0"/>
+              <a:t>Noisy Signal.</a:t>
+            </a:r>
+          </a:p>
+          <a:p>
+            <a:endParaRPr lang="en-US" altLang="zh-CN" dirty="0"/>
+          </a:p>
+          <a:p>
+            <a:r>
+              <a:rPr lang="en-US" altLang="zh-CN" dirty="0"/>
+              <a:t>SSA don’t work well at this situation.</a:t>
+            </a:r>
+            <a:endParaRPr lang="zh-CN" altLang="en-US" dirty="0"/>
+          </a:p>
+        </p:txBody>
+      </p:sp>
+    </p:spTree>
+    <p:extLst>
+      <p:ext uri="{BB962C8B-B14F-4D97-AF65-F5344CB8AC3E}">
+        <p14:creationId xmlns:p14="http://schemas.microsoft.com/office/powerpoint/2010/main" val="1380181443"/>
+      </p:ext>
+    </p:extLst>
+  </p:cSld>
+  <p:clrMapOvr>
+    <a:masterClrMapping/>
+  </p:clrMapOvr>
+</p:sld>
+</file>
+
+<file path=ppt/slides/slide12.xml><?xml version="1.0" encoding="utf-8"?>
+<p:sld xmlns:a="http://schemas.openxmlformats.org/drawingml/2006/main" xmlns:r="http://schemas.openxmlformats.org/officeDocument/2006/relationships" xmlns:p="http://schemas.openxmlformats.org/presentationml/2006/main">
+  <p:cSld>
+    <p:spTree>
+      <p:nvGrpSpPr>
+        <p:cNvPr id="1" name=""/>
+        <p:cNvGrpSpPr/>
+        <p:nvPr/>
+      </p:nvGrpSpPr>
+      <p:grpSpPr>
+        <a:xfrm>
+          <a:off x="0" y="0"/>
+          <a:ext cx="0" cy="0"/>
+          <a:chOff x="0" y="0"/>
+          <a:chExt cx="0" cy="0"/>
+        </a:xfrm>
+      </p:grpSpPr>
+      <p:sp>
+        <p:nvSpPr>
+          <p:cNvPr id="55" name="文本框 54">
+            <a:extLst>
+              <a:ext uri="{FF2B5EF4-FFF2-40B4-BE49-F238E27FC236}">
+                <a16:creationId xmlns:a16="http://schemas.microsoft.com/office/drawing/2014/main" id="{32A2BE86-86A6-F1FC-83EE-91A826B532E5}"/>
+              </a:ext>
+            </a:extLst>
+          </p:cNvPr>
+          <p:cNvSpPr txBox="1"/>
+          <p:nvPr/>
+        </p:nvSpPr>
+        <p:spPr>
+          <a:xfrm>
+            <a:off x="609599" y="106251"/>
+            <a:ext cx="5382827" cy="461665"/>
+          </a:xfrm>
+          <a:prstGeom prst="rect">
+            <a:avLst/>
+          </a:prstGeom>
+          <a:noFill/>
+        </p:spPr>
+        <p:txBody>
+          <a:bodyPr wrap="square" rtlCol="0">
+            <a:spAutoFit/>
+          </a:bodyPr>
+          <a:lstStyle>
+            <a:defPPr>
+              <a:defRPr lang="zh-CN"/>
+            </a:defPPr>
+            <a:lvl1pPr>
+              <a:defRPr sz="2400">
+                <a:latin typeface="Consolas" panose="020B0609020204030204" pitchFamily="49" charset="0"/>
+                <a:cs typeface="Times New Roman" panose="02020603050405020304" pitchFamily="18" charset="0"/>
+              </a:defRPr>
+            </a:lvl1pPr>
+          </a:lstStyle>
+          <a:p>
+            <a:r>
+              <a:rPr lang="en-US" altLang="zh-CN" dirty="0"/>
+              <a:t>Work_3: </a:t>
+            </a:r>
+            <a:r>
+              <a:rPr lang="en-US" altLang="zh-CN" sz="1400" dirty="0"/>
+              <a:t>Remove</a:t>
+            </a:r>
+            <a:r>
+              <a:rPr lang="zh-CN" altLang="en-US" sz="1400" dirty="0"/>
+              <a:t> </a:t>
+            </a:r>
+            <a:r>
+              <a:rPr lang="en-US" altLang="zh-CN" sz="1400" dirty="0"/>
+              <a:t>Normal</a:t>
+            </a:r>
+            <a:r>
+              <a:rPr lang="zh-CN" altLang="en-US" sz="1400" dirty="0"/>
+              <a:t> </a:t>
+            </a:r>
+            <a:r>
+              <a:rPr lang="en-US" altLang="zh-CN" sz="1400" dirty="0"/>
+              <a:t>Nosie</a:t>
+            </a:r>
+            <a:r>
+              <a:rPr lang="zh-CN" altLang="en-US" sz="1400" dirty="0"/>
+              <a:t> </a:t>
+            </a:r>
+            <a:r>
+              <a:rPr lang="en-US" altLang="zh-CN" sz="1400" dirty="0"/>
+              <a:t>and respiratory</a:t>
+            </a:r>
+          </a:p>
+        </p:txBody>
+      </p:sp>
       <p:sp>
         <p:nvSpPr>
           <p:cNvPr id="2" name="矩形 1">
@@ -7694,7 +7680,7 @@
 </p:sld>
 </file>
 
-<file path=ppt/slides/slide11.xml><?xml version="1.0" encoding="utf-8"?>
+<file path=ppt/slides/slide13.xml><?xml version="1.0" encoding="utf-8"?>
 <p:sld xmlns:a="http://schemas.openxmlformats.org/drawingml/2006/main" xmlns:r="http://schemas.openxmlformats.org/officeDocument/2006/relationships" xmlns:p="http://schemas.openxmlformats.org/presentationml/2006/main">
   <p:cSld>
     <p:spTree>
@@ -7812,7 +7798,7 @@
         </p:blipFill>
         <p:spPr>
           <a:xfrm>
-            <a:off x="1524000" y="2057400"/>
+            <a:off x="1524000" y="2414837"/>
             <a:ext cx="9144000" cy="2743200"/>
           </a:xfrm>
           <a:prstGeom prst="rect">
@@ -7834,8 +7820,8 @@
         </p:nvSpPr>
         <p:spPr>
           <a:xfrm>
-            <a:off x="3149600" y="921657"/>
-            <a:ext cx="5914571" cy="369332"/>
+            <a:off x="2580446" y="1166754"/>
+            <a:ext cx="7383686" cy="923330"/>
           </a:xfrm>
           <a:prstGeom prst="rect">
             <a:avLst/>
@@ -7850,12 +7836,29 @@
           <a:p>
             <a:r>
               <a:rPr lang="en-US" altLang="zh-CN" dirty="0"/>
-              <a:t>Wiener Filter</a:t>
-            </a:r>
-            <a:r>
-              <a:rPr lang="zh-CN" altLang="en-US" dirty="0"/>
-              <a:t>可以初步的抑制噪声</a:t>
-            </a:r>
+              <a:t>The Wiener Filter can preliminarily suppress noise. </a:t>
+            </a:r>
+          </a:p>
+          <a:p>
+            <a:r>
+              <a:rPr lang="en-US" altLang="zh-CN" dirty="0"/>
+              <a:t>It works better than SSA, but this signal is still noisy.</a:t>
+            </a:r>
+          </a:p>
+          <a:p>
+            <a:r>
+              <a:rPr lang="en-US" altLang="zh-CN" dirty="0"/>
+              <a:t>So </a:t>
+            </a:r>
+            <a:r>
+              <a:rPr lang="en-US" altLang="zh-CN" dirty="0" err="1"/>
+              <a:t>fft</a:t>
+            </a:r>
+            <a:r>
+              <a:rPr lang="en-US" altLang="zh-CN" dirty="0"/>
+              <a:t>-denoising should be used too.</a:t>
+            </a:r>
+            <a:endParaRPr lang="zh-CN" altLang="en-US" dirty="0"/>
           </a:p>
         </p:txBody>
       </p:sp>
@@ -7872,145 +7875,7 @@
 </p:sld>
 </file>
 
-<file path=ppt/slides/slide12.xml><?xml version="1.0" encoding="utf-8"?>
-<p:sld xmlns:a="http://schemas.openxmlformats.org/drawingml/2006/main" xmlns:r="http://schemas.openxmlformats.org/officeDocument/2006/relationships" xmlns:p="http://schemas.openxmlformats.org/presentationml/2006/main">
-  <p:cSld>
-    <p:spTree>
-      <p:nvGrpSpPr>
-        <p:cNvPr id="1" name=""/>
-        <p:cNvGrpSpPr/>
-        <p:nvPr/>
-      </p:nvGrpSpPr>
-      <p:grpSpPr>
-        <a:xfrm>
-          <a:off x="0" y="0"/>
-          <a:ext cx="0" cy="0"/>
-          <a:chOff x="0" y="0"/>
-          <a:chExt cx="0" cy="0"/>
-        </a:xfrm>
-      </p:grpSpPr>
-      <p:sp>
-        <p:nvSpPr>
-          <p:cNvPr id="55" name="文本框 54">
-            <a:extLst>
-              <a:ext uri="{FF2B5EF4-FFF2-40B4-BE49-F238E27FC236}">
-                <a16:creationId xmlns:a16="http://schemas.microsoft.com/office/drawing/2014/main" id="{32A2BE86-86A6-F1FC-83EE-91A826B532E5}"/>
-              </a:ext>
-            </a:extLst>
-          </p:cNvPr>
-          <p:cNvSpPr txBox="1"/>
-          <p:nvPr/>
-        </p:nvSpPr>
-        <p:spPr>
-          <a:xfrm>
-            <a:off x="609599" y="106251"/>
-            <a:ext cx="5382827" cy="461665"/>
-          </a:xfrm>
-          <a:prstGeom prst="rect">
-            <a:avLst/>
-          </a:prstGeom>
-          <a:noFill/>
-        </p:spPr>
-        <p:txBody>
-          <a:bodyPr wrap="square" rtlCol="0">
-            <a:spAutoFit/>
-          </a:bodyPr>
-          <a:lstStyle>
-            <a:defPPr>
-              <a:defRPr lang="zh-CN"/>
-            </a:defPPr>
-            <a:lvl1pPr>
-              <a:defRPr sz="2400">
-                <a:latin typeface="Consolas" panose="020B0609020204030204" pitchFamily="49" charset="0"/>
-                <a:cs typeface="Times New Roman" panose="02020603050405020304" pitchFamily="18" charset="0"/>
-              </a:defRPr>
-            </a:lvl1pPr>
-          </a:lstStyle>
-          <a:p>
-            <a:r>
-              <a:rPr lang="en-US" altLang="zh-CN" dirty="0"/>
-              <a:t>Work_3: </a:t>
-            </a:r>
-            <a:r>
-              <a:rPr lang="en-US" altLang="zh-CN" sz="1400" dirty="0"/>
-              <a:t>Remove</a:t>
-            </a:r>
-            <a:r>
-              <a:rPr lang="zh-CN" altLang="en-US" sz="1400" dirty="0"/>
-              <a:t> </a:t>
-            </a:r>
-            <a:r>
-              <a:rPr lang="en-US" altLang="zh-CN" sz="1400" dirty="0"/>
-              <a:t>Normal</a:t>
-            </a:r>
-            <a:r>
-              <a:rPr lang="zh-CN" altLang="en-US" sz="1400" dirty="0"/>
-              <a:t> </a:t>
-            </a:r>
-            <a:r>
-              <a:rPr lang="en-US" altLang="zh-CN" sz="1400" dirty="0"/>
-              <a:t>Nosie</a:t>
-            </a:r>
-            <a:r>
-              <a:rPr lang="zh-CN" altLang="en-US" sz="1400" dirty="0"/>
-              <a:t> </a:t>
-            </a:r>
-            <a:r>
-              <a:rPr lang="en-US" altLang="zh-CN" sz="1400" dirty="0"/>
-              <a:t>and respiratory</a:t>
-            </a:r>
-          </a:p>
-        </p:txBody>
-      </p:sp>
-      <p:pic>
-        <p:nvPicPr>
-          <p:cNvPr id="4" name="图片 3">
-            <a:extLst>
-              <a:ext uri="{FF2B5EF4-FFF2-40B4-BE49-F238E27FC236}">
-                <a16:creationId xmlns:a16="http://schemas.microsoft.com/office/drawing/2014/main" id="{8C0F6751-D50D-4A6C-081C-2432B28BD878}"/>
-              </a:ext>
-            </a:extLst>
-          </p:cNvPr>
-          <p:cNvPicPr>
-            <a:picLocks noChangeAspect="1"/>
-          </p:cNvPicPr>
-          <p:nvPr/>
-        </p:nvPicPr>
-        <p:blipFill rotWithShape="1">
-          <a:blip r:embed="rId3">
-            <a:extLst>
-              <a:ext uri="{28A0092B-C50C-407E-A947-70E740481C1C}">
-                <a14:useLocalDpi xmlns:a14="http://schemas.microsoft.com/office/drawing/2010/main" val="0"/>
-              </a:ext>
-            </a:extLst>
-          </a:blip>
-          <a:srcRect t="6984" r="-1852" b="8254"/>
-          <a:stretch/>
-        </p:blipFill>
-        <p:spPr>
-          <a:xfrm>
-            <a:off x="5094676" y="522513"/>
-            <a:ext cx="6985000" cy="5812973"/>
-          </a:xfrm>
-          <a:prstGeom prst="rect">
-            <a:avLst/>
-          </a:prstGeom>
-        </p:spPr>
-      </p:pic>
-    </p:spTree>
-    <p:extLst>
-      <p:ext uri="{BB962C8B-B14F-4D97-AF65-F5344CB8AC3E}">
-        <p14:creationId xmlns:p14="http://schemas.microsoft.com/office/powerpoint/2010/main" val="3771532472"/>
-      </p:ext>
-    </p:extLst>
-  </p:cSld>
-  <p:clrMapOvr>
-    <a:masterClrMapping/>
-  </p:clrMapOvr>
-</p:sld>
-</file>
-
-<file path=ppt/slides/slide13.xml><?xml version="1.0" encoding="utf-8"?>
+<file path=ppt/slides/slide14.xml><?xml version="1.0" encoding="utf-8"?>
 <p:sld xmlns:a="http://schemas.openxmlformats.org/drawingml/2006/main" xmlns:r="http://schemas.openxmlformats.org/officeDocument/2006/relationships" xmlns:p="http://schemas.openxmlformats.org/presentationml/2006/main">
   <p:cSld>
     <p:spTree>
@@ -8873,264 +8738,85 @@
           </a:graphicData>
         </a:graphic>
       </p:graphicFrame>
+      <p:sp>
+        <p:nvSpPr>
+          <p:cNvPr id="4" name="文本框 3">
+            <a:extLst>
+              <a:ext uri="{FF2B5EF4-FFF2-40B4-BE49-F238E27FC236}">
+                <a16:creationId xmlns:a16="http://schemas.microsoft.com/office/drawing/2014/main" id="{62ED0F16-7429-1A15-0438-E8B949BD57FB}"/>
+              </a:ext>
+            </a:extLst>
+          </p:cNvPr>
+          <p:cNvSpPr txBox="1"/>
+          <p:nvPr/>
+        </p:nvSpPr>
+        <p:spPr>
+          <a:xfrm>
+            <a:off x="1322455" y="5432192"/>
+            <a:ext cx="9933149" cy="1200329"/>
+          </a:xfrm>
+          <a:prstGeom prst="rect">
+            <a:avLst/>
+          </a:prstGeom>
+          <a:noFill/>
+        </p:spPr>
+        <p:txBody>
+          <a:bodyPr wrap="square">
+            <a:spAutoFit/>
+          </a:bodyPr>
+          <a:lstStyle/>
+          <a:p>
+            <a:r>
+              <a:rPr lang="zh-CN" altLang="en-US" dirty="0"/>
+              <a:t>When the standard deviation of noise increases,</a:t>
+            </a:r>
+            <a:endParaRPr lang="en-US" altLang="zh-CN" dirty="0"/>
+          </a:p>
+          <a:p>
+            <a:r>
+              <a:rPr lang="zh-CN" altLang="en-US" dirty="0"/>
+              <a:t>the </a:t>
+            </a:r>
+            <a:r>
+              <a:rPr lang="en-US" altLang="zh-CN" dirty="0"/>
+              <a:t>value </a:t>
+            </a:r>
+            <a:r>
+              <a:rPr lang="zh-CN" altLang="en-US" dirty="0"/>
+              <a:t>of S grows slowly, indicating peaks </a:t>
+            </a:r>
+            <a:r>
+              <a:rPr lang="en-US" altLang="zh-CN" dirty="0"/>
+              <a:t>detection is </a:t>
+            </a:r>
+            <a:r>
+              <a:rPr lang="zh-CN" altLang="en-US" dirty="0"/>
+              <a:t>accurate.</a:t>
+            </a:r>
+            <a:r>
+              <a:rPr lang="en-US" altLang="zh-CN" b="0" i="0" dirty="0">
+                <a:solidFill>
+                  <a:srgbClr val="D1D5DB"/>
+                </a:solidFill>
+                <a:effectLst/>
+                <a:latin typeface="Söhne"/>
+              </a:rPr>
+              <a:t> </a:t>
+            </a:r>
+          </a:p>
+          <a:p>
+            <a:r>
+              <a:rPr lang="en-US" altLang="zh-CN" dirty="0"/>
+              <a:t>However, the value of D increases rapidly, indicating the noise added to peaks cannot be effectively eliminated.</a:t>
+            </a:r>
+            <a:endParaRPr lang="zh-CN" altLang="en-US" dirty="0"/>
+          </a:p>
+        </p:txBody>
+      </p:sp>
     </p:spTree>
     <p:extLst>
       <p:ext uri="{BB962C8B-B14F-4D97-AF65-F5344CB8AC3E}">
         <p14:creationId xmlns:p14="http://schemas.microsoft.com/office/powerpoint/2010/main" val="2166693863"/>
-      </p:ext>
-    </p:extLst>
-  </p:cSld>
-  <p:clrMapOvr>
-    <a:masterClrMapping/>
-  </p:clrMapOvr>
-</p:sld>
-</file>
-
-<file path=ppt/slides/slide14.xml><?xml version="1.0" encoding="utf-8"?>
-<p:sld xmlns:a="http://schemas.openxmlformats.org/drawingml/2006/main" xmlns:r="http://schemas.openxmlformats.org/officeDocument/2006/relationships" xmlns:p="http://schemas.openxmlformats.org/presentationml/2006/main">
-  <p:cSld>
-    <p:spTree>
-      <p:nvGrpSpPr>
-        <p:cNvPr id="1" name=""/>
-        <p:cNvGrpSpPr/>
-        <p:nvPr/>
-      </p:nvGrpSpPr>
-      <p:grpSpPr>
-        <a:xfrm>
-          <a:off x="0" y="0"/>
-          <a:ext cx="0" cy="0"/>
-          <a:chOff x="0" y="0"/>
-          <a:chExt cx="0" cy="0"/>
-        </a:xfrm>
-      </p:grpSpPr>
-      <p:sp>
-        <p:nvSpPr>
-          <p:cNvPr id="55" name="文本框 54">
-            <a:extLst>
-              <a:ext uri="{FF2B5EF4-FFF2-40B4-BE49-F238E27FC236}">
-                <a16:creationId xmlns:a16="http://schemas.microsoft.com/office/drawing/2014/main" id="{32A2BE86-86A6-F1FC-83EE-91A826B532E5}"/>
-              </a:ext>
-            </a:extLst>
-          </p:cNvPr>
-          <p:cNvSpPr txBox="1"/>
-          <p:nvPr/>
-        </p:nvSpPr>
-        <p:spPr>
-          <a:xfrm>
-            <a:off x="609599" y="106251"/>
-            <a:ext cx="7673267" cy="461665"/>
-          </a:xfrm>
-          <a:prstGeom prst="rect">
-            <a:avLst/>
-          </a:prstGeom>
-          <a:noFill/>
-        </p:spPr>
-        <p:txBody>
-          <a:bodyPr wrap="square" rtlCol="0">
-            <a:spAutoFit/>
-          </a:bodyPr>
-          <a:lstStyle>
-            <a:defPPr>
-              <a:defRPr lang="zh-CN"/>
-            </a:defPPr>
-            <a:lvl1pPr>
-              <a:defRPr sz="2400">
-                <a:latin typeface="Consolas" panose="020B0609020204030204" pitchFamily="49" charset="0"/>
-                <a:cs typeface="Times New Roman" panose="02020603050405020304" pitchFamily="18" charset="0"/>
-              </a:defRPr>
-            </a:lvl1pPr>
-          </a:lstStyle>
-          <a:p>
-            <a:r>
-              <a:rPr lang="en-US" altLang="zh-CN" dirty="0"/>
-              <a:t>Work_4: </a:t>
-            </a:r>
-            <a:r>
-              <a:rPr lang="en-US" altLang="zh-CN" sz="1400" dirty="0"/>
-              <a:t>Remove</a:t>
-            </a:r>
-            <a:r>
-              <a:rPr lang="zh-CN" altLang="en-US" sz="1400" dirty="0"/>
-              <a:t> </a:t>
-            </a:r>
-            <a:r>
-              <a:rPr lang="en-US" altLang="zh-CN" sz="1400" dirty="0"/>
-              <a:t>Laplace Noise and Normal Noise added by Neurokit2 </a:t>
-            </a:r>
-          </a:p>
-        </p:txBody>
-      </p:sp>
-      <p:pic>
-        <p:nvPicPr>
-          <p:cNvPr id="5" name="图片 4">
-            <a:extLst>
-              <a:ext uri="{FF2B5EF4-FFF2-40B4-BE49-F238E27FC236}">
-                <a16:creationId xmlns:a16="http://schemas.microsoft.com/office/drawing/2014/main" id="{A16D361E-EF19-ADB4-B8B0-16B162347AD7}"/>
-              </a:ext>
-            </a:extLst>
-          </p:cNvPr>
-          <p:cNvPicPr>
-            <a:picLocks noChangeAspect="1"/>
-          </p:cNvPicPr>
-          <p:nvPr/>
-        </p:nvPicPr>
-        <p:blipFill rotWithShape="1">
-          <a:blip r:embed="rId3">
-            <a:extLst>
-              <a:ext uri="{28A0092B-C50C-407E-A947-70E740481C1C}">
-                <a14:useLocalDpi xmlns:a14="http://schemas.microsoft.com/office/drawing/2010/main" val="0"/>
-              </a:ext>
-            </a:extLst>
-          </a:blip>
-          <a:srcRect l="7339" r="8329"/>
-          <a:stretch/>
-        </p:blipFill>
-        <p:spPr>
-          <a:xfrm>
-            <a:off x="0" y="1828800"/>
-            <a:ext cx="5610687" cy="3961660"/>
-          </a:xfrm>
-          <a:prstGeom prst="rect">
-            <a:avLst/>
-          </a:prstGeom>
-        </p:spPr>
-      </p:pic>
-      <p:pic>
-        <p:nvPicPr>
-          <p:cNvPr id="7" name="图片 6">
-            <a:extLst>
-              <a:ext uri="{FF2B5EF4-FFF2-40B4-BE49-F238E27FC236}">
-                <a16:creationId xmlns:a16="http://schemas.microsoft.com/office/drawing/2014/main" id="{CD2F8546-A6CD-ED66-0BA1-E79558222E47}"/>
-              </a:ext>
-            </a:extLst>
-          </p:cNvPr>
-          <p:cNvPicPr>
-            <a:picLocks noChangeAspect="1"/>
-          </p:cNvPicPr>
-          <p:nvPr/>
-        </p:nvPicPr>
-        <p:blipFill>
-          <a:blip r:embed="rId4">
-            <a:extLst>
-              <a:ext uri="{28A0092B-C50C-407E-A947-70E740481C1C}">
-                <a14:useLocalDpi xmlns:a14="http://schemas.microsoft.com/office/drawing/2010/main" val="0"/>
-              </a:ext>
-            </a:extLst>
-          </a:blip>
-          <a:stretch>
-            <a:fillRect/>
-          </a:stretch>
-        </p:blipFill>
-        <p:spPr>
-          <a:xfrm>
-            <a:off x="5589233" y="1828800"/>
-            <a:ext cx="6602767" cy="3961660"/>
-          </a:xfrm>
-          <a:prstGeom prst="rect">
-            <a:avLst/>
-          </a:prstGeom>
-        </p:spPr>
-      </p:pic>
-      <p:sp>
-        <p:nvSpPr>
-          <p:cNvPr id="2" name="文本框 1">
-            <a:extLst>
-              <a:ext uri="{FF2B5EF4-FFF2-40B4-BE49-F238E27FC236}">
-                <a16:creationId xmlns:a16="http://schemas.microsoft.com/office/drawing/2014/main" id="{CF7C3A1E-2AC0-475B-40AE-496FF548F0C1}"/>
-              </a:ext>
-            </a:extLst>
-          </p:cNvPr>
-          <p:cNvSpPr txBox="1"/>
-          <p:nvPr/>
-        </p:nvSpPr>
-        <p:spPr>
-          <a:xfrm>
-            <a:off x="101600" y="5708133"/>
-            <a:ext cx="6262914" cy="646331"/>
-          </a:xfrm>
-          <a:prstGeom prst="rect">
-            <a:avLst/>
-          </a:prstGeom>
-          <a:noFill/>
-        </p:spPr>
-        <p:txBody>
-          <a:bodyPr wrap="square" rtlCol="0">
-            <a:spAutoFit/>
-          </a:bodyPr>
-          <a:lstStyle/>
-          <a:p>
-            <a:r>
-              <a:rPr lang="en-US" altLang="zh-CN" dirty="0" err="1"/>
-              <a:t>Noisy_Signal</a:t>
-            </a:r>
-            <a:r>
-              <a:rPr lang="en-US" altLang="zh-CN" dirty="0"/>
-              <a:t> = </a:t>
-            </a:r>
-            <a:r>
-              <a:rPr lang="en-US" altLang="zh-CN" dirty="0" err="1"/>
-              <a:t>Clean_Signal</a:t>
-            </a:r>
-            <a:r>
-              <a:rPr lang="en-US" altLang="zh-CN" dirty="0"/>
-              <a:t> + </a:t>
-            </a:r>
-            <a:r>
-              <a:rPr lang="en-US" altLang="zh-CN" dirty="0" err="1"/>
-              <a:t>np.random.normal</a:t>
-            </a:r>
-            <a:r>
-              <a:rPr lang="en-US" altLang="zh-CN" dirty="0"/>
-              <a:t>()</a:t>
-            </a:r>
-          </a:p>
-          <a:p>
-            <a:r>
-              <a:rPr lang="en-US" altLang="zh-CN" dirty="0"/>
-              <a:t>Noise is added to all frequency.</a:t>
-            </a:r>
-          </a:p>
-        </p:txBody>
-      </p:sp>
-      <p:sp>
-        <p:nvSpPr>
-          <p:cNvPr id="3" name="文本框 2">
-            <a:extLst>
-              <a:ext uri="{FF2B5EF4-FFF2-40B4-BE49-F238E27FC236}">
-                <a16:creationId xmlns:a16="http://schemas.microsoft.com/office/drawing/2014/main" id="{99199C39-ECFB-1874-E11B-D924FC5A9C24}"/>
-              </a:ext>
-            </a:extLst>
-          </p:cNvPr>
-          <p:cNvSpPr txBox="1"/>
-          <p:nvPr/>
-        </p:nvSpPr>
-        <p:spPr>
-          <a:xfrm>
-            <a:off x="101600" y="1397390"/>
-            <a:ext cx="6262914" cy="646331"/>
-          </a:xfrm>
-          <a:prstGeom prst="rect">
-            <a:avLst/>
-          </a:prstGeom>
-          <a:noFill/>
-        </p:spPr>
-        <p:txBody>
-          <a:bodyPr wrap="square" rtlCol="0">
-            <a:spAutoFit/>
-          </a:bodyPr>
-          <a:lstStyle/>
-          <a:p>
-            <a:r>
-              <a:rPr lang="en-US" altLang="zh-CN" dirty="0"/>
-              <a:t>Normal Noise added by NeuroKit2 is in low frequency</a:t>
-            </a:r>
-          </a:p>
-        </p:txBody>
-      </p:sp>
-    </p:spTree>
-    <p:extLst>
-      <p:ext uri="{BB962C8B-B14F-4D97-AF65-F5344CB8AC3E}">
-        <p14:creationId xmlns:p14="http://schemas.microsoft.com/office/powerpoint/2010/main" val="3901107781"/>
       </p:ext>
     </p:extLst>
   </p:cSld>
@@ -9214,178 +8900,12 @@
           </a:p>
         </p:txBody>
       </p:sp>
-      <p:sp>
-        <p:nvSpPr>
-          <p:cNvPr id="3" name="文本框 2">
-            <a:extLst>
-              <a:ext uri="{FF2B5EF4-FFF2-40B4-BE49-F238E27FC236}">
-                <a16:creationId xmlns:a16="http://schemas.microsoft.com/office/drawing/2014/main" id="{99199C39-ECFB-1874-E11B-D924FC5A9C24}"/>
-              </a:ext>
-            </a:extLst>
-          </p:cNvPr>
-          <p:cNvSpPr txBox="1"/>
-          <p:nvPr/>
-        </p:nvSpPr>
-        <p:spPr>
-          <a:xfrm>
-            <a:off x="406400" y="1140637"/>
-            <a:ext cx="6262914" cy="923330"/>
-          </a:xfrm>
-          <a:prstGeom prst="rect">
-            <a:avLst/>
-          </a:prstGeom>
-          <a:noFill/>
-        </p:spPr>
-        <p:txBody>
-          <a:bodyPr wrap="square" rtlCol="0">
-            <a:spAutoFit/>
-          </a:bodyPr>
-          <a:lstStyle/>
-          <a:p>
-            <a:r>
-              <a:rPr lang="zh-CN" altLang="en-US" dirty="0"/>
-              <a:t>使用</a:t>
-            </a:r>
-            <a:r>
-              <a:rPr lang="en-US" altLang="zh-CN" dirty="0"/>
-              <a:t>SSA</a:t>
-            </a:r>
-            <a:r>
-              <a:rPr lang="zh-CN" altLang="en-US" dirty="0"/>
-              <a:t>，仅仅是为了滤除低频信号，也就是</a:t>
-            </a:r>
-            <a:r>
-              <a:rPr lang="en-US" altLang="zh-CN" dirty="0"/>
-              <a:t>Trend</a:t>
-            </a:r>
-            <a:r>
-              <a:rPr lang="zh-CN" altLang="en-US" dirty="0"/>
-              <a:t>。</a:t>
-            </a:r>
-            <a:endParaRPr lang="en-US" altLang="zh-CN" dirty="0"/>
-          </a:p>
-          <a:p>
-            <a:endParaRPr lang="en-US" altLang="zh-CN" dirty="0"/>
-          </a:p>
-          <a:p>
-            <a:r>
-              <a:rPr lang="zh-CN" altLang="en-US" dirty="0"/>
-              <a:t>而我们有很多类似的方法，能够达到和</a:t>
-            </a:r>
-            <a:r>
-              <a:rPr lang="en-US" altLang="zh-CN" dirty="0"/>
-              <a:t>SSA</a:t>
-            </a:r>
-            <a:r>
-              <a:rPr lang="zh-CN" altLang="en-US" dirty="0"/>
-              <a:t>类似的效果。</a:t>
-            </a:r>
-            <a:endParaRPr lang="en-US" altLang="zh-CN" dirty="0"/>
-          </a:p>
-        </p:txBody>
-      </p:sp>
-      <p:sp>
-        <p:nvSpPr>
-          <p:cNvPr id="4" name="文本框 3">
-            <a:extLst>
-              <a:ext uri="{FF2B5EF4-FFF2-40B4-BE49-F238E27FC236}">
-                <a16:creationId xmlns:a16="http://schemas.microsoft.com/office/drawing/2014/main" id="{9D24AA7B-C77F-EE71-7585-E0306038D60D}"/>
-              </a:ext>
-            </a:extLst>
-          </p:cNvPr>
-          <p:cNvSpPr txBox="1"/>
-          <p:nvPr/>
-        </p:nvSpPr>
-        <p:spPr>
-          <a:xfrm>
-            <a:off x="551542" y="2398875"/>
-            <a:ext cx="6262914" cy="369332"/>
-          </a:xfrm>
-          <a:prstGeom prst="rect">
-            <a:avLst/>
-          </a:prstGeom>
-          <a:noFill/>
-        </p:spPr>
-        <p:txBody>
-          <a:bodyPr wrap="square" rtlCol="0">
-            <a:spAutoFit/>
-          </a:bodyPr>
-          <a:lstStyle/>
-          <a:p>
-            <a:r>
-              <a:rPr lang="zh-CN" altLang="en-US" dirty="0"/>
-              <a:t>分解后再重组，从而得到低频信号 </a:t>
-            </a:r>
-            <a:r>
-              <a:rPr lang="en-US" altLang="zh-CN" dirty="0"/>
-              <a:t>= </a:t>
-            </a:r>
-            <a:r>
-              <a:rPr lang="zh-CN" altLang="en-US" dirty="0"/>
-              <a:t>直接对信号进行平滑</a:t>
-            </a:r>
-            <a:endParaRPr lang="en-US" altLang="zh-CN" dirty="0"/>
-          </a:p>
-        </p:txBody>
-      </p:sp>
-      <p:sp>
-        <p:nvSpPr>
-          <p:cNvPr id="2" name="文本框 1">
-            <a:extLst>
-              <a:ext uri="{FF2B5EF4-FFF2-40B4-BE49-F238E27FC236}">
-                <a16:creationId xmlns:a16="http://schemas.microsoft.com/office/drawing/2014/main" id="{0FF5432D-CC10-065A-FFBA-C64C690CE6A8}"/>
-              </a:ext>
-            </a:extLst>
-          </p:cNvPr>
-          <p:cNvSpPr txBox="1"/>
-          <p:nvPr/>
-        </p:nvSpPr>
-        <p:spPr>
-          <a:xfrm>
-            <a:off x="551542" y="3581774"/>
-            <a:ext cx="6262914" cy="369332"/>
-          </a:xfrm>
-          <a:prstGeom prst="rect">
-            <a:avLst/>
-          </a:prstGeom>
-          <a:noFill/>
-        </p:spPr>
-        <p:txBody>
-          <a:bodyPr wrap="square" rtlCol="0">
-            <a:spAutoFit/>
-          </a:bodyPr>
-          <a:lstStyle/>
-          <a:p>
-            <a:r>
-              <a:rPr lang="zh-CN" altLang="en-US" dirty="0"/>
-              <a:t>对于同一个信号，使用</a:t>
-            </a:r>
-            <a:r>
-              <a:rPr lang="en-US" altLang="zh-CN" dirty="0"/>
-              <a:t>SSA</a:t>
-            </a:r>
-            <a:r>
-              <a:rPr lang="zh-CN" altLang="en-US" dirty="0"/>
-              <a:t>和</a:t>
-            </a:r>
-            <a:r>
-              <a:rPr lang="en-US" altLang="zh-CN" dirty="0"/>
-              <a:t>S filter</a:t>
-            </a:r>
-            <a:r>
-              <a:rPr lang="zh-CN" altLang="en-US" dirty="0"/>
-              <a:t>的效果对比图</a:t>
-            </a:r>
-            <a:endParaRPr lang="en-US" altLang="zh-CN" dirty="0"/>
-          </a:p>
-        </p:txBody>
-      </p:sp>
       <p:pic>
         <p:nvPicPr>
-          <p:cNvPr id="6" name="图片 5">
-            <a:extLst>
-              <a:ext uri="{FF2B5EF4-FFF2-40B4-BE49-F238E27FC236}">
-                <a16:creationId xmlns:a16="http://schemas.microsoft.com/office/drawing/2014/main" id="{A04442B1-2FB5-FB25-D5E5-572AACC0387B}"/>
+          <p:cNvPr id="5" name="图片 4">
+            <a:extLst>
+              <a:ext uri="{FF2B5EF4-FFF2-40B4-BE49-F238E27FC236}">
+                <a16:creationId xmlns:a16="http://schemas.microsoft.com/office/drawing/2014/main" id="{A16D361E-EF19-ADB4-B8B0-16B162347AD7}"/>
               </a:ext>
             </a:extLst>
           </p:cNvPr>
@@ -9394,7 +8914,7 @@
           </p:cNvPicPr>
           <p:nvPr/>
         </p:nvPicPr>
-        <p:blipFill>
+        <p:blipFill rotWithShape="1">
           <a:blip r:embed="rId3">
             <a:extLst>
               <a:ext uri="{28A0092B-C50C-407E-A947-70E740481C1C}">
@@ -9402,14 +8922,13 @@
               </a:ext>
             </a:extLst>
           </a:blip>
-          <a:stretch>
-            <a:fillRect/>
-          </a:stretch>
+          <a:srcRect l="7339" r="8329"/>
+          <a:stretch/>
         </p:blipFill>
         <p:spPr>
           <a:xfrm>
-            <a:off x="4017600" y="273917"/>
-            <a:ext cx="8174400" cy="3406000"/>
+            <a:off x="0" y="2048131"/>
+            <a:ext cx="5610687" cy="3961660"/>
           </a:xfrm>
           <a:prstGeom prst="rect">
             <a:avLst/>
@@ -9418,10 +8937,10 @@
       </p:pic>
       <p:pic>
         <p:nvPicPr>
-          <p:cNvPr id="8" name="图片 7">
-            <a:extLst>
-              <a:ext uri="{FF2B5EF4-FFF2-40B4-BE49-F238E27FC236}">
-                <a16:creationId xmlns:a16="http://schemas.microsoft.com/office/drawing/2014/main" id="{437DBC10-04F5-336E-2AC7-32D5E10519D2}"/>
+          <p:cNvPr id="7" name="图片 6">
+            <a:extLst>
+              <a:ext uri="{FF2B5EF4-FFF2-40B4-BE49-F238E27FC236}">
+                <a16:creationId xmlns:a16="http://schemas.microsoft.com/office/drawing/2014/main" id="{CD2F8546-A6CD-ED66-0BA1-E79558222E47}"/>
               </a:ext>
             </a:extLst>
           </p:cNvPr>
@@ -9444,18 +8963,67 @@
         </p:blipFill>
         <p:spPr>
           <a:xfrm>
-            <a:off x="4017600" y="3452000"/>
-            <a:ext cx="8174400" cy="3406000"/>
+            <a:off x="5589233" y="2130458"/>
+            <a:ext cx="6602767" cy="3961660"/>
           </a:xfrm>
           <a:prstGeom prst="rect">
             <a:avLst/>
           </a:prstGeom>
         </p:spPr>
       </p:pic>
+      <p:sp>
+        <p:nvSpPr>
+          <p:cNvPr id="3" name="文本框 2">
+            <a:extLst>
+              <a:ext uri="{FF2B5EF4-FFF2-40B4-BE49-F238E27FC236}">
+                <a16:creationId xmlns:a16="http://schemas.microsoft.com/office/drawing/2014/main" id="{99199C39-ECFB-1874-E11B-D924FC5A9C24}"/>
+              </a:ext>
+            </a:extLst>
+          </p:cNvPr>
+          <p:cNvSpPr txBox="1"/>
+          <p:nvPr/>
+        </p:nvSpPr>
+        <p:spPr>
+          <a:xfrm>
+            <a:off x="617455" y="1037471"/>
+            <a:ext cx="10957090" cy="646331"/>
+          </a:xfrm>
+          <a:prstGeom prst="rect">
+            <a:avLst/>
+          </a:prstGeom>
+          <a:noFill/>
+        </p:spPr>
+        <p:txBody>
+          <a:bodyPr wrap="square" rtlCol="0">
+            <a:spAutoFit/>
+          </a:bodyPr>
+          <a:lstStyle/>
+          <a:p>
+            <a:r>
+              <a:rPr lang="en-US" altLang="zh-CN" dirty="0"/>
+              <a:t>Noises added by Neurokit2 are different from these added manually(</a:t>
+            </a:r>
+            <a:r>
+              <a:rPr lang="en-US" altLang="zh-CN" dirty="0" err="1"/>
+              <a:t>np.random.normal</a:t>
+            </a:r>
+            <a:r>
+              <a:rPr lang="en-US" altLang="zh-CN" dirty="0"/>
+              <a:t>())</a:t>
+            </a:r>
+          </a:p>
+          <a:p>
+            <a:r>
+              <a:rPr lang="en-US" altLang="zh-CN" dirty="0"/>
+              <a:t>Noises from Nk2 will make signal have trend, which means noises are low-frequent.</a:t>
+            </a:r>
+          </a:p>
+        </p:txBody>
+      </p:sp>
     </p:spTree>
     <p:extLst>
       <p:ext uri="{BB962C8B-B14F-4D97-AF65-F5344CB8AC3E}">
-        <p14:creationId xmlns:p14="http://schemas.microsoft.com/office/powerpoint/2010/main" val="1066868998"/>
+        <p14:creationId xmlns:p14="http://schemas.microsoft.com/office/powerpoint/2010/main" val="3901107781"/>
       </p:ext>
     </p:extLst>
   </p:cSld>
@@ -9539,6 +9107,236 @@
           </a:p>
         </p:txBody>
       </p:sp>
+      <p:sp>
+        <p:nvSpPr>
+          <p:cNvPr id="3" name="文本框 2">
+            <a:extLst>
+              <a:ext uri="{FF2B5EF4-FFF2-40B4-BE49-F238E27FC236}">
+                <a16:creationId xmlns:a16="http://schemas.microsoft.com/office/drawing/2014/main" id="{99199C39-ECFB-1874-E11B-D924FC5A9C24}"/>
+              </a:ext>
+            </a:extLst>
+          </p:cNvPr>
+          <p:cNvSpPr txBox="1"/>
+          <p:nvPr/>
+        </p:nvSpPr>
+        <p:spPr>
+          <a:xfrm>
+            <a:off x="75414" y="1942590"/>
+            <a:ext cx="5684363" cy="3139321"/>
+          </a:xfrm>
+          <a:prstGeom prst="rect">
+            <a:avLst/>
+          </a:prstGeom>
+          <a:noFill/>
+        </p:spPr>
+        <p:txBody>
+          <a:bodyPr wrap="square" rtlCol="0">
+            <a:spAutoFit/>
+          </a:bodyPr>
+          <a:lstStyle/>
+          <a:p>
+            <a:r>
+              <a:rPr lang="en-US" altLang="zh-CN" dirty="0"/>
+              <a:t>SSA is primarily used to get low-frequency signals (trends). However, there are many similar methods can achieve results.</a:t>
+            </a:r>
+          </a:p>
+          <a:p>
+            <a:endParaRPr lang="en-US" altLang="zh-CN" dirty="0"/>
+          </a:p>
+          <a:p>
+            <a:r>
+              <a:rPr lang="en-US" altLang="zh-CN" b="1" dirty="0"/>
+              <a:t>Decomposition and reconstruction to get low-frequency signals </a:t>
+            </a:r>
+            <a:r>
+              <a:rPr lang="en-US" altLang="zh-CN" dirty="0"/>
+              <a:t>is equivalent to </a:t>
+            </a:r>
+            <a:r>
+              <a:rPr lang="en-US" altLang="zh-CN" b="1" dirty="0"/>
+              <a:t>directly smoothing the signal</a:t>
+            </a:r>
+            <a:r>
+              <a:rPr lang="en-US" altLang="zh-CN" dirty="0"/>
+              <a:t>.</a:t>
+            </a:r>
+          </a:p>
+          <a:p>
+            <a:endParaRPr lang="en-US" altLang="zh-CN" dirty="0"/>
+          </a:p>
+          <a:p>
+            <a:r>
+              <a:rPr lang="en-US" altLang="zh-CN" dirty="0"/>
+              <a:t>For the same signal, here is a comparison of the effectiveness of SSA and </a:t>
+            </a:r>
+            <a:r>
+              <a:rPr lang="en-US" altLang="zh-CN" dirty="0" err="1"/>
+              <a:t>Savgol</a:t>
+            </a:r>
+            <a:r>
+              <a:rPr lang="en-US" altLang="zh-CN" dirty="0"/>
+              <a:t> filter.</a:t>
+            </a:r>
+          </a:p>
+        </p:txBody>
+      </p:sp>
+      <p:pic>
+        <p:nvPicPr>
+          <p:cNvPr id="6" name="图片 5">
+            <a:extLst>
+              <a:ext uri="{FF2B5EF4-FFF2-40B4-BE49-F238E27FC236}">
+                <a16:creationId xmlns:a16="http://schemas.microsoft.com/office/drawing/2014/main" id="{A04442B1-2FB5-FB25-D5E5-572AACC0387B}"/>
+              </a:ext>
+            </a:extLst>
+          </p:cNvPr>
+          <p:cNvPicPr>
+            <a:picLocks noChangeAspect="1"/>
+          </p:cNvPicPr>
+          <p:nvPr/>
+        </p:nvPicPr>
+        <p:blipFill rotWithShape="1">
+          <a:blip r:embed="rId3">
+            <a:extLst>
+              <a:ext uri="{28A0092B-C50C-407E-A947-70E740481C1C}">
+                <a14:useLocalDpi xmlns:a14="http://schemas.microsoft.com/office/drawing/2010/main" val="0"/>
+              </a:ext>
+            </a:extLst>
+          </a:blip>
+          <a:srcRect l="9396" r="8457"/>
+          <a:stretch/>
+        </p:blipFill>
+        <p:spPr>
+          <a:xfrm>
+            <a:off x="5476973" y="189501"/>
+            <a:ext cx="6715027" cy="3406000"/>
+          </a:xfrm>
+          <a:prstGeom prst="rect">
+            <a:avLst/>
+          </a:prstGeom>
+        </p:spPr>
+      </p:pic>
+      <p:pic>
+        <p:nvPicPr>
+          <p:cNvPr id="8" name="图片 7">
+            <a:extLst>
+              <a:ext uri="{FF2B5EF4-FFF2-40B4-BE49-F238E27FC236}">
+                <a16:creationId xmlns:a16="http://schemas.microsoft.com/office/drawing/2014/main" id="{437DBC10-04F5-336E-2AC7-32D5E10519D2}"/>
+              </a:ext>
+            </a:extLst>
+          </p:cNvPr>
+          <p:cNvPicPr>
+            <a:picLocks noChangeAspect="1"/>
+          </p:cNvPicPr>
+          <p:nvPr/>
+        </p:nvPicPr>
+        <p:blipFill rotWithShape="1">
+          <a:blip r:embed="rId4">
+            <a:extLst>
+              <a:ext uri="{28A0092B-C50C-407E-A947-70E740481C1C}">
+                <a14:useLocalDpi xmlns:a14="http://schemas.microsoft.com/office/drawing/2010/main" val="0"/>
+              </a:ext>
+            </a:extLst>
+          </a:blip>
+          <a:srcRect l="9396" r="8457"/>
+          <a:stretch/>
+        </p:blipFill>
+        <p:spPr>
+          <a:xfrm>
+            <a:off x="5476973" y="3429000"/>
+            <a:ext cx="6715027" cy="3406000"/>
+          </a:xfrm>
+          <a:prstGeom prst="rect">
+            <a:avLst/>
+          </a:prstGeom>
+        </p:spPr>
+      </p:pic>
+    </p:spTree>
+    <p:extLst>
+      <p:ext uri="{BB962C8B-B14F-4D97-AF65-F5344CB8AC3E}">
+        <p14:creationId xmlns:p14="http://schemas.microsoft.com/office/powerpoint/2010/main" val="1066868998"/>
+      </p:ext>
+    </p:extLst>
+  </p:cSld>
+  <p:clrMapOvr>
+    <a:masterClrMapping/>
+  </p:clrMapOvr>
+</p:sld>
+</file>
+
+<file path=ppt/slides/slide17.xml><?xml version="1.0" encoding="utf-8"?>
+<p:sld xmlns:a="http://schemas.openxmlformats.org/drawingml/2006/main" xmlns:r="http://schemas.openxmlformats.org/officeDocument/2006/relationships" xmlns:p="http://schemas.openxmlformats.org/presentationml/2006/main">
+  <p:cSld>
+    <p:spTree>
+      <p:nvGrpSpPr>
+        <p:cNvPr id="1" name=""/>
+        <p:cNvGrpSpPr/>
+        <p:nvPr/>
+      </p:nvGrpSpPr>
+      <p:grpSpPr>
+        <a:xfrm>
+          <a:off x="0" y="0"/>
+          <a:ext cx="0" cy="0"/>
+          <a:chOff x="0" y="0"/>
+          <a:chExt cx="0" cy="0"/>
+        </a:xfrm>
+      </p:grpSpPr>
+      <p:sp>
+        <p:nvSpPr>
+          <p:cNvPr id="55" name="文本框 54">
+            <a:extLst>
+              <a:ext uri="{FF2B5EF4-FFF2-40B4-BE49-F238E27FC236}">
+                <a16:creationId xmlns:a16="http://schemas.microsoft.com/office/drawing/2014/main" id="{32A2BE86-86A6-F1FC-83EE-91A826B532E5}"/>
+              </a:ext>
+            </a:extLst>
+          </p:cNvPr>
+          <p:cNvSpPr txBox="1"/>
+          <p:nvPr/>
+        </p:nvSpPr>
+        <p:spPr>
+          <a:xfrm>
+            <a:off x="609599" y="106251"/>
+            <a:ext cx="7673267" cy="461665"/>
+          </a:xfrm>
+          <a:prstGeom prst="rect">
+            <a:avLst/>
+          </a:prstGeom>
+          <a:noFill/>
+        </p:spPr>
+        <p:txBody>
+          <a:bodyPr wrap="square" rtlCol="0">
+            <a:spAutoFit/>
+          </a:bodyPr>
+          <a:lstStyle>
+            <a:defPPr>
+              <a:defRPr lang="zh-CN"/>
+            </a:defPPr>
+            <a:lvl1pPr>
+              <a:defRPr sz="2400">
+                <a:latin typeface="Consolas" panose="020B0609020204030204" pitchFamily="49" charset="0"/>
+                <a:cs typeface="Times New Roman" panose="02020603050405020304" pitchFamily="18" charset="0"/>
+              </a:defRPr>
+            </a:lvl1pPr>
+          </a:lstStyle>
+          <a:p>
+            <a:r>
+              <a:rPr lang="en-US" altLang="zh-CN" dirty="0"/>
+              <a:t>Work_4: </a:t>
+            </a:r>
+            <a:r>
+              <a:rPr lang="en-US" altLang="zh-CN" sz="1400" dirty="0"/>
+              <a:t>Remove</a:t>
+            </a:r>
+            <a:r>
+              <a:rPr lang="zh-CN" altLang="en-US" sz="1400" dirty="0"/>
+              <a:t> </a:t>
+            </a:r>
+            <a:r>
+              <a:rPr lang="en-US" altLang="zh-CN" sz="1400" dirty="0"/>
+              <a:t>Laplace Noise and Normal Noise added by Neurokit2 </a:t>
+            </a:r>
+          </a:p>
+        </p:txBody>
+      </p:sp>
       <p:graphicFrame>
         <p:nvGraphicFramePr>
           <p:cNvPr id="3" name="表格 3">
@@ -9554,7 +9352,7 @@
           <p:nvPr>
             <p:extLst>
               <p:ext uri="{D42A27DB-BD31-4B8C-83A1-F6EECF244321}">
-                <p14:modId xmlns:p14="http://schemas.microsoft.com/office/powerpoint/2010/main" val="1983241110"/>
+                <p14:modId xmlns:p14="http://schemas.microsoft.com/office/powerpoint/2010/main" val="877775341"/>
               </p:ext>
             </p:extLst>
           </p:nvPr>
@@ -10052,22 +9850,42 @@
                         <a:defRPr/>
                       </a:pPr>
                       <a:r>
-                        <a:rPr lang="en-US" altLang="zh-CN" b="1" dirty="0"/>
+                        <a:rPr lang="en-US" altLang="zh-CN" b="1" dirty="0">
+                          <a:highlight>
+                            <a:srgbClr val="FFFF00"/>
+                          </a:highlight>
+                        </a:rPr>
                         <a:t>Laplace</a:t>
                       </a:r>
                       <a:r>
-                        <a:rPr lang="en-US" altLang="zh-CN" dirty="0"/>
+                        <a:rPr lang="en-US" altLang="zh-CN" dirty="0">
+                          <a:highlight>
+                            <a:srgbClr val="FFFF00"/>
+                          </a:highlight>
+                        </a:rPr>
                         <a:t> </a:t>
                       </a:r>
                       <a:r>
-                        <a:rPr lang="en-US" altLang="zh-CN" dirty="0" err="1"/>
+                        <a:rPr lang="en-US" altLang="zh-CN" dirty="0" err="1">
+                          <a:highlight>
+                            <a:srgbClr val="FFFF00"/>
+                          </a:highlight>
+                        </a:rPr>
                         <a:t>Noise_level</a:t>
                       </a:r>
                       <a:r>
-                        <a:rPr lang="en-US" altLang="zh-CN" dirty="0"/>
+                        <a:rPr lang="en-US" altLang="zh-CN" dirty="0">
+                          <a:highlight>
+                            <a:srgbClr val="FFFF00"/>
+                          </a:highlight>
+                        </a:rPr>
                         <a:t> 0.8</a:t>
                       </a:r>
-                      <a:endParaRPr lang="zh-CN" altLang="en-US" dirty="0"/>
+                      <a:endParaRPr lang="zh-CN" altLang="en-US" dirty="0">
+                        <a:highlight>
+                          <a:srgbClr val="FFFF00"/>
+                        </a:highlight>
+                      </a:endParaRPr>
                     </a:p>
                   </a:txBody>
                   <a:tcPr/>
@@ -10079,10 +9897,24 @@
                     <a:p>
                       <a:pPr algn="ctr"/>
                       <a:r>
-                        <a:rPr lang="en-US" altLang="zh-CN" b="1" dirty="0"/>
+                        <a:rPr lang="en-US" altLang="zh-CN" b="1" dirty="0">
+                          <a:solidFill>
+                            <a:schemeClr val="tx1"/>
+                          </a:solidFill>
+                          <a:highlight>
+                            <a:srgbClr val="FFFF00"/>
+                          </a:highlight>
+                        </a:rPr>
                         <a:t>1.15</a:t>
                       </a:r>
-                      <a:endParaRPr lang="zh-CN" altLang="en-US" b="1" dirty="0"/>
+                      <a:endParaRPr lang="zh-CN" altLang="en-US" b="1" dirty="0">
+                        <a:solidFill>
+                          <a:schemeClr val="tx1"/>
+                        </a:solidFill>
+                        <a:highlight>
+                          <a:srgbClr val="FFFF00"/>
+                        </a:highlight>
+                      </a:endParaRPr>
                     </a:p>
                   </a:txBody>
                   <a:tcPr/>
@@ -10094,10 +9926,18 @@
                     <a:p>
                       <a:pPr algn="ctr"/>
                       <a:r>
-                        <a:rPr lang="en-US" altLang="zh-CN" b="1" dirty="0"/>
+                        <a:rPr lang="en-US" altLang="zh-CN" b="1" dirty="0">
+                          <a:highlight>
+                            <a:srgbClr val="FFFF00"/>
+                          </a:highlight>
+                        </a:rPr>
                         <a:t>6.11</a:t>
                       </a:r>
-                      <a:endParaRPr lang="zh-CN" altLang="en-US" b="1" dirty="0"/>
+                      <a:endParaRPr lang="zh-CN" altLang="en-US" b="1" dirty="0">
+                        <a:highlight>
+                          <a:srgbClr val="FFFF00"/>
+                        </a:highlight>
+                      </a:endParaRPr>
                     </a:p>
                   </a:txBody>
                   <a:tcPr/>
@@ -10127,7 +9967,7 @@
           <p:nvPr>
             <p:extLst>
               <p:ext uri="{D42A27DB-BD31-4B8C-83A1-F6EECF244321}">
-                <p14:modId xmlns:p14="http://schemas.microsoft.com/office/powerpoint/2010/main" val="3697573493"/>
+                <p14:modId xmlns:p14="http://schemas.microsoft.com/office/powerpoint/2010/main" val="1645931227"/>
               </p:ext>
             </p:extLst>
           </p:nvPr>
@@ -10225,18 +10065,34 @@
                     <a:p>
                       <a:pPr algn="ctr"/>
                       <a:r>
-                        <a:rPr lang="en-US" altLang="zh-CN" dirty="0"/>
+                        <a:rPr lang="en-US" altLang="zh-CN" dirty="0">
+                          <a:highlight>
+                            <a:srgbClr val="FFFF00"/>
+                          </a:highlight>
+                        </a:rPr>
                         <a:t>Laplace </a:t>
                       </a:r>
                       <a:r>
-                        <a:rPr lang="en-US" altLang="zh-CN" dirty="0" err="1"/>
+                        <a:rPr lang="en-US" altLang="zh-CN" dirty="0" err="1">
+                          <a:highlight>
+                            <a:srgbClr val="FFFF00"/>
+                          </a:highlight>
+                        </a:rPr>
                         <a:t>Noise_level</a:t>
                       </a:r>
                       <a:r>
-                        <a:rPr lang="en-US" altLang="zh-CN" dirty="0"/>
+                        <a:rPr lang="en-US" altLang="zh-CN" dirty="0">
+                          <a:highlight>
+                            <a:srgbClr val="FFFF00"/>
+                          </a:highlight>
+                        </a:rPr>
                         <a:t> 0.8</a:t>
                       </a:r>
-                      <a:endParaRPr lang="zh-CN" altLang="en-US" dirty="0"/>
+                      <a:endParaRPr lang="zh-CN" altLang="en-US" dirty="0">
+                        <a:highlight>
+                          <a:srgbClr val="FFFF00"/>
+                        </a:highlight>
+                      </a:endParaRPr>
                     </a:p>
                   </a:txBody>
                   <a:tcPr/>
@@ -10248,10 +10104,18 @@
                     <a:p>
                       <a:pPr algn="ctr"/>
                       <a:r>
-                        <a:rPr lang="en-US" altLang="zh-CN" b="1" dirty="0"/>
+                        <a:rPr lang="en-US" altLang="zh-CN" b="1" dirty="0">
+                          <a:highlight>
+                            <a:srgbClr val="FFFF00"/>
+                          </a:highlight>
+                        </a:rPr>
                         <a:t>1.64</a:t>
                       </a:r>
-                      <a:endParaRPr lang="zh-CN" altLang="en-US" b="1" dirty="0"/>
+                      <a:endParaRPr lang="zh-CN" altLang="en-US" b="1" dirty="0">
+                        <a:highlight>
+                          <a:srgbClr val="FFFF00"/>
+                        </a:highlight>
+                      </a:endParaRPr>
                     </a:p>
                   </a:txBody>
                   <a:tcPr/>
@@ -10263,10 +10127,18 @@
                     <a:p>
                       <a:pPr algn="ctr"/>
                       <a:r>
-                        <a:rPr lang="en-US" altLang="zh-CN" b="1" dirty="0"/>
+                        <a:rPr lang="en-US" altLang="zh-CN" b="1" dirty="0">
+                          <a:highlight>
+                            <a:srgbClr val="FFFF00"/>
+                          </a:highlight>
+                        </a:rPr>
                         <a:t>6.28</a:t>
                       </a:r>
-                      <a:endParaRPr lang="zh-CN" altLang="en-US" b="1" dirty="0"/>
+                      <a:endParaRPr lang="zh-CN" altLang="en-US" b="1" dirty="0">
+                        <a:highlight>
+                          <a:srgbClr val="FFFF00"/>
+                        </a:highlight>
+                      </a:endParaRPr>
                     </a:p>
                   </a:txBody>
                   <a:tcPr/>
@@ -10318,8 +10190,8 @@
               <a:t>without </a:t>
             </a:r>
             <a:r>
-              <a:rPr lang="en-US" altLang="zh-CN" dirty="0"/>
-              <a:t>Respiratory</a:t>
+              <a:rPr lang="en-US" altLang="zh-CN" sz="1800" dirty="0"/>
+              <a:t>Respiration</a:t>
             </a:r>
             <a:endParaRPr lang="zh-CN" altLang="en-US" dirty="0"/>
           </a:p>
@@ -10374,8 +10246,8 @@
               <a:t>with </a:t>
             </a:r>
             <a:r>
-              <a:rPr lang="en-US" altLang="zh-CN" dirty="0"/>
-              <a:t>Respiratory</a:t>
+              <a:rPr lang="en-US" altLang="zh-CN" sz="1800" dirty="0"/>
+              <a:t>Respiration</a:t>
             </a:r>
             <a:endParaRPr lang="zh-CN" altLang="en-US" dirty="0"/>
           </a:p>
@@ -10395,7 +10267,7 @@
         </p:nvSpPr>
         <p:spPr>
           <a:xfrm>
-            <a:off x="9710058" y="4092776"/>
+            <a:off x="9587507" y="4092776"/>
             <a:ext cx="2612571" cy="369332"/>
           </a:xfrm>
           <a:prstGeom prst="rect">
@@ -10411,9 +10283,21 @@
           <a:p>
             <a:r>
               <a:rPr lang="en-US" altLang="zh-CN" b="1" dirty="0"/>
-              <a:t>Time: About 170 min</a:t>
-            </a:r>
-            <a:endParaRPr lang="zh-CN" altLang="en-US" b="1" dirty="0"/>
+              <a:t>Time: About </a:t>
+            </a:r>
+            <a:r>
+              <a:rPr lang="en-US" altLang="zh-CN" b="1" dirty="0">
+                <a:highlight>
+                  <a:srgbClr val="FFFF00"/>
+                </a:highlight>
+              </a:rPr>
+              <a:t>170 min</a:t>
+            </a:r>
+            <a:endParaRPr lang="zh-CN" altLang="en-US" b="1" dirty="0">
+              <a:highlight>
+                <a:srgbClr val="FFFF00"/>
+              </a:highlight>
+            </a:endParaRPr>
           </a:p>
         </p:txBody>
       </p:sp>
@@ -10431,7 +10315,7 @@
         </p:nvSpPr>
         <p:spPr>
           <a:xfrm>
-            <a:off x="9710058" y="745621"/>
+            <a:off x="9587507" y="745621"/>
             <a:ext cx="2481942" cy="369332"/>
           </a:xfrm>
           <a:prstGeom prst="rect">
@@ -10447,18 +10331,30 @@
           <a:p>
             <a:r>
               <a:rPr lang="en-US" altLang="zh-CN" b="1" dirty="0"/>
-              <a:t>Time: About 5 sec</a:t>
-            </a:r>
-            <a:endParaRPr lang="zh-CN" altLang="en-US" b="1" dirty="0"/>
-          </a:p>
-        </p:txBody>
-      </p:sp>
-      <p:sp>
-        <p:nvSpPr>
-          <p:cNvPr id="13" name="文本框 12">
-            <a:extLst>
-              <a:ext uri="{FF2B5EF4-FFF2-40B4-BE49-F238E27FC236}">
-                <a16:creationId xmlns:a16="http://schemas.microsoft.com/office/drawing/2014/main" id="{82E0176A-BE27-08DF-C1CD-94CC3C25830E}"/>
+              <a:t>Time: About </a:t>
+            </a:r>
+            <a:r>
+              <a:rPr lang="en-US" altLang="zh-CN" b="1" dirty="0">
+                <a:highlight>
+                  <a:srgbClr val="FFFF00"/>
+                </a:highlight>
+              </a:rPr>
+              <a:t>5 sec</a:t>
+            </a:r>
+            <a:endParaRPr lang="zh-CN" altLang="en-US" b="1" dirty="0">
+              <a:highlight>
+                <a:srgbClr val="FFFF00"/>
+              </a:highlight>
+            </a:endParaRPr>
+          </a:p>
+        </p:txBody>
+      </p:sp>
+      <p:sp>
+        <p:nvSpPr>
+          <p:cNvPr id="7" name="文本框 6">
+            <a:extLst>
+              <a:ext uri="{FF2B5EF4-FFF2-40B4-BE49-F238E27FC236}">
+                <a16:creationId xmlns:a16="http://schemas.microsoft.com/office/drawing/2014/main" id="{BCA26D2C-2CA4-1CDB-6192-ACB9F12D3515}"/>
               </a:ext>
             </a:extLst>
           </p:cNvPr>
@@ -10467,8 +10363,8 @@
         </p:nvSpPr>
         <p:spPr>
           <a:xfrm>
-            <a:off x="1596572" y="5949851"/>
-            <a:ext cx="10365338" cy="369332"/>
+            <a:off x="1430784" y="5717635"/>
+            <a:ext cx="10041637" cy="923330"/>
           </a:xfrm>
           <a:prstGeom prst="rect">
             <a:avLst/>
@@ -10476,46 +10372,34 @@
           <a:noFill/>
         </p:spPr>
         <p:txBody>
-          <a:bodyPr wrap="none" rtlCol="0">
+          <a:bodyPr wrap="square">
             <a:spAutoFit/>
           </a:bodyPr>
           <a:lstStyle/>
           <a:p>
             <a:r>
-              <a:rPr lang="en-US" altLang="zh-CN" dirty="0" err="1"/>
-              <a:t>Savgol</a:t>
+              <a:rPr lang="zh-CN" altLang="en-US" dirty="0"/>
+              <a:t>The combination of a Savitzky-Golay filter and FFT denoising on data with </a:t>
             </a:r>
             <a:r>
               <a:rPr lang="en-US" altLang="zh-CN" dirty="0"/>
-              <a:t> </a:t>
-            </a:r>
-            <a:r>
-              <a:rPr lang="en-US" altLang="zh-CN" dirty="0" err="1"/>
-              <a:t>filter+fft-denoising</a:t>
+              <a:t>r</a:t>
+            </a:r>
+            <a:r>
+              <a:rPr lang="en-US" altLang="zh-CN" sz="1800" dirty="0"/>
+              <a:t>espiration</a:t>
+            </a:r>
+            <a:r>
+              <a:rPr lang="zh-CN" altLang="en-US" dirty="0"/>
+              <a:t> achieved better results in less time compared to SSA </a:t>
             </a:r>
             <a:r>
               <a:rPr lang="en-US" altLang="zh-CN" dirty="0"/>
-              <a:t> </a:t>
+              <a:t>on data without respiration</a:t>
             </a:r>
             <a:r>
               <a:rPr lang="zh-CN" altLang="en-US" dirty="0"/>
-              <a:t>在一个有</a:t>
-            </a:r>
-            <a:r>
-              <a:rPr lang="en-US" altLang="zh-CN" dirty="0"/>
-              <a:t>R</a:t>
-            </a:r>
-            <a:r>
-              <a:rPr lang="zh-CN" altLang="en-US" dirty="0"/>
-              <a:t>的数据上，用更短的时间，去实现了比</a:t>
-            </a:r>
-            <a:r>
-              <a:rPr lang="en-US" altLang="zh-CN" dirty="0"/>
-              <a:t>SSA</a:t>
-            </a:r>
-            <a:r>
-              <a:rPr lang="zh-CN" altLang="en-US" dirty="0"/>
-              <a:t>更好的效果</a:t>
+              <a:t>.</a:t>
             </a:r>
           </a:p>
         </p:txBody>
@@ -10524,82 +10408,6 @@
     <p:extLst>
       <p:ext uri="{BB962C8B-B14F-4D97-AF65-F5344CB8AC3E}">
         <p14:creationId xmlns:p14="http://schemas.microsoft.com/office/powerpoint/2010/main" val="1427775436"/>
-      </p:ext>
-    </p:extLst>
-  </p:cSld>
-  <p:clrMapOvr>
-    <a:masterClrMapping/>
-  </p:clrMapOvr>
-</p:sld>
-</file>
-
-<file path=ppt/slides/slide17.xml><?xml version="1.0" encoding="utf-8"?>
-<p:sld xmlns:a="http://schemas.openxmlformats.org/drawingml/2006/main" xmlns:r="http://schemas.openxmlformats.org/officeDocument/2006/relationships" xmlns:p="http://schemas.openxmlformats.org/presentationml/2006/main">
-  <p:cSld>
-    <p:spTree>
-      <p:nvGrpSpPr>
-        <p:cNvPr id="1" name=""/>
-        <p:cNvGrpSpPr/>
-        <p:nvPr/>
-      </p:nvGrpSpPr>
-      <p:grpSpPr>
-        <a:xfrm>
-          <a:off x="0" y="0"/>
-          <a:ext cx="0" cy="0"/>
-          <a:chOff x="0" y="0"/>
-          <a:chExt cx="0" cy="0"/>
-        </a:xfrm>
-      </p:grpSpPr>
-      <p:sp>
-        <p:nvSpPr>
-          <p:cNvPr id="55" name="文本框 54">
-            <a:extLst>
-              <a:ext uri="{FF2B5EF4-FFF2-40B4-BE49-F238E27FC236}">
-                <a16:creationId xmlns:a16="http://schemas.microsoft.com/office/drawing/2014/main" id="{32A2BE86-86A6-F1FC-83EE-91A826B532E5}"/>
-              </a:ext>
-            </a:extLst>
-          </p:cNvPr>
-          <p:cNvSpPr txBox="1"/>
-          <p:nvPr/>
-        </p:nvSpPr>
-        <p:spPr>
-          <a:xfrm>
-            <a:off x="609599" y="106251"/>
-            <a:ext cx="7673267" cy="461665"/>
-          </a:xfrm>
-          <a:prstGeom prst="rect">
-            <a:avLst/>
-          </a:prstGeom>
-          <a:noFill/>
-        </p:spPr>
-        <p:txBody>
-          <a:bodyPr wrap="square" rtlCol="0">
-            <a:spAutoFit/>
-          </a:bodyPr>
-          <a:lstStyle>
-            <a:defPPr>
-              <a:defRPr lang="zh-CN"/>
-            </a:defPPr>
-            <a:lvl1pPr>
-              <a:defRPr sz="2400">
-                <a:latin typeface="Consolas" panose="020B0609020204030204" pitchFamily="49" charset="0"/>
-                <a:cs typeface="Times New Roman" panose="02020603050405020304" pitchFamily="18" charset="0"/>
-              </a:defRPr>
-            </a:lvl1pPr>
-          </a:lstStyle>
-          <a:p>
-            <a:r>
-              <a:rPr lang="en-US" altLang="zh-CN" dirty="0"/>
-              <a:t>Conclusion:</a:t>
-            </a:r>
-            <a:endParaRPr lang="en-US" altLang="zh-CN" sz="1400" dirty="0"/>
-          </a:p>
-        </p:txBody>
-      </p:sp>
-    </p:spTree>
-    <p:extLst>
-      <p:ext uri="{BB962C8B-B14F-4D97-AF65-F5344CB8AC3E}">
-        <p14:creationId xmlns:p14="http://schemas.microsoft.com/office/powerpoint/2010/main" val="255836921"/>
       </p:ext>
     </p:extLst>
   </p:cSld>
@@ -10628,10 +10436,10 @@
       </p:grpSpPr>
       <p:sp>
         <p:nvSpPr>
-          <p:cNvPr id="2" name="文本框 1">
-            <a:extLst>
-              <a:ext uri="{FF2B5EF4-FFF2-40B4-BE49-F238E27FC236}">
-                <a16:creationId xmlns:a16="http://schemas.microsoft.com/office/drawing/2014/main" id="{4301BE2B-0820-0143-B72A-D9CEA12265BD}"/>
+          <p:cNvPr id="55" name="文本框 54">
+            <a:extLst>
+              <a:ext uri="{FF2B5EF4-FFF2-40B4-BE49-F238E27FC236}">
+                <a16:creationId xmlns:a16="http://schemas.microsoft.com/office/drawing/2014/main" id="{32A2BE86-86A6-F1FC-83EE-91A826B532E5}"/>
               </a:ext>
             </a:extLst>
           </p:cNvPr>
@@ -10640,8 +10448,8 @@
         </p:nvSpPr>
         <p:spPr>
           <a:xfrm>
-            <a:off x="1122219" y="423950"/>
-            <a:ext cx="5931724" cy="461665"/>
+            <a:off x="609599" y="106251"/>
+            <a:ext cx="7673267" cy="461665"/>
           </a:xfrm>
           <a:prstGeom prst="rect">
             <a:avLst/>
@@ -10666,7 +10474,7 @@
           <a:p>
             <a:r>
               <a:rPr lang="en-US" altLang="zh-CN" dirty="0"/>
-              <a:t>Questions</a:t>
+              <a:t>Conclusion:</a:t>
             </a:r>
             <a:endParaRPr lang="en-US" altLang="zh-CN" sz="1400" dirty="0"/>
           </a:p>
@@ -10674,10 +10482,10 @@
       </p:sp>
       <p:sp>
         <p:nvSpPr>
-          <p:cNvPr id="5" name="文本框 4">
-            <a:extLst>
-              <a:ext uri="{FF2B5EF4-FFF2-40B4-BE49-F238E27FC236}">
-                <a16:creationId xmlns:a16="http://schemas.microsoft.com/office/drawing/2014/main" id="{DD5647F8-916F-3014-8548-230CD924EB4F}"/>
+          <p:cNvPr id="3" name="文本框 2">
+            <a:extLst>
+              <a:ext uri="{FF2B5EF4-FFF2-40B4-BE49-F238E27FC236}">
+                <a16:creationId xmlns:a16="http://schemas.microsoft.com/office/drawing/2014/main" id="{61F1E30C-04F7-FBB0-E134-6D0DAD1E7600}"/>
               </a:ext>
             </a:extLst>
           </p:cNvPr>
@@ -10686,8 +10494,8 @@
         </p:nvSpPr>
         <p:spPr>
           <a:xfrm>
-            <a:off x="1122219" y="1965334"/>
-            <a:ext cx="10676204" cy="1200329"/>
+            <a:off x="1755743" y="2505670"/>
+            <a:ext cx="8943680" cy="923330"/>
           </a:xfrm>
           <a:prstGeom prst="rect">
             <a:avLst/>
@@ -10698,79 +10506,28 @@
           <a:bodyPr wrap="square">
             <a:spAutoFit/>
           </a:bodyPr>
-          <a:lstStyle>
-            <a:defPPr>
-              <a:defRPr lang="zh-CN"/>
-            </a:defPPr>
-            <a:lvl1pPr>
-              <a:defRPr b="0">
-                <a:solidFill>
-                  <a:srgbClr val="353535"/>
-                </a:solidFill>
-                <a:effectLst/>
-                <a:latin typeface="Consolas" panose="020B0609020204030204" pitchFamily="49" charset="0"/>
-              </a:defRPr>
-            </a:lvl1pPr>
-          </a:lstStyle>
-          <a:p>
-            <a:pPr marL="342900" indent="-342900">
-              <a:buAutoNum type="arabicPeriod"/>
-            </a:pPr>
-            <a:r>
-              <a:rPr lang="zh-CN" altLang="en-US" u="sng" dirty="0">
-                <a:latin typeface="+mj-lt"/>
-              </a:rPr>
-              <a:t>真实数据集的标签有点问题</a:t>
-            </a:r>
-            <a:endParaRPr lang="en-US" altLang="zh-CN" u="sng" dirty="0">
-              <a:latin typeface="+mj-lt"/>
-            </a:endParaRPr>
-          </a:p>
-          <a:p>
-            <a:pPr marL="342900" indent="-342900">
-              <a:buAutoNum type="arabicPeriod"/>
-            </a:pPr>
-            <a:endParaRPr lang="en-US" altLang="zh-CN" u="sng" dirty="0">
-              <a:latin typeface="+mj-lt"/>
-            </a:endParaRPr>
-          </a:p>
-          <a:p>
-            <a:pPr marL="342900" indent="-342900">
-              <a:buAutoNum type="arabicPeriod"/>
-            </a:pPr>
-            <a:r>
-              <a:rPr lang="en-US" altLang="zh-CN" dirty="0">
-                <a:latin typeface="+mj-lt"/>
-              </a:rPr>
-              <a:t>Compare to EEMD</a:t>
-            </a:r>
-            <a:r>
-              <a:rPr lang="en-US" altLang="zh-CN" u="sng" dirty="0">
-                <a:latin typeface="+mj-lt"/>
-              </a:rPr>
-              <a:t>,</a:t>
-            </a:r>
-            <a:r>
-              <a:rPr lang="zh-CN" altLang="en-US" u="sng" dirty="0">
-                <a:latin typeface="+mj-lt"/>
-              </a:rPr>
-              <a:t>可以给我进一步的解释</a:t>
-            </a:r>
-            <a:endParaRPr lang="en-US" altLang="zh-CN" u="sng" dirty="0">
-              <a:latin typeface="+mj-lt"/>
-            </a:endParaRPr>
-          </a:p>
-          <a:p>
-            <a:endParaRPr lang="en-US" altLang="zh-CN" u="sng" dirty="0">
-              <a:latin typeface="+mj-lt"/>
-            </a:endParaRPr>
+          <a:lstStyle/>
+          <a:p>
+            <a:r>
+              <a:rPr lang="en-US" altLang="zh-CN" dirty="0"/>
+              <a:t>Regardless of whether FFT denoising, Wiener filter, or </a:t>
+            </a:r>
+            <a:r>
+              <a:rPr lang="en-US" altLang="zh-CN" dirty="0" err="1"/>
+              <a:t>Savitzky-Golay</a:t>
+            </a:r>
+            <a:r>
+              <a:rPr lang="en-US" altLang="zh-CN" dirty="0"/>
+              <a:t> filter is used, the noise added to the peaks cannot be effectively eliminated. I should spend more time on it.</a:t>
+            </a:r>
+            <a:endParaRPr lang="zh-CN" altLang="en-US" dirty="0"/>
           </a:p>
         </p:txBody>
       </p:sp>
     </p:spTree>
     <p:extLst>
       <p:ext uri="{BB962C8B-B14F-4D97-AF65-F5344CB8AC3E}">
-        <p14:creationId xmlns:p14="http://schemas.microsoft.com/office/powerpoint/2010/main" val="324862336"/>
+        <p14:creationId xmlns:p14="http://schemas.microsoft.com/office/powerpoint/2010/main" val="255836921"/>
       </p:ext>
     </p:extLst>
   </p:cSld>
@@ -10811,8 +10568,8 @@
         </p:nvSpPr>
         <p:spPr>
           <a:xfrm>
-            <a:off x="5219007" y="3105834"/>
-            <a:ext cx="1753985" cy="646331"/>
+            <a:off x="1122219" y="423950"/>
+            <a:ext cx="5931724" cy="461665"/>
           </a:xfrm>
           <a:prstGeom prst="rect">
             <a:avLst/>
@@ -10827,8 +10584,8 @@
             <a:defPPr>
               <a:defRPr lang="zh-CN"/>
             </a:defPPr>
-            <a:lvl1pPr algn="ctr">
-              <a:defRPr sz="3600">
+            <a:lvl1pPr>
+              <a:defRPr sz="2400">
                 <a:latin typeface="Consolas" panose="020B0609020204030204" pitchFamily="49" charset="0"/>
                 <a:cs typeface="Times New Roman" panose="02020603050405020304" pitchFamily="18" charset="0"/>
               </a:defRPr>
@@ -10837,15 +10594,216 @@
           <a:p>
             <a:r>
               <a:rPr lang="en-US" altLang="zh-CN" dirty="0"/>
-              <a:t>Thanks!</a:t>
-            </a:r>
+              <a:t>Questions</a:t>
+            </a:r>
+            <a:endParaRPr lang="en-US" altLang="zh-CN" sz="1400" dirty="0"/>
+          </a:p>
+        </p:txBody>
+      </p:sp>
+      <p:sp>
+        <p:nvSpPr>
+          <p:cNvPr id="5" name="文本框 4">
+            <a:extLst>
+              <a:ext uri="{FF2B5EF4-FFF2-40B4-BE49-F238E27FC236}">
+                <a16:creationId xmlns:a16="http://schemas.microsoft.com/office/drawing/2014/main" id="{DD5647F8-916F-3014-8548-230CD924EB4F}"/>
+              </a:ext>
+            </a:extLst>
+          </p:cNvPr>
+          <p:cNvSpPr txBox="1"/>
+          <p:nvPr/>
+        </p:nvSpPr>
+        <p:spPr>
+          <a:xfrm>
+            <a:off x="1122219" y="1220616"/>
+            <a:ext cx="10676204" cy="923330"/>
+          </a:xfrm>
+          <a:prstGeom prst="rect">
+            <a:avLst/>
+          </a:prstGeom>
+          <a:noFill/>
+        </p:spPr>
+        <p:txBody>
+          <a:bodyPr wrap="square">
+            <a:spAutoFit/>
+          </a:bodyPr>
+          <a:lstStyle>
+            <a:defPPr>
+              <a:defRPr lang="zh-CN"/>
+            </a:defPPr>
+            <a:lvl1pPr>
+              <a:defRPr b="0">
+                <a:solidFill>
+                  <a:srgbClr val="353535"/>
+                </a:solidFill>
+                <a:effectLst/>
+                <a:latin typeface="Consolas" panose="020B0609020204030204" pitchFamily="49" charset="0"/>
+              </a:defRPr>
+            </a:lvl1pPr>
+          </a:lstStyle>
+          <a:p>
+            <a:r>
+              <a:rPr lang="en-US" altLang="zh-CN" dirty="0">
+                <a:latin typeface="+mj-lt"/>
+              </a:rPr>
+              <a:t>1. You said in google doc: </a:t>
+            </a:r>
+            <a:r>
+              <a:rPr lang="en-US" altLang="zh-CN" sz="1800" b="1" i="1" u="none" strike="noStrike" dirty="0">
+                <a:solidFill>
+                  <a:srgbClr val="1F1F1F"/>
+                </a:solidFill>
+                <a:effectLst/>
+                <a:latin typeface="Roboto" panose="02000000000000000000" pitchFamily="2" charset="0"/>
+              </a:rPr>
+              <a:t>Zaid tried EEMD and found it can also decompose the simulated SCG signals well. </a:t>
+            </a:r>
+            <a:r>
+              <a:rPr lang="en-US" altLang="zh-CN" b="1" i="1" dirty="0">
+                <a:latin typeface="+mj-lt"/>
+              </a:rPr>
+              <a:t>Compare to EEMD. </a:t>
+            </a:r>
+            <a:r>
+              <a:rPr lang="en-US" altLang="zh-CN" dirty="0">
+                <a:latin typeface="+mj-lt"/>
+              </a:rPr>
+              <a:t>I have tried it before. Maybe you can tell me to what extent has this method achieved.</a:t>
+            </a:r>
+            <a:endParaRPr lang="en-US" altLang="zh-CN" u="sng" dirty="0">
+              <a:latin typeface="+mj-lt"/>
+            </a:endParaRPr>
+          </a:p>
+        </p:txBody>
+      </p:sp>
+      <p:pic>
+        <p:nvPicPr>
+          <p:cNvPr id="3" name="图片 2">
+            <a:extLst>
+              <a:ext uri="{FF2B5EF4-FFF2-40B4-BE49-F238E27FC236}">
+                <a16:creationId xmlns:a16="http://schemas.microsoft.com/office/drawing/2014/main" id="{95E958C1-A7A5-EE21-7B73-FDD753AE017D}"/>
+              </a:ext>
+            </a:extLst>
+          </p:cNvPr>
+          <p:cNvPicPr>
+            <a:picLocks noChangeAspect="1"/>
+          </p:cNvPicPr>
+          <p:nvPr/>
+        </p:nvPicPr>
+        <p:blipFill>
+          <a:blip r:embed="rId3">
+            <a:extLst>
+              <a:ext uri="{28A0092B-C50C-407E-A947-70E740481C1C}">
+                <a14:useLocalDpi xmlns:a14="http://schemas.microsoft.com/office/drawing/2010/main" val="0"/>
+              </a:ext>
+            </a:extLst>
+          </a:blip>
+          <a:stretch>
+            <a:fillRect/>
+          </a:stretch>
+        </p:blipFill>
+        <p:spPr>
+          <a:xfrm>
+            <a:off x="1957297" y="2338140"/>
+            <a:ext cx="4138703" cy="2759136"/>
+          </a:xfrm>
+          <a:prstGeom prst="rect">
+            <a:avLst/>
+          </a:prstGeom>
+        </p:spPr>
+      </p:pic>
+      <p:pic>
+        <p:nvPicPr>
+          <p:cNvPr id="4" name="图片 3">
+            <a:extLst>
+              <a:ext uri="{FF2B5EF4-FFF2-40B4-BE49-F238E27FC236}">
+                <a16:creationId xmlns:a16="http://schemas.microsoft.com/office/drawing/2014/main" id="{8593C71C-0C9D-17B5-CA0F-7C5D42FC8BB2}"/>
+              </a:ext>
+            </a:extLst>
+          </p:cNvPr>
+          <p:cNvPicPr>
+            <a:picLocks noChangeAspect="1"/>
+          </p:cNvPicPr>
+          <p:nvPr/>
+        </p:nvPicPr>
+        <p:blipFill>
+          <a:blip r:embed="rId4">
+            <a:extLst>
+              <a:ext uri="{28A0092B-C50C-407E-A947-70E740481C1C}">
+                <a14:useLocalDpi xmlns:a14="http://schemas.microsoft.com/office/drawing/2010/main" val="0"/>
+              </a:ext>
+            </a:extLst>
+          </a:blip>
+          <a:stretch>
+            <a:fillRect/>
+          </a:stretch>
+        </p:blipFill>
+        <p:spPr>
+          <a:xfrm>
+            <a:off x="6096000" y="2338140"/>
+            <a:ext cx="4199121" cy="2799415"/>
+          </a:xfrm>
+          <a:prstGeom prst="rect">
+            <a:avLst/>
+          </a:prstGeom>
+        </p:spPr>
+      </p:pic>
+      <p:sp>
+        <p:nvSpPr>
+          <p:cNvPr id="6" name="文本框 5">
+            <a:extLst>
+              <a:ext uri="{FF2B5EF4-FFF2-40B4-BE49-F238E27FC236}">
+                <a16:creationId xmlns:a16="http://schemas.microsoft.com/office/drawing/2014/main" id="{703AABE1-E1DE-EC94-6758-049EADFC1735}"/>
+              </a:ext>
+            </a:extLst>
+          </p:cNvPr>
+          <p:cNvSpPr txBox="1"/>
+          <p:nvPr/>
+        </p:nvSpPr>
+        <p:spPr>
+          <a:xfrm>
+            <a:off x="1122219" y="5233721"/>
+            <a:ext cx="10661286" cy="1200329"/>
+          </a:xfrm>
+          <a:prstGeom prst="rect">
+            <a:avLst/>
+          </a:prstGeom>
+          <a:noFill/>
+        </p:spPr>
+        <p:txBody>
+          <a:bodyPr wrap="square">
+            <a:spAutoFit/>
+          </a:bodyPr>
+          <a:lstStyle>
+            <a:defPPr>
+              <a:defRPr lang="zh-CN"/>
+            </a:defPPr>
+            <a:lvl1pPr>
+              <a:defRPr b="0">
+                <a:solidFill>
+                  <a:srgbClr val="353535"/>
+                </a:solidFill>
+                <a:effectLst/>
+                <a:latin typeface="Consolas" panose="020B0609020204030204" pitchFamily="49" charset="0"/>
+              </a:defRPr>
+            </a:lvl1pPr>
+          </a:lstStyle>
+          <a:p>
+            <a:r>
+              <a:rPr lang="en-US" altLang="zh-CN" dirty="0">
+                <a:latin typeface="+mj-lt"/>
+              </a:rPr>
+              <a:t>2. My current attempts with these methods may yield decent results, but they are all very conventional approaches and not innovative. Could you provide me with a few research papers that can give me an idea of the level of noise reduction achievable for SCG signals to be considered publishable?</a:t>
+            </a:r>
+            <a:endParaRPr lang="en-US" altLang="zh-CN" u="sng" dirty="0">
+              <a:latin typeface="+mj-lt"/>
+            </a:endParaRPr>
           </a:p>
         </p:txBody>
       </p:sp>
     </p:spTree>
     <p:extLst>
       <p:ext uri="{BB962C8B-B14F-4D97-AF65-F5344CB8AC3E}">
-        <p14:creationId xmlns:p14="http://schemas.microsoft.com/office/powerpoint/2010/main" val="3015943919"/>
+        <p14:creationId xmlns:p14="http://schemas.microsoft.com/office/powerpoint/2010/main" val="324862336"/>
       </p:ext>
     </p:extLst>
   </p:cSld>
@@ -10941,7 +10899,7 @@
           <a:p>
             <a:r>
               <a:rPr lang="en-US" altLang="zh-CN" dirty="0"/>
-              <a:t>Work_1: Tutorial Writing: finish the framework of the main function and try 2 advanced filter(Wiener filter and </a:t>
+              <a:t>Work_1: Tutorial Writing: finish the framework of the main function and try 2 filters(Wiener filter and </a:t>
             </a:r>
             <a:r>
               <a:rPr lang="en-US" altLang="zh-CN" dirty="0" err="1"/>
@@ -10961,7 +10919,7 @@
           <a:p>
             <a:r>
               <a:rPr lang="en-US" altLang="zh-CN" dirty="0"/>
-              <a:t>Work_2: Preliminarily remove the impact of respiratory by </a:t>
+              <a:t>Work_2: Preliminarily remove the impact of respiration by </a:t>
             </a:r>
             <a:r>
               <a:rPr lang="en-US" altLang="zh-CN" dirty="0" err="1"/>
@@ -10969,7 +10927,7 @@
             </a:r>
             <a:r>
               <a:rPr lang="en-US" altLang="zh-CN" dirty="0"/>
-              <a:t>.</a:t>
+              <a:t>-denoising.</a:t>
             </a:r>
           </a:p>
           <a:p>
@@ -10997,7 +10955,7 @@
             </a:r>
             <a:r>
               <a:rPr lang="en-US" altLang="zh-CN" dirty="0"/>
-              <a:t>() directly) and respiratory. </a:t>
+              <a:t>() directly) and respiration. </a:t>
             </a:r>
           </a:p>
           <a:p>
@@ -11025,7 +10983,7 @@
             </a:r>
             <a:r>
               <a:rPr lang="en-US" altLang="zh-CN" dirty="0"/>
-              <a:t> denoising achieved better results, more accurate in prediction and much more faster, compared with the combination of SSA and Template.</a:t>
+              <a:t> denoising-achieved better results, more accurate in prediction and much more faster, compared with the combination of SSA and Template.</a:t>
             </a:r>
           </a:p>
         </p:txBody>
@@ -11034,6 +10992,81 @@
     <p:extLst>
       <p:ext uri="{BB962C8B-B14F-4D97-AF65-F5344CB8AC3E}">
         <p14:creationId xmlns:p14="http://schemas.microsoft.com/office/powerpoint/2010/main" val="3563862824"/>
+      </p:ext>
+    </p:extLst>
+  </p:cSld>
+  <p:clrMapOvr>
+    <a:masterClrMapping/>
+  </p:clrMapOvr>
+</p:sld>
+</file>
+
+<file path=ppt/slides/slide20.xml><?xml version="1.0" encoding="utf-8"?>
+<p:sld xmlns:a="http://schemas.openxmlformats.org/drawingml/2006/main" xmlns:r="http://schemas.openxmlformats.org/officeDocument/2006/relationships" xmlns:p="http://schemas.openxmlformats.org/presentationml/2006/main">
+  <p:cSld>
+    <p:spTree>
+      <p:nvGrpSpPr>
+        <p:cNvPr id="1" name=""/>
+        <p:cNvGrpSpPr/>
+        <p:nvPr/>
+      </p:nvGrpSpPr>
+      <p:grpSpPr>
+        <a:xfrm>
+          <a:off x="0" y="0"/>
+          <a:ext cx="0" cy="0"/>
+          <a:chOff x="0" y="0"/>
+          <a:chExt cx="0" cy="0"/>
+        </a:xfrm>
+      </p:grpSpPr>
+      <p:sp>
+        <p:nvSpPr>
+          <p:cNvPr id="2" name="文本框 1">
+            <a:extLst>
+              <a:ext uri="{FF2B5EF4-FFF2-40B4-BE49-F238E27FC236}">
+                <a16:creationId xmlns:a16="http://schemas.microsoft.com/office/drawing/2014/main" id="{4301BE2B-0820-0143-B72A-D9CEA12265BD}"/>
+              </a:ext>
+            </a:extLst>
+          </p:cNvPr>
+          <p:cNvSpPr txBox="1"/>
+          <p:nvPr/>
+        </p:nvSpPr>
+        <p:spPr>
+          <a:xfrm>
+            <a:off x="5219007" y="3105834"/>
+            <a:ext cx="1753985" cy="646331"/>
+          </a:xfrm>
+          <a:prstGeom prst="rect">
+            <a:avLst/>
+          </a:prstGeom>
+          <a:noFill/>
+        </p:spPr>
+        <p:txBody>
+          <a:bodyPr wrap="square" rtlCol="0">
+            <a:spAutoFit/>
+          </a:bodyPr>
+          <a:lstStyle>
+            <a:defPPr>
+              <a:defRPr lang="zh-CN"/>
+            </a:defPPr>
+            <a:lvl1pPr algn="ctr">
+              <a:defRPr sz="3600">
+                <a:latin typeface="Consolas" panose="020B0609020204030204" pitchFamily="49" charset="0"/>
+                <a:cs typeface="Times New Roman" panose="02020603050405020304" pitchFamily="18" charset="0"/>
+              </a:defRPr>
+            </a:lvl1pPr>
+          </a:lstStyle>
+          <a:p>
+            <a:r>
+              <a:rPr lang="en-US" altLang="zh-CN" dirty="0"/>
+              <a:t>Thanks!</a:t>
+            </a:r>
+          </a:p>
+        </p:txBody>
+      </p:sp>
+    </p:spTree>
+    <p:extLst>
+      <p:ext uri="{BB962C8B-B14F-4D97-AF65-F5344CB8AC3E}">
+        <p14:creationId xmlns:p14="http://schemas.microsoft.com/office/powerpoint/2010/main" val="3015943919"/>
       </p:ext>
     </p:extLst>
   </p:cSld>
@@ -11124,7 +11157,7 @@
         <p:spPr>
           <a:xfrm>
             <a:off x="1434833" y="2921168"/>
-            <a:ext cx="9900823" cy="2062103"/>
+            <a:ext cx="9900823" cy="1785104"/>
           </a:xfrm>
           <a:prstGeom prst="rect">
             <a:avLst/>
@@ -11173,7 +11206,7 @@
             </a:pPr>
             <a:r>
               <a:rPr lang="en-US" altLang="zh-CN" dirty="0"/>
-              <a:t>Completed the full reconstruction for Generate Waves(7), Add Noise(10), Filters(8), Decompose(4), including interfaces, visualization, code comments and more.</a:t>
+              <a:t>I completed the reconstruction for Add Noise(10), Decompose(4), including interfaces, visualization, code comments and more.</a:t>
             </a:r>
           </a:p>
           <a:p>
@@ -11268,7 +11301,7 @@
             </a:r>
             <a:r>
               <a:rPr lang="en-US" altLang="zh-CN" dirty="0"/>
-              <a:t> filter have been tried in SCG Signals. Both of these filters have shown good performance.</a:t>
+              <a:t> filter have been tried in SCG Signals. Both of these filters have shown good performance. I’ll explain it in Work_3 and Work_4.</a:t>
             </a:r>
           </a:p>
         </p:txBody>
@@ -11287,8 +11320,8 @@
         </p:nvSpPr>
         <p:spPr>
           <a:xfrm>
-            <a:off x="1434832" y="5645743"/>
-            <a:ext cx="5118367" cy="400110"/>
+            <a:off x="1434833" y="5522913"/>
+            <a:ext cx="7006308" cy="400110"/>
           </a:xfrm>
           <a:prstGeom prst="rect">
             <a:avLst/>
@@ -11307,7 +11340,7 @@
                   <a:srgbClr val="FFFF00"/>
                 </a:highlight>
               </a:rPr>
-              <a:t>Show the Demo: 4 core commands</a:t>
+              <a:t>Use 4 core commands to show you the demo.</a:t>
             </a:r>
           </a:p>
         </p:txBody>
@@ -11357,7 +11390,7 @@
         <p:spPr>
           <a:xfrm>
             <a:off x="609600" y="106251"/>
-            <a:ext cx="6164062" cy="461665"/>
+            <a:ext cx="4584920" cy="461665"/>
           </a:xfrm>
           <a:prstGeom prst="rect">
             <a:avLst/>
@@ -11382,362 +11415,21 @@
           <a:p>
             <a:r>
               <a:rPr lang="en-US" altLang="zh-CN" dirty="0"/>
-              <a:t>Work_2: </a:t>
+              <a:t>Work_1: </a:t>
             </a:r>
             <a:r>
               <a:rPr lang="en-US" altLang="zh-CN" sz="1400" dirty="0"/>
-              <a:t>Remove the impact of respiratory by </a:t>
-            </a:r>
-            <a:r>
-              <a:rPr lang="en-US" altLang="zh-CN" sz="1400" dirty="0" err="1"/>
-              <a:t>fft</a:t>
-            </a:r>
-            <a:endParaRPr lang="en-US" altLang="zh-CN" sz="1400" dirty="0"/>
-          </a:p>
-        </p:txBody>
-      </p:sp>
-      <p:pic>
-        <p:nvPicPr>
-          <p:cNvPr id="4" name="图片 3">
-            <a:extLst>
-              <a:ext uri="{FF2B5EF4-FFF2-40B4-BE49-F238E27FC236}">
-                <a16:creationId xmlns:a16="http://schemas.microsoft.com/office/drawing/2014/main" id="{8ACAC31F-141E-718A-C0AC-7C6848369316}"/>
-              </a:ext>
-            </a:extLst>
-          </p:cNvPr>
-          <p:cNvPicPr>
-            <a:picLocks noChangeAspect="1"/>
-          </p:cNvPicPr>
-          <p:nvPr/>
-        </p:nvPicPr>
-        <p:blipFill>
-          <a:blip r:embed="rId3">
-            <a:extLst>
-              <a:ext uri="{28A0092B-C50C-407E-A947-70E740481C1C}">
-                <a14:useLocalDpi xmlns:a14="http://schemas.microsoft.com/office/drawing/2010/main" val="0"/>
-              </a:ext>
-            </a:extLst>
-          </a:blip>
-          <a:stretch>
-            <a:fillRect/>
-          </a:stretch>
-        </p:blipFill>
-        <p:spPr>
-          <a:xfrm>
-            <a:off x="3593" y="843977"/>
-            <a:ext cx="9144000" cy="5486400"/>
-          </a:xfrm>
-          <a:prstGeom prst="rect">
-            <a:avLst/>
-          </a:prstGeom>
-        </p:spPr>
-      </p:pic>
-      <p:cxnSp>
-        <p:nvCxnSpPr>
-          <p:cNvPr id="6" name="直接连接符 5">
-            <a:extLst>
-              <a:ext uri="{FF2B5EF4-FFF2-40B4-BE49-F238E27FC236}">
-                <a16:creationId xmlns:a16="http://schemas.microsoft.com/office/drawing/2014/main" id="{5CF4F169-33F5-A24D-A140-58899F49F2E7}"/>
-              </a:ext>
-            </a:extLst>
-          </p:cNvPr>
-          <p:cNvCxnSpPr/>
-          <p:nvPr/>
-        </p:nvCxnSpPr>
-        <p:spPr>
-          <a:xfrm flipH="1">
-            <a:off x="10582183" y="1047565"/>
-            <a:ext cx="159798" cy="1216241"/>
-          </a:xfrm>
-          <a:prstGeom prst="line">
-            <a:avLst/>
-          </a:prstGeom>
-        </p:spPr>
-        <p:style>
-          <a:lnRef idx="1">
-            <a:schemeClr val="accent1"/>
-          </a:lnRef>
-          <a:fillRef idx="0">
-            <a:schemeClr val="accent1"/>
-          </a:fillRef>
-          <a:effectRef idx="0">
-            <a:schemeClr val="accent1"/>
-          </a:effectRef>
-          <a:fontRef idx="minor">
-            <a:schemeClr val="tx1"/>
-          </a:fontRef>
-        </p:style>
-      </p:cxnSp>
-      <p:cxnSp>
-        <p:nvCxnSpPr>
-          <p:cNvPr id="7" name="直接连接符 6">
-            <a:extLst>
-              <a:ext uri="{FF2B5EF4-FFF2-40B4-BE49-F238E27FC236}">
-                <a16:creationId xmlns:a16="http://schemas.microsoft.com/office/drawing/2014/main" id="{2324CCFE-4432-5F1E-B02C-22DF5D49BD63}"/>
-              </a:ext>
-            </a:extLst>
-          </p:cNvPr>
-          <p:cNvCxnSpPr>
-            <a:cxnSpLocks/>
-          </p:cNvCxnSpPr>
-          <p:nvPr/>
-        </p:nvCxnSpPr>
-        <p:spPr>
-          <a:xfrm>
-            <a:off x="10741981" y="1047565"/>
-            <a:ext cx="106532" cy="1216241"/>
-          </a:xfrm>
-          <a:prstGeom prst="line">
-            <a:avLst/>
-          </a:prstGeom>
-        </p:spPr>
-        <p:style>
-          <a:lnRef idx="1">
-            <a:schemeClr val="accent1"/>
-          </a:lnRef>
-          <a:fillRef idx="0">
-            <a:schemeClr val="accent1"/>
-          </a:fillRef>
-          <a:effectRef idx="0">
-            <a:schemeClr val="accent1"/>
-          </a:effectRef>
-          <a:fontRef idx="minor">
-            <a:schemeClr val="tx1"/>
-          </a:fontRef>
-        </p:style>
-      </p:cxnSp>
-      <p:cxnSp>
-        <p:nvCxnSpPr>
-          <p:cNvPr id="10" name="直接连接符 9">
-            <a:extLst>
-              <a:ext uri="{FF2B5EF4-FFF2-40B4-BE49-F238E27FC236}">
-                <a16:creationId xmlns:a16="http://schemas.microsoft.com/office/drawing/2014/main" id="{3E30E5E3-6108-A631-448C-83B7E1E4FB4B}"/>
-              </a:ext>
-            </a:extLst>
-          </p:cNvPr>
-          <p:cNvCxnSpPr/>
-          <p:nvPr/>
-        </p:nvCxnSpPr>
-        <p:spPr>
-          <a:xfrm flipH="1">
-            <a:off x="10582183" y="2753558"/>
-            <a:ext cx="159798" cy="1216241"/>
-          </a:xfrm>
-          <a:prstGeom prst="line">
-            <a:avLst/>
-          </a:prstGeom>
-        </p:spPr>
-        <p:style>
-          <a:lnRef idx="1">
-            <a:schemeClr val="accent1"/>
-          </a:lnRef>
-          <a:fillRef idx="0">
-            <a:schemeClr val="accent1"/>
-          </a:fillRef>
-          <a:effectRef idx="0">
-            <a:schemeClr val="accent1"/>
-          </a:effectRef>
-          <a:fontRef idx="minor">
-            <a:schemeClr val="tx1"/>
-          </a:fontRef>
-        </p:style>
-      </p:cxnSp>
-      <p:cxnSp>
-        <p:nvCxnSpPr>
-          <p:cNvPr id="11" name="直接连接符 10">
-            <a:extLst>
-              <a:ext uri="{FF2B5EF4-FFF2-40B4-BE49-F238E27FC236}">
-                <a16:creationId xmlns:a16="http://schemas.microsoft.com/office/drawing/2014/main" id="{18C4C3D8-BFE0-58D0-D642-DB3439BF37A5}"/>
-              </a:ext>
-            </a:extLst>
-          </p:cNvPr>
-          <p:cNvCxnSpPr>
-            <a:cxnSpLocks/>
-          </p:cNvCxnSpPr>
-          <p:nvPr/>
-        </p:nvCxnSpPr>
-        <p:spPr>
-          <a:xfrm>
-            <a:off x="10741981" y="2753558"/>
-            <a:ext cx="106532" cy="1216241"/>
-          </a:xfrm>
-          <a:prstGeom prst="line">
-            <a:avLst/>
-          </a:prstGeom>
-        </p:spPr>
-        <p:style>
-          <a:lnRef idx="1">
-            <a:schemeClr val="accent1"/>
-          </a:lnRef>
-          <a:fillRef idx="0">
-            <a:schemeClr val="accent1"/>
-          </a:fillRef>
-          <a:effectRef idx="0">
-            <a:schemeClr val="accent1"/>
-          </a:effectRef>
-          <a:fontRef idx="minor">
-            <a:schemeClr val="tx1"/>
-          </a:fontRef>
-        </p:style>
-      </p:cxnSp>
-      <p:cxnSp>
-        <p:nvCxnSpPr>
-          <p:cNvPr id="12" name="直接连接符 11">
-            <a:extLst>
-              <a:ext uri="{FF2B5EF4-FFF2-40B4-BE49-F238E27FC236}">
-                <a16:creationId xmlns:a16="http://schemas.microsoft.com/office/drawing/2014/main" id="{272369E6-AA6F-6430-DEA8-0F03075067A8}"/>
-              </a:ext>
-            </a:extLst>
-          </p:cNvPr>
-          <p:cNvCxnSpPr>
-            <a:cxnSpLocks/>
-          </p:cNvCxnSpPr>
-          <p:nvPr/>
-        </p:nvCxnSpPr>
-        <p:spPr>
-          <a:xfrm flipH="1">
-            <a:off x="10848513" y="3752850"/>
-            <a:ext cx="53266" cy="216949"/>
-          </a:xfrm>
-          <a:prstGeom prst="line">
-            <a:avLst/>
-          </a:prstGeom>
-        </p:spPr>
-        <p:style>
-          <a:lnRef idx="1">
-            <a:schemeClr val="accent1"/>
-          </a:lnRef>
-          <a:fillRef idx="0">
-            <a:schemeClr val="accent1"/>
-          </a:fillRef>
-          <a:effectRef idx="0">
-            <a:schemeClr val="accent1"/>
-          </a:effectRef>
-          <a:fontRef idx="minor">
-            <a:schemeClr val="tx1"/>
-          </a:fontRef>
-        </p:style>
-      </p:cxnSp>
-      <p:cxnSp>
-        <p:nvCxnSpPr>
-          <p:cNvPr id="17" name="直接连接符 16">
-            <a:extLst>
-              <a:ext uri="{FF2B5EF4-FFF2-40B4-BE49-F238E27FC236}">
-                <a16:creationId xmlns:a16="http://schemas.microsoft.com/office/drawing/2014/main" id="{ECDB24E3-B27D-FDBD-26C5-2EDB34FBD66A}"/>
-              </a:ext>
-            </a:extLst>
-          </p:cNvPr>
-          <p:cNvCxnSpPr>
-            <a:cxnSpLocks/>
-          </p:cNvCxnSpPr>
-          <p:nvPr/>
-        </p:nvCxnSpPr>
-        <p:spPr>
-          <a:xfrm>
-            <a:off x="10901779" y="3752850"/>
-            <a:ext cx="53266" cy="216949"/>
-          </a:xfrm>
-          <a:prstGeom prst="line">
-            <a:avLst/>
-          </a:prstGeom>
-        </p:spPr>
-        <p:style>
-          <a:lnRef idx="1">
-            <a:schemeClr val="accent1"/>
-          </a:lnRef>
-          <a:fillRef idx="0">
-            <a:schemeClr val="accent1"/>
-          </a:fillRef>
-          <a:effectRef idx="0">
-            <a:schemeClr val="accent1"/>
-          </a:effectRef>
-          <a:fontRef idx="minor">
-            <a:schemeClr val="tx1"/>
-          </a:fontRef>
-        </p:style>
-      </p:cxnSp>
-      <p:cxnSp>
-        <p:nvCxnSpPr>
-          <p:cNvPr id="20" name="直接连接符 19">
-            <a:extLst>
-              <a:ext uri="{FF2B5EF4-FFF2-40B4-BE49-F238E27FC236}">
-                <a16:creationId xmlns:a16="http://schemas.microsoft.com/office/drawing/2014/main" id="{B191814C-D0AE-6DEA-139C-E98BE9735A2A}"/>
-              </a:ext>
-            </a:extLst>
-          </p:cNvPr>
-          <p:cNvCxnSpPr>
-            <a:cxnSpLocks/>
-          </p:cNvCxnSpPr>
-          <p:nvPr/>
-        </p:nvCxnSpPr>
-        <p:spPr>
-          <a:xfrm flipH="1">
-            <a:off x="10475651" y="3752850"/>
-            <a:ext cx="53266" cy="216949"/>
-          </a:xfrm>
-          <a:prstGeom prst="line">
-            <a:avLst/>
-          </a:prstGeom>
-        </p:spPr>
-        <p:style>
-          <a:lnRef idx="1">
-            <a:schemeClr val="accent1"/>
-          </a:lnRef>
-          <a:fillRef idx="0">
-            <a:schemeClr val="accent1"/>
-          </a:fillRef>
-          <a:effectRef idx="0">
-            <a:schemeClr val="accent1"/>
-          </a:effectRef>
-          <a:fontRef idx="minor">
-            <a:schemeClr val="tx1"/>
-          </a:fontRef>
-        </p:style>
-      </p:cxnSp>
-      <p:cxnSp>
-        <p:nvCxnSpPr>
-          <p:cNvPr id="21" name="直接连接符 20">
-            <a:extLst>
-              <a:ext uri="{FF2B5EF4-FFF2-40B4-BE49-F238E27FC236}">
-                <a16:creationId xmlns:a16="http://schemas.microsoft.com/office/drawing/2014/main" id="{B80FF7D5-3ED3-E2BF-BD18-413FE317AA78}"/>
-              </a:ext>
-            </a:extLst>
-          </p:cNvPr>
-          <p:cNvCxnSpPr>
-            <a:cxnSpLocks/>
-          </p:cNvCxnSpPr>
-          <p:nvPr/>
-        </p:nvCxnSpPr>
-        <p:spPr>
-          <a:xfrm>
-            <a:off x="10528917" y="3752850"/>
-            <a:ext cx="53266" cy="216949"/>
-          </a:xfrm>
-          <a:prstGeom prst="line">
-            <a:avLst/>
-          </a:prstGeom>
-        </p:spPr>
-        <p:style>
-          <a:lnRef idx="1">
-            <a:schemeClr val="accent1"/>
-          </a:lnRef>
-          <a:fillRef idx="0">
-            <a:schemeClr val="accent1"/>
-          </a:fillRef>
-          <a:effectRef idx="0">
-            <a:schemeClr val="accent1"/>
-          </a:effectRef>
-          <a:fontRef idx="minor">
-            <a:schemeClr val="tx1"/>
-          </a:fontRef>
-        </p:style>
-      </p:cxnSp>
-      <p:sp>
-        <p:nvSpPr>
-          <p:cNvPr id="22" name="文本框 21">
-            <a:extLst>
-              <a:ext uri="{FF2B5EF4-FFF2-40B4-BE49-F238E27FC236}">
-                <a16:creationId xmlns:a16="http://schemas.microsoft.com/office/drawing/2014/main" id="{A0950C7D-31C2-8F7F-5FEA-402E9A2A9C14}"/>
+              <a:t>Tutorial</a:t>
+            </a:r>
+          </a:p>
+        </p:txBody>
+      </p:sp>
+      <p:sp>
+        <p:nvSpPr>
+          <p:cNvPr id="4" name="文本框 3">
+            <a:extLst>
+              <a:ext uri="{FF2B5EF4-FFF2-40B4-BE49-F238E27FC236}">
+                <a16:creationId xmlns:a16="http://schemas.microsoft.com/office/drawing/2014/main" id="{7F59A36D-30E2-045C-BCDC-564F42D0183E}"/>
               </a:ext>
             </a:extLst>
           </p:cNvPr>
@@ -11746,8 +11438,8 @@
         </p:nvSpPr>
         <p:spPr>
           <a:xfrm>
-            <a:off x="9329375" y="4121871"/>
-            <a:ext cx="2859032" cy="2308324"/>
+            <a:off x="1161456" y="2187087"/>
+            <a:ext cx="10122428" cy="1938992"/>
           </a:xfrm>
           <a:prstGeom prst="rect">
             <a:avLst/>
@@ -11755,32 +11447,31 @@
           <a:noFill/>
         </p:spPr>
         <p:txBody>
-          <a:bodyPr wrap="square" rtlCol="0">
+          <a:bodyPr wrap="square">
             <a:spAutoFit/>
           </a:bodyPr>
           <a:lstStyle/>
           <a:p>
             <a:r>
-              <a:rPr lang="en-US" altLang="zh-CN" sz="1600" dirty="0"/>
-              <a:t>For Signal with respiratory, peaks in frequency domain are between 2 small peaks.</a:t>
-            </a:r>
-          </a:p>
-          <a:p>
-            <a:endParaRPr lang="en-US" altLang="zh-CN" sz="1600" dirty="0"/>
-          </a:p>
-          <a:p>
-            <a:r>
-              <a:rPr lang="en-US" altLang="zh-CN" sz="1600" dirty="0"/>
-              <a:t>But I haven't fully understood the mathematical principles yet.</a:t>
-            </a:r>
-            <a:endParaRPr lang="zh-CN" altLang="en-US" sz="1600" dirty="0"/>
+              <a:rPr lang="en-US" altLang="zh-CN" sz="2400" dirty="0"/>
+              <a:t>There are still many details need to be resolved to improve the robustness of the code. </a:t>
+            </a:r>
+          </a:p>
+          <a:p>
+            <a:endParaRPr lang="en-US" altLang="zh-CN" sz="2400" dirty="0"/>
+          </a:p>
+          <a:p>
+            <a:r>
+              <a:rPr lang="en-US" altLang="zh-CN" sz="2400" dirty="0"/>
+              <a:t>I will continue to spend time improving this main function next week.</a:t>
+            </a:r>
           </a:p>
         </p:txBody>
       </p:sp>
     </p:spTree>
     <p:extLst>
       <p:ext uri="{BB962C8B-B14F-4D97-AF65-F5344CB8AC3E}">
-        <p14:creationId xmlns:p14="http://schemas.microsoft.com/office/powerpoint/2010/main" val="407941097"/>
+        <p14:creationId xmlns:p14="http://schemas.microsoft.com/office/powerpoint/2010/main" val="939389368"/>
       </p:ext>
     </p:extLst>
   </p:cSld>
@@ -11851,7 +11542,7 @@
             </a:r>
             <a:r>
               <a:rPr lang="en-US" altLang="zh-CN" sz="1400" dirty="0"/>
-              <a:t>Remove the impact of respiratory by </a:t>
+              <a:t>Remove the impact of Respiration by </a:t>
             </a:r>
             <a:r>
               <a:rPr lang="en-US" altLang="zh-CN" sz="1400" dirty="0" err="1"/>
@@ -11875,7 +11566,7 @@
           </p:cNvPicPr>
           <p:nvPr/>
         </p:nvPicPr>
-        <p:blipFill rotWithShape="1">
+        <p:blipFill>
           <a:blip r:embed="rId3">
             <a:extLst>
               <a:ext uri="{28A0092B-C50C-407E-A947-70E740481C1C}">
@@ -11883,13 +11574,14 @@
               </a:ext>
             </a:extLst>
           </a:blip>
-          <a:srcRect b="34431"/>
-          <a:stretch/>
+          <a:stretch>
+            <a:fillRect/>
+          </a:stretch>
         </p:blipFill>
         <p:spPr>
           <a:xfrm>
-            <a:off x="76939" y="836720"/>
-            <a:ext cx="9144000" cy="3597394"/>
+            <a:off x="3593" y="843977"/>
+            <a:ext cx="9144000" cy="5486400"/>
           </a:xfrm>
           <a:prstGeom prst="rect">
             <a:avLst/>
@@ -12196,6 +11888,470 @@
           </a:fontRef>
         </p:style>
       </p:cxnSp>
+      <p:sp>
+        <p:nvSpPr>
+          <p:cNvPr id="22" name="文本框 21">
+            <a:extLst>
+              <a:ext uri="{FF2B5EF4-FFF2-40B4-BE49-F238E27FC236}">
+                <a16:creationId xmlns:a16="http://schemas.microsoft.com/office/drawing/2014/main" id="{A0950C7D-31C2-8F7F-5FEA-402E9A2A9C14}"/>
+              </a:ext>
+            </a:extLst>
+          </p:cNvPr>
+          <p:cNvSpPr txBox="1"/>
+          <p:nvPr/>
+        </p:nvSpPr>
+        <p:spPr>
+          <a:xfrm>
+            <a:off x="9331328" y="4304681"/>
+            <a:ext cx="2821306" cy="2308324"/>
+          </a:xfrm>
+          <a:prstGeom prst="rect">
+            <a:avLst/>
+          </a:prstGeom>
+          <a:noFill/>
+        </p:spPr>
+        <p:txBody>
+          <a:bodyPr wrap="square" rtlCol="0">
+            <a:spAutoFit/>
+          </a:bodyPr>
+          <a:lstStyle/>
+          <a:p>
+            <a:r>
+              <a:rPr lang="en-US" altLang="zh-CN" sz="1600" dirty="0"/>
+              <a:t>For Signal with respiration, peaks in frequency domain are between 2 small peaks.</a:t>
+            </a:r>
+          </a:p>
+          <a:p>
+            <a:endParaRPr lang="en-US" altLang="zh-CN" sz="1600" dirty="0"/>
+          </a:p>
+          <a:p>
+            <a:r>
+              <a:rPr lang="en-US" altLang="zh-CN" sz="1600" dirty="0"/>
+              <a:t>But I haven't fully understood the mathematical principles yet.</a:t>
+            </a:r>
+            <a:endParaRPr lang="zh-CN" altLang="en-US" sz="1600" dirty="0"/>
+          </a:p>
+        </p:txBody>
+      </p:sp>
+    </p:spTree>
+    <p:extLst>
+      <p:ext uri="{BB962C8B-B14F-4D97-AF65-F5344CB8AC3E}">
+        <p14:creationId xmlns:p14="http://schemas.microsoft.com/office/powerpoint/2010/main" val="407941097"/>
+      </p:ext>
+    </p:extLst>
+  </p:cSld>
+  <p:clrMapOvr>
+    <a:masterClrMapping/>
+  </p:clrMapOvr>
+</p:sld>
+</file>
+
+<file path=ppt/slides/slide6.xml><?xml version="1.0" encoding="utf-8"?>
+<p:sld xmlns:a="http://schemas.openxmlformats.org/drawingml/2006/main" xmlns:r="http://schemas.openxmlformats.org/officeDocument/2006/relationships" xmlns:p="http://schemas.openxmlformats.org/presentationml/2006/main">
+  <p:cSld>
+    <p:spTree>
+      <p:nvGrpSpPr>
+        <p:cNvPr id="1" name=""/>
+        <p:cNvGrpSpPr/>
+        <p:nvPr/>
+      </p:nvGrpSpPr>
+      <p:grpSpPr>
+        <a:xfrm>
+          <a:off x="0" y="0"/>
+          <a:ext cx="0" cy="0"/>
+          <a:chOff x="0" y="0"/>
+          <a:chExt cx="0" cy="0"/>
+        </a:xfrm>
+      </p:grpSpPr>
+      <p:sp>
+        <p:nvSpPr>
+          <p:cNvPr id="55" name="文本框 54">
+            <a:extLst>
+              <a:ext uri="{FF2B5EF4-FFF2-40B4-BE49-F238E27FC236}">
+                <a16:creationId xmlns:a16="http://schemas.microsoft.com/office/drawing/2014/main" id="{32A2BE86-86A6-F1FC-83EE-91A826B532E5}"/>
+              </a:ext>
+            </a:extLst>
+          </p:cNvPr>
+          <p:cNvSpPr txBox="1"/>
+          <p:nvPr/>
+        </p:nvSpPr>
+        <p:spPr>
+          <a:xfrm>
+            <a:off x="609600" y="106251"/>
+            <a:ext cx="6164062" cy="461665"/>
+          </a:xfrm>
+          <a:prstGeom prst="rect">
+            <a:avLst/>
+          </a:prstGeom>
+          <a:noFill/>
+        </p:spPr>
+        <p:txBody>
+          <a:bodyPr wrap="square" rtlCol="0">
+            <a:spAutoFit/>
+          </a:bodyPr>
+          <a:lstStyle>
+            <a:defPPr>
+              <a:defRPr lang="zh-CN"/>
+            </a:defPPr>
+            <a:lvl1pPr>
+              <a:defRPr sz="2400">
+                <a:latin typeface="Consolas" panose="020B0609020204030204" pitchFamily="49" charset="0"/>
+                <a:cs typeface="Times New Roman" panose="02020603050405020304" pitchFamily="18" charset="0"/>
+              </a:defRPr>
+            </a:lvl1pPr>
+          </a:lstStyle>
+          <a:p>
+            <a:r>
+              <a:rPr lang="en-US" altLang="zh-CN" dirty="0"/>
+              <a:t>Work_2: </a:t>
+            </a:r>
+            <a:r>
+              <a:rPr lang="en-US" altLang="zh-CN" sz="1400" dirty="0"/>
+              <a:t>Remove the impact of respiratory by </a:t>
+            </a:r>
+            <a:r>
+              <a:rPr lang="en-US" altLang="zh-CN" sz="1400" dirty="0" err="1"/>
+              <a:t>fft</a:t>
+            </a:r>
+            <a:endParaRPr lang="en-US" altLang="zh-CN" sz="1400" dirty="0"/>
+          </a:p>
+        </p:txBody>
+      </p:sp>
+      <p:pic>
+        <p:nvPicPr>
+          <p:cNvPr id="4" name="图片 3">
+            <a:extLst>
+              <a:ext uri="{FF2B5EF4-FFF2-40B4-BE49-F238E27FC236}">
+                <a16:creationId xmlns:a16="http://schemas.microsoft.com/office/drawing/2014/main" id="{8ACAC31F-141E-718A-C0AC-7C6848369316}"/>
+              </a:ext>
+            </a:extLst>
+          </p:cNvPr>
+          <p:cNvPicPr>
+            <a:picLocks noChangeAspect="1"/>
+          </p:cNvPicPr>
+          <p:nvPr/>
+        </p:nvPicPr>
+        <p:blipFill rotWithShape="1">
+          <a:blip r:embed="rId3">
+            <a:extLst>
+              <a:ext uri="{28A0092B-C50C-407E-A947-70E740481C1C}">
+                <a14:useLocalDpi xmlns:a14="http://schemas.microsoft.com/office/drawing/2010/main" val="0"/>
+              </a:ext>
+            </a:extLst>
+          </a:blip>
+          <a:srcRect b="34431"/>
+          <a:stretch/>
+        </p:blipFill>
+        <p:spPr>
+          <a:xfrm>
+            <a:off x="76939" y="836720"/>
+            <a:ext cx="9144000" cy="3597394"/>
+          </a:xfrm>
+          <a:prstGeom prst="rect">
+            <a:avLst/>
+          </a:prstGeom>
+        </p:spPr>
+      </p:pic>
+      <p:cxnSp>
+        <p:nvCxnSpPr>
+          <p:cNvPr id="6" name="直接连接符 5">
+            <a:extLst>
+              <a:ext uri="{FF2B5EF4-FFF2-40B4-BE49-F238E27FC236}">
+                <a16:creationId xmlns:a16="http://schemas.microsoft.com/office/drawing/2014/main" id="{5CF4F169-33F5-A24D-A140-58899F49F2E7}"/>
+              </a:ext>
+            </a:extLst>
+          </p:cNvPr>
+          <p:cNvCxnSpPr/>
+          <p:nvPr/>
+        </p:nvCxnSpPr>
+        <p:spPr>
+          <a:xfrm flipH="1">
+            <a:off x="10582183" y="1047565"/>
+            <a:ext cx="159798" cy="1216241"/>
+          </a:xfrm>
+          <a:prstGeom prst="line">
+            <a:avLst/>
+          </a:prstGeom>
+        </p:spPr>
+        <p:style>
+          <a:lnRef idx="1">
+            <a:schemeClr val="accent1"/>
+          </a:lnRef>
+          <a:fillRef idx="0">
+            <a:schemeClr val="accent1"/>
+          </a:fillRef>
+          <a:effectRef idx="0">
+            <a:schemeClr val="accent1"/>
+          </a:effectRef>
+          <a:fontRef idx="minor">
+            <a:schemeClr val="tx1"/>
+          </a:fontRef>
+        </p:style>
+      </p:cxnSp>
+      <p:cxnSp>
+        <p:nvCxnSpPr>
+          <p:cNvPr id="7" name="直接连接符 6">
+            <a:extLst>
+              <a:ext uri="{FF2B5EF4-FFF2-40B4-BE49-F238E27FC236}">
+                <a16:creationId xmlns:a16="http://schemas.microsoft.com/office/drawing/2014/main" id="{2324CCFE-4432-5F1E-B02C-22DF5D49BD63}"/>
+              </a:ext>
+            </a:extLst>
+          </p:cNvPr>
+          <p:cNvCxnSpPr>
+            <a:cxnSpLocks/>
+          </p:cNvCxnSpPr>
+          <p:nvPr/>
+        </p:nvCxnSpPr>
+        <p:spPr>
+          <a:xfrm>
+            <a:off x="10741981" y="1047565"/>
+            <a:ext cx="106532" cy="1216241"/>
+          </a:xfrm>
+          <a:prstGeom prst="line">
+            <a:avLst/>
+          </a:prstGeom>
+        </p:spPr>
+        <p:style>
+          <a:lnRef idx="1">
+            <a:schemeClr val="accent1"/>
+          </a:lnRef>
+          <a:fillRef idx="0">
+            <a:schemeClr val="accent1"/>
+          </a:fillRef>
+          <a:effectRef idx="0">
+            <a:schemeClr val="accent1"/>
+          </a:effectRef>
+          <a:fontRef idx="minor">
+            <a:schemeClr val="tx1"/>
+          </a:fontRef>
+        </p:style>
+      </p:cxnSp>
+      <p:cxnSp>
+        <p:nvCxnSpPr>
+          <p:cNvPr id="10" name="直接连接符 9">
+            <a:extLst>
+              <a:ext uri="{FF2B5EF4-FFF2-40B4-BE49-F238E27FC236}">
+                <a16:creationId xmlns:a16="http://schemas.microsoft.com/office/drawing/2014/main" id="{3E30E5E3-6108-A631-448C-83B7E1E4FB4B}"/>
+              </a:ext>
+            </a:extLst>
+          </p:cNvPr>
+          <p:cNvCxnSpPr/>
+          <p:nvPr/>
+        </p:nvCxnSpPr>
+        <p:spPr>
+          <a:xfrm flipH="1">
+            <a:off x="10582183" y="2753558"/>
+            <a:ext cx="159798" cy="1216241"/>
+          </a:xfrm>
+          <a:prstGeom prst="line">
+            <a:avLst/>
+          </a:prstGeom>
+        </p:spPr>
+        <p:style>
+          <a:lnRef idx="1">
+            <a:schemeClr val="accent1"/>
+          </a:lnRef>
+          <a:fillRef idx="0">
+            <a:schemeClr val="accent1"/>
+          </a:fillRef>
+          <a:effectRef idx="0">
+            <a:schemeClr val="accent1"/>
+          </a:effectRef>
+          <a:fontRef idx="minor">
+            <a:schemeClr val="tx1"/>
+          </a:fontRef>
+        </p:style>
+      </p:cxnSp>
+      <p:cxnSp>
+        <p:nvCxnSpPr>
+          <p:cNvPr id="11" name="直接连接符 10">
+            <a:extLst>
+              <a:ext uri="{FF2B5EF4-FFF2-40B4-BE49-F238E27FC236}">
+                <a16:creationId xmlns:a16="http://schemas.microsoft.com/office/drawing/2014/main" id="{18C4C3D8-BFE0-58D0-D642-DB3439BF37A5}"/>
+              </a:ext>
+            </a:extLst>
+          </p:cNvPr>
+          <p:cNvCxnSpPr>
+            <a:cxnSpLocks/>
+          </p:cNvCxnSpPr>
+          <p:nvPr/>
+        </p:nvCxnSpPr>
+        <p:spPr>
+          <a:xfrm>
+            <a:off x="10741981" y="2753558"/>
+            <a:ext cx="106532" cy="1216241"/>
+          </a:xfrm>
+          <a:prstGeom prst="line">
+            <a:avLst/>
+          </a:prstGeom>
+        </p:spPr>
+        <p:style>
+          <a:lnRef idx="1">
+            <a:schemeClr val="accent1"/>
+          </a:lnRef>
+          <a:fillRef idx="0">
+            <a:schemeClr val="accent1"/>
+          </a:fillRef>
+          <a:effectRef idx="0">
+            <a:schemeClr val="accent1"/>
+          </a:effectRef>
+          <a:fontRef idx="minor">
+            <a:schemeClr val="tx1"/>
+          </a:fontRef>
+        </p:style>
+      </p:cxnSp>
+      <p:cxnSp>
+        <p:nvCxnSpPr>
+          <p:cNvPr id="12" name="直接连接符 11">
+            <a:extLst>
+              <a:ext uri="{FF2B5EF4-FFF2-40B4-BE49-F238E27FC236}">
+                <a16:creationId xmlns:a16="http://schemas.microsoft.com/office/drawing/2014/main" id="{272369E6-AA6F-6430-DEA8-0F03075067A8}"/>
+              </a:ext>
+            </a:extLst>
+          </p:cNvPr>
+          <p:cNvCxnSpPr>
+            <a:cxnSpLocks/>
+          </p:cNvCxnSpPr>
+          <p:nvPr/>
+        </p:nvCxnSpPr>
+        <p:spPr>
+          <a:xfrm flipH="1">
+            <a:off x="10848513" y="3752850"/>
+            <a:ext cx="53266" cy="216949"/>
+          </a:xfrm>
+          <a:prstGeom prst="line">
+            <a:avLst/>
+          </a:prstGeom>
+        </p:spPr>
+        <p:style>
+          <a:lnRef idx="1">
+            <a:schemeClr val="accent1"/>
+          </a:lnRef>
+          <a:fillRef idx="0">
+            <a:schemeClr val="accent1"/>
+          </a:fillRef>
+          <a:effectRef idx="0">
+            <a:schemeClr val="accent1"/>
+          </a:effectRef>
+          <a:fontRef idx="minor">
+            <a:schemeClr val="tx1"/>
+          </a:fontRef>
+        </p:style>
+      </p:cxnSp>
+      <p:cxnSp>
+        <p:nvCxnSpPr>
+          <p:cNvPr id="17" name="直接连接符 16">
+            <a:extLst>
+              <a:ext uri="{FF2B5EF4-FFF2-40B4-BE49-F238E27FC236}">
+                <a16:creationId xmlns:a16="http://schemas.microsoft.com/office/drawing/2014/main" id="{ECDB24E3-B27D-FDBD-26C5-2EDB34FBD66A}"/>
+              </a:ext>
+            </a:extLst>
+          </p:cNvPr>
+          <p:cNvCxnSpPr>
+            <a:cxnSpLocks/>
+          </p:cNvCxnSpPr>
+          <p:nvPr/>
+        </p:nvCxnSpPr>
+        <p:spPr>
+          <a:xfrm>
+            <a:off x="10901779" y="3752850"/>
+            <a:ext cx="53266" cy="216949"/>
+          </a:xfrm>
+          <a:prstGeom prst="line">
+            <a:avLst/>
+          </a:prstGeom>
+        </p:spPr>
+        <p:style>
+          <a:lnRef idx="1">
+            <a:schemeClr val="accent1"/>
+          </a:lnRef>
+          <a:fillRef idx="0">
+            <a:schemeClr val="accent1"/>
+          </a:fillRef>
+          <a:effectRef idx="0">
+            <a:schemeClr val="accent1"/>
+          </a:effectRef>
+          <a:fontRef idx="minor">
+            <a:schemeClr val="tx1"/>
+          </a:fontRef>
+        </p:style>
+      </p:cxnSp>
+      <p:cxnSp>
+        <p:nvCxnSpPr>
+          <p:cNvPr id="20" name="直接连接符 19">
+            <a:extLst>
+              <a:ext uri="{FF2B5EF4-FFF2-40B4-BE49-F238E27FC236}">
+                <a16:creationId xmlns:a16="http://schemas.microsoft.com/office/drawing/2014/main" id="{B191814C-D0AE-6DEA-139C-E98BE9735A2A}"/>
+              </a:ext>
+            </a:extLst>
+          </p:cNvPr>
+          <p:cNvCxnSpPr>
+            <a:cxnSpLocks/>
+          </p:cNvCxnSpPr>
+          <p:nvPr/>
+        </p:nvCxnSpPr>
+        <p:spPr>
+          <a:xfrm flipH="1">
+            <a:off x="10475651" y="3752850"/>
+            <a:ext cx="53266" cy="216949"/>
+          </a:xfrm>
+          <a:prstGeom prst="line">
+            <a:avLst/>
+          </a:prstGeom>
+        </p:spPr>
+        <p:style>
+          <a:lnRef idx="1">
+            <a:schemeClr val="accent1"/>
+          </a:lnRef>
+          <a:fillRef idx="0">
+            <a:schemeClr val="accent1"/>
+          </a:fillRef>
+          <a:effectRef idx="0">
+            <a:schemeClr val="accent1"/>
+          </a:effectRef>
+          <a:fontRef idx="minor">
+            <a:schemeClr val="tx1"/>
+          </a:fontRef>
+        </p:style>
+      </p:cxnSp>
+      <p:cxnSp>
+        <p:nvCxnSpPr>
+          <p:cNvPr id="21" name="直接连接符 20">
+            <a:extLst>
+              <a:ext uri="{FF2B5EF4-FFF2-40B4-BE49-F238E27FC236}">
+                <a16:creationId xmlns:a16="http://schemas.microsoft.com/office/drawing/2014/main" id="{B80FF7D5-3ED3-E2BF-BD18-413FE317AA78}"/>
+              </a:ext>
+            </a:extLst>
+          </p:cNvPr>
+          <p:cNvCxnSpPr>
+            <a:cxnSpLocks/>
+          </p:cNvCxnSpPr>
+          <p:nvPr/>
+        </p:nvCxnSpPr>
+        <p:spPr>
+          <a:xfrm>
+            <a:off x="10528917" y="3752850"/>
+            <a:ext cx="53266" cy="216949"/>
+          </a:xfrm>
+          <a:prstGeom prst="line">
+            <a:avLst/>
+          </a:prstGeom>
+        </p:spPr>
+        <p:style>
+          <a:lnRef idx="1">
+            <a:schemeClr val="accent1"/>
+          </a:lnRef>
+          <a:fillRef idx="0">
+            <a:schemeClr val="accent1"/>
+          </a:fillRef>
+          <a:effectRef idx="0">
+            <a:schemeClr val="accent1"/>
+          </a:effectRef>
+          <a:fontRef idx="minor">
+            <a:schemeClr val="tx1"/>
+          </a:fontRef>
+        </p:style>
+      </p:cxnSp>
       <p:cxnSp>
         <p:nvCxnSpPr>
           <p:cNvPr id="3" name="直接连接符 2">
@@ -12431,7 +12587,7 @@
 </p:sld>
 </file>
 
-<file path=ppt/slides/slide6.xml><?xml version="1.0" encoding="utf-8"?>
+<file path=ppt/slides/slide7.xml><?xml version="1.0" encoding="utf-8"?>
 <p:sld xmlns:a="http://schemas.openxmlformats.org/drawingml/2006/main" xmlns:r="http://schemas.openxmlformats.org/officeDocument/2006/relationships" xmlns:p="http://schemas.openxmlformats.org/presentationml/2006/main">
   <p:cSld>
     <p:spTree>
@@ -13025,209 +13181,6 @@
 </p:sld>
 </file>
 
-<file path=ppt/slides/slide7.xml><?xml version="1.0" encoding="utf-8"?>
-<p:sld xmlns:a="http://schemas.openxmlformats.org/drawingml/2006/main" xmlns:r="http://schemas.openxmlformats.org/officeDocument/2006/relationships" xmlns:p="http://schemas.openxmlformats.org/presentationml/2006/main">
-  <p:cSld>
-    <p:spTree>
-      <p:nvGrpSpPr>
-        <p:cNvPr id="1" name=""/>
-        <p:cNvGrpSpPr/>
-        <p:nvPr/>
-      </p:nvGrpSpPr>
-      <p:grpSpPr>
-        <a:xfrm>
-          <a:off x="0" y="0"/>
-          <a:ext cx="0" cy="0"/>
-          <a:chOff x="0" y="0"/>
-          <a:chExt cx="0" cy="0"/>
-        </a:xfrm>
-      </p:grpSpPr>
-      <p:sp>
-        <p:nvSpPr>
-          <p:cNvPr id="55" name="文本框 54">
-            <a:extLst>
-              <a:ext uri="{FF2B5EF4-FFF2-40B4-BE49-F238E27FC236}">
-                <a16:creationId xmlns:a16="http://schemas.microsoft.com/office/drawing/2014/main" id="{32A2BE86-86A6-F1FC-83EE-91A826B532E5}"/>
-              </a:ext>
-            </a:extLst>
-          </p:cNvPr>
-          <p:cNvSpPr txBox="1"/>
-          <p:nvPr/>
-        </p:nvSpPr>
-        <p:spPr>
-          <a:xfrm>
-            <a:off x="609600" y="106251"/>
-            <a:ext cx="6164062" cy="461665"/>
-          </a:xfrm>
-          <a:prstGeom prst="rect">
-            <a:avLst/>
-          </a:prstGeom>
-          <a:noFill/>
-        </p:spPr>
-        <p:txBody>
-          <a:bodyPr wrap="square" rtlCol="0">
-            <a:spAutoFit/>
-          </a:bodyPr>
-          <a:lstStyle>
-            <a:defPPr>
-              <a:defRPr lang="zh-CN"/>
-            </a:defPPr>
-            <a:lvl1pPr>
-              <a:defRPr sz="2400">
-                <a:latin typeface="Consolas" panose="020B0609020204030204" pitchFamily="49" charset="0"/>
-                <a:cs typeface="Times New Roman" panose="02020603050405020304" pitchFamily="18" charset="0"/>
-              </a:defRPr>
-            </a:lvl1pPr>
-          </a:lstStyle>
-          <a:p>
-            <a:r>
-              <a:rPr lang="en-US" altLang="zh-CN" dirty="0"/>
-              <a:t>Work_2: </a:t>
-            </a:r>
-            <a:r>
-              <a:rPr lang="en-US" altLang="zh-CN" sz="1400" dirty="0"/>
-              <a:t>Remove the impact of respiratory by </a:t>
-            </a:r>
-            <a:r>
-              <a:rPr lang="en-US" altLang="zh-CN" sz="1400" dirty="0" err="1"/>
-              <a:t>fft</a:t>
-            </a:r>
-            <a:endParaRPr lang="en-US" altLang="zh-CN" sz="1400" dirty="0"/>
-          </a:p>
-        </p:txBody>
-      </p:sp>
-      <p:sp>
-        <p:nvSpPr>
-          <p:cNvPr id="2" name="文本框 1">
-            <a:extLst>
-              <a:ext uri="{FF2B5EF4-FFF2-40B4-BE49-F238E27FC236}">
-                <a16:creationId xmlns:a16="http://schemas.microsoft.com/office/drawing/2014/main" id="{EE150550-D12A-7598-5EF9-A82A4592D54A}"/>
-              </a:ext>
-            </a:extLst>
-          </p:cNvPr>
-          <p:cNvSpPr txBox="1"/>
-          <p:nvPr/>
-        </p:nvSpPr>
-        <p:spPr>
-          <a:xfrm>
-            <a:off x="878113" y="1192962"/>
-            <a:ext cx="6865257" cy="646331"/>
-          </a:xfrm>
-          <a:prstGeom prst="rect">
-            <a:avLst/>
-          </a:prstGeom>
-          <a:noFill/>
-        </p:spPr>
-        <p:txBody>
-          <a:bodyPr wrap="square" rtlCol="0">
-            <a:spAutoFit/>
-          </a:bodyPr>
-          <a:lstStyle/>
-          <a:p>
-            <a:r>
-              <a:rPr lang="en-US" altLang="zh-CN" dirty="0"/>
-              <a:t>Result of S and D Prediction, </a:t>
-            </a:r>
-            <a:r>
-              <a:rPr lang="zh-CN" altLang="en-US" dirty="0"/>
-              <a:t>当信号的噪声程度为</a:t>
-            </a:r>
-            <a:r>
-              <a:rPr lang="en-US" altLang="zh-CN" dirty="0"/>
-              <a:t>0</a:t>
-            </a:r>
-            <a:r>
-              <a:rPr lang="zh-CN" altLang="en-US" dirty="0"/>
-              <a:t>并且受到呼吸的影响时</a:t>
-            </a:r>
-          </a:p>
-        </p:txBody>
-      </p:sp>
-      <p:pic>
-        <p:nvPicPr>
-          <p:cNvPr id="7" name="图片 6">
-            <a:extLst>
-              <a:ext uri="{FF2B5EF4-FFF2-40B4-BE49-F238E27FC236}">
-                <a16:creationId xmlns:a16="http://schemas.microsoft.com/office/drawing/2014/main" id="{A061DCEB-B703-1FF8-4C88-D3A8F5531286}"/>
-              </a:ext>
-            </a:extLst>
-          </p:cNvPr>
-          <p:cNvPicPr>
-            <a:picLocks noChangeAspect="1"/>
-          </p:cNvPicPr>
-          <p:nvPr/>
-        </p:nvPicPr>
-        <p:blipFill>
-          <a:blip r:embed="rId3">
-            <a:extLst>
-              <a:ext uri="{28A0092B-C50C-407E-A947-70E740481C1C}">
-                <a14:useLocalDpi xmlns:a14="http://schemas.microsoft.com/office/drawing/2010/main" val="0"/>
-              </a:ext>
-            </a:extLst>
-          </a:blip>
-          <a:stretch>
-            <a:fillRect/>
-          </a:stretch>
-        </p:blipFill>
-        <p:spPr>
-          <a:xfrm>
-            <a:off x="6096000" y="1822772"/>
-            <a:ext cx="5486400" cy="3657600"/>
-          </a:xfrm>
-          <a:prstGeom prst="rect">
-            <a:avLst/>
-          </a:prstGeom>
-        </p:spPr>
-      </p:pic>
-      <p:pic>
-        <p:nvPicPr>
-          <p:cNvPr id="9" name="图片 8">
-            <a:extLst>
-              <a:ext uri="{FF2B5EF4-FFF2-40B4-BE49-F238E27FC236}">
-                <a16:creationId xmlns:a16="http://schemas.microsoft.com/office/drawing/2014/main" id="{B6803215-2A99-3A62-AF58-A23297648E9E}"/>
-              </a:ext>
-            </a:extLst>
-          </p:cNvPr>
-          <p:cNvPicPr>
-            <a:picLocks noChangeAspect="1"/>
-          </p:cNvPicPr>
-          <p:nvPr/>
-        </p:nvPicPr>
-        <p:blipFill>
-          <a:blip r:embed="rId4">
-            <a:extLst>
-              <a:ext uri="{28A0092B-C50C-407E-A947-70E740481C1C}">
-                <a14:useLocalDpi xmlns:a14="http://schemas.microsoft.com/office/drawing/2010/main" val="0"/>
-              </a:ext>
-            </a:extLst>
-          </a:blip>
-          <a:stretch>
-            <a:fillRect/>
-          </a:stretch>
-        </p:blipFill>
-        <p:spPr>
-          <a:xfrm>
-            <a:off x="609600" y="1822772"/>
-            <a:ext cx="5486400" cy="3657600"/>
-          </a:xfrm>
-          <a:prstGeom prst="rect">
-            <a:avLst/>
-          </a:prstGeom>
-        </p:spPr>
-      </p:pic>
-    </p:spTree>
-    <p:extLst>
-      <p:ext uri="{BB962C8B-B14F-4D97-AF65-F5344CB8AC3E}">
-        <p14:creationId xmlns:p14="http://schemas.microsoft.com/office/powerpoint/2010/main" val="1257740799"/>
-      </p:ext>
-    </p:extLst>
-  </p:cSld>
-  <p:clrMapOvr>
-    <a:masterClrMapping/>
-  </p:clrMapOvr>
-</p:sld>
-</file>
-
 <file path=ppt/slides/slide8.xml><?xml version="1.0" encoding="utf-8"?>
 <p:sld xmlns:a="http://schemas.openxmlformats.org/drawingml/2006/main" xmlns:r="http://schemas.openxmlformats.org/officeDocument/2006/relationships" xmlns:p="http://schemas.openxmlformats.org/presentationml/2006/main">
   <p:cSld>
@@ -13259,8 +13212,8 @@
         </p:nvSpPr>
         <p:spPr>
           <a:xfrm>
-            <a:off x="609599" y="106251"/>
-            <a:ext cx="5382827" cy="461665"/>
+            <a:off x="609600" y="106251"/>
+            <a:ext cx="6164062" cy="461665"/>
           </a:xfrm>
           <a:prstGeom prst="rect">
             <a:avLst/>
@@ -13285,45 +13238,62 @@
           <a:p>
             <a:r>
               <a:rPr lang="en-US" altLang="zh-CN" dirty="0"/>
-              <a:t>Work_3: </a:t>
+              <a:t>Work_2: </a:t>
             </a:r>
             <a:r>
               <a:rPr lang="en-US" altLang="zh-CN" sz="1400" dirty="0"/>
-              <a:t>Remove</a:t>
-            </a:r>
-            <a:r>
-              <a:rPr lang="zh-CN" altLang="en-US" sz="1400" dirty="0"/>
-              <a:t> </a:t>
-            </a:r>
-            <a:r>
-              <a:rPr lang="en-US" altLang="zh-CN" sz="1400" dirty="0"/>
-              <a:t>Normal</a:t>
-            </a:r>
-            <a:r>
-              <a:rPr lang="zh-CN" altLang="en-US" sz="1400" dirty="0"/>
-              <a:t> </a:t>
-            </a:r>
-            <a:r>
-              <a:rPr lang="en-US" altLang="zh-CN" sz="1400" dirty="0"/>
-              <a:t>Nosie</a:t>
-            </a:r>
-            <a:r>
-              <a:rPr lang="zh-CN" altLang="en-US" sz="1400" dirty="0"/>
-              <a:t> </a:t>
-            </a:r>
-            <a:r>
-              <a:rPr lang="en-US" altLang="zh-CN" sz="1400" dirty="0"/>
-              <a:t>and respiratory</a:t>
-            </a:r>
+              <a:t>Remove the impact of respiratory by </a:t>
+            </a:r>
+            <a:r>
+              <a:rPr lang="en-US" altLang="zh-CN" sz="1400" dirty="0" err="1"/>
+              <a:t>fft</a:t>
+            </a:r>
+            <a:endParaRPr lang="en-US" altLang="zh-CN" sz="1400" dirty="0"/>
+          </a:p>
+        </p:txBody>
+      </p:sp>
+      <p:sp>
+        <p:nvSpPr>
+          <p:cNvPr id="2" name="文本框 1">
+            <a:extLst>
+              <a:ext uri="{FF2B5EF4-FFF2-40B4-BE49-F238E27FC236}">
+                <a16:creationId xmlns:a16="http://schemas.microsoft.com/office/drawing/2014/main" id="{EE150550-D12A-7598-5EF9-A82A4592D54A}"/>
+              </a:ext>
+            </a:extLst>
+          </p:cNvPr>
+          <p:cNvSpPr txBox="1"/>
+          <p:nvPr/>
+        </p:nvSpPr>
+        <p:spPr>
+          <a:xfrm>
+            <a:off x="878113" y="1192962"/>
+            <a:ext cx="6865257" cy="646331"/>
+          </a:xfrm>
+          <a:prstGeom prst="rect">
+            <a:avLst/>
+          </a:prstGeom>
+          <a:noFill/>
+        </p:spPr>
+        <p:txBody>
+          <a:bodyPr wrap="square" rtlCol="0">
+            <a:spAutoFit/>
+          </a:bodyPr>
+          <a:lstStyle/>
+          <a:p>
+            <a:r>
+              <a:rPr lang="en-US" altLang="zh-CN" b="1" dirty="0"/>
+              <a:t>Result of S and D Prediction, when the signal's noise level is 0 and influenced by breathing.</a:t>
+            </a:r>
+            <a:endParaRPr lang="zh-CN" altLang="en-US" b="1" dirty="0"/>
           </a:p>
         </p:txBody>
       </p:sp>
       <p:pic>
         <p:nvPicPr>
-          <p:cNvPr id="5" name="图片 4">
-            <a:extLst>
-              <a:ext uri="{FF2B5EF4-FFF2-40B4-BE49-F238E27FC236}">
-                <a16:creationId xmlns:a16="http://schemas.microsoft.com/office/drawing/2014/main" id="{93162402-2550-1C19-8F88-8EC33905F9D9}"/>
+          <p:cNvPr id="7" name="图片 6">
+            <a:extLst>
+              <a:ext uri="{FF2B5EF4-FFF2-40B4-BE49-F238E27FC236}">
+                <a16:creationId xmlns:a16="http://schemas.microsoft.com/office/drawing/2014/main" id="{A061DCEB-B703-1FF8-4C88-D3A8F5531286}"/>
               </a:ext>
             </a:extLst>
           </p:cNvPr>
@@ -13346,20 +13316,56 @@
         </p:blipFill>
         <p:spPr>
           <a:xfrm>
-            <a:off x="1524000" y="2006600"/>
-            <a:ext cx="9144000" cy="4572000"/>
+            <a:off x="6096000" y="1822772"/>
+            <a:ext cx="5486400" cy="3657600"/>
           </a:xfrm>
           <a:prstGeom prst="rect">
             <a:avLst/>
           </a:prstGeom>
         </p:spPr>
       </p:pic>
-      <p:sp>
-        <p:nvSpPr>
-          <p:cNvPr id="3" name="文本框 2">
-            <a:extLst>
-              <a:ext uri="{FF2B5EF4-FFF2-40B4-BE49-F238E27FC236}">
-                <a16:creationId xmlns:a16="http://schemas.microsoft.com/office/drawing/2014/main" id="{E84204FE-6E96-FBD9-7502-BFC26656D187}"/>
+      <p:pic>
+        <p:nvPicPr>
+          <p:cNvPr id="9" name="图片 8">
+            <a:extLst>
+              <a:ext uri="{FF2B5EF4-FFF2-40B4-BE49-F238E27FC236}">
+                <a16:creationId xmlns:a16="http://schemas.microsoft.com/office/drawing/2014/main" id="{B6803215-2A99-3A62-AF58-A23297648E9E}"/>
+              </a:ext>
+            </a:extLst>
+          </p:cNvPr>
+          <p:cNvPicPr>
+            <a:picLocks noChangeAspect="1"/>
+          </p:cNvPicPr>
+          <p:nvPr/>
+        </p:nvPicPr>
+        <p:blipFill>
+          <a:blip r:embed="rId4">
+            <a:extLst>
+              <a:ext uri="{28A0092B-C50C-407E-A947-70E740481C1C}">
+                <a14:useLocalDpi xmlns:a14="http://schemas.microsoft.com/office/drawing/2010/main" val="0"/>
+              </a:ext>
+            </a:extLst>
+          </a:blip>
+          <a:stretch>
+            <a:fillRect/>
+          </a:stretch>
+        </p:blipFill>
+        <p:spPr>
+          <a:xfrm>
+            <a:off x="609600" y="1822772"/>
+            <a:ext cx="5486400" cy="3657600"/>
+          </a:xfrm>
+          <a:prstGeom prst="rect">
+            <a:avLst/>
+          </a:prstGeom>
+        </p:spPr>
+      </p:pic>
+      <p:sp>
+        <p:nvSpPr>
+          <p:cNvPr id="4" name="文本框 3">
+            <a:extLst>
+              <a:ext uri="{FF2B5EF4-FFF2-40B4-BE49-F238E27FC236}">
+                <a16:creationId xmlns:a16="http://schemas.microsoft.com/office/drawing/2014/main" id="{52B437B5-D641-CE38-FD98-0FBF91F11ECD}"/>
               </a:ext>
             </a:extLst>
           </p:cNvPr>
@@ -13368,8 +13374,8 @@
         </p:nvSpPr>
         <p:spPr>
           <a:xfrm>
-            <a:off x="1524000" y="958334"/>
-            <a:ext cx="6096000" cy="923330"/>
+            <a:off x="6261755" y="5480372"/>
+            <a:ext cx="5486400" cy="923330"/>
           </a:xfrm>
           <a:prstGeom prst="rect">
             <a:avLst/>
@@ -13383,34 +13389,16 @@
           <a:lstStyle/>
           <a:p>
             <a:r>
-              <a:rPr lang="en-US" altLang="zh-CN" dirty="0"/>
-              <a:t>Noisy Signal = Clean Signal + </a:t>
-            </a:r>
-            <a:r>
-              <a:rPr lang="en-US" altLang="zh-CN" dirty="0" err="1"/>
-              <a:t>np.random.normal</a:t>
-            </a:r>
-            <a:r>
-              <a:rPr lang="en-US" altLang="zh-CN" dirty="0"/>
-              <a:t>()</a:t>
-            </a:r>
-          </a:p>
-          <a:p>
-            <a:endParaRPr lang="en-US" altLang="zh-CN" dirty="0"/>
-          </a:p>
-          <a:p>
-            <a:r>
-              <a:rPr lang="en-US" altLang="zh-CN" dirty="0"/>
-              <a:t>Mean value of Noisy Signal is 0.</a:t>
-            </a:r>
-            <a:endParaRPr lang="zh-CN" altLang="en-US" dirty="0"/>
+              <a:rPr lang="zh-CN" altLang="en-US" dirty="0"/>
+              <a:t>The prediction result for D indicate that at least this denoising effect can barely be acceptable.</a:t>
+            </a:r>
           </a:p>
         </p:txBody>
       </p:sp>
     </p:spTree>
     <p:extLst>
       <p:ext uri="{BB962C8B-B14F-4D97-AF65-F5344CB8AC3E}">
-        <p14:creationId xmlns:p14="http://schemas.microsoft.com/office/powerpoint/2010/main" val="1409803502"/>
+        <p14:creationId xmlns:p14="http://schemas.microsoft.com/office/powerpoint/2010/main" val="1257740799"/>
       </p:ext>
     </p:extLst>
   </p:cSld>
@@ -13512,10 +13500,10 @@
       </p:sp>
       <p:pic>
         <p:nvPicPr>
-          <p:cNvPr id="3" name="图片 2">
-            <a:extLst>
-              <a:ext uri="{FF2B5EF4-FFF2-40B4-BE49-F238E27FC236}">
-                <a16:creationId xmlns:a16="http://schemas.microsoft.com/office/drawing/2014/main" id="{72C2E029-650C-8A32-6069-19A037A7F100}"/>
+          <p:cNvPr id="5" name="图片 4">
+            <a:extLst>
+              <a:ext uri="{FF2B5EF4-FFF2-40B4-BE49-F238E27FC236}">
+                <a16:creationId xmlns:a16="http://schemas.microsoft.com/office/drawing/2014/main" id="{93162402-2550-1C19-8F88-8EC33905F9D9}"/>
               </a:ext>
             </a:extLst>
           </p:cNvPr>
@@ -13538,7 +13526,7 @@
         </p:blipFill>
         <p:spPr>
           <a:xfrm>
-            <a:off x="1524000" y="1513114"/>
+            <a:off x="1524000" y="2006600"/>
             <a:ext cx="9144000" cy="4572000"/>
           </a:xfrm>
           <a:prstGeom prst="rect">
@@ -13548,10 +13536,10 @@
       </p:pic>
       <p:sp>
         <p:nvSpPr>
-          <p:cNvPr id="4" name="文本框 3">
-            <a:extLst>
-              <a:ext uri="{FF2B5EF4-FFF2-40B4-BE49-F238E27FC236}">
-                <a16:creationId xmlns:a16="http://schemas.microsoft.com/office/drawing/2014/main" id="{F7A328F2-5122-D9E7-B092-AC98AC5727D9}"/>
+          <p:cNvPr id="3" name="文本框 2">
+            <a:extLst>
+              <a:ext uri="{FF2B5EF4-FFF2-40B4-BE49-F238E27FC236}">
+                <a16:creationId xmlns:a16="http://schemas.microsoft.com/office/drawing/2014/main" id="{E84204FE-6E96-FBD9-7502-BFC26656D187}"/>
               </a:ext>
             </a:extLst>
           </p:cNvPr>
@@ -13560,7 +13548,7 @@
         </p:nvSpPr>
         <p:spPr>
           <a:xfrm>
-            <a:off x="2387600" y="855849"/>
+            <a:off x="1524000" y="958334"/>
             <a:ext cx="6096000" cy="923330"/>
           </a:xfrm>
           <a:prstGeom prst="rect">
@@ -13576,56 +13564,24 @@
           <a:p>
             <a:r>
               <a:rPr lang="en-US" altLang="zh-CN" dirty="0"/>
-              <a:t>We cannot</a:t>
-            </a:r>
-            <a:r>
-              <a:rPr lang="zh-CN" altLang="en-US" dirty="0"/>
-              <a:t> </a:t>
+              <a:t>Noisy Signal = Clean Signal + </a:t>
+            </a:r>
+            <a:r>
+              <a:rPr lang="en-US" altLang="zh-CN" dirty="0" err="1"/>
+              <a:t>np.random.normal</a:t>
             </a:r>
             <a:r>
               <a:rPr lang="en-US" altLang="zh-CN" dirty="0"/>
-              <a:t>get</a:t>
-            </a:r>
-            <a:r>
-              <a:rPr lang="zh-CN" altLang="en-US" dirty="0"/>
-              <a:t> </a:t>
-            </a:r>
+              <a:t>()</a:t>
+            </a:r>
+          </a:p>
+          <a:p>
+            <a:endParaRPr lang="en-US" altLang="zh-CN" dirty="0"/>
+          </a:p>
+          <a:p>
             <a:r>
               <a:rPr lang="en-US" altLang="zh-CN" dirty="0"/>
-              <a:t>the</a:t>
-            </a:r>
-            <a:r>
-              <a:rPr lang="zh-CN" altLang="en-US" dirty="0"/>
-              <a:t> </a:t>
-            </a:r>
-            <a:r>
-              <a:rPr lang="en-US" altLang="zh-CN" dirty="0"/>
-              <a:t>trend</a:t>
-            </a:r>
-            <a:r>
-              <a:rPr lang="zh-CN" altLang="en-US" dirty="0"/>
-              <a:t> </a:t>
-            </a:r>
-            <a:r>
-              <a:rPr lang="en-US" altLang="zh-CN" dirty="0"/>
-              <a:t>of</a:t>
-            </a:r>
-            <a:r>
-              <a:rPr lang="zh-CN" altLang="en-US" dirty="0"/>
-              <a:t> </a:t>
-            </a:r>
-            <a:r>
-              <a:rPr lang="en-US" altLang="zh-CN" dirty="0"/>
-              <a:t>Noisy Signal.</a:t>
-            </a:r>
-          </a:p>
-          <a:p>
-            <a:endParaRPr lang="en-US" altLang="zh-CN" dirty="0"/>
-          </a:p>
-          <a:p>
-            <a:r>
-              <a:rPr lang="en-US" altLang="zh-CN" dirty="0"/>
-              <a:t>SSA don’t work well at this situation.</a:t>
+              <a:t>Mean value of Noisy Signal is 0.</a:t>
             </a:r>
             <a:endParaRPr lang="zh-CN" altLang="en-US" dirty="0"/>
           </a:p>
@@ -13634,7 +13590,7 @@
     </p:spTree>
     <p:extLst>
       <p:ext uri="{BB962C8B-B14F-4D97-AF65-F5344CB8AC3E}">
-        <p14:creationId xmlns:p14="http://schemas.microsoft.com/office/powerpoint/2010/main" val="1380181443"/>
+        <p14:creationId xmlns:p14="http://schemas.microsoft.com/office/powerpoint/2010/main" val="1409803502"/>
       </p:ext>
     </p:extLst>
   </p:cSld>

--- a/Presentation_911_JiayuChen.pptx
+++ b/Presentation_911_JiayuChen.pptx
@@ -1355,52 +1355,6 @@
         <p:txBody>
           <a:bodyPr/>
           <a:lstStyle/>
-          <a:p>
-            <a:r>
-              <a:rPr lang="zh-CN" altLang="en-US" dirty="0"/>
-              <a:t>展示</a:t>
-            </a:r>
-            <a:r>
-              <a:rPr lang="en-US" altLang="zh-CN" dirty="0"/>
-              <a:t>Nk2</a:t>
-            </a:r>
-            <a:r>
-              <a:rPr lang="zh-CN" altLang="en-US" dirty="0"/>
-              <a:t>的添加和直接添加之间的区别，时域和频域</a:t>
-            </a:r>
-            <a:endParaRPr lang="en-US" altLang="zh-CN" dirty="0"/>
-          </a:p>
-          <a:p>
-            <a:endParaRPr lang="en-US" altLang="zh-CN" dirty="0"/>
-          </a:p>
-          <a:p>
-            <a:r>
-              <a:rPr lang="zh-CN" altLang="en-US" dirty="0"/>
-              <a:t>展示</a:t>
-            </a:r>
-            <a:r>
-              <a:rPr lang="en-US" altLang="zh-CN" dirty="0"/>
-              <a:t>S filter</a:t>
-            </a:r>
-            <a:r>
-              <a:rPr lang="zh-CN" altLang="en-US" dirty="0"/>
-              <a:t>的效果，以及为什么可以代替</a:t>
-            </a:r>
-            <a:r>
-              <a:rPr lang="en-US" altLang="zh-CN" dirty="0"/>
-              <a:t>SSA</a:t>
-            </a:r>
-          </a:p>
-          <a:p>
-            <a:endParaRPr lang="en-US" altLang="zh-CN" dirty="0"/>
-          </a:p>
-          <a:p>
-            <a:r>
-              <a:rPr lang="zh-CN" altLang="en-US" dirty="0"/>
-              <a:t>直接展示结果的表格</a:t>
-            </a:r>
-            <a:endParaRPr lang="en-US" altLang="zh-CN" dirty="0"/>
-          </a:p>
           <a:p>
             <a:endParaRPr lang="en-US" altLang="zh-CN" dirty="0"/>
           </a:p>
@@ -8813,6 +8767,50 @@
           </a:p>
         </p:txBody>
       </p:sp>
+      <p:sp>
+        <p:nvSpPr>
+          <p:cNvPr id="2" name="文本框 1">
+            <a:extLst>
+              <a:ext uri="{FF2B5EF4-FFF2-40B4-BE49-F238E27FC236}">
+                <a16:creationId xmlns:a16="http://schemas.microsoft.com/office/drawing/2014/main" id="{19A4859E-42AA-3E74-0A51-24C906DB6373}"/>
+              </a:ext>
+            </a:extLst>
+          </p:cNvPr>
+          <p:cNvSpPr txBox="1"/>
+          <p:nvPr/>
+        </p:nvSpPr>
+        <p:spPr>
+          <a:xfrm>
+            <a:off x="6834432" y="244750"/>
+            <a:ext cx="5165889" cy="646331"/>
+          </a:xfrm>
+          <a:prstGeom prst="rect">
+            <a:avLst/>
+          </a:prstGeom>
+          <a:noFill/>
+        </p:spPr>
+        <p:txBody>
+          <a:bodyPr wrap="square" rtlCol="0">
+            <a:spAutoFit/>
+          </a:bodyPr>
+          <a:lstStyle/>
+          <a:p>
+            <a:r>
+              <a:rPr lang="en-US" altLang="zh-CN" dirty="0"/>
+              <a:t>All output pictures can be found in my presentation’s </a:t>
+            </a:r>
+            <a:r>
+              <a:rPr lang="en-US" altLang="zh-CN" dirty="0" err="1"/>
+              <a:t>github</a:t>
+            </a:r>
+            <a:r>
+              <a:rPr lang="en-US" altLang="zh-CN" dirty="0"/>
+              <a:t> repository.</a:t>
+            </a:r>
+            <a:endParaRPr lang="zh-CN" altLang="en-US" dirty="0"/>
+          </a:p>
+        </p:txBody>
+      </p:sp>
     </p:spTree>
     <p:extLst>
       <p:ext uri="{BB962C8B-B14F-4D97-AF65-F5344CB8AC3E}">
